--- a/project_presentation.pptx
+++ b/project_presentation.pptx
@@ -10,14 +10,14 @@
   <p:sldIdLst>
     <p:sldId id="256" r:id="rId2"/>
     <p:sldId id="284" r:id="rId3"/>
-    <p:sldId id="273" r:id="rId4"/>
-    <p:sldId id="274" r:id="rId5"/>
+    <p:sldId id="285" r:id="rId4"/>
+    <p:sldId id="286" r:id="rId5"/>
     <p:sldId id="275" r:id="rId6"/>
     <p:sldId id="276" r:id="rId7"/>
     <p:sldId id="277" r:id="rId8"/>
     <p:sldId id="278" r:id="rId9"/>
     <p:sldId id="279" r:id="rId10"/>
-    <p:sldId id="283" r:id="rId11"/>
+    <p:sldId id="287" r:id="rId11"/>
     <p:sldId id="280" r:id="rId12"/>
     <p:sldId id="281" r:id="rId13"/>
     <p:sldId id="282" r:id="rId14"/>
@@ -163,6 +163,3434 @@
 </pc:chgInfo>
 </file>
 
+<file path=ppt/diagrams/colors1.xml><?xml version="1.0" encoding="utf-8"?>
+<dgm:colorsDef xmlns:dgm="http://schemas.openxmlformats.org/drawingml/2006/diagram" xmlns:a="http://schemas.openxmlformats.org/drawingml/2006/main" uniqueId="urn:microsoft.com/office/officeart/2005/8/colors/accent1_2">
+  <dgm:title val=""/>
+  <dgm:desc val=""/>
+  <dgm:catLst>
+    <dgm:cat type="accent1" pri="11200"/>
+  </dgm:catLst>
+  <dgm:styleLbl name="node0">
+    <dgm:fillClrLst meth="repeat">
+      <a:schemeClr val="accent1"/>
+    </dgm:fillClrLst>
+    <dgm:linClrLst meth="repeat">
+      <a:schemeClr val="lt1"/>
+    </dgm:linClrLst>
+    <dgm:effectClrLst/>
+    <dgm:txLinClrLst/>
+    <dgm:txFillClrLst/>
+    <dgm:txEffectClrLst/>
+  </dgm:styleLbl>
+  <dgm:styleLbl name="alignNode1">
+    <dgm:fillClrLst meth="repeat">
+      <a:schemeClr val="accent1"/>
+    </dgm:fillClrLst>
+    <dgm:linClrLst meth="repeat">
+      <a:schemeClr val="accent1"/>
+    </dgm:linClrLst>
+    <dgm:effectClrLst/>
+    <dgm:txLinClrLst/>
+    <dgm:txFillClrLst/>
+    <dgm:txEffectClrLst/>
+  </dgm:styleLbl>
+  <dgm:styleLbl name="node1">
+    <dgm:fillClrLst meth="repeat">
+      <a:schemeClr val="accent1"/>
+    </dgm:fillClrLst>
+    <dgm:linClrLst meth="repeat">
+      <a:schemeClr val="lt1"/>
+    </dgm:linClrLst>
+    <dgm:effectClrLst/>
+    <dgm:txLinClrLst/>
+    <dgm:txFillClrLst/>
+    <dgm:txEffectClrLst/>
+  </dgm:styleLbl>
+  <dgm:styleLbl name="lnNode1">
+    <dgm:fillClrLst meth="repeat">
+      <a:schemeClr val="accent1"/>
+    </dgm:fillClrLst>
+    <dgm:linClrLst meth="repeat">
+      <a:schemeClr val="lt1"/>
+    </dgm:linClrLst>
+    <dgm:effectClrLst/>
+    <dgm:txLinClrLst/>
+    <dgm:txFillClrLst/>
+    <dgm:txEffectClrLst/>
+  </dgm:styleLbl>
+  <dgm:styleLbl name="vennNode1">
+    <dgm:fillClrLst meth="repeat">
+      <a:schemeClr val="accent1">
+        <a:alpha val="50000"/>
+      </a:schemeClr>
+    </dgm:fillClrLst>
+    <dgm:linClrLst meth="repeat">
+      <a:schemeClr val="lt1"/>
+    </dgm:linClrLst>
+    <dgm:effectClrLst/>
+    <dgm:txLinClrLst/>
+    <dgm:txFillClrLst/>
+    <dgm:txEffectClrLst/>
+  </dgm:styleLbl>
+  <dgm:styleLbl name="node2">
+    <dgm:fillClrLst meth="repeat">
+      <a:schemeClr val="accent1"/>
+    </dgm:fillClrLst>
+    <dgm:linClrLst meth="repeat">
+      <a:schemeClr val="lt1"/>
+    </dgm:linClrLst>
+    <dgm:effectClrLst/>
+    <dgm:txLinClrLst/>
+    <dgm:txFillClrLst/>
+    <dgm:txEffectClrLst/>
+  </dgm:styleLbl>
+  <dgm:styleLbl name="node3">
+    <dgm:fillClrLst meth="repeat">
+      <a:schemeClr val="accent1"/>
+    </dgm:fillClrLst>
+    <dgm:linClrLst meth="repeat">
+      <a:schemeClr val="lt1"/>
+    </dgm:linClrLst>
+    <dgm:effectClrLst/>
+    <dgm:txLinClrLst/>
+    <dgm:txFillClrLst/>
+    <dgm:txEffectClrLst/>
+  </dgm:styleLbl>
+  <dgm:styleLbl name="node4">
+    <dgm:fillClrLst meth="repeat">
+      <a:schemeClr val="accent1"/>
+    </dgm:fillClrLst>
+    <dgm:linClrLst meth="repeat">
+      <a:schemeClr val="lt1"/>
+    </dgm:linClrLst>
+    <dgm:effectClrLst/>
+    <dgm:txLinClrLst/>
+    <dgm:txFillClrLst/>
+    <dgm:txEffectClrLst/>
+  </dgm:styleLbl>
+  <dgm:styleLbl name="fgImgPlace1">
+    <dgm:fillClrLst meth="repeat">
+      <a:schemeClr val="accent1">
+        <a:tint val="50000"/>
+      </a:schemeClr>
+    </dgm:fillClrLst>
+    <dgm:linClrLst meth="repeat">
+      <a:schemeClr val="lt1"/>
+    </dgm:linClrLst>
+    <dgm:effectClrLst/>
+    <dgm:txLinClrLst/>
+    <dgm:txFillClrLst meth="repeat">
+      <a:schemeClr val="lt1"/>
+    </dgm:txFillClrLst>
+    <dgm:txEffectClrLst/>
+  </dgm:styleLbl>
+  <dgm:styleLbl name="alignImgPlace1">
+    <dgm:fillClrLst meth="repeat">
+      <a:schemeClr val="accent1">
+        <a:tint val="50000"/>
+      </a:schemeClr>
+    </dgm:fillClrLst>
+    <dgm:linClrLst meth="repeat">
+      <a:schemeClr val="lt1"/>
+    </dgm:linClrLst>
+    <dgm:effectClrLst/>
+    <dgm:txLinClrLst/>
+    <dgm:txFillClrLst meth="repeat">
+      <a:schemeClr val="lt1"/>
+    </dgm:txFillClrLst>
+    <dgm:txEffectClrLst/>
+  </dgm:styleLbl>
+  <dgm:styleLbl name="bgImgPlace1">
+    <dgm:fillClrLst meth="repeat">
+      <a:schemeClr val="accent1">
+        <a:tint val="50000"/>
+      </a:schemeClr>
+    </dgm:fillClrLst>
+    <dgm:linClrLst meth="repeat">
+      <a:schemeClr val="lt1"/>
+    </dgm:linClrLst>
+    <dgm:effectClrLst/>
+    <dgm:txLinClrLst/>
+    <dgm:txFillClrLst meth="repeat">
+      <a:schemeClr val="lt1"/>
+    </dgm:txFillClrLst>
+    <dgm:txEffectClrLst/>
+  </dgm:styleLbl>
+  <dgm:styleLbl name="sibTrans2D1">
+    <dgm:fillClrLst meth="repeat">
+      <a:schemeClr val="accent1">
+        <a:tint val="60000"/>
+      </a:schemeClr>
+    </dgm:fillClrLst>
+    <dgm:linClrLst meth="repeat">
+      <a:schemeClr val="accent1">
+        <a:tint val="60000"/>
+      </a:schemeClr>
+    </dgm:linClrLst>
+    <dgm:effectClrLst/>
+    <dgm:txLinClrLst/>
+    <dgm:txFillClrLst/>
+    <dgm:txEffectClrLst/>
+  </dgm:styleLbl>
+  <dgm:styleLbl name="fgSibTrans2D1">
+    <dgm:fillClrLst meth="repeat">
+      <a:schemeClr val="accent1">
+        <a:tint val="60000"/>
+      </a:schemeClr>
+    </dgm:fillClrLst>
+    <dgm:linClrLst meth="repeat">
+      <a:schemeClr val="accent1">
+        <a:tint val="60000"/>
+      </a:schemeClr>
+    </dgm:linClrLst>
+    <dgm:effectClrLst/>
+    <dgm:txLinClrLst/>
+    <dgm:txFillClrLst/>
+    <dgm:txEffectClrLst/>
+  </dgm:styleLbl>
+  <dgm:styleLbl name="bgSibTrans2D1">
+    <dgm:fillClrLst meth="repeat">
+      <a:schemeClr val="accent1">
+        <a:tint val="60000"/>
+      </a:schemeClr>
+    </dgm:fillClrLst>
+    <dgm:linClrLst meth="repeat">
+      <a:schemeClr val="accent1">
+        <a:tint val="60000"/>
+      </a:schemeClr>
+    </dgm:linClrLst>
+    <dgm:effectClrLst/>
+    <dgm:txLinClrLst/>
+    <dgm:txFillClrLst/>
+    <dgm:txEffectClrLst/>
+  </dgm:styleLbl>
+  <dgm:styleLbl name="sibTrans1D1">
+    <dgm:fillClrLst meth="repeat">
+      <a:schemeClr val="accent1"/>
+    </dgm:fillClrLst>
+    <dgm:linClrLst meth="repeat">
+      <a:schemeClr val="accent1"/>
+    </dgm:linClrLst>
+    <dgm:effectClrLst/>
+    <dgm:txLinClrLst/>
+    <dgm:txFillClrLst meth="repeat">
+      <a:schemeClr val="tx1"/>
+    </dgm:txFillClrLst>
+    <dgm:txEffectClrLst/>
+  </dgm:styleLbl>
+  <dgm:styleLbl name="callout">
+    <dgm:fillClrLst meth="repeat">
+      <a:schemeClr val="accent1"/>
+    </dgm:fillClrLst>
+    <dgm:linClrLst meth="repeat">
+      <a:schemeClr val="accent1">
+        <a:tint val="50000"/>
+      </a:schemeClr>
+    </dgm:linClrLst>
+    <dgm:effectClrLst/>
+    <dgm:txLinClrLst/>
+    <dgm:txFillClrLst meth="repeat">
+      <a:schemeClr val="tx1"/>
+    </dgm:txFillClrLst>
+    <dgm:txEffectClrLst/>
+  </dgm:styleLbl>
+  <dgm:styleLbl name="asst0">
+    <dgm:fillClrLst meth="repeat">
+      <a:schemeClr val="accent1"/>
+    </dgm:fillClrLst>
+    <dgm:linClrLst meth="repeat">
+      <a:schemeClr val="lt1"/>
+    </dgm:linClrLst>
+    <dgm:effectClrLst/>
+    <dgm:txLinClrLst/>
+    <dgm:txFillClrLst/>
+    <dgm:txEffectClrLst/>
+  </dgm:styleLbl>
+  <dgm:styleLbl name="asst1">
+    <dgm:fillClrLst meth="repeat">
+      <a:schemeClr val="accent1"/>
+    </dgm:fillClrLst>
+    <dgm:linClrLst meth="repeat">
+      <a:schemeClr val="lt1"/>
+    </dgm:linClrLst>
+    <dgm:effectClrLst/>
+    <dgm:txLinClrLst/>
+    <dgm:txFillClrLst/>
+    <dgm:txEffectClrLst/>
+  </dgm:styleLbl>
+  <dgm:styleLbl name="asst2">
+    <dgm:fillClrLst meth="repeat">
+      <a:schemeClr val="accent1"/>
+    </dgm:fillClrLst>
+    <dgm:linClrLst meth="repeat">
+      <a:schemeClr val="lt1"/>
+    </dgm:linClrLst>
+    <dgm:effectClrLst/>
+    <dgm:txLinClrLst/>
+    <dgm:txFillClrLst/>
+    <dgm:txEffectClrLst/>
+  </dgm:styleLbl>
+  <dgm:styleLbl name="asst3">
+    <dgm:fillClrLst meth="repeat">
+      <a:schemeClr val="accent1"/>
+    </dgm:fillClrLst>
+    <dgm:linClrLst meth="repeat">
+      <a:schemeClr val="lt1"/>
+    </dgm:linClrLst>
+    <dgm:effectClrLst/>
+    <dgm:txLinClrLst/>
+    <dgm:txFillClrLst/>
+    <dgm:txEffectClrLst/>
+  </dgm:styleLbl>
+  <dgm:styleLbl name="asst4">
+    <dgm:fillClrLst meth="repeat">
+      <a:schemeClr val="accent1"/>
+    </dgm:fillClrLst>
+    <dgm:linClrLst meth="repeat">
+      <a:schemeClr val="lt1"/>
+    </dgm:linClrLst>
+    <dgm:effectClrLst/>
+    <dgm:txLinClrLst/>
+    <dgm:txFillClrLst/>
+    <dgm:txEffectClrLst/>
+  </dgm:styleLbl>
+  <dgm:styleLbl name="parChTrans2D1">
+    <dgm:fillClrLst meth="repeat">
+      <a:schemeClr val="accent1">
+        <a:tint val="60000"/>
+      </a:schemeClr>
+    </dgm:fillClrLst>
+    <dgm:linClrLst meth="repeat">
+      <a:schemeClr val="accent1">
+        <a:tint val="60000"/>
+      </a:schemeClr>
+    </dgm:linClrLst>
+    <dgm:effectClrLst/>
+    <dgm:txLinClrLst/>
+    <dgm:txFillClrLst meth="repeat">
+      <a:schemeClr val="lt1"/>
+    </dgm:txFillClrLst>
+    <dgm:txEffectClrLst/>
+  </dgm:styleLbl>
+  <dgm:styleLbl name="parChTrans2D2">
+    <dgm:fillClrLst meth="repeat">
+      <a:schemeClr val="accent1"/>
+    </dgm:fillClrLst>
+    <dgm:linClrLst meth="repeat">
+      <a:schemeClr val="accent1"/>
+    </dgm:linClrLst>
+    <dgm:effectClrLst/>
+    <dgm:txLinClrLst/>
+    <dgm:txFillClrLst meth="repeat">
+      <a:schemeClr val="lt1"/>
+    </dgm:txFillClrLst>
+    <dgm:txEffectClrLst/>
+  </dgm:styleLbl>
+  <dgm:styleLbl name="parChTrans2D3">
+    <dgm:fillClrLst meth="repeat">
+      <a:schemeClr val="accent1"/>
+    </dgm:fillClrLst>
+    <dgm:linClrLst meth="repeat">
+      <a:schemeClr val="accent1"/>
+    </dgm:linClrLst>
+    <dgm:effectClrLst/>
+    <dgm:txLinClrLst/>
+    <dgm:txFillClrLst meth="repeat">
+      <a:schemeClr val="lt1"/>
+    </dgm:txFillClrLst>
+    <dgm:txEffectClrLst/>
+  </dgm:styleLbl>
+  <dgm:styleLbl name="parChTrans2D4">
+    <dgm:fillClrLst meth="repeat">
+      <a:schemeClr val="accent1"/>
+    </dgm:fillClrLst>
+    <dgm:linClrLst meth="repeat">
+      <a:schemeClr val="accent1"/>
+    </dgm:linClrLst>
+    <dgm:effectClrLst/>
+    <dgm:txLinClrLst/>
+    <dgm:txFillClrLst meth="repeat">
+      <a:schemeClr val="lt1"/>
+    </dgm:txFillClrLst>
+    <dgm:txEffectClrLst/>
+  </dgm:styleLbl>
+  <dgm:styleLbl name="parChTrans1D1">
+    <dgm:fillClrLst meth="repeat">
+      <a:schemeClr val="accent1"/>
+    </dgm:fillClrLst>
+    <dgm:linClrLst meth="repeat">
+      <a:schemeClr val="accent1">
+        <a:shade val="60000"/>
+      </a:schemeClr>
+    </dgm:linClrLst>
+    <dgm:effectClrLst/>
+    <dgm:txLinClrLst/>
+    <dgm:txFillClrLst meth="repeat">
+      <a:schemeClr val="tx1"/>
+    </dgm:txFillClrLst>
+    <dgm:txEffectClrLst/>
+  </dgm:styleLbl>
+  <dgm:styleLbl name="parChTrans1D2">
+    <dgm:fillClrLst meth="repeat">
+      <a:schemeClr val="accent1"/>
+    </dgm:fillClrLst>
+    <dgm:linClrLst meth="repeat">
+      <a:schemeClr val="accent1">
+        <a:shade val="60000"/>
+      </a:schemeClr>
+    </dgm:linClrLst>
+    <dgm:effectClrLst/>
+    <dgm:txLinClrLst/>
+    <dgm:txFillClrLst meth="repeat">
+      <a:schemeClr val="tx1"/>
+    </dgm:txFillClrLst>
+    <dgm:txEffectClrLst/>
+  </dgm:styleLbl>
+  <dgm:styleLbl name="parChTrans1D3">
+    <dgm:fillClrLst meth="repeat">
+      <a:schemeClr val="accent1"/>
+    </dgm:fillClrLst>
+    <dgm:linClrLst meth="repeat">
+      <a:schemeClr val="accent1">
+        <a:shade val="80000"/>
+      </a:schemeClr>
+    </dgm:linClrLst>
+    <dgm:effectClrLst/>
+    <dgm:txLinClrLst/>
+    <dgm:txFillClrLst meth="repeat">
+      <a:schemeClr val="tx1"/>
+    </dgm:txFillClrLst>
+    <dgm:txEffectClrLst/>
+  </dgm:styleLbl>
+  <dgm:styleLbl name="parChTrans1D4">
+    <dgm:fillClrLst meth="repeat">
+      <a:schemeClr val="accent1"/>
+    </dgm:fillClrLst>
+    <dgm:linClrLst meth="repeat">
+      <a:schemeClr val="accent1">
+        <a:shade val="80000"/>
+      </a:schemeClr>
+    </dgm:linClrLst>
+    <dgm:effectClrLst/>
+    <dgm:txLinClrLst/>
+    <dgm:txFillClrLst meth="repeat">
+      <a:schemeClr val="tx1"/>
+    </dgm:txFillClrLst>
+    <dgm:txEffectClrLst/>
+  </dgm:styleLbl>
+  <dgm:styleLbl name="fgAcc1">
+    <dgm:fillClrLst meth="repeat">
+      <a:schemeClr val="lt1">
+        <a:alpha val="90000"/>
+      </a:schemeClr>
+    </dgm:fillClrLst>
+    <dgm:linClrLst meth="repeat">
+      <a:schemeClr val="accent1"/>
+    </dgm:linClrLst>
+    <dgm:effectClrLst/>
+    <dgm:txLinClrLst/>
+    <dgm:txFillClrLst meth="repeat">
+      <a:schemeClr val="dk1"/>
+    </dgm:txFillClrLst>
+    <dgm:txEffectClrLst/>
+  </dgm:styleLbl>
+  <dgm:styleLbl name="conFgAcc1">
+    <dgm:fillClrLst meth="repeat">
+      <a:schemeClr val="lt1">
+        <a:alpha val="90000"/>
+      </a:schemeClr>
+    </dgm:fillClrLst>
+    <dgm:linClrLst meth="repeat">
+      <a:schemeClr val="accent1"/>
+    </dgm:linClrLst>
+    <dgm:effectClrLst/>
+    <dgm:txLinClrLst/>
+    <dgm:txFillClrLst meth="repeat">
+      <a:schemeClr val="dk1"/>
+    </dgm:txFillClrLst>
+    <dgm:txEffectClrLst/>
+  </dgm:styleLbl>
+  <dgm:styleLbl name="alignAcc1">
+    <dgm:fillClrLst meth="repeat">
+      <a:schemeClr val="lt1">
+        <a:alpha val="90000"/>
+      </a:schemeClr>
+    </dgm:fillClrLst>
+    <dgm:linClrLst meth="repeat">
+      <a:schemeClr val="accent1"/>
+    </dgm:linClrLst>
+    <dgm:effectClrLst/>
+    <dgm:txLinClrLst/>
+    <dgm:txFillClrLst meth="repeat">
+      <a:schemeClr val="dk1"/>
+    </dgm:txFillClrLst>
+    <dgm:txEffectClrLst/>
+  </dgm:styleLbl>
+  <dgm:styleLbl name="trAlignAcc1">
+    <dgm:fillClrLst meth="repeat">
+      <a:schemeClr val="lt1">
+        <a:alpha val="40000"/>
+      </a:schemeClr>
+    </dgm:fillClrLst>
+    <dgm:linClrLst meth="repeat">
+      <a:schemeClr val="accent1"/>
+    </dgm:linClrLst>
+    <dgm:effectClrLst/>
+    <dgm:txLinClrLst/>
+    <dgm:txFillClrLst meth="repeat">
+      <a:schemeClr val="dk1"/>
+    </dgm:txFillClrLst>
+    <dgm:txEffectClrLst/>
+  </dgm:styleLbl>
+  <dgm:styleLbl name="bgAcc1">
+    <dgm:fillClrLst meth="repeat">
+      <a:schemeClr val="lt1">
+        <a:alpha val="90000"/>
+      </a:schemeClr>
+    </dgm:fillClrLst>
+    <dgm:linClrLst meth="repeat">
+      <a:schemeClr val="accent1"/>
+    </dgm:linClrLst>
+    <dgm:effectClrLst/>
+    <dgm:txLinClrLst/>
+    <dgm:txFillClrLst meth="repeat">
+      <a:schemeClr val="dk1"/>
+    </dgm:txFillClrLst>
+    <dgm:txEffectClrLst/>
+  </dgm:styleLbl>
+  <dgm:styleLbl name="solidFgAcc1">
+    <dgm:fillClrLst meth="repeat">
+      <a:schemeClr val="lt1"/>
+    </dgm:fillClrLst>
+    <dgm:linClrLst meth="repeat">
+      <a:schemeClr val="accent1"/>
+    </dgm:linClrLst>
+    <dgm:effectClrLst/>
+    <dgm:txLinClrLst/>
+    <dgm:txFillClrLst meth="repeat">
+      <a:schemeClr val="dk1"/>
+    </dgm:txFillClrLst>
+    <dgm:txEffectClrLst/>
+  </dgm:styleLbl>
+  <dgm:styleLbl name="solidAlignAcc1">
+    <dgm:fillClrLst meth="repeat">
+      <a:schemeClr val="lt1"/>
+    </dgm:fillClrLst>
+    <dgm:linClrLst meth="repeat">
+      <a:schemeClr val="accent1"/>
+    </dgm:linClrLst>
+    <dgm:effectClrLst/>
+    <dgm:txLinClrLst/>
+    <dgm:txFillClrLst meth="repeat">
+      <a:schemeClr val="dk1"/>
+    </dgm:txFillClrLst>
+    <dgm:txEffectClrLst/>
+  </dgm:styleLbl>
+  <dgm:styleLbl name="solidBgAcc1">
+    <dgm:fillClrLst meth="repeat">
+      <a:schemeClr val="lt1"/>
+    </dgm:fillClrLst>
+    <dgm:linClrLst meth="repeat">
+      <a:schemeClr val="accent1"/>
+    </dgm:linClrLst>
+    <dgm:effectClrLst/>
+    <dgm:txLinClrLst/>
+    <dgm:txFillClrLst meth="repeat">
+      <a:schemeClr val="dk1"/>
+    </dgm:txFillClrLst>
+    <dgm:txEffectClrLst/>
+  </dgm:styleLbl>
+  <dgm:styleLbl name="fgAccFollowNode1">
+    <dgm:fillClrLst meth="repeat">
+      <a:schemeClr val="accent1">
+        <a:alpha val="90000"/>
+        <a:tint val="40000"/>
+      </a:schemeClr>
+    </dgm:fillClrLst>
+    <dgm:linClrLst meth="repeat">
+      <a:schemeClr val="accent1">
+        <a:alpha val="90000"/>
+        <a:tint val="40000"/>
+      </a:schemeClr>
+    </dgm:linClrLst>
+    <dgm:effectClrLst/>
+    <dgm:txLinClrLst/>
+    <dgm:txFillClrLst meth="repeat">
+      <a:schemeClr val="dk1"/>
+    </dgm:txFillClrLst>
+    <dgm:txEffectClrLst/>
+  </dgm:styleLbl>
+  <dgm:styleLbl name="alignAccFollowNode1">
+    <dgm:fillClrLst meth="repeat">
+      <a:schemeClr val="accent1">
+        <a:alpha val="90000"/>
+        <a:tint val="40000"/>
+      </a:schemeClr>
+    </dgm:fillClrLst>
+    <dgm:linClrLst meth="repeat">
+      <a:schemeClr val="accent1">
+        <a:alpha val="90000"/>
+        <a:tint val="40000"/>
+      </a:schemeClr>
+    </dgm:linClrLst>
+    <dgm:effectClrLst/>
+    <dgm:txLinClrLst/>
+    <dgm:txFillClrLst meth="repeat">
+      <a:schemeClr val="dk1"/>
+    </dgm:txFillClrLst>
+    <dgm:txEffectClrLst/>
+  </dgm:styleLbl>
+  <dgm:styleLbl name="bgAccFollowNode1">
+    <dgm:fillClrLst meth="repeat">
+      <a:schemeClr val="accent1">
+        <a:alpha val="90000"/>
+        <a:tint val="40000"/>
+      </a:schemeClr>
+    </dgm:fillClrLst>
+    <dgm:linClrLst meth="repeat">
+      <a:schemeClr val="accent1">
+        <a:alpha val="90000"/>
+        <a:tint val="40000"/>
+      </a:schemeClr>
+    </dgm:linClrLst>
+    <dgm:effectClrLst/>
+    <dgm:txLinClrLst/>
+    <dgm:txFillClrLst meth="repeat">
+      <a:schemeClr val="dk1"/>
+    </dgm:txFillClrLst>
+    <dgm:txEffectClrLst/>
+  </dgm:styleLbl>
+  <dgm:styleLbl name="fgAcc0">
+    <dgm:fillClrLst meth="repeat">
+      <a:schemeClr val="lt1">
+        <a:alpha val="90000"/>
+      </a:schemeClr>
+    </dgm:fillClrLst>
+    <dgm:linClrLst meth="repeat">
+      <a:schemeClr val="accent1"/>
+    </dgm:linClrLst>
+    <dgm:effectClrLst/>
+    <dgm:txLinClrLst/>
+    <dgm:txFillClrLst meth="repeat">
+      <a:schemeClr val="dk1"/>
+    </dgm:txFillClrLst>
+    <dgm:txEffectClrLst/>
+  </dgm:styleLbl>
+  <dgm:styleLbl name="fgAcc2">
+    <dgm:fillClrLst meth="repeat">
+      <a:schemeClr val="lt1">
+        <a:alpha val="90000"/>
+      </a:schemeClr>
+    </dgm:fillClrLst>
+    <dgm:linClrLst meth="repeat">
+      <a:schemeClr val="accent1"/>
+    </dgm:linClrLst>
+    <dgm:effectClrLst/>
+    <dgm:txLinClrLst/>
+    <dgm:txFillClrLst meth="repeat">
+      <a:schemeClr val="dk1"/>
+    </dgm:txFillClrLst>
+    <dgm:txEffectClrLst/>
+  </dgm:styleLbl>
+  <dgm:styleLbl name="fgAcc3">
+    <dgm:fillClrLst meth="repeat">
+      <a:schemeClr val="lt1">
+        <a:alpha val="90000"/>
+      </a:schemeClr>
+    </dgm:fillClrLst>
+    <dgm:linClrLst meth="repeat">
+      <a:schemeClr val="accent1"/>
+    </dgm:linClrLst>
+    <dgm:effectClrLst/>
+    <dgm:txLinClrLst/>
+    <dgm:txFillClrLst meth="repeat">
+      <a:schemeClr val="dk1"/>
+    </dgm:txFillClrLst>
+    <dgm:txEffectClrLst/>
+  </dgm:styleLbl>
+  <dgm:styleLbl name="fgAcc4">
+    <dgm:fillClrLst meth="repeat">
+      <a:schemeClr val="lt1">
+        <a:alpha val="90000"/>
+      </a:schemeClr>
+    </dgm:fillClrLst>
+    <dgm:linClrLst meth="repeat">
+      <a:schemeClr val="accent1"/>
+    </dgm:linClrLst>
+    <dgm:effectClrLst/>
+    <dgm:txLinClrLst/>
+    <dgm:txFillClrLst meth="repeat">
+      <a:schemeClr val="dk1"/>
+    </dgm:txFillClrLst>
+    <dgm:txEffectClrLst/>
+  </dgm:styleLbl>
+  <dgm:styleLbl name="bgShp">
+    <dgm:fillClrLst meth="repeat">
+      <a:schemeClr val="accent1">
+        <a:tint val="40000"/>
+      </a:schemeClr>
+    </dgm:fillClrLst>
+    <dgm:linClrLst meth="repeat">
+      <a:schemeClr val="accent1"/>
+    </dgm:linClrLst>
+    <dgm:effectClrLst/>
+    <dgm:txLinClrLst/>
+    <dgm:txFillClrLst meth="repeat">
+      <a:schemeClr val="dk1"/>
+    </dgm:txFillClrLst>
+    <dgm:txEffectClrLst/>
+  </dgm:styleLbl>
+  <dgm:styleLbl name="dkBgShp">
+    <dgm:fillClrLst meth="repeat">
+      <a:schemeClr val="accent1">
+        <a:shade val="80000"/>
+      </a:schemeClr>
+    </dgm:fillClrLst>
+    <dgm:linClrLst meth="repeat">
+      <a:schemeClr val="accent1"/>
+    </dgm:linClrLst>
+    <dgm:effectClrLst/>
+    <dgm:txLinClrLst/>
+    <dgm:txFillClrLst meth="repeat">
+      <a:schemeClr val="lt1"/>
+    </dgm:txFillClrLst>
+    <dgm:txEffectClrLst/>
+  </dgm:styleLbl>
+  <dgm:styleLbl name="trBgShp">
+    <dgm:fillClrLst meth="repeat">
+      <a:schemeClr val="accent1">
+        <a:tint val="50000"/>
+        <a:alpha val="40000"/>
+      </a:schemeClr>
+    </dgm:fillClrLst>
+    <dgm:linClrLst meth="repeat">
+      <a:schemeClr val="accent1"/>
+    </dgm:linClrLst>
+    <dgm:effectClrLst/>
+    <dgm:txLinClrLst/>
+    <dgm:txFillClrLst meth="repeat">
+      <a:schemeClr val="lt1"/>
+    </dgm:txFillClrLst>
+    <dgm:txEffectClrLst/>
+  </dgm:styleLbl>
+  <dgm:styleLbl name="fgShp">
+    <dgm:fillClrLst meth="repeat">
+      <a:schemeClr val="accent1">
+        <a:tint val="60000"/>
+      </a:schemeClr>
+    </dgm:fillClrLst>
+    <dgm:linClrLst meth="repeat">
+      <a:schemeClr val="lt1"/>
+    </dgm:linClrLst>
+    <dgm:effectClrLst/>
+    <dgm:txLinClrLst/>
+    <dgm:txFillClrLst meth="repeat">
+      <a:schemeClr val="dk1"/>
+    </dgm:txFillClrLst>
+    <dgm:txEffectClrLst/>
+  </dgm:styleLbl>
+  <dgm:styleLbl name="revTx">
+    <dgm:fillClrLst meth="repeat">
+      <a:schemeClr val="lt1">
+        <a:alpha val="0"/>
+      </a:schemeClr>
+    </dgm:fillClrLst>
+    <dgm:linClrLst meth="repeat">
+      <a:schemeClr val="dk1">
+        <a:alpha val="0"/>
+      </a:schemeClr>
+    </dgm:linClrLst>
+    <dgm:effectClrLst/>
+    <dgm:txLinClrLst/>
+    <dgm:txFillClrLst meth="repeat">
+      <a:schemeClr val="tx1"/>
+    </dgm:txFillClrLst>
+    <dgm:txEffectClrLst/>
+  </dgm:styleLbl>
+</dgm:colorsDef>
+</file>
+
+<file path=ppt/diagrams/data1.xml><?xml version="1.0" encoding="utf-8"?>
+<dgm:dataModel xmlns:dgm="http://schemas.openxmlformats.org/drawingml/2006/diagram" xmlns:a="http://schemas.openxmlformats.org/drawingml/2006/main">
+  <dgm:ptLst>
+    <dgm:pt modelId="{67C907BF-4D7B-5A4B-A6D2-B0123FB5CCD1}" type="doc">
+      <dgm:prSet loTypeId="urn:microsoft.com/office/officeart/2005/8/layout/chevron2" loCatId="" qsTypeId="urn:microsoft.com/office/officeart/2005/8/quickstyle/simple3" qsCatId="simple" csTypeId="urn:microsoft.com/office/officeart/2005/8/colors/accent1_2" csCatId="accent1" phldr="1"/>
+      <dgm:spPr/>
+      <dgm:t>
+        <a:bodyPr/>
+        <a:lstStyle/>
+        <a:p>
+          <a:endParaRPr lang="en-US"/>
+        </a:p>
+      </dgm:t>
+    </dgm:pt>
+    <dgm:pt modelId="{593FEBA3-D17C-4647-9F21-7931379AFF8F}">
+      <dgm:prSet phldrT="[Text]"/>
+      <dgm:spPr/>
+      <dgm:t>
+        <a:bodyPr/>
+        <a:lstStyle/>
+        <a:p>
+          <a:endParaRPr lang="en-US" dirty="0"/>
+        </a:p>
+      </dgm:t>
+    </dgm:pt>
+    <dgm:pt modelId="{397F6FDF-B336-F440-9C17-36D3CA13B00B}" type="parTrans" cxnId="{F6383655-6503-A049-A45F-87058F656346}">
+      <dgm:prSet/>
+      <dgm:spPr/>
+      <dgm:t>
+        <a:bodyPr/>
+        <a:lstStyle/>
+        <a:p>
+          <a:endParaRPr lang="en-US"/>
+        </a:p>
+      </dgm:t>
+    </dgm:pt>
+    <dgm:pt modelId="{E02D9CCD-F34C-AD45-AC4D-0B376E44B969}" type="sibTrans" cxnId="{F6383655-6503-A049-A45F-87058F656346}">
+      <dgm:prSet/>
+      <dgm:spPr/>
+      <dgm:t>
+        <a:bodyPr/>
+        <a:lstStyle/>
+        <a:p>
+          <a:endParaRPr lang="en-US" b="1"/>
+        </a:p>
+      </dgm:t>
+    </dgm:pt>
+    <dgm:pt modelId="{0D97F71C-81AE-D14B-949D-98CBAD0D8D96}">
+      <dgm:prSet/>
+      <dgm:spPr/>
+      <dgm:t>
+        <a:bodyPr/>
+        <a:lstStyle/>
+        <a:p>
+          <a:r>
+            <a:rPr lang="en-US" dirty="0"/>
+            <a:t>Start</a:t>
+          </a:r>
+        </a:p>
+      </dgm:t>
+    </dgm:pt>
+    <dgm:pt modelId="{83600811-A8B8-6E43-9E2D-842038B0A073}" type="parTrans" cxnId="{6A8D3FCF-93BB-594E-9D18-62FD8E2BD9D8}">
+      <dgm:prSet/>
+      <dgm:spPr/>
+      <dgm:t>
+        <a:bodyPr/>
+        <a:lstStyle/>
+        <a:p>
+          <a:endParaRPr lang="en-US"/>
+        </a:p>
+      </dgm:t>
+    </dgm:pt>
+    <dgm:pt modelId="{D12D4928-58F3-F642-8816-33F968BCCF28}" type="sibTrans" cxnId="{6A8D3FCF-93BB-594E-9D18-62FD8E2BD9D8}">
+      <dgm:prSet/>
+      <dgm:spPr/>
+      <dgm:t>
+        <a:bodyPr/>
+        <a:lstStyle/>
+        <a:p>
+          <a:endParaRPr lang="en-US"/>
+        </a:p>
+      </dgm:t>
+    </dgm:pt>
+    <dgm:pt modelId="{B83226CD-9BCE-FB4E-9DA9-1080B2729E3E}">
+      <dgm:prSet/>
+      <dgm:spPr/>
+      <dgm:t>
+        <a:bodyPr/>
+        <a:lstStyle/>
+        <a:p>
+          <a:endParaRPr lang="en-US" dirty="0"/>
+        </a:p>
+      </dgm:t>
+    </dgm:pt>
+    <dgm:pt modelId="{C04C7977-0822-2640-A045-C81D33ADB5E3}" type="parTrans" cxnId="{3138E5F8-F5E6-D548-8538-084B7D0DD5E9}">
+      <dgm:prSet/>
+      <dgm:spPr/>
+      <dgm:t>
+        <a:bodyPr/>
+        <a:lstStyle/>
+        <a:p>
+          <a:endParaRPr lang="en-US"/>
+        </a:p>
+      </dgm:t>
+    </dgm:pt>
+    <dgm:pt modelId="{3070DDBE-5345-794B-8CD3-F705BFE14502}" type="sibTrans" cxnId="{3138E5F8-F5E6-D548-8538-084B7D0DD5E9}">
+      <dgm:prSet/>
+      <dgm:spPr/>
+      <dgm:t>
+        <a:bodyPr/>
+        <a:lstStyle/>
+        <a:p>
+          <a:endParaRPr lang="en-US"/>
+        </a:p>
+      </dgm:t>
+    </dgm:pt>
+    <dgm:pt modelId="{E8DE1C56-8079-8C49-BF68-539592316DCC}">
+      <dgm:prSet/>
+      <dgm:spPr/>
+      <dgm:t>
+        <a:bodyPr/>
+        <a:lstStyle/>
+        <a:p>
+          <a:endParaRPr lang="en-US" dirty="0"/>
+        </a:p>
+      </dgm:t>
+    </dgm:pt>
+    <dgm:pt modelId="{1EF2797A-21BE-844C-8488-38359DC51642}" type="parTrans" cxnId="{9C64EA89-BBB5-0641-9116-2E21C8D65C89}">
+      <dgm:prSet/>
+      <dgm:spPr/>
+      <dgm:t>
+        <a:bodyPr/>
+        <a:lstStyle/>
+        <a:p>
+          <a:endParaRPr lang="en-US"/>
+        </a:p>
+      </dgm:t>
+    </dgm:pt>
+    <dgm:pt modelId="{5E759286-31BC-6B49-8A22-5879E25A5ADB}" type="sibTrans" cxnId="{9C64EA89-BBB5-0641-9116-2E21C8D65C89}">
+      <dgm:prSet/>
+      <dgm:spPr/>
+      <dgm:t>
+        <a:bodyPr/>
+        <a:lstStyle/>
+        <a:p>
+          <a:endParaRPr lang="en-US"/>
+        </a:p>
+      </dgm:t>
+    </dgm:pt>
+    <dgm:pt modelId="{B32F5168-C7AD-5042-9C2A-DC929AE67FFA}">
+      <dgm:prSet/>
+      <dgm:spPr/>
+      <dgm:t>
+        <a:bodyPr/>
+        <a:lstStyle/>
+        <a:p>
+          <a:r>
+            <a:rPr lang="en-US" dirty="0"/>
+            <a:t>End</a:t>
+          </a:r>
+        </a:p>
+      </dgm:t>
+    </dgm:pt>
+    <dgm:pt modelId="{F7BA0190-B1DB-8446-9919-3ABA7857C63E}" type="parTrans" cxnId="{C0A76400-94BB-0F45-B65C-B5472CB631D8}">
+      <dgm:prSet/>
+      <dgm:spPr/>
+      <dgm:t>
+        <a:bodyPr/>
+        <a:lstStyle/>
+        <a:p>
+          <a:endParaRPr lang="en-US"/>
+        </a:p>
+      </dgm:t>
+    </dgm:pt>
+    <dgm:pt modelId="{8BB1B9C7-8B93-3C40-A0DE-E5F066DE0B03}" type="sibTrans" cxnId="{C0A76400-94BB-0F45-B65C-B5472CB631D8}">
+      <dgm:prSet/>
+      <dgm:spPr/>
+      <dgm:t>
+        <a:bodyPr/>
+        <a:lstStyle/>
+        <a:p>
+          <a:endParaRPr lang="en-US"/>
+        </a:p>
+      </dgm:t>
+    </dgm:pt>
+    <dgm:pt modelId="{9DD20EE7-EEDA-3149-87C3-5EA5C36F04EF}">
+      <dgm:prSet/>
+      <dgm:spPr/>
+      <dgm:t>
+        <a:bodyPr/>
+        <a:lstStyle/>
+        <a:p>
+          <a:endParaRPr lang="en-US" dirty="0"/>
+        </a:p>
+      </dgm:t>
+    </dgm:pt>
+    <dgm:pt modelId="{F44BCD8D-7586-7845-AC7E-99E1FD6BBE1C}" type="parTrans" cxnId="{4C9F7793-7616-FF4E-ACC0-F858B0F9DECF}">
+      <dgm:prSet/>
+      <dgm:spPr/>
+      <dgm:t>
+        <a:bodyPr/>
+        <a:lstStyle/>
+        <a:p>
+          <a:endParaRPr lang="en-US"/>
+        </a:p>
+      </dgm:t>
+    </dgm:pt>
+    <dgm:pt modelId="{14A31638-9F11-4546-85B7-70353E7F474A}" type="sibTrans" cxnId="{4C9F7793-7616-FF4E-ACC0-F858B0F9DECF}">
+      <dgm:prSet/>
+      <dgm:spPr/>
+      <dgm:t>
+        <a:bodyPr/>
+        <a:lstStyle/>
+        <a:p>
+          <a:endParaRPr lang="en-US"/>
+        </a:p>
+      </dgm:t>
+    </dgm:pt>
+    <dgm:pt modelId="{CDAE6501-5F0D-894B-A437-012F355586F2}" type="pres">
+      <dgm:prSet presAssocID="{67C907BF-4D7B-5A4B-A6D2-B0123FB5CCD1}" presName="linearFlow" presStyleCnt="0">
+        <dgm:presLayoutVars>
+          <dgm:dir/>
+          <dgm:animLvl val="lvl"/>
+          <dgm:resizeHandles val="exact"/>
+        </dgm:presLayoutVars>
+      </dgm:prSet>
+      <dgm:spPr/>
+    </dgm:pt>
+    <dgm:pt modelId="{89E73138-CB20-C94E-A579-F3BBE0EF03CB}" type="pres">
+      <dgm:prSet presAssocID="{0D97F71C-81AE-D14B-949D-98CBAD0D8D96}" presName="composite" presStyleCnt="0"/>
+      <dgm:spPr/>
+    </dgm:pt>
+    <dgm:pt modelId="{9DE523B7-1797-3C42-8BF6-17E97D73779D}" type="pres">
+      <dgm:prSet presAssocID="{0D97F71C-81AE-D14B-949D-98CBAD0D8D96}" presName="parentText" presStyleLbl="alignNode1" presStyleIdx="0" presStyleCnt="6">
+        <dgm:presLayoutVars>
+          <dgm:chMax val="1"/>
+          <dgm:bulletEnabled val="1"/>
+        </dgm:presLayoutVars>
+      </dgm:prSet>
+      <dgm:spPr/>
+    </dgm:pt>
+    <dgm:pt modelId="{070C03AE-6170-6148-B3E2-2A189B070A59}" type="pres">
+      <dgm:prSet presAssocID="{0D97F71C-81AE-D14B-949D-98CBAD0D8D96}" presName="descendantText" presStyleLbl="alignAcc1" presStyleIdx="0" presStyleCnt="6">
+        <dgm:presLayoutVars>
+          <dgm:bulletEnabled val="1"/>
+        </dgm:presLayoutVars>
+      </dgm:prSet>
+      <dgm:spPr/>
+    </dgm:pt>
+    <dgm:pt modelId="{AC5B6D92-059E-F140-AB5F-475B3AA8490C}" type="pres">
+      <dgm:prSet presAssocID="{D12D4928-58F3-F642-8816-33F968BCCF28}" presName="sp" presStyleCnt="0"/>
+      <dgm:spPr/>
+    </dgm:pt>
+    <dgm:pt modelId="{D940C1B4-7B25-1A41-9BCE-24855317472D}" type="pres">
+      <dgm:prSet presAssocID="{593FEBA3-D17C-4647-9F21-7931379AFF8F}" presName="composite" presStyleCnt="0"/>
+      <dgm:spPr/>
+    </dgm:pt>
+    <dgm:pt modelId="{7EA6254D-C245-D841-9868-4873F732D348}" type="pres">
+      <dgm:prSet presAssocID="{593FEBA3-D17C-4647-9F21-7931379AFF8F}" presName="parentText" presStyleLbl="alignNode1" presStyleIdx="1" presStyleCnt="6">
+        <dgm:presLayoutVars>
+          <dgm:chMax val="1"/>
+          <dgm:bulletEnabled val="1"/>
+        </dgm:presLayoutVars>
+      </dgm:prSet>
+      <dgm:spPr/>
+    </dgm:pt>
+    <dgm:pt modelId="{B8619E10-A4F2-3448-8D36-35859BDD0414}" type="pres">
+      <dgm:prSet presAssocID="{593FEBA3-D17C-4647-9F21-7931379AFF8F}" presName="descendantText" presStyleLbl="alignAcc1" presStyleIdx="1" presStyleCnt="6">
+        <dgm:presLayoutVars>
+          <dgm:bulletEnabled val="1"/>
+        </dgm:presLayoutVars>
+      </dgm:prSet>
+      <dgm:spPr/>
+    </dgm:pt>
+    <dgm:pt modelId="{FC651185-B792-2847-A290-F6E65E99667C}" type="pres">
+      <dgm:prSet presAssocID="{E02D9CCD-F34C-AD45-AC4D-0B376E44B969}" presName="sp" presStyleCnt="0"/>
+      <dgm:spPr/>
+    </dgm:pt>
+    <dgm:pt modelId="{DAC061B4-8B84-1F45-8D18-B97688EC42C8}" type="pres">
+      <dgm:prSet presAssocID="{9DD20EE7-EEDA-3149-87C3-5EA5C36F04EF}" presName="composite" presStyleCnt="0"/>
+      <dgm:spPr/>
+    </dgm:pt>
+    <dgm:pt modelId="{3EAA14CC-352C-424D-956A-ECCD1772F81C}" type="pres">
+      <dgm:prSet presAssocID="{9DD20EE7-EEDA-3149-87C3-5EA5C36F04EF}" presName="parentText" presStyleLbl="alignNode1" presStyleIdx="2" presStyleCnt="6">
+        <dgm:presLayoutVars>
+          <dgm:chMax val="1"/>
+          <dgm:bulletEnabled val="1"/>
+        </dgm:presLayoutVars>
+      </dgm:prSet>
+      <dgm:spPr/>
+    </dgm:pt>
+    <dgm:pt modelId="{BCA5348B-136E-184D-8C4D-C5EB0D8CADD9}" type="pres">
+      <dgm:prSet presAssocID="{9DD20EE7-EEDA-3149-87C3-5EA5C36F04EF}" presName="descendantText" presStyleLbl="alignAcc1" presStyleIdx="2" presStyleCnt="6">
+        <dgm:presLayoutVars>
+          <dgm:bulletEnabled val="1"/>
+        </dgm:presLayoutVars>
+      </dgm:prSet>
+      <dgm:spPr/>
+    </dgm:pt>
+    <dgm:pt modelId="{89E20A9B-7ECA-F14D-A0BA-728F7E9374E6}" type="pres">
+      <dgm:prSet presAssocID="{14A31638-9F11-4546-85B7-70353E7F474A}" presName="sp" presStyleCnt="0"/>
+      <dgm:spPr/>
+    </dgm:pt>
+    <dgm:pt modelId="{F9331B2C-9811-2B40-BC5C-2143DBCF9BC6}" type="pres">
+      <dgm:prSet presAssocID="{B83226CD-9BCE-FB4E-9DA9-1080B2729E3E}" presName="composite" presStyleCnt="0"/>
+      <dgm:spPr/>
+    </dgm:pt>
+    <dgm:pt modelId="{C7C5AB77-82B4-B648-BD11-209A4AE0B6E4}" type="pres">
+      <dgm:prSet presAssocID="{B83226CD-9BCE-FB4E-9DA9-1080B2729E3E}" presName="parentText" presStyleLbl="alignNode1" presStyleIdx="3" presStyleCnt="6">
+        <dgm:presLayoutVars>
+          <dgm:chMax val="1"/>
+          <dgm:bulletEnabled val="1"/>
+        </dgm:presLayoutVars>
+      </dgm:prSet>
+      <dgm:spPr/>
+    </dgm:pt>
+    <dgm:pt modelId="{6DA8B385-B66E-DD41-BB12-81C56146297C}" type="pres">
+      <dgm:prSet presAssocID="{B83226CD-9BCE-FB4E-9DA9-1080B2729E3E}" presName="descendantText" presStyleLbl="alignAcc1" presStyleIdx="3" presStyleCnt="6">
+        <dgm:presLayoutVars>
+          <dgm:bulletEnabled val="1"/>
+        </dgm:presLayoutVars>
+      </dgm:prSet>
+      <dgm:spPr/>
+    </dgm:pt>
+    <dgm:pt modelId="{CADF185E-1476-894C-B80D-57E7827D95CE}" type="pres">
+      <dgm:prSet presAssocID="{3070DDBE-5345-794B-8CD3-F705BFE14502}" presName="sp" presStyleCnt="0"/>
+      <dgm:spPr/>
+    </dgm:pt>
+    <dgm:pt modelId="{8FCDAD30-D857-A04D-AFB6-804C753B6CF3}" type="pres">
+      <dgm:prSet presAssocID="{E8DE1C56-8079-8C49-BF68-539592316DCC}" presName="composite" presStyleCnt="0"/>
+      <dgm:spPr/>
+    </dgm:pt>
+    <dgm:pt modelId="{6D6B00DA-2F38-F640-908E-929032F58109}" type="pres">
+      <dgm:prSet presAssocID="{E8DE1C56-8079-8C49-BF68-539592316DCC}" presName="parentText" presStyleLbl="alignNode1" presStyleIdx="4" presStyleCnt="6">
+        <dgm:presLayoutVars>
+          <dgm:chMax val="1"/>
+          <dgm:bulletEnabled val="1"/>
+        </dgm:presLayoutVars>
+      </dgm:prSet>
+      <dgm:spPr/>
+    </dgm:pt>
+    <dgm:pt modelId="{34946A9E-0B5D-B746-8508-FEDB2A970E38}" type="pres">
+      <dgm:prSet presAssocID="{E8DE1C56-8079-8C49-BF68-539592316DCC}" presName="descendantText" presStyleLbl="alignAcc1" presStyleIdx="4" presStyleCnt="6">
+        <dgm:presLayoutVars>
+          <dgm:bulletEnabled val="1"/>
+        </dgm:presLayoutVars>
+      </dgm:prSet>
+      <dgm:spPr/>
+    </dgm:pt>
+    <dgm:pt modelId="{E5A40813-6C7E-BE4A-BD25-3AD643088495}" type="pres">
+      <dgm:prSet presAssocID="{5E759286-31BC-6B49-8A22-5879E25A5ADB}" presName="sp" presStyleCnt="0"/>
+      <dgm:spPr/>
+    </dgm:pt>
+    <dgm:pt modelId="{CEB77CDB-98BF-8141-BDE0-7F5C672EA33F}" type="pres">
+      <dgm:prSet presAssocID="{B32F5168-C7AD-5042-9C2A-DC929AE67FFA}" presName="composite" presStyleCnt="0"/>
+      <dgm:spPr/>
+    </dgm:pt>
+    <dgm:pt modelId="{15D494E3-2A0F-904A-8B1A-813A3FD12DAF}" type="pres">
+      <dgm:prSet presAssocID="{B32F5168-C7AD-5042-9C2A-DC929AE67FFA}" presName="parentText" presStyleLbl="alignNode1" presStyleIdx="5" presStyleCnt="6">
+        <dgm:presLayoutVars>
+          <dgm:chMax val="1"/>
+          <dgm:bulletEnabled val="1"/>
+        </dgm:presLayoutVars>
+      </dgm:prSet>
+      <dgm:spPr/>
+    </dgm:pt>
+    <dgm:pt modelId="{DE942196-F884-7F40-9F2D-53990D2A4BD4}" type="pres">
+      <dgm:prSet presAssocID="{B32F5168-C7AD-5042-9C2A-DC929AE67FFA}" presName="descendantText" presStyleLbl="alignAcc1" presStyleIdx="5" presStyleCnt="6">
+        <dgm:presLayoutVars>
+          <dgm:bulletEnabled val="1"/>
+        </dgm:presLayoutVars>
+      </dgm:prSet>
+      <dgm:spPr/>
+    </dgm:pt>
+  </dgm:ptLst>
+  <dgm:cxnLst>
+    <dgm:cxn modelId="{C0A76400-94BB-0F45-B65C-B5472CB631D8}" srcId="{67C907BF-4D7B-5A4B-A6D2-B0123FB5CCD1}" destId="{B32F5168-C7AD-5042-9C2A-DC929AE67FFA}" srcOrd="5" destOrd="0" parTransId="{F7BA0190-B1DB-8446-9919-3ABA7857C63E}" sibTransId="{8BB1B9C7-8B93-3C40-A0DE-E5F066DE0B03}"/>
+    <dgm:cxn modelId="{278C242F-39A1-434D-B382-9893C573A76B}" type="presOf" srcId="{B32F5168-C7AD-5042-9C2A-DC929AE67FFA}" destId="{15D494E3-2A0F-904A-8B1A-813A3FD12DAF}" srcOrd="0" destOrd="0" presId="urn:microsoft.com/office/officeart/2005/8/layout/chevron2"/>
+    <dgm:cxn modelId="{56061554-5EA1-E04A-971A-C58C52735A27}" type="presOf" srcId="{B83226CD-9BCE-FB4E-9DA9-1080B2729E3E}" destId="{C7C5AB77-82B4-B648-BD11-209A4AE0B6E4}" srcOrd="0" destOrd="0" presId="urn:microsoft.com/office/officeart/2005/8/layout/chevron2"/>
+    <dgm:cxn modelId="{F6383655-6503-A049-A45F-87058F656346}" srcId="{67C907BF-4D7B-5A4B-A6D2-B0123FB5CCD1}" destId="{593FEBA3-D17C-4647-9F21-7931379AFF8F}" srcOrd="1" destOrd="0" parTransId="{397F6FDF-B336-F440-9C17-36D3CA13B00B}" sibTransId="{E02D9CCD-F34C-AD45-AC4D-0B376E44B969}"/>
+    <dgm:cxn modelId="{96C2EC71-E320-1E47-9F7C-582D578EF579}" type="presOf" srcId="{593FEBA3-D17C-4647-9F21-7931379AFF8F}" destId="{7EA6254D-C245-D841-9868-4873F732D348}" srcOrd="0" destOrd="0" presId="urn:microsoft.com/office/officeart/2005/8/layout/chevron2"/>
+    <dgm:cxn modelId="{9C64EA89-BBB5-0641-9116-2E21C8D65C89}" srcId="{67C907BF-4D7B-5A4B-A6D2-B0123FB5CCD1}" destId="{E8DE1C56-8079-8C49-BF68-539592316DCC}" srcOrd="4" destOrd="0" parTransId="{1EF2797A-21BE-844C-8488-38359DC51642}" sibTransId="{5E759286-31BC-6B49-8A22-5879E25A5ADB}"/>
+    <dgm:cxn modelId="{4C9F7793-7616-FF4E-ACC0-F858B0F9DECF}" srcId="{67C907BF-4D7B-5A4B-A6D2-B0123FB5CCD1}" destId="{9DD20EE7-EEDA-3149-87C3-5EA5C36F04EF}" srcOrd="2" destOrd="0" parTransId="{F44BCD8D-7586-7845-AC7E-99E1FD6BBE1C}" sibTransId="{14A31638-9F11-4546-85B7-70353E7F474A}"/>
+    <dgm:cxn modelId="{0286F2AC-5611-4E4B-8F32-8D8A0A25D0F1}" type="presOf" srcId="{0D97F71C-81AE-D14B-949D-98CBAD0D8D96}" destId="{9DE523B7-1797-3C42-8BF6-17E97D73779D}" srcOrd="0" destOrd="0" presId="urn:microsoft.com/office/officeart/2005/8/layout/chevron2"/>
+    <dgm:cxn modelId="{11DBD2B8-7F09-0F43-BD0A-A6B59CE57F01}" type="presOf" srcId="{67C907BF-4D7B-5A4B-A6D2-B0123FB5CCD1}" destId="{CDAE6501-5F0D-894B-A437-012F355586F2}" srcOrd="0" destOrd="0" presId="urn:microsoft.com/office/officeart/2005/8/layout/chevron2"/>
+    <dgm:cxn modelId="{6A8D3FCF-93BB-594E-9D18-62FD8E2BD9D8}" srcId="{67C907BF-4D7B-5A4B-A6D2-B0123FB5CCD1}" destId="{0D97F71C-81AE-D14B-949D-98CBAD0D8D96}" srcOrd="0" destOrd="0" parTransId="{83600811-A8B8-6E43-9E2D-842038B0A073}" sibTransId="{D12D4928-58F3-F642-8816-33F968BCCF28}"/>
+    <dgm:cxn modelId="{63D3B0E4-8A52-F644-9156-5016F7CA5BF7}" type="presOf" srcId="{9DD20EE7-EEDA-3149-87C3-5EA5C36F04EF}" destId="{3EAA14CC-352C-424D-956A-ECCD1772F81C}" srcOrd="0" destOrd="0" presId="urn:microsoft.com/office/officeart/2005/8/layout/chevron2"/>
+    <dgm:cxn modelId="{3138E5F8-F5E6-D548-8538-084B7D0DD5E9}" srcId="{67C907BF-4D7B-5A4B-A6D2-B0123FB5CCD1}" destId="{B83226CD-9BCE-FB4E-9DA9-1080B2729E3E}" srcOrd="3" destOrd="0" parTransId="{C04C7977-0822-2640-A045-C81D33ADB5E3}" sibTransId="{3070DDBE-5345-794B-8CD3-F705BFE14502}"/>
+    <dgm:cxn modelId="{144579FA-BADE-2D45-B570-CEB081AFEA29}" type="presOf" srcId="{E8DE1C56-8079-8C49-BF68-539592316DCC}" destId="{6D6B00DA-2F38-F640-908E-929032F58109}" srcOrd="0" destOrd="0" presId="urn:microsoft.com/office/officeart/2005/8/layout/chevron2"/>
+    <dgm:cxn modelId="{A9239960-80CE-964C-8E5B-D371294FDDEE}" type="presParOf" srcId="{CDAE6501-5F0D-894B-A437-012F355586F2}" destId="{89E73138-CB20-C94E-A579-F3BBE0EF03CB}" srcOrd="0" destOrd="0" presId="urn:microsoft.com/office/officeart/2005/8/layout/chevron2"/>
+    <dgm:cxn modelId="{0D8072A2-85E1-4042-BC75-DFDF6D57D751}" type="presParOf" srcId="{89E73138-CB20-C94E-A579-F3BBE0EF03CB}" destId="{9DE523B7-1797-3C42-8BF6-17E97D73779D}" srcOrd="0" destOrd="0" presId="urn:microsoft.com/office/officeart/2005/8/layout/chevron2"/>
+    <dgm:cxn modelId="{CB53C546-883E-344F-9AC3-DDC56021AE38}" type="presParOf" srcId="{89E73138-CB20-C94E-A579-F3BBE0EF03CB}" destId="{070C03AE-6170-6148-B3E2-2A189B070A59}" srcOrd="1" destOrd="0" presId="urn:microsoft.com/office/officeart/2005/8/layout/chevron2"/>
+    <dgm:cxn modelId="{A218FFCC-34F0-F540-9CF3-BBE9F84EC84F}" type="presParOf" srcId="{CDAE6501-5F0D-894B-A437-012F355586F2}" destId="{AC5B6D92-059E-F140-AB5F-475B3AA8490C}" srcOrd="1" destOrd="0" presId="urn:microsoft.com/office/officeart/2005/8/layout/chevron2"/>
+    <dgm:cxn modelId="{0B455449-8DCF-C84B-B314-6ECEEE8738F7}" type="presParOf" srcId="{CDAE6501-5F0D-894B-A437-012F355586F2}" destId="{D940C1B4-7B25-1A41-9BCE-24855317472D}" srcOrd="2" destOrd="0" presId="urn:microsoft.com/office/officeart/2005/8/layout/chevron2"/>
+    <dgm:cxn modelId="{88B59A12-C10C-854C-9F46-21F29F7F7B85}" type="presParOf" srcId="{D940C1B4-7B25-1A41-9BCE-24855317472D}" destId="{7EA6254D-C245-D841-9868-4873F732D348}" srcOrd="0" destOrd="0" presId="urn:microsoft.com/office/officeart/2005/8/layout/chevron2"/>
+    <dgm:cxn modelId="{E8A1D68D-1E01-4445-879B-765636A281B6}" type="presParOf" srcId="{D940C1B4-7B25-1A41-9BCE-24855317472D}" destId="{B8619E10-A4F2-3448-8D36-35859BDD0414}" srcOrd="1" destOrd="0" presId="urn:microsoft.com/office/officeart/2005/8/layout/chevron2"/>
+    <dgm:cxn modelId="{5CC7AB38-2107-124A-B260-D2EA2AF08C60}" type="presParOf" srcId="{CDAE6501-5F0D-894B-A437-012F355586F2}" destId="{FC651185-B792-2847-A290-F6E65E99667C}" srcOrd="3" destOrd="0" presId="urn:microsoft.com/office/officeart/2005/8/layout/chevron2"/>
+    <dgm:cxn modelId="{C59EF486-D8C1-B440-98CE-B267CA12116C}" type="presParOf" srcId="{CDAE6501-5F0D-894B-A437-012F355586F2}" destId="{DAC061B4-8B84-1F45-8D18-B97688EC42C8}" srcOrd="4" destOrd="0" presId="urn:microsoft.com/office/officeart/2005/8/layout/chevron2"/>
+    <dgm:cxn modelId="{F3E6ABCB-8F6D-A64D-98C7-E40858B26466}" type="presParOf" srcId="{DAC061B4-8B84-1F45-8D18-B97688EC42C8}" destId="{3EAA14CC-352C-424D-956A-ECCD1772F81C}" srcOrd="0" destOrd="0" presId="urn:microsoft.com/office/officeart/2005/8/layout/chevron2"/>
+    <dgm:cxn modelId="{EB49F900-7809-794A-A268-A7248ECA060E}" type="presParOf" srcId="{DAC061B4-8B84-1F45-8D18-B97688EC42C8}" destId="{BCA5348B-136E-184D-8C4D-C5EB0D8CADD9}" srcOrd="1" destOrd="0" presId="urn:microsoft.com/office/officeart/2005/8/layout/chevron2"/>
+    <dgm:cxn modelId="{71F43C08-9339-5240-8ABB-67382A87B858}" type="presParOf" srcId="{CDAE6501-5F0D-894B-A437-012F355586F2}" destId="{89E20A9B-7ECA-F14D-A0BA-728F7E9374E6}" srcOrd="5" destOrd="0" presId="urn:microsoft.com/office/officeart/2005/8/layout/chevron2"/>
+    <dgm:cxn modelId="{98A6F222-7A8C-C340-9F53-9AAA871269D5}" type="presParOf" srcId="{CDAE6501-5F0D-894B-A437-012F355586F2}" destId="{F9331B2C-9811-2B40-BC5C-2143DBCF9BC6}" srcOrd="6" destOrd="0" presId="urn:microsoft.com/office/officeart/2005/8/layout/chevron2"/>
+    <dgm:cxn modelId="{0C53F1DC-BB4B-1643-89B5-E563F7BB852C}" type="presParOf" srcId="{F9331B2C-9811-2B40-BC5C-2143DBCF9BC6}" destId="{C7C5AB77-82B4-B648-BD11-209A4AE0B6E4}" srcOrd="0" destOrd="0" presId="urn:microsoft.com/office/officeart/2005/8/layout/chevron2"/>
+    <dgm:cxn modelId="{77F77FCD-8445-4C47-B052-AE0990D0F838}" type="presParOf" srcId="{F9331B2C-9811-2B40-BC5C-2143DBCF9BC6}" destId="{6DA8B385-B66E-DD41-BB12-81C56146297C}" srcOrd="1" destOrd="0" presId="urn:microsoft.com/office/officeart/2005/8/layout/chevron2"/>
+    <dgm:cxn modelId="{EB3FFCD0-169E-4342-A877-A935540790A4}" type="presParOf" srcId="{CDAE6501-5F0D-894B-A437-012F355586F2}" destId="{CADF185E-1476-894C-B80D-57E7827D95CE}" srcOrd="7" destOrd="0" presId="urn:microsoft.com/office/officeart/2005/8/layout/chevron2"/>
+    <dgm:cxn modelId="{694A1BC0-034D-2E42-ABE3-491D83911D1B}" type="presParOf" srcId="{CDAE6501-5F0D-894B-A437-012F355586F2}" destId="{8FCDAD30-D857-A04D-AFB6-804C753B6CF3}" srcOrd="8" destOrd="0" presId="urn:microsoft.com/office/officeart/2005/8/layout/chevron2"/>
+    <dgm:cxn modelId="{71FFFAC3-0D79-B04D-9EBC-B6AB9BF19D03}" type="presParOf" srcId="{8FCDAD30-D857-A04D-AFB6-804C753B6CF3}" destId="{6D6B00DA-2F38-F640-908E-929032F58109}" srcOrd="0" destOrd="0" presId="urn:microsoft.com/office/officeart/2005/8/layout/chevron2"/>
+    <dgm:cxn modelId="{F2E99CE5-4D9D-4641-806E-FA544FC40AE2}" type="presParOf" srcId="{8FCDAD30-D857-A04D-AFB6-804C753B6CF3}" destId="{34946A9E-0B5D-B746-8508-FEDB2A970E38}" srcOrd="1" destOrd="0" presId="urn:microsoft.com/office/officeart/2005/8/layout/chevron2"/>
+    <dgm:cxn modelId="{EC33D299-1FC7-124C-BB33-E53A6F0FA42E}" type="presParOf" srcId="{CDAE6501-5F0D-894B-A437-012F355586F2}" destId="{E5A40813-6C7E-BE4A-BD25-3AD643088495}" srcOrd="9" destOrd="0" presId="urn:microsoft.com/office/officeart/2005/8/layout/chevron2"/>
+    <dgm:cxn modelId="{9667E175-C497-114F-AA99-ABB0CAD71098}" type="presParOf" srcId="{CDAE6501-5F0D-894B-A437-012F355586F2}" destId="{CEB77CDB-98BF-8141-BDE0-7F5C672EA33F}" srcOrd="10" destOrd="0" presId="urn:microsoft.com/office/officeart/2005/8/layout/chevron2"/>
+    <dgm:cxn modelId="{9EA5561C-2F55-9647-AF57-2C71022AB53A}" type="presParOf" srcId="{CEB77CDB-98BF-8141-BDE0-7F5C672EA33F}" destId="{15D494E3-2A0F-904A-8B1A-813A3FD12DAF}" srcOrd="0" destOrd="0" presId="urn:microsoft.com/office/officeart/2005/8/layout/chevron2"/>
+    <dgm:cxn modelId="{B6CCE8F1-7D6C-0645-B3AB-4F83BA268A40}" type="presParOf" srcId="{CEB77CDB-98BF-8141-BDE0-7F5C672EA33F}" destId="{DE942196-F884-7F40-9F2D-53990D2A4BD4}" srcOrd="1" destOrd="0" presId="urn:microsoft.com/office/officeart/2005/8/layout/chevron2"/>
+  </dgm:cxnLst>
+  <dgm:bg/>
+  <dgm:whole/>
+  <dgm:extLst>
+    <a:ext uri="http://schemas.microsoft.com/office/drawing/2008/diagram">
+      <dsp:dataModelExt xmlns:dsp="http://schemas.microsoft.com/office/drawing/2008/diagram" relId="rId8" minVer="http://schemas.openxmlformats.org/drawingml/2006/diagram"/>
+    </a:ext>
+  </dgm:extLst>
+</dgm:dataModel>
+</file>
+
+<file path=ppt/diagrams/drawing1.xml><?xml version="1.0" encoding="utf-8"?>
+<dsp:drawing xmlns:dgm="http://schemas.openxmlformats.org/drawingml/2006/diagram" xmlns:dsp="http://schemas.microsoft.com/office/drawing/2008/diagram" xmlns:a="http://schemas.openxmlformats.org/drawingml/2006/main">
+  <dsp:spTree>
+    <dsp:nvGrpSpPr>
+      <dsp:cNvPr id="0" name=""/>
+      <dsp:cNvGrpSpPr/>
+    </dsp:nvGrpSpPr>
+    <dsp:grpSpPr/>
+    <dsp:sp modelId="{9DE523B7-1797-3C42-8BF6-17E97D73779D}">
+      <dsp:nvSpPr>
+        <dsp:cNvPr id="0" name=""/>
+        <dsp:cNvSpPr/>
+      </dsp:nvSpPr>
+      <dsp:spPr>
+        <a:xfrm rot="5400000">
+          <a:off x="-113050" y="115220"/>
+          <a:ext cx="753672" cy="527570"/>
+        </a:xfrm>
+        <a:prstGeom prst="chevron">
+          <a:avLst/>
+        </a:prstGeom>
+        <a:gradFill rotWithShape="0">
+          <a:gsLst>
+            <a:gs pos="0">
+              <a:schemeClr val="accent1">
+                <a:hueOff val="0"/>
+                <a:satOff val="0"/>
+                <a:lumOff val="0"/>
+                <a:alphaOff val="0"/>
+                <a:lumMod val="110000"/>
+                <a:satMod val="105000"/>
+                <a:tint val="67000"/>
+              </a:schemeClr>
+            </a:gs>
+            <a:gs pos="50000">
+              <a:schemeClr val="accent1">
+                <a:hueOff val="0"/>
+                <a:satOff val="0"/>
+                <a:lumOff val="0"/>
+                <a:alphaOff val="0"/>
+                <a:lumMod val="105000"/>
+                <a:satMod val="103000"/>
+                <a:tint val="73000"/>
+              </a:schemeClr>
+            </a:gs>
+            <a:gs pos="100000">
+              <a:schemeClr val="accent1">
+                <a:hueOff val="0"/>
+                <a:satOff val="0"/>
+                <a:lumOff val="0"/>
+                <a:alphaOff val="0"/>
+                <a:lumMod val="105000"/>
+                <a:satMod val="109000"/>
+                <a:tint val="81000"/>
+              </a:schemeClr>
+            </a:gs>
+          </a:gsLst>
+          <a:lin ang="5400000" scaled="0"/>
+        </a:gradFill>
+        <a:ln w="12700" cap="flat" cmpd="sng" algn="ctr">
+          <a:solidFill>
+            <a:schemeClr val="accent1">
+              <a:hueOff val="0"/>
+              <a:satOff val="0"/>
+              <a:lumOff val="0"/>
+              <a:alphaOff val="0"/>
+            </a:schemeClr>
+          </a:solidFill>
+          <a:prstDash val="solid"/>
+          <a:miter lim="800000"/>
+        </a:ln>
+        <a:effectLst/>
+      </dsp:spPr>
+      <dsp:style>
+        <a:lnRef idx="1">
+          <a:scrgbClr r="0" g="0" b="0"/>
+        </a:lnRef>
+        <a:fillRef idx="2">
+          <a:scrgbClr r="0" g="0" b="0"/>
+        </a:fillRef>
+        <a:effectRef idx="1">
+          <a:scrgbClr r="0" g="0" b="0"/>
+        </a:effectRef>
+        <a:fontRef idx="minor">
+          <a:schemeClr val="dk1"/>
+        </a:fontRef>
+      </dsp:style>
+      <dsp:txBody>
+        <a:bodyPr spcFirstLastPara="0" vert="horz" wrap="square" lIns="8890" tIns="8890" rIns="8890" bIns="8890" numCol="1" spcCol="1270" anchor="ctr" anchorCtr="0">
+          <a:noAutofit/>
+        </a:bodyPr>
+        <a:lstStyle/>
+        <a:p>
+          <a:pPr marL="0" lvl="0" indent="0" algn="ctr" defTabSz="622300">
+            <a:lnSpc>
+              <a:spcPct val="90000"/>
+            </a:lnSpc>
+            <a:spcBef>
+              <a:spcPct val="0"/>
+            </a:spcBef>
+            <a:spcAft>
+              <a:spcPct val="35000"/>
+            </a:spcAft>
+            <a:buNone/>
+          </a:pPr>
+          <a:r>
+            <a:rPr lang="en-US" sz="1400" kern="1200" dirty="0"/>
+            <a:t>Start</a:t>
+          </a:r>
+        </a:p>
+      </dsp:txBody>
+      <dsp:txXfrm rot="-5400000">
+        <a:off x="1" y="265954"/>
+        <a:ext cx="527570" cy="226102"/>
+      </dsp:txXfrm>
+    </dsp:sp>
+    <dsp:sp modelId="{070C03AE-6170-6148-B3E2-2A189B070A59}">
+      <dsp:nvSpPr>
+        <dsp:cNvPr id="0" name=""/>
+        <dsp:cNvSpPr/>
+      </dsp:nvSpPr>
+      <dsp:spPr>
+        <a:xfrm rot="5400000">
+          <a:off x="2222011" y="-1692272"/>
+          <a:ext cx="489886" cy="3878769"/>
+        </a:xfrm>
+        <a:prstGeom prst="round2SameRect">
+          <a:avLst/>
+        </a:prstGeom>
+        <a:solidFill>
+          <a:schemeClr val="lt1">
+            <a:alpha val="90000"/>
+            <a:hueOff val="0"/>
+            <a:satOff val="0"/>
+            <a:lumOff val="0"/>
+            <a:alphaOff val="0"/>
+          </a:schemeClr>
+        </a:solidFill>
+        <a:ln w="12700" cap="flat" cmpd="sng" algn="ctr">
+          <a:solidFill>
+            <a:schemeClr val="accent1">
+              <a:hueOff val="0"/>
+              <a:satOff val="0"/>
+              <a:lumOff val="0"/>
+              <a:alphaOff val="0"/>
+            </a:schemeClr>
+          </a:solidFill>
+          <a:prstDash val="solid"/>
+          <a:miter lim="800000"/>
+        </a:ln>
+        <a:effectLst/>
+      </dsp:spPr>
+      <dsp:style>
+        <a:lnRef idx="1">
+          <a:scrgbClr r="0" g="0" b="0"/>
+        </a:lnRef>
+        <a:fillRef idx="1">
+          <a:scrgbClr r="0" g="0" b="0"/>
+        </a:fillRef>
+        <a:effectRef idx="0">
+          <a:scrgbClr r="0" g="0" b="0"/>
+        </a:effectRef>
+        <a:fontRef idx="minor"/>
+      </dsp:style>
+    </dsp:sp>
+    <dsp:sp modelId="{7EA6254D-C245-D841-9868-4873F732D348}">
+      <dsp:nvSpPr>
+        <dsp:cNvPr id="0" name=""/>
+        <dsp:cNvSpPr/>
+      </dsp:nvSpPr>
+      <dsp:spPr>
+        <a:xfrm rot="5400000">
+          <a:off x="-113050" y="768583"/>
+          <a:ext cx="753672" cy="527570"/>
+        </a:xfrm>
+        <a:prstGeom prst="chevron">
+          <a:avLst/>
+        </a:prstGeom>
+        <a:gradFill rotWithShape="0">
+          <a:gsLst>
+            <a:gs pos="0">
+              <a:schemeClr val="accent1">
+                <a:hueOff val="0"/>
+                <a:satOff val="0"/>
+                <a:lumOff val="0"/>
+                <a:alphaOff val="0"/>
+                <a:lumMod val="110000"/>
+                <a:satMod val="105000"/>
+                <a:tint val="67000"/>
+              </a:schemeClr>
+            </a:gs>
+            <a:gs pos="50000">
+              <a:schemeClr val="accent1">
+                <a:hueOff val="0"/>
+                <a:satOff val="0"/>
+                <a:lumOff val="0"/>
+                <a:alphaOff val="0"/>
+                <a:lumMod val="105000"/>
+                <a:satMod val="103000"/>
+                <a:tint val="73000"/>
+              </a:schemeClr>
+            </a:gs>
+            <a:gs pos="100000">
+              <a:schemeClr val="accent1">
+                <a:hueOff val="0"/>
+                <a:satOff val="0"/>
+                <a:lumOff val="0"/>
+                <a:alphaOff val="0"/>
+                <a:lumMod val="105000"/>
+                <a:satMod val="109000"/>
+                <a:tint val="81000"/>
+              </a:schemeClr>
+            </a:gs>
+          </a:gsLst>
+          <a:lin ang="5400000" scaled="0"/>
+        </a:gradFill>
+        <a:ln w="12700" cap="flat" cmpd="sng" algn="ctr">
+          <a:solidFill>
+            <a:schemeClr val="accent1">
+              <a:hueOff val="0"/>
+              <a:satOff val="0"/>
+              <a:lumOff val="0"/>
+              <a:alphaOff val="0"/>
+            </a:schemeClr>
+          </a:solidFill>
+          <a:prstDash val="solid"/>
+          <a:miter lim="800000"/>
+        </a:ln>
+        <a:effectLst/>
+      </dsp:spPr>
+      <dsp:style>
+        <a:lnRef idx="1">
+          <a:scrgbClr r="0" g="0" b="0"/>
+        </a:lnRef>
+        <a:fillRef idx="2">
+          <a:scrgbClr r="0" g="0" b="0"/>
+        </a:fillRef>
+        <a:effectRef idx="1">
+          <a:scrgbClr r="0" g="0" b="0"/>
+        </a:effectRef>
+        <a:fontRef idx="minor">
+          <a:schemeClr val="dk1"/>
+        </a:fontRef>
+      </dsp:style>
+      <dsp:txBody>
+        <a:bodyPr spcFirstLastPara="0" vert="horz" wrap="square" lIns="8890" tIns="8890" rIns="8890" bIns="8890" numCol="1" spcCol="1270" anchor="ctr" anchorCtr="0">
+          <a:noAutofit/>
+        </a:bodyPr>
+        <a:lstStyle/>
+        <a:p>
+          <a:pPr marL="0" lvl="0" indent="0" algn="ctr" defTabSz="622300">
+            <a:lnSpc>
+              <a:spcPct val="90000"/>
+            </a:lnSpc>
+            <a:spcBef>
+              <a:spcPct val="0"/>
+            </a:spcBef>
+            <a:spcAft>
+              <a:spcPct val="35000"/>
+            </a:spcAft>
+            <a:buNone/>
+          </a:pPr>
+          <a:endParaRPr lang="en-US" sz="1400" kern="1200" dirty="0"/>
+        </a:p>
+      </dsp:txBody>
+      <dsp:txXfrm rot="-5400000">
+        <a:off x="1" y="919317"/>
+        <a:ext cx="527570" cy="226102"/>
+      </dsp:txXfrm>
+    </dsp:sp>
+    <dsp:sp modelId="{B8619E10-A4F2-3448-8D36-35859BDD0414}">
+      <dsp:nvSpPr>
+        <dsp:cNvPr id="0" name=""/>
+        <dsp:cNvSpPr/>
+      </dsp:nvSpPr>
+      <dsp:spPr>
+        <a:xfrm rot="5400000">
+          <a:off x="2222011" y="-1038909"/>
+          <a:ext cx="489886" cy="3878769"/>
+        </a:xfrm>
+        <a:prstGeom prst="round2SameRect">
+          <a:avLst/>
+        </a:prstGeom>
+        <a:solidFill>
+          <a:schemeClr val="lt1">
+            <a:alpha val="90000"/>
+            <a:hueOff val="0"/>
+            <a:satOff val="0"/>
+            <a:lumOff val="0"/>
+            <a:alphaOff val="0"/>
+          </a:schemeClr>
+        </a:solidFill>
+        <a:ln w="12700" cap="flat" cmpd="sng" algn="ctr">
+          <a:solidFill>
+            <a:schemeClr val="accent1">
+              <a:hueOff val="0"/>
+              <a:satOff val="0"/>
+              <a:lumOff val="0"/>
+              <a:alphaOff val="0"/>
+            </a:schemeClr>
+          </a:solidFill>
+          <a:prstDash val="solid"/>
+          <a:miter lim="800000"/>
+        </a:ln>
+        <a:effectLst/>
+      </dsp:spPr>
+      <dsp:style>
+        <a:lnRef idx="1">
+          <a:scrgbClr r="0" g="0" b="0"/>
+        </a:lnRef>
+        <a:fillRef idx="1">
+          <a:scrgbClr r="0" g="0" b="0"/>
+        </a:fillRef>
+        <a:effectRef idx="0">
+          <a:scrgbClr r="0" g="0" b="0"/>
+        </a:effectRef>
+        <a:fontRef idx="minor"/>
+      </dsp:style>
+    </dsp:sp>
+    <dsp:sp modelId="{3EAA14CC-352C-424D-956A-ECCD1772F81C}">
+      <dsp:nvSpPr>
+        <dsp:cNvPr id="0" name=""/>
+        <dsp:cNvSpPr/>
+      </dsp:nvSpPr>
+      <dsp:spPr>
+        <a:xfrm rot="5400000">
+          <a:off x="-113050" y="1421945"/>
+          <a:ext cx="753672" cy="527570"/>
+        </a:xfrm>
+        <a:prstGeom prst="chevron">
+          <a:avLst/>
+        </a:prstGeom>
+        <a:gradFill rotWithShape="0">
+          <a:gsLst>
+            <a:gs pos="0">
+              <a:schemeClr val="accent1">
+                <a:hueOff val="0"/>
+                <a:satOff val="0"/>
+                <a:lumOff val="0"/>
+                <a:alphaOff val="0"/>
+                <a:lumMod val="110000"/>
+                <a:satMod val="105000"/>
+                <a:tint val="67000"/>
+              </a:schemeClr>
+            </a:gs>
+            <a:gs pos="50000">
+              <a:schemeClr val="accent1">
+                <a:hueOff val="0"/>
+                <a:satOff val="0"/>
+                <a:lumOff val="0"/>
+                <a:alphaOff val="0"/>
+                <a:lumMod val="105000"/>
+                <a:satMod val="103000"/>
+                <a:tint val="73000"/>
+              </a:schemeClr>
+            </a:gs>
+            <a:gs pos="100000">
+              <a:schemeClr val="accent1">
+                <a:hueOff val="0"/>
+                <a:satOff val="0"/>
+                <a:lumOff val="0"/>
+                <a:alphaOff val="0"/>
+                <a:lumMod val="105000"/>
+                <a:satMod val="109000"/>
+                <a:tint val="81000"/>
+              </a:schemeClr>
+            </a:gs>
+          </a:gsLst>
+          <a:lin ang="5400000" scaled="0"/>
+        </a:gradFill>
+        <a:ln w="12700" cap="flat" cmpd="sng" algn="ctr">
+          <a:solidFill>
+            <a:schemeClr val="accent1">
+              <a:hueOff val="0"/>
+              <a:satOff val="0"/>
+              <a:lumOff val="0"/>
+              <a:alphaOff val="0"/>
+            </a:schemeClr>
+          </a:solidFill>
+          <a:prstDash val="solid"/>
+          <a:miter lim="800000"/>
+        </a:ln>
+        <a:effectLst/>
+      </dsp:spPr>
+      <dsp:style>
+        <a:lnRef idx="1">
+          <a:scrgbClr r="0" g="0" b="0"/>
+        </a:lnRef>
+        <a:fillRef idx="2">
+          <a:scrgbClr r="0" g="0" b="0"/>
+        </a:fillRef>
+        <a:effectRef idx="1">
+          <a:scrgbClr r="0" g="0" b="0"/>
+        </a:effectRef>
+        <a:fontRef idx="minor">
+          <a:schemeClr val="dk1"/>
+        </a:fontRef>
+      </dsp:style>
+      <dsp:txBody>
+        <a:bodyPr spcFirstLastPara="0" vert="horz" wrap="square" lIns="8890" tIns="8890" rIns="8890" bIns="8890" numCol="1" spcCol="1270" anchor="ctr" anchorCtr="0">
+          <a:noAutofit/>
+        </a:bodyPr>
+        <a:lstStyle/>
+        <a:p>
+          <a:pPr marL="0" lvl="0" indent="0" algn="ctr" defTabSz="622300">
+            <a:lnSpc>
+              <a:spcPct val="90000"/>
+            </a:lnSpc>
+            <a:spcBef>
+              <a:spcPct val="0"/>
+            </a:spcBef>
+            <a:spcAft>
+              <a:spcPct val="35000"/>
+            </a:spcAft>
+            <a:buNone/>
+          </a:pPr>
+          <a:endParaRPr lang="en-US" sz="1400" kern="1200" dirty="0"/>
+        </a:p>
+      </dsp:txBody>
+      <dsp:txXfrm rot="-5400000">
+        <a:off x="1" y="1572679"/>
+        <a:ext cx="527570" cy="226102"/>
+      </dsp:txXfrm>
+    </dsp:sp>
+    <dsp:sp modelId="{BCA5348B-136E-184D-8C4D-C5EB0D8CADD9}">
+      <dsp:nvSpPr>
+        <dsp:cNvPr id="0" name=""/>
+        <dsp:cNvSpPr/>
+      </dsp:nvSpPr>
+      <dsp:spPr>
+        <a:xfrm rot="5400000">
+          <a:off x="2222011" y="-385546"/>
+          <a:ext cx="489886" cy="3878769"/>
+        </a:xfrm>
+        <a:prstGeom prst="round2SameRect">
+          <a:avLst/>
+        </a:prstGeom>
+        <a:solidFill>
+          <a:schemeClr val="lt1">
+            <a:alpha val="90000"/>
+            <a:hueOff val="0"/>
+            <a:satOff val="0"/>
+            <a:lumOff val="0"/>
+            <a:alphaOff val="0"/>
+          </a:schemeClr>
+        </a:solidFill>
+        <a:ln w="12700" cap="flat" cmpd="sng" algn="ctr">
+          <a:solidFill>
+            <a:schemeClr val="accent1">
+              <a:hueOff val="0"/>
+              <a:satOff val="0"/>
+              <a:lumOff val="0"/>
+              <a:alphaOff val="0"/>
+            </a:schemeClr>
+          </a:solidFill>
+          <a:prstDash val="solid"/>
+          <a:miter lim="800000"/>
+        </a:ln>
+        <a:effectLst/>
+      </dsp:spPr>
+      <dsp:style>
+        <a:lnRef idx="1">
+          <a:scrgbClr r="0" g="0" b="0"/>
+        </a:lnRef>
+        <a:fillRef idx="1">
+          <a:scrgbClr r="0" g="0" b="0"/>
+        </a:fillRef>
+        <a:effectRef idx="0">
+          <a:scrgbClr r="0" g="0" b="0"/>
+        </a:effectRef>
+        <a:fontRef idx="minor"/>
+      </dsp:style>
+    </dsp:sp>
+    <dsp:sp modelId="{C7C5AB77-82B4-B648-BD11-209A4AE0B6E4}">
+      <dsp:nvSpPr>
+        <dsp:cNvPr id="0" name=""/>
+        <dsp:cNvSpPr/>
+      </dsp:nvSpPr>
+      <dsp:spPr>
+        <a:xfrm rot="5400000">
+          <a:off x="-113050" y="2075308"/>
+          <a:ext cx="753672" cy="527570"/>
+        </a:xfrm>
+        <a:prstGeom prst="chevron">
+          <a:avLst/>
+        </a:prstGeom>
+        <a:gradFill rotWithShape="0">
+          <a:gsLst>
+            <a:gs pos="0">
+              <a:schemeClr val="accent1">
+                <a:hueOff val="0"/>
+                <a:satOff val="0"/>
+                <a:lumOff val="0"/>
+                <a:alphaOff val="0"/>
+                <a:lumMod val="110000"/>
+                <a:satMod val="105000"/>
+                <a:tint val="67000"/>
+              </a:schemeClr>
+            </a:gs>
+            <a:gs pos="50000">
+              <a:schemeClr val="accent1">
+                <a:hueOff val="0"/>
+                <a:satOff val="0"/>
+                <a:lumOff val="0"/>
+                <a:alphaOff val="0"/>
+                <a:lumMod val="105000"/>
+                <a:satMod val="103000"/>
+                <a:tint val="73000"/>
+              </a:schemeClr>
+            </a:gs>
+            <a:gs pos="100000">
+              <a:schemeClr val="accent1">
+                <a:hueOff val="0"/>
+                <a:satOff val="0"/>
+                <a:lumOff val="0"/>
+                <a:alphaOff val="0"/>
+                <a:lumMod val="105000"/>
+                <a:satMod val="109000"/>
+                <a:tint val="81000"/>
+              </a:schemeClr>
+            </a:gs>
+          </a:gsLst>
+          <a:lin ang="5400000" scaled="0"/>
+        </a:gradFill>
+        <a:ln w="12700" cap="flat" cmpd="sng" algn="ctr">
+          <a:solidFill>
+            <a:schemeClr val="accent1">
+              <a:hueOff val="0"/>
+              <a:satOff val="0"/>
+              <a:lumOff val="0"/>
+              <a:alphaOff val="0"/>
+            </a:schemeClr>
+          </a:solidFill>
+          <a:prstDash val="solid"/>
+          <a:miter lim="800000"/>
+        </a:ln>
+        <a:effectLst/>
+      </dsp:spPr>
+      <dsp:style>
+        <a:lnRef idx="1">
+          <a:scrgbClr r="0" g="0" b="0"/>
+        </a:lnRef>
+        <a:fillRef idx="2">
+          <a:scrgbClr r="0" g="0" b="0"/>
+        </a:fillRef>
+        <a:effectRef idx="1">
+          <a:scrgbClr r="0" g="0" b="0"/>
+        </a:effectRef>
+        <a:fontRef idx="minor">
+          <a:schemeClr val="dk1"/>
+        </a:fontRef>
+      </dsp:style>
+      <dsp:txBody>
+        <a:bodyPr spcFirstLastPara="0" vert="horz" wrap="square" lIns="8890" tIns="8890" rIns="8890" bIns="8890" numCol="1" spcCol="1270" anchor="ctr" anchorCtr="0">
+          <a:noAutofit/>
+        </a:bodyPr>
+        <a:lstStyle/>
+        <a:p>
+          <a:pPr marL="0" lvl="0" indent="0" algn="ctr" defTabSz="622300">
+            <a:lnSpc>
+              <a:spcPct val="90000"/>
+            </a:lnSpc>
+            <a:spcBef>
+              <a:spcPct val="0"/>
+            </a:spcBef>
+            <a:spcAft>
+              <a:spcPct val="35000"/>
+            </a:spcAft>
+            <a:buNone/>
+          </a:pPr>
+          <a:endParaRPr lang="en-US" sz="1400" kern="1200" dirty="0"/>
+        </a:p>
+      </dsp:txBody>
+      <dsp:txXfrm rot="-5400000">
+        <a:off x="1" y="2226042"/>
+        <a:ext cx="527570" cy="226102"/>
+      </dsp:txXfrm>
+    </dsp:sp>
+    <dsp:sp modelId="{6DA8B385-B66E-DD41-BB12-81C56146297C}">
+      <dsp:nvSpPr>
+        <dsp:cNvPr id="0" name=""/>
+        <dsp:cNvSpPr/>
+      </dsp:nvSpPr>
+      <dsp:spPr>
+        <a:xfrm rot="5400000">
+          <a:off x="2222011" y="267816"/>
+          <a:ext cx="489886" cy="3878769"/>
+        </a:xfrm>
+        <a:prstGeom prst="round2SameRect">
+          <a:avLst/>
+        </a:prstGeom>
+        <a:solidFill>
+          <a:schemeClr val="lt1">
+            <a:alpha val="90000"/>
+            <a:hueOff val="0"/>
+            <a:satOff val="0"/>
+            <a:lumOff val="0"/>
+            <a:alphaOff val="0"/>
+          </a:schemeClr>
+        </a:solidFill>
+        <a:ln w="12700" cap="flat" cmpd="sng" algn="ctr">
+          <a:solidFill>
+            <a:schemeClr val="accent1">
+              <a:hueOff val="0"/>
+              <a:satOff val="0"/>
+              <a:lumOff val="0"/>
+              <a:alphaOff val="0"/>
+            </a:schemeClr>
+          </a:solidFill>
+          <a:prstDash val="solid"/>
+          <a:miter lim="800000"/>
+        </a:ln>
+        <a:effectLst/>
+      </dsp:spPr>
+      <dsp:style>
+        <a:lnRef idx="1">
+          <a:scrgbClr r="0" g="0" b="0"/>
+        </a:lnRef>
+        <a:fillRef idx="1">
+          <a:scrgbClr r="0" g="0" b="0"/>
+        </a:fillRef>
+        <a:effectRef idx="0">
+          <a:scrgbClr r="0" g="0" b="0"/>
+        </a:effectRef>
+        <a:fontRef idx="minor"/>
+      </dsp:style>
+    </dsp:sp>
+    <dsp:sp modelId="{6D6B00DA-2F38-F640-908E-929032F58109}">
+      <dsp:nvSpPr>
+        <dsp:cNvPr id="0" name=""/>
+        <dsp:cNvSpPr/>
+      </dsp:nvSpPr>
+      <dsp:spPr>
+        <a:xfrm rot="5400000">
+          <a:off x="-113050" y="2728671"/>
+          <a:ext cx="753672" cy="527570"/>
+        </a:xfrm>
+        <a:prstGeom prst="chevron">
+          <a:avLst/>
+        </a:prstGeom>
+        <a:gradFill rotWithShape="0">
+          <a:gsLst>
+            <a:gs pos="0">
+              <a:schemeClr val="accent1">
+                <a:hueOff val="0"/>
+                <a:satOff val="0"/>
+                <a:lumOff val="0"/>
+                <a:alphaOff val="0"/>
+                <a:lumMod val="110000"/>
+                <a:satMod val="105000"/>
+                <a:tint val="67000"/>
+              </a:schemeClr>
+            </a:gs>
+            <a:gs pos="50000">
+              <a:schemeClr val="accent1">
+                <a:hueOff val="0"/>
+                <a:satOff val="0"/>
+                <a:lumOff val="0"/>
+                <a:alphaOff val="0"/>
+                <a:lumMod val="105000"/>
+                <a:satMod val="103000"/>
+                <a:tint val="73000"/>
+              </a:schemeClr>
+            </a:gs>
+            <a:gs pos="100000">
+              <a:schemeClr val="accent1">
+                <a:hueOff val="0"/>
+                <a:satOff val="0"/>
+                <a:lumOff val="0"/>
+                <a:alphaOff val="0"/>
+                <a:lumMod val="105000"/>
+                <a:satMod val="109000"/>
+                <a:tint val="81000"/>
+              </a:schemeClr>
+            </a:gs>
+          </a:gsLst>
+          <a:lin ang="5400000" scaled="0"/>
+        </a:gradFill>
+        <a:ln w="12700" cap="flat" cmpd="sng" algn="ctr">
+          <a:solidFill>
+            <a:schemeClr val="accent1">
+              <a:hueOff val="0"/>
+              <a:satOff val="0"/>
+              <a:lumOff val="0"/>
+              <a:alphaOff val="0"/>
+            </a:schemeClr>
+          </a:solidFill>
+          <a:prstDash val="solid"/>
+          <a:miter lim="800000"/>
+        </a:ln>
+        <a:effectLst/>
+      </dsp:spPr>
+      <dsp:style>
+        <a:lnRef idx="1">
+          <a:scrgbClr r="0" g="0" b="0"/>
+        </a:lnRef>
+        <a:fillRef idx="2">
+          <a:scrgbClr r="0" g="0" b="0"/>
+        </a:fillRef>
+        <a:effectRef idx="1">
+          <a:scrgbClr r="0" g="0" b="0"/>
+        </a:effectRef>
+        <a:fontRef idx="minor">
+          <a:schemeClr val="dk1"/>
+        </a:fontRef>
+      </dsp:style>
+      <dsp:txBody>
+        <a:bodyPr spcFirstLastPara="0" vert="horz" wrap="square" lIns="8890" tIns="8890" rIns="8890" bIns="8890" numCol="1" spcCol="1270" anchor="ctr" anchorCtr="0">
+          <a:noAutofit/>
+        </a:bodyPr>
+        <a:lstStyle/>
+        <a:p>
+          <a:pPr marL="0" lvl="0" indent="0" algn="ctr" defTabSz="622300">
+            <a:lnSpc>
+              <a:spcPct val="90000"/>
+            </a:lnSpc>
+            <a:spcBef>
+              <a:spcPct val="0"/>
+            </a:spcBef>
+            <a:spcAft>
+              <a:spcPct val="35000"/>
+            </a:spcAft>
+            <a:buNone/>
+          </a:pPr>
+          <a:endParaRPr lang="en-US" sz="1400" kern="1200" dirty="0"/>
+        </a:p>
+      </dsp:txBody>
+      <dsp:txXfrm rot="-5400000">
+        <a:off x="1" y="2879405"/>
+        <a:ext cx="527570" cy="226102"/>
+      </dsp:txXfrm>
+    </dsp:sp>
+    <dsp:sp modelId="{34946A9E-0B5D-B746-8508-FEDB2A970E38}">
+      <dsp:nvSpPr>
+        <dsp:cNvPr id="0" name=""/>
+        <dsp:cNvSpPr/>
+      </dsp:nvSpPr>
+      <dsp:spPr>
+        <a:xfrm rot="5400000">
+          <a:off x="2222011" y="921179"/>
+          <a:ext cx="489886" cy="3878769"/>
+        </a:xfrm>
+        <a:prstGeom prst="round2SameRect">
+          <a:avLst/>
+        </a:prstGeom>
+        <a:solidFill>
+          <a:schemeClr val="lt1">
+            <a:alpha val="90000"/>
+            <a:hueOff val="0"/>
+            <a:satOff val="0"/>
+            <a:lumOff val="0"/>
+            <a:alphaOff val="0"/>
+          </a:schemeClr>
+        </a:solidFill>
+        <a:ln w="12700" cap="flat" cmpd="sng" algn="ctr">
+          <a:solidFill>
+            <a:schemeClr val="accent1">
+              <a:hueOff val="0"/>
+              <a:satOff val="0"/>
+              <a:lumOff val="0"/>
+              <a:alphaOff val="0"/>
+            </a:schemeClr>
+          </a:solidFill>
+          <a:prstDash val="solid"/>
+          <a:miter lim="800000"/>
+        </a:ln>
+        <a:effectLst/>
+      </dsp:spPr>
+      <dsp:style>
+        <a:lnRef idx="1">
+          <a:scrgbClr r="0" g="0" b="0"/>
+        </a:lnRef>
+        <a:fillRef idx="1">
+          <a:scrgbClr r="0" g="0" b="0"/>
+        </a:fillRef>
+        <a:effectRef idx="0">
+          <a:scrgbClr r="0" g="0" b="0"/>
+        </a:effectRef>
+        <a:fontRef idx="minor"/>
+      </dsp:style>
+    </dsp:sp>
+    <dsp:sp modelId="{15D494E3-2A0F-904A-8B1A-813A3FD12DAF}">
+      <dsp:nvSpPr>
+        <dsp:cNvPr id="0" name=""/>
+        <dsp:cNvSpPr/>
+      </dsp:nvSpPr>
+      <dsp:spPr>
+        <a:xfrm rot="5400000">
+          <a:off x="-113050" y="3382034"/>
+          <a:ext cx="753672" cy="527570"/>
+        </a:xfrm>
+        <a:prstGeom prst="chevron">
+          <a:avLst/>
+        </a:prstGeom>
+        <a:gradFill rotWithShape="0">
+          <a:gsLst>
+            <a:gs pos="0">
+              <a:schemeClr val="accent1">
+                <a:hueOff val="0"/>
+                <a:satOff val="0"/>
+                <a:lumOff val="0"/>
+                <a:alphaOff val="0"/>
+                <a:lumMod val="110000"/>
+                <a:satMod val="105000"/>
+                <a:tint val="67000"/>
+              </a:schemeClr>
+            </a:gs>
+            <a:gs pos="50000">
+              <a:schemeClr val="accent1">
+                <a:hueOff val="0"/>
+                <a:satOff val="0"/>
+                <a:lumOff val="0"/>
+                <a:alphaOff val="0"/>
+                <a:lumMod val="105000"/>
+                <a:satMod val="103000"/>
+                <a:tint val="73000"/>
+              </a:schemeClr>
+            </a:gs>
+            <a:gs pos="100000">
+              <a:schemeClr val="accent1">
+                <a:hueOff val="0"/>
+                <a:satOff val="0"/>
+                <a:lumOff val="0"/>
+                <a:alphaOff val="0"/>
+                <a:lumMod val="105000"/>
+                <a:satMod val="109000"/>
+                <a:tint val="81000"/>
+              </a:schemeClr>
+            </a:gs>
+          </a:gsLst>
+          <a:lin ang="5400000" scaled="0"/>
+        </a:gradFill>
+        <a:ln w="12700" cap="flat" cmpd="sng" algn="ctr">
+          <a:solidFill>
+            <a:schemeClr val="accent1">
+              <a:hueOff val="0"/>
+              <a:satOff val="0"/>
+              <a:lumOff val="0"/>
+              <a:alphaOff val="0"/>
+            </a:schemeClr>
+          </a:solidFill>
+          <a:prstDash val="solid"/>
+          <a:miter lim="800000"/>
+        </a:ln>
+        <a:effectLst/>
+      </dsp:spPr>
+      <dsp:style>
+        <a:lnRef idx="1">
+          <a:scrgbClr r="0" g="0" b="0"/>
+        </a:lnRef>
+        <a:fillRef idx="2">
+          <a:scrgbClr r="0" g="0" b="0"/>
+        </a:fillRef>
+        <a:effectRef idx="1">
+          <a:scrgbClr r="0" g="0" b="0"/>
+        </a:effectRef>
+        <a:fontRef idx="minor">
+          <a:schemeClr val="dk1"/>
+        </a:fontRef>
+      </dsp:style>
+      <dsp:txBody>
+        <a:bodyPr spcFirstLastPara="0" vert="horz" wrap="square" lIns="8890" tIns="8890" rIns="8890" bIns="8890" numCol="1" spcCol="1270" anchor="ctr" anchorCtr="0">
+          <a:noAutofit/>
+        </a:bodyPr>
+        <a:lstStyle/>
+        <a:p>
+          <a:pPr marL="0" lvl="0" indent="0" algn="ctr" defTabSz="622300">
+            <a:lnSpc>
+              <a:spcPct val="90000"/>
+            </a:lnSpc>
+            <a:spcBef>
+              <a:spcPct val="0"/>
+            </a:spcBef>
+            <a:spcAft>
+              <a:spcPct val="35000"/>
+            </a:spcAft>
+            <a:buNone/>
+          </a:pPr>
+          <a:r>
+            <a:rPr lang="en-US" sz="1400" kern="1200" dirty="0"/>
+            <a:t>End</a:t>
+          </a:r>
+        </a:p>
+      </dsp:txBody>
+      <dsp:txXfrm rot="-5400000">
+        <a:off x="1" y="3532768"/>
+        <a:ext cx="527570" cy="226102"/>
+      </dsp:txXfrm>
+    </dsp:sp>
+    <dsp:sp modelId="{DE942196-F884-7F40-9F2D-53990D2A4BD4}">
+      <dsp:nvSpPr>
+        <dsp:cNvPr id="0" name=""/>
+        <dsp:cNvSpPr/>
+      </dsp:nvSpPr>
+      <dsp:spPr>
+        <a:xfrm rot="5400000">
+          <a:off x="2222011" y="1574542"/>
+          <a:ext cx="489886" cy="3878769"/>
+        </a:xfrm>
+        <a:prstGeom prst="round2SameRect">
+          <a:avLst/>
+        </a:prstGeom>
+        <a:solidFill>
+          <a:schemeClr val="lt1">
+            <a:alpha val="90000"/>
+            <a:hueOff val="0"/>
+            <a:satOff val="0"/>
+            <a:lumOff val="0"/>
+            <a:alphaOff val="0"/>
+          </a:schemeClr>
+        </a:solidFill>
+        <a:ln w="12700" cap="flat" cmpd="sng" algn="ctr">
+          <a:solidFill>
+            <a:schemeClr val="accent1">
+              <a:hueOff val="0"/>
+              <a:satOff val="0"/>
+              <a:lumOff val="0"/>
+              <a:alphaOff val="0"/>
+            </a:schemeClr>
+          </a:solidFill>
+          <a:prstDash val="solid"/>
+          <a:miter lim="800000"/>
+        </a:ln>
+        <a:effectLst/>
+      </dsp:spPr>
+      <dsp:style>
+        <a:lnRef idx="1">
+          <a:scrgbClr r="0" g="0" b="0"/>
+        </a:lnRef>
+        <a:fillRef idx="1">
+          <a:scrgbClr r="0" g="0" b="0"/>
+        </a:fillRef>
+        <a:effectRef idx="0">
+          <a:scrgbClr r="0" g="0" b="0"/>
+        </a:effectRef>
+        <a:fontRef idx="minor"/>
+      </dsp:style>
+    </dsp:sp>
+  </dsp:spTree>
+</dsp:drawing>
+</file>
+
+<file path=ppt/diagrams/layout1.xml><?xml version="1.0" encoding="utf-8"?>
+<dgm:layoutDef xmlns:dgm="http://schemas.openxmlformats.org/drawingml/2006/diagram" xmlns:a="http://schemas.openxmlformats.org/drawingml/2006/main" uniqueId="urn:microsoft.com/office/officeart/2005/8/layout/chevron2">
+  <dgm:title val=""/>
+  <dgm:desc val=""/>
+  <dgm:catLst>
+    <dgm:cat type="process" pri="12000"/>
+    <dgm:cat type="list" pri="16000"/>
+    <dgm:cat type="convert" pri="11000"/>
+  </dgm:catLst>
+  <dgm:sampData>
+    <dgm:dataModel>
+      <dgm:ptLst>
+        <dgm:pt modelId="0" type="doc"/>
+        <dgm:pt modelId="1">
+          <dgm:prSet phldr="1"/>
+        </dgm:pt>
+        <dgm:pt modelId="11">
+          <dgm:prSet phldr="1"/>
+        </dgm:pt>
+        <dgm:pt modelId="12">
+          <dgm:prSet phldr="1"/>
+        </dgm:pt>
+        <dgm:pt modelId="2">
+          <dgm:prSet phldr="1"/>
+        </dgm:pt>
+        <dgm:pt modelId="21">
+          <dgm:prSet phldr="1"/>
+        </dgm:pt>
+        <dgm:pt modelId="22">
+          <dgm:prSet phldr="1"/>
+        </dgm:pt>
+        <dgm:pt modelId="3">
+          <dgm:prSet phldr="1"/>
+        </dgm:pt>
+        <dgm:pt modelId="31">
+          <dgm:prSet phldr="1"/>
+        </dgm:pt>
+        <dgm:pt modelId="32">
+          <dgm:prSet phldr="1"/>
+        </dgm:pt>
+      </dgm:ptLst>
+      <dgm:cxnLst>
+        <dgm:cxn modelId="4" srcId="0" destId="1" srcOrd="0" destOrd="0"/>
+        <dgm:cxn modelId="5" srcId="0" destId="2" srcOrd="1" destOrd="0"/>
+        <dgm:cxn modelId="6" srcId="0" destId="3" srcOrd="2" destOrd="0"/>
+        <dgm:cxn modelId="13" srcId="1" destId="11" srcOrd="0" destOrd="0"/>
+        <dgm:cxn modelId="14" srcId="1" destId="12" srcOrd="1" destOrd="0"/>
+        <dgm:cxn modelId="23" srcId="2" destId="21" srcOrd="0" destOrd="0"/>
+        <dgm:cxn modelId="24" srcId="2" destId="22" srcOrd="1" destOrd="0"/>
+        <dgm:cxn modelId="33" srcId="3" destId="31" srcOrd="0" destOrd="0"/>
+        <dgm:cxn modelId="34" srcId="3" destId="32" srcOrd="1" destOrd="0"/>
+      </dgm:cxnLst>
+      <dgm:bg/>
+      <dgm:whole/>
+    </dgm:dataModel>
+  </dgm:sampData>
+  <dgm:styleData>
+    <dgm:dataModel>
+      <dgm:ptLst>
+        <dgm:pt modelId="0" type="doc"/>
+        <dgm:pt modelId="1"/>
+      </dgm:ptLst>
+      <dgm:cxnLst>
+        <dgm:cxn modelId="4" srcId="0" destId="1" srcOrd="0" destOrd="0"/>
+      </dgm:cxnLst>
+      <dgm:bg/>
+      <dgm:whole/>
+    </dgm:dataModel>
+  </dgm:styleData>
+  <dgm:clrData>
+    <dgm:dataModel>
+      <dgm:ptLst>
+        <dgm:pt modelId="0" type="doc"/>
+        <dgm:pt modelId="1"/>
+        <dgm:pt modelId="11"/>
+        <dgm:pt modelId="2"/>
+        <dgm:pt modelId="21"/>
+        <dgm:pt modelId="3"/>
+        <dgm:pt modelId="31"/>
+        <dgm:pt modelId="4"/>
+        <dgm:pt modelId="41"/>
+      </dgm:ptLst>
+      <dgm:cxnLst>
+        <dgm:cxn modelId="5" srcId="0" destId="1" srcOrd="0" destOrd="0"/>
+        <dgm:cxn modelId="6" srcId="0" destId="2" srcOrd="1" destOrd="0"/>
+        <dgm:cxn modelId="7" srcId="0" destId="3" srcOrd="2" destOrd="0"/>
+        <dgm:cxn modelId="8" srcId="0" destId="4" srcOrd="3" destOrd="0"/>
+        <dgm:cxn modelId="13" srcId="1" destId="11" srcOrd="0" destOrd="0"/>
+        <dgm:cxn modelId="23" srcId="2" destId="21" srcOrd="0" destOrd="0"/>
+        <dgm:cxn modelId="33" srcId="3" destId="31" srcOrd="0" destOrd="0"/>
+        <dgm:cxn modelId="43" srcId="4" destId="41" srcOrd="0" destOrd="0"/>
+      </dgm:cxnLst>
+      <dgm:bg/>
+      <dgm:whole/>
+    </dgm:dataModel>
+  </dgm:clrData>
+  <dgm:layoutNode name="linearFlow">
+    <dgm:varLst>
+      <dgm:dir/>
+      <dgm:animLvl val="lvl"/>
+      <dgm:resizeHandles val="exact"/>
+    </dgm:varLst>
+    <dgm:alg type="lin">
+      <dgm:param type="linDir" val="fromT"/>
+      <dgm:param type="nodeHorzAlign" val="l"/>
+    </dgm:alg>
+    <dgm:shape xmlns:r="http://schemas.openxmlformats.org/officeDocument/2006/relationships" r:blip="">
+      <dgm:adjLst/>
+    </dgm:shape>
+    <dgm:presOf/>
+    <dgm:constrLst>
+      <dgm:constr type="h" for="ch" forName="composite" refType="h"/>
+      <dgm:constr type="w" for="ch" forName="composite" refType="w"/>
+      <dgm:constr type="h" for="des" forName="parentText" op="equ"/>
+      <dgm:constr type="h" for="ch" forName="sp" val="-14.88"/>
+      <dgm:constr type="h" for="ch" forName="sp" refType="w" refFor="des" refForName="parentText" op="gte" fact="-0.3"/>
+      <dgm:constr type="primFontSz" for="des" forName="parentText" op="equ" val="65"/>
+      <dgm:constr type="primFontSz" for="des" forName="descendantText" op="equ" val="65"/>
+    </dgm:constrLst>
+    <dgm:ruleLst/>
+    <dgm:forEach name="Name0" axis="ch" ptType="node">
+      <dgm:layoutNode name="composite">
+        <dgm:alg type="composite"/>
+        <dgm:shape xmlns:r="http://schemas.openxmlformats.org/officeDocument/2006/relationships" r:blip="">
+          <dgm:adjLst/>
+        </dgm:shape>
+        <dgm:presOf/>
+        <dgm:choose name="Name1">
+          <dgm:if name="Name2" func="var" arg="dir" op="equ" val="norm">
+            <dgm:constrLst>
+              <dgm:constr type="t" for="ch" forName="parentText"/>
+              <dgm:constr type="l" for="ch" forName="parentText"/>
+              <dgm:constr type="w" for="ch" forName="parentText" refType="w" fact="0.4"/>
+              <dgm:constr type="h" for="ch" forName="parentText" refType="h"/>
+              <dgm:constr type="w" for="ch" forName="parentText" refType="w" op="lte" fact="0.5"/>
+              <dgm:constr type="w" for="ch" forName="parentText" refType="h" refFor="ch" refForName="parentText" op="lte" fact="0.7"/>
+              <dgm:constr type="h" for="ch" forName="parentText" refType="w" refFor="ch" refForName="parentText" op="lte" fact="3"/>
+              <dgm:constr type="l" for="ch" forName="descendantText" refType="w" refFor="ch" refForName="parentText"/>
+              <dgm:constr type="w" for="ch" forName="descendantText" refType="w"/>
+              <dgm:constr type="wOff" for="ch" forName="descendantText" refType="w" refFor="ch" refForName="parentText" fact="-1"/>
+              <dgm:constr type="t" for="ch" forName="descendantText"/>
+              <dgm:constr type="b" for="ch" forName="descendantText" refType="h" refFor="ch" refForName="parentText"/>
+              <dgm:constr type="bOff" for="ch" forName="descendantText" refType="w" refFor="ch" refForName="parentText" fact="-0.5"/>
+            </dgm:constrLst>
+          </dgm:if>
+          <dgm:else name="Name3">
+            <dgm:constrLst>
+              <dgm:constr type="t" for="ch" forName="parentText"/>
+              <dgm:constr type="r" for="ch" forName="parentText" refType="w"/>
+              <dgm:constr type="w" for="ch" forName="parentText" refType="w" fact="0.4"/>
+              <dgm:constr type="h" for="ch" forName="parentText" refType="h"/>
+              <dgm:constr type="w" for="ch" forName="parentText" refType="w" op="lte" fact="0.5"/>
+              <dgm:constr type="w" for="ch" forName="parentText" refType="h" refFor="ch" refForName="parentText" op="lte" fact="0.7"/>
+              <dgm:constr type="h" for="ch" forName="parentText" refType="w" refFor="ch" refForName="parentText" op="lte" fact="3"/>
+              <dgm:constr type="l" for="ch" forName="descendantText"/>
+              <dgm:constr type="w" for="ch" forName="descendantText" refType="w"/>
+              <dgm:constr type="wOff" for="ch" forName="descendantText" refType="w" refFor="ch" refForName="parentText" fact="-1"/>
+              <dgm:constr type="t" for="ch" forName="descendantText"/>
+              <dgm:constr type="b" for="ch" forName="descendantText" refType="h" refFor="ch" refForName="parentText"/>
+              <dgm:constr type="bOff" for="ch" forName="descendantText" refType="w" refFor="ch" refForName="parentText" fact="-0.5"/>
+            </dgm:constrLst>
+          </dgm:else>
+        </dgm:choose>
+        <dgm:ruleLst/>
+        <dgm:layoutNode name="parentText" styleLbl="alignNode1">
+          <dgm:varLst>
+            <dgm:chMax val="1"/>
+            <dgm:bulletEnabled val="1"/>
+          </dgm:varLst>
+          <dgm:alg type="tx"/>
+          <dgm:shape xmlns:r="http://schemas.openxmlformats.org/officeDocument/2006/relationships" rot="90" type="chevron" r:blip="">
+            <dgm:adjLst/>
+          </dgm:shape>
+          <dgm:presOf axis="self" ptType="node"/>
+          <dgm:constrLst>
+            <dgm:constr type="lMarg" refType="primFontSz" fact="0.05"/>
+            <dgm:constr type="rMarg" refType="primFontSz" fact="0.05"/>
+            <dgm:constr type="tMarg" refType="primFontSz" fact="0.05"/>
+            <dgm:constr type="bMarg" refType="primFontSz" fact="0.05"/>
+          </dgm:constrLst>
+          <dgm:ruleLst>
+            <dgm:rule type="h" val="100" fact="NaN" max="NaN"/>
+            <dgm:rule type="primFontSz" val="24" fact="NaN" max="NaN"/>
+            <dgm:rule type="h" val="110" fact="NaN" max="NaN"/>
+            <dgm:rule type="primFontSz" val="18" fact="NaN" max="NaN"/>
+            <dgm:rule type="h" val="INF" fact="NaN" max="NaN"/>
+            <dgm:rule type="primFontSz" val="5" fact="NaN" max="NaN"/>
+          </dgm:ruleLst>
+        </dgm:layoutNode>
+        <dgm:layoutNode name="descendantText" styleLbl="alignAcc1">
+          <dgm:varLst>
+            <dgm:bulletEnabled val="1"/>
+          </dgm:varLst>
+          <dgm:choose name="Name4">
+            <dgm:if name="Name5" func="var" arg="dir" op="equ" val="norm">
+              <dgm:alg type="tx">
+                <dgm:param type="stBulletLvl" val="1"/>
+                <dgm:param type="txAnchorVertCh" val="mid"/>
+              </dgm:alg>
+              <dgm:shape xmlns:r="http://schemas.openxmlformats.org/officeDocument/2006/relationships" rot="90" type="round2SameRect" r:blip="">
+                <dgm:adjLst/>
+              </dgm:shape>
+            </dgm:if>
+            <dgm:else name="Name6">
+              <dgm:alg type="tx">
+                <dgm:param type="stBulletLvl" val="1"/>
+                <dgm:param type="txAnchorVertCh" val="mid"/>
+              </dgm:alg>
+              <dgm:shape xmlns:r="http://schemas.openxmlformats.org/officeDocument/2006/relationships" rot="-90" type="round2SameRect" r:blip="">
+                <dgm:adjLst/>
+              </dgm:shape>
+            </dgm:else>
+          </dgm:choose>
+          <dgm:presOf axis="des" ptType="node"/>
+          <dgm:choose name="Name7">
+            <dgm:if name="Name8" func="var" arg="dir" op="equ" val="norm">
+              <dgm:constrLst>
+                <dgm:constr type="secFontSz" refType="primFontSz"/>
+                <dgm:constr type="tMarg" refType="primFontSz" fact="0.05"/>
+                <dgm:constr type="bMarg" refType="primFontSz" fact="0.05"/>
+                <dgm:constr type="rMarg" refType="primFontSz" fact="0.05"/>
+              </dgm:constrLst>
+            </dgm:if>
+            <dgm:else name="Name9">
+              <dgm:constrLst>
+                <dgm:constr type="secFontSz" refType="primFontSz"/>
+                <dgm:constr type="tMarg" refType="primFontSz" fact="0.05"/>
+                <dgm:constr type="bMarg" refType="primFontSz" fact="0.05"/>
+                <dgm:constr type="lMarg" refType="primFontSz" fact="0.05"/>
+              </dgm:constrLst>
+            </dgm:else>
+          </dgm:choose>
+          <dgm:ruleLst>
+            <dgm:rule type="primFontSz" val="5" fact="NaN" max="NaN"/>
+          </dgm:ruleLst>
+        </dgm:layoutNode>
+      </dgm:layoutNode>
+      <dgm:forEach name="Name10" axis="followSib" ptType="sibTrans" cnt="1">
+        <dgm:layoutNode name="sp">
+          <dgm:alg type="sp"/>
+          <dgm:shape xmlns:r="http://schemas.openxmlformats.org/officeDocument/2006/relationships" r:blip="">
+            <dgm:adjLst/>
+          </dgm:shape>
+          <dgm:presOf axis="self"/>
+          <dgm:constrLst>
+            <dgm:constr type="w" val="1"/>
+            <dgm:constr type="h" val="37.5"/>
+          </dgm:constrLst>
+          <dgm:ruleLst/>
+        </dgm:layoutNode>
+      </dgm:forEach>
+    </dgm:forEach>
+  </dgm:layoutNode>
+</dgm:layoutDef>
+</file>
+
+<file path=ppt/diagrams/quickStyle1.xml><?xml version="1.0" encoding="utf-8"?>
+<dgm:styleDef xmlns:dgm="http://schemas.openxmlformats.org/drawingml/2006/diagram" xmlns:a="http://schemas.openxmlformats.org/drawingml/2006/main" uniqueId="urn:microsoft.com/office/officeart/2005/8/quickstyle/simple3">
+  <dgm:title val=""/>
+  <dgm:desc val=""/>
+  <dgm:catLst>
+    <dgm:cat type="simple" pri="10300"/>
+  </dgm:catLst>
+  <dgm:scene3d>
+    <a:camera prst="orthographicFront"/>
+    <a:lightRig rig="threePt" dir="t"/>
+  </dgm:scene3d>
+  <dgm:styleLbl name="node0">
+    <dgm:scene3d>
+      <a:camera prst="orthographicFront"/>
+      <a:lightRig rig="flat" dir="t"/>
+    </dgm:scene3d>
+    <dgm:sp3d prstMaterial="dkEdge">
+      <a:bevelT w="8200" h="38100"/>
+    </dgm:sp3d>
+    <dgm:txPr/>
+    <dgm:style>
+      <a:lnRef idx="0">
+        <a:scrgbClr r="0" g="0" b="0"/>
+      </a:lnRef>
+      <a:fillRef idx="2">
+        <a:scrgbClr r="0" g="0" b="0"/>
+      </a:fillRef>
+      <a:effectRef idx="1">
+        <a:scrgbClr r="0" g="0" b="0"/>
+      </a:effectRef>
+      <a:fontRef idx="minor">
+        <a:schemeClr val="dk1"/>
+      </a:fontRef>
+    </dgm:style>
+  </dgm:styleLbl>
+  <dgm:styleLbl name="lnNode1">
+    <dgm:scene3d>
+      <a:camera prst="orthographicFront"/>
+      <a:lightRig rig="flat" dir="t"/>
+    </dgm:scene3d>
+    <dgm:sp3d prstMaterial="dkEdge">
+      <a:bevelT w="8200" h="38100"/>
+    </dgm:sp3d>
+    <dgm:txPr/>
+    <dgm:style>
+      <a:lnRef idx="1">
+        <a:scrgbClr r="0" g="0" b="0"/>
+      </a:lnRef>
+      <a:fillRef idx="2">
+        <a:scrgbClr r="0" g="0" b="0"/>
+      </a:fillRef>
+      <a:effectRef idx="0">
+        <a:scrgbClr r="0" g="0" b="0"/>
+      </a:effectRef>
+      <a:fontRef idx="minor">
+        <a:schemeClr val="dk1"/>
+      </a:fontRef>
+    </dgm:style>
+  </dgm:styleLbl>
+  <dgm:styleLbl name="vennNode1">
+    <dgm:scene3d>
+      <a:camera prst="orthographicFront"/>
+      <a:lightRig rig="flat" dir="t"/>
+    </dgm:scene3d>
+    <dgm:sp3d prstMaterial="dkEdge">
+      <a:bevelT w="8200" h="38100"/>
+    </dgm:sp3d>
+    <dgm:txPr/>
+    <dgm:style>
+      <a:lnRef idx="0">
+        <a:scrgbClr r="0" g="0" b="0"/>
+      </a:lnRef>
+      <a:fillRef idx="2">
+        <a:scrgbClr r="0" g="0" b="0"/>
+      </a:fillRef>
+      <a:effectRef idx="0">
+        <a:scrgbClr r="0" g="0" b="0"/>
+      </a:effectRef>
+      <a:fontRef idx="minor">
+        <a:schemeClr val="tx1"/>
+      </a:fontRef>
+    </dgm:style>
+  </dgm:styleLbl>
+  <dgm:styleLbl name="alignNode1">
+    <dgm:scene3d>
+      <a:camera prst="orthographicFront"/>
+      <a:lightRig rig="threePt" dir="t"/>
+    </dgm:scene3d>
+    <dgm:sp3d/>
+    <dgm:txPr/>
+    <dgm:style>
+      <a:lnRef idx="1">
+        <a:scrgbClr r="0" g="0" b="0"/>
+      </a:lnRef>
+      <a:fillRef idx="2">
+        <a:scrgbClr r="0" g="0" b="0"/>
+      </a:fillRef>
+      <a:effectRef idx="1">
+        <a:scrgbClr r="0" g="0" b="0"/>
+      </a:effectRef>
+      <a:fontRef idx="minor">
+        <a:schemeClr val="dk1"/>
+      </a:fontRef>
+    </dgm:style>
+  </dgm:styleLbl>
+  <dgm:styleLbl name="node1">
+    <dgm:scene3d>
+      <a:camera prst="orthographicFront"/>
+      <a:lightRig rig="flat" dir="t"/>
+    </dgm:scene3d>
+    <dgm:sp3d prstMaterial="dkEdge">
+      <a:bevelT w="8200" h="38100"/>
+    </dgm:sp3d>
+    <dgm:txPr/>
+    <dgm:style>
+      <a:lnRef idx="0">
+        <a:scrgbClr r="0" g="0" b="0"/>
+      </a:lnRef>
+      <a:fillRef idx="2">
+        <a:scrgbClr r="0" g="0" b="0"/>
+      </a:fillRef>
+      <a:effectRef idx="1">
+        <a:scrgbClr r="0" g="0" b="0"/>
+      </a:effectRef>
+      <a:fontRef idx="minor">
+        <a:schemeClr val="dk1"/>
+      </a:fontRef>
+    </dgm:style>
+  </dgm:styleLbl>
+  <dgm:styleLbl name="node2">
+    <dgm:scene3d>
+      <a:camera prst="orthographicFront"/>
+      <a:lightRig rig="flat" dir="t"/>
+    </dgm:scene3d>
+    <dgm:sp3d prstMaterial="dkEdge">
+      <a:bevelT w="8200" h="38100"/>
+    </dgm:sp3d>
+    <dgm:txPr/>
+    <dgm:style>
+      <a:lnRef idx="0">
+        <a:scrgbClr r="0" g="0" b="0"/>
+      </a:lnRef>
+      <a:fillRef idx="2">
+        <a:scrgbClr r="0" g="0" b="0"/>
+      </a:fillRef>
+      <a:effectRef idx="1">
+        <a:scrgbClr r="0" g="0" b="0"/>
+      </a:effectRef>
+      <a:fontRef idx="minor">
+        <a:schemeClr val="dk1"/>
+      </a:fontRef>
+    </dgm:style>
+  </dgm:styleLbl>
+  <dgm:styleLbl name="node3">
+    <dgm:scene3d>
+      <a:camera prst="orthographicFront"/>
+      <a:lightRig rig="flat" dir="t"/>
+    </dgm:scene3d>
+    <dgm:sp3d prstMaterial="dkEdge">
+      <a:bevelT w="8200" h="38100"/>
+    </dgm:sp3d>
+    <dgm:txPr/>
+    <dgm:style>
+      <a:lnRef idx="0">
+        <a:scrgbClr r="0" g="0" b="0"/>
+      </a:lnRef>
+      <a:fillRef idx="2">
+        <a:scrgbClr r="0" g="0" b="0"/>
+      </a:fillRef>
+      <a:effectRef idx="1">
+        <a:scrgbClr r="0" g="0" b="0"/>
+      </a:effectRef>
+      <a:fontRef idx="minor">
+        <a:schemeClr val="dk1"/>
+      </a:fontRef>
+    </dgm:style>
+  </dgm:styleLbl>
+  <dgm:styleLbl name="node4">
+    <dgm:scene3d>
+      <a:camera prst="orthographicFront"/>
+      <a:lightRig rig="flat" dir="t"/>
+    </dgm:scene3d>
+    <dgm:sp3d prstMaterial="dkEdge">
+      <a:bevelT w="8200" h="38100"/>
+    </dgm:sp3d>
+    <dgm:txPr/>
+    <dgm:style>
+      <a:lnRef idx="0">
+        <a:scrgbClr r="0" g="0" b="0"/>
+      </a:lnRef>
+      <a:fillRef idx="2">
+        <a:scrgbClr r="0" g="0" b="0"/>
+      </a:fillRef>
+      <a:effectRef idx="1">
+        <a:scrgbClr r="0" g="0" b="0"/>
+      </a:effectRef>
+      <a:fontRef idx="minor">
+        <a:schemeClr val="dk1"/>
+      </a:fontRef>
+    </dgm:style>
+  </dgm:styleLbl>
+  <dgm:styleLbl name="fgImgPlace1">
+    <dgm:scene3d>
+      <a:camera prst="orthographicFront"/>
+      <a:lightRig rig="threePt" dir="t"/>
+    </dgm:scene3d>
+    <dgm:sp3d/>
+    <dgm:txPr/>
+    <dgm:style>
+      <a:lnRef idx="1">
+        <a:scrgbClr r="0" g="0" b="0"/>
+      </a:lnRef>
+      <a:fillRef idx="1">
+        <a:scrgbClr r="0" g="0" b="0"/>
+      </a:fillRef>
+      <a:effectRef idx="1">
+        <a:scrgbClr r="0" g="0" b="0"/>
+      </a:effectRef>
+      <a:fontRef idx="minor"/>
+    </dgm:style>
+  </dgm:styleLbl>
+  <dgm:styleLbl name="alignImgPlace1">
+    <dgm:scene3d>
+      <a:camera prst="orthographicFront"/>
+      <a:lightRig rig="threePt" dir="t"/>
+    </dgm:scene3d>
+    <dgm:sp3d/>
+    <dgm:txPr/>
+    <dgm:style>
+      <a:lnRef idx="1">
+        <a:scrgbClr r="0" g="0" b="0"/>
+      </a:lnRef>
+      <a:fillRef idx="1">
+        <a:scrgbClr r="0" g="0" b="0"/>
+      </a:fillRef>
+      <a:effectRef idx="1">
+        <a:scrgbClr r="0" g="0" b="0"/>
+      </a:effectRef>
+      <a:fontRef idx="minor"/>
+    </dgm:style>
+  </dgm:styleLbl>
+  <dgm:styleLbl name="bgImgPlace1">
+    <dgm:scene3d>
+      <a:camera prst="orthographicFront"/>
+      <a:lightRig rig="threePt" dir="t"/>
+    </dgm:scene3d>
+    <dgm:sp3d/>
+    <dgm:txPr/>
+    <dgm:style>
+      <a:lnRef idx="1">
+        <a:scrgbClr r="0" g="0" b="0"/>
+      </a:lnRef>
+      <a:fillRef idx="1">
+        <a:scrgbClr r="0" g="0" b="0"/>
+      </a:fillRef>
+      <a:effectRef idx="1">
+        <a:scrgbClr r="0" g="0" b="0"/>
+      </a:effectRef>
+      <a:fontRef idx="minor"/>
+    </dgm:style>
+  </dgm:styleLbl>
+  <dgm:styleLbl name="sibTrans2D1">
+    <dgm:scene3d>
+      <a:camera prst="orthographicFront"/>
+      <a:lightRig rig="threePt" dir="t"/>
+    </dgm:scene3d>
+    <dgm:sp3d/>
+    <dgm:txPr/>
+    <dgm:style>
+      <a:lnRef idx="0">
+        <a:scrgbClr r="0" g="0" b="0"/>
+      </a:lnRef>
+      <a:fillRef idx="2">
+        <a:scrgbClr r="0" g="0" b="0"/>
+      </a:fillRef>
+      <a:effectRef idx="1">
+        <a:scrgbClr r="0" g="0" b="0"/>
+      </a:effectRef>
+      <a:fontRef idx="minor">
+        <a:schemeClr val="dk1"/>
+      </a:fontRef>
+    </dgm:style>
+  </dgm:styleLbl>
+  <dgm:styleLbl name="fgSibTrans2D1">
+    <dgm:scene3d>
+      <a:camera prst="orthographicFront"/>
+      <a:lightRig rig="threePt" dir="t"/>
+    </dgm:scene3d>
+    <dgm:sp3d/>
+    <dgm:txPr/>
+    <dgm:style>
+      <a:lnRef idx="0">
+        <a:scrgbClr r="0" g="0" b="0"/>
+      </a:lnRef>
+      <a:fillRef idx="2">
+        <a:scrgbClr r="0" g="0" b="0"/>
+      </a:fillRef>
+      <a:effectRef idx="1">
+        <a:scrgbClr r="0" g="0" b="0"/>
+      </a:effectRef>
+      <a:fontRef idx="minor">
+        <a:schemeClr val="dk1"/>
+      </a:fontRef>
+    </dgm:style>
+  </dgm:styleLbl>
+  <dgm:styleLbl name="bgSibTrans2D1">
+    <dgm:scene3d>
+      <a:camera prst="orthographicFront"/>
+      <a:lightRig rig="threePt" dir="t"/>
+    </dgm:scene3d>
+    <dgm:sp3d/>
+    <dgm:txPr/>
+    <dgm:style>
+      <a:lnRef idx="0">
+        <a:scrgbClr r="0" g="0" b="0"/>
+      </a:lnRef>
+      <a:fillRef idx="2">
+        <a:scrgbClr r="0" g="0" b="0"/>
+      </a:fillRef>
+      <a:effectRef idx="1">
+        <a:scrgbClr r="0" g="0" b="0"/>
+      </a:effectRef>
+      <a:fontRef idx="minor">
+        <a:schemeClr val="dk1"/>
+      </a:fontRef>
+    </dgm:style>
+  </dgm:styleLbl>
+  <dgm:styleLbl name="sibTrans1D1">
+    <dgm:scene3d>
+      <a:camera prst="orthographicFront"/>
+      <a:lightRig rig="threePt" dir="t"/>
+    </dgm:scene3d>
+    <dgm:sp3d/>
+    <dgm:txPr/>
+    <dgm:style>
+      <a:lnRef idx="1">
+        <a:scrgbClr r="0" g="0" b="0"/>
+      </a:lnRef>
+      <a:fillRef idx="0">
+        <a:scrgbClr r="0" g="0" b="0"/>
+      </a:fillRef>
+      <a:effectRef idx="0">
+        <a:scrgbClr r="0" g="0" b="0"/>
+      </a:effectRef>
+      <a:fontRef idx="minor"/>
+    </dgm:style>
+  </dgm:styleLbl>
+  <dgm:styleLbl name="callout">
+    <dgm:scene3d>
+      <a:camera prst="orthographicFront"/>
+      <a:lightRig rig="threePt" dir="t"/>
+    </dgm:scene3d>
+    <dgm:sp3d/>
+    <dgm:txPr/>
+    <dgm:style>
+      <a:lnRef idx="1">
+        <a:scrgbClr r="0" g="0" b="0"/>
+      </a:lnRef>
+      <a:fillRef idx="2">
+        <a:scrgbClr r="0" g="0" b="0"/>
+      </a:fillRef>
+      <a:effectRef idx="1">
+        <a:scrgbClr r="0" g="0" b="0"/>
+      </a:effectRef>
+      <a:fontRef idx="minor"/>
+    </dgm:style>
+  </dgm:styleLbl>
+  <dgm:styleLbl name="asst0">
+    <dgm:scene3d>
+      <a:camera prst="orthographicFront"/>
+      <a:lightRig rig="flat" dir="t"/>
+    </dgm:scene3d>
+    <dgm:sp3d prstMaterial="dkEdge">
+      <a:bevelT w="8200" h="38100"/>
+    </dgm:sp3d>
+    <dgm:txPr/>
+    <dgm:style>
+      <a:lnRef idx="0">
+        <a:scrgbClr r="0" g="0" b="0"/>
+      </a:lnRef>
+      <a:fillRef idx="2">
+        <a:scrgbClr r="0" g="0" b="0"/>
+      </a:fillRef>
+      <a:effectRef idx="1">
+        <a:scrgbClr r="0" g="0" b="0"/>
+      </a:effectRef>
+      <a:fontRef idx="minor">
+        <a:schemeClr val="dk1"/>
+      </a:fontRef>
+    </dgm:style>
+  </dgm:styleLbl>
+  <dgm:styleLbl name="asst1">
+    <dgm:scene3d>
+      <a:camera prst="orthographicFront"/>
+      <a:lightRig rig="flat" dir="t"/>
+    </dgm:scene3d>
+    <dgm:sp3d prstMaterial="dkEdge">
+      <a:bevelT w="8200" h="38100"/>
+    </dgm:sp3d>
+    <dgm:txPr/>
+    <dgm:style>
+      <a:lnRef idx="0">
+        <a:scrgbClr r="0" g="0" b="0"/>
+      </a:lnRef>
+      <a:fillRef idx="2">
+        <a:scrgbClr r="0" g="0" b="0"/>
+      </a:fillRef>
+      <a:effectRef idx="1">
+        <a:scrgbClr r="0" g="0" b="0"/>
+      </a:effectRef>
+      <a:fontRef idx="minor">
+        <a:schemeClr val="dk1"/>
+      </a:fontRef>
+    </dgm:style>
+  </dgm:styleLbl>
+  <dgm:styleLbl name="asst2">
+    <dgm:scene3d>
+      <a:camera prst="orthographicFront"/>
+      <a:lightRig rig="flat" dir="t"/>
+    </dgm:scene3d>
+    <dgm:sp3d prstMaterial="dkEdge">
+      <a:bevelT w="8200" h="38100"/>
+    </dgm:sp3d>
+    <dgm:txPr/>
+    <dgm:style>
+      <a:lnRef idx="0">
+        <a:scrgbClr r="0" g="0" b="0"/>
+      </a:lnRef>
+      <a:fillRef idx="2">
+        <a:scrgbClr r="0" g="0" b="0"/>
+      </a:fillRef>
+      <a:effectRef idx="1">
+        <a:scrgbClr r="0" g="0" b="0"/>
+      </a:effectRef>
+      <a:fontRef idx="minor">
+        <a:schemeClr val="dk1"/>
+      </a:fontRef>
+    </dgm:style>
+  </dgm:styleLbl>
+  <dgm:styleLbl name="asst3">
+    <dgm:scene3d>
+      <a:camera prst="orthographicFront"/>
+      <a:lightRig rig="flat" dir="t"/>
+    </dgm:scene3d>
+    <dgm:sp3d prstMaterial="dkEdge">
+      <a:bevelT w="8200" h="38100"/>
+    </dgm:sp3d>
+    <dgm:txPr/>
+    <dgm:style>
+      <a:lnRef idx="0">
+        <a:scrgbClr r="0" g="0" b="0"/>
+      </a:lnRef>
+      <a:fillRef idx="2">
+        <a:scrgbClr r="0" g="0" b="0"/>
+      </a:fillRef>
+      <a:effectRef idx="1">
+        <a:scrgbClr r="0" g="0" b="0"/>
+      </a:effectRef>
+      <a:fontRef idx="minor">
+        <a:schemeClr val="dk1"/>
+      </a:fontRef>
+    </dgm:style>
+  </dgm:styleLbl>
+  <dgm:styleLbl name="asst4">
+    <dgm:scene3d>
+      <a:camera prst="orthographicFront"/>
+      <a:lightRig rig="flat" dir="t"/>
+    </dgm:scene3d>
+    <dgm:sp3d prstMaterial="dkEdge">
+      <a:bevelT w="8200" h="38100"/>
+    </dgm:sp3d>
+    <dgm:txPr/>
+    <dgm:style>
+      <a:lnRef idx="0">
+        <a:scrgbClr r="0" g="0" b="0"/>
+      </a:lnRef>
+      <a:fillRef idx="2">
+        <a:scrgbClr r="0" g="0" b="0"/>
+      </a:fillRef>
+      <a:effectRef idx="1">
+        <a:scrgbClr r="0" g="0" b="0"/>
+      </a:effectRef>
+      <a:fontRef idx="minor">
+        <a:schemeClr val="dk1"/>
+      </a:fontRef>
+    </dgm:style>
+  </dgm:styleLbl>
+  <dgm:styleLbl name="parChTrans2D1">
+    <dgm:scene3d>
+      <a:camera prst="orthographicFront"/>
+      <a:lightRig rig="threePt" dir="t"/>
+    </dgm:scene3d>
+    <dgm:sp3d/>
+    <dgm:txPr/>
+    <dgm:style>
+      <a:lnRef idx="1">
+        <a:scrgbClr r="0" g="0" b="0"/>
+      </a:lnRef>
+      <a:fillRef idx="2">
+        <a:scrgbClr r="0" g="0" b="0"/>
+      </a:fillRef>
+      <a:effectRef idx="1">
+        <a:scrgbClr r="0" g="0" b="0"/>
+      </a:effectRef>
+      <a:fontRef idx="minor">
+        <a:schemeClr val="dk1"/>
+      </a:fontRef>
+    </dgm:style>
+  </dgm:styleLbl>
+  <dgm:styleLbl name="parChTrans2D2">
+    <dgm:scene3d>
+      <a:camera prst="orthographicFront"/>
+      <a:lightRig rig="threePt" dir="t"/>
+    </dgm:scene3d>
+    <dgm:sp3d/>
+    <dgm:txPr/>
+    <dgm:style>
+      <a:lnRef idx="1">
+        <a:scrgbClr r="0" g="0" b="0"/>
+      </a:lnRef>
+      <a:fillRef idx="2">
+        <a:scrgbClr r="0" g="0" b="0"/>
+      </a:fillRef>
+      <a:effectRef idx="1">
+        <a:scrgbClr r="0" g="0" b="0"/>
+      </a:effectRef>
+      <a:fontRef idx="minor">
+        <a:schemeClr val="dk1"/>
+      </a:fontRef>
+    </dgm:style>
+  </dgm:styleLbl>
+  <dgm:styleLbl name="parChTrans2D3">
+    <dgm:scene3d>
+      <a:camera prst="orthographicFront"/>
+      <a:lightRig rig="threePt" dir="t"/>
+    </dgm:scene3d>
+    <dgm:sp3d/>
+    <dgm:txPr/>
+    <dgm:style>
+      <a:lnRef idx="1">
+        <a:scrgbClr r="0" g="0" b="0"/>
+      </a:lnRef>
+      <a:fillRef idx="2">
+        <a:scrgbClr r="0" g="0" b="0"/>
+      </a:fillRef>
+      <a:effectRef idx="1">
+        <a:scrgbClr r="0" g="0" b="0"/>
+      </a:effectRef>
+      <a:fontRef idx="minor">
+        <a:schemeClr val="dk1"/>
+      </a:fontRef>
+    </dgm:style>
+  </dgm:styleLbl>
+  <dgm:styleLbl name="parChTrans2D4">
+    <dgm:scene3d>
+      <a:camera prst="orthographicFront"/>
+      <a:lightRig rig="threePt" dir="t"/>
+    </dgm:scene3d>
+    <dgm:sp3d/>
+    <dgm:txPr/>
+    <dgm:style>
+      <a:lnRef idx="1">
+        <a:scrgbClr r="0" g="0" b="0"/>
+      </a:lnRef>
+      <a:fillRef idx="2">
+        <a:scrgbClr r="0" g="0" b="0"/>
+      </a:fillRef>
+      <a:effectRef idx="1">
+        <a:scrgbClr r="0" g="0" b="0"/>
+      </a:effectRef>
+      <a:fontRef idx="minor">
+        <a:schemeClr val="dk1"/>
+      </a:fontRef>
+    </dgm:style>
+  </dgm:styleLbl>
+  <dgm:styleLbl name="parChTrans1D1">
+    <dgm:scene3d>
+      <a:camera prst="orthographicFront"/>
+      <a:lightRig rig="threePt" dir="t"/>
+    </dgm:scene3d>
+    <dgm:sp3d/>
+    <dgm:txPr/>
+    <dgm:style>
+      <a:lnRef idx="2">
+        <a:scrgbClr r="0" g="0" b="0"/>
+      </a:lnRef>
+      <a:fillRef idx="0">
+        <a:scrgbClr r="0" g="0" b="0"/>
+      </a:fillRef>
+      <a:effectRef idx="0">
+        <a:scrgbClr r="0" g="0" b="0"/>
+      </a:effectRef>
+      <a:fontRef idx="minor"/>
+    </dgm:style>
+  </dgm:styleLbl>
+  <dgm:styleLbl name="parChTrans1D2">
+    <dgm:scene3d>
+      <a:camera prst="orthographicFront"/>
+      <a:lightRig rig="threePt" dir="t"/>
+    </dgm:scene3d>
+    <dgm:sp3d/>
+    <dgm:txPr/>
+    <dgm:style>
+      <a:lnRef idx="2">
+        <a:scrgbClr r="0" g="0" b="0"/>
+      </a:lnRef>
+      <a:fillRef idx="0">
+        <a:scrgbClr r="0" g="0" b="0"/>
+      </a:fillRef>
+      <a:effectRef idx="0">
+        <a:scrgbClr r="0" g="0" b="0"/>
+      </a:effectRef>
+      <a:fontRef idx="minor"/>
+    </dgm:style>
+  </dgm:styleLbl>
+  <dgm:styleLbl name="parChTrans1D3">
+    <dgm:scene3d>
+      <a:camera prst="orthographicFront"/>
+      <a:lightRig rig="threePt" dir="t"/>
+    </dgm:scene3d>
+    <dgm:sp3d/>
+    <dgm:txPr/>
+    <dgm:style>
+      <a:lnRef idx="2">
+        <a:scrgbClr r="0" g="0" b="0"/>
+      </a:lnRef>
+      <a:fillRef idx="0">
+        <a:scrgbClr r="0" g="0" b="0"/>
+      </a:fillRef>
+      <a:effectRef idx="0">
+        <a:scrgbClr r="0" g="0" b="0"/>
+      </a:effectRef>
+      <a:fontRef idx="minor"/>
+    </dgm:style>
+  </dgm:styleLbl>
+  <dgm:styleLbl name="parChTrans1D4">
+    <dgm:scene3d>
+      <a:camera prst="orthographicFront"/>
+      <a:lightRig rig="threePt" dir="t"/>
+    </dgm:scene3d>
+    <dgm:sp3d/>
+    <dgm:txPr/>
+    <dgm:style>
+      <a:lnRef idx="2">
+        <a:scrgbClr r="0" g="0" b="0"/>
+      </a:lnRef>
+      <a:fillRef idx="0">
+        <a:scrgbClr r="0" g="0" b="0"/>
+      </a:fillRef>
+      <a:effectRef idx="0">
+        <a:scrgbClr r="0" g="0" b="0"/>
+      </a:effectRef>
+      <a:fontRef idx="minor"/>
+    </dgm:style>
+  </dgm:styleLbl>
+  <dgm:styleLbl name="fgAcc1">
+    <dgm:scene3d>
+      <a:camera prst="orthographicFront"/>
+      <a:lightRig rig="threePt" dir="t"/>
+    </dgm:scene3d>
+    <dgm:sp3d/>
+    <dgm:txPr/>
+    <dgm:style>
+      <a:lnRef idx="1">
+        <a:scrgbClr r="0" g="0" b="0"/>
+      </a:lnRef>
+      <a:fillRef idx="1">
+        <a:scrgbClr r="0" g="0" b="0"/>
+      </a:fillRef>
+      <a:effectRef idx="0">
+        <a:scrgbClr r="0" g="0" b="0"/>
+      </a:effectRef>
+      <a:fontRef idx="minor"/>
+    </dgm:style>
+  </dgm:styleLbl>
+  <dgm:styleLbl name="conFgAcc1">
+    <dgm:scene3d>
+      <a:camera prst="orthographicFront"/>
+      <a:lightRig rig="threePt" dir="t"/>
+    </dgm:scene3d>
+    <dgm:sp3d/>
+    <dgm:txPr/>
+    <dgm:style>
+      <a:lnRef idx="1">
+        <a:scrgbClr r="0" g="0" b="0"/>
+      </a:lnRef>
+      <a:fillRef idx="1">
+        <a:scrgbClr r="0" g="0" b="0"/>
+      </a:fillRef>
+      <a:effectRef idx="0">
+        <a:scrgbClr r="0" g="0" b="0"/>
+      </a:effectRef>
+      <a:fontRef idx="minor"/>
+    </dgm:style>
+  </dgm:styleLbl>
+  <dgm:styleLbl name="alignAcc1">
+    <dgm:scene3d>
+      <a:camera prst="orthographicFront"/>
+      <a:lightRig rig="threePt" dir="t"/>
+    </dgm:scene3d>
+    <dgm:sp3d/>
+    <dgm:txPr/>
+    <dgm:style>
+      <a:lnRef idx="1">
+        <a:scrgbClr r="0" g="0" b="0"/>
+      </a:lnRef>
+      <a:fillRef idx="1">
+        <a:scrgbClr r="0" g="0" b="0"/>
+      </a:fillRef>
+      <a:effectRef idx="0">
+        <a:scrgbClr r="0" g="0" b="0"/>
+      </a:effectRef>
+      <a:fontRef idx="minor"/>
+    </dgm:style>
+  </dgm:styleLbl>
+  <dgm:styleLbl name="trAlignAcc1">
+    <dgm:scene3d>
+      <a:camera prst="orthographicFront"/>
+      <a:lightRig rig="threePt" dir="t"/>
+    </dgm:scene3d>
+    <dgm:sp3d/>
+    <dgm:txPr/>
+    <dgm:style>
+      <a:lnRef idx="1">
+        <a:scrgbClr r="0" g="0" b="0"/>
+      </a:lnRef>
+      <a:fillRef idx="1">
+        <a:scrgbClr r="0" g="0" b="0"/>
+      </a:fillRef>
+      <a:effectRef idx="0">
+        <a:scrgbClr r="0" g="0" b="0"/>
+      </a:effectRef>
+      <a:fontRef idx="minor"/>
+    </dgm:style>
+  </dgm:styleLbl>
+  <dgm:styleLbl name="bgAcc1">
+    <dgm:scene3d>
+      <a:camera prst="orthographicFront"/>
+      <a:lightRig rig="threePt" dir="t"/>
+    </dgm:scene3d>
+    <dgm:sp3d/>
+    <dgm:txPr/>
+    <dgm:style>
+      <a:lnRef idx="1">
+        <a:scrgbClr r="0" g="0" b="0"/>
+      </a:lnRef>
+      <a:fillRef idx="1">
+        <a:scrgbClr r="0" g="0" b="0"/>
+      </a:fillRef>
+      <a:effectRef idx="0">
+        <a:scrgbClr r="0" g="0" b="0"/>
+      </a:effectRef>
+      <a:fontRef idx="minor"/>
+    </dgm:style>
+  </dgm:styleLbl>
+  <dgm:styleLbl name="solidFgAcc1">
+    <dgm:scene3d>
+      <a:camera prst="orthographicFront"/>
+      <a:lightRig rig="threePt" dir="t"/>
+    </dgm:scene3d>
+    <dgm:sp3d/>
+    <dgm:txPr/>
+    <dgm:style>
+      <a:lnRef idx="1">
+        <a:scrgbClr r="0" g="0" b="0"/>
+      </a:lnRef>
+      <a:fillRef idx="2">
+        <a:scrgbClr r="0" g="0" b="0"/>
+      </a:fillRef>
+      <a:effectRef idx="0">
+        <a:scrgbClr r="0" g="0" b="0"/>
+      </a:effectRef>
+      <a:fontRef idx="minor"/>
+    </dgm:style>
+  </dgm:styleLbl>
+  <dgm:styleLbl name="solidAlignAcc1">
+    <dgm:scene3d>
+      <a:camera prst="orthographicFront"/>
+      <a:lightRig rig="threePt" dir="t"/>
+    </dgm:scene3d>
+    <dgm:sp3d/>
+    <dgm:txPr/>
+    <dgm:style>
+      <a:lnRef idx="1">
+        <a:scrgbClr r="0" g="0" b="0"/>
+      </a:lnRef>
+      <a:fillRef idx="1">
+        <a:scrgbClr r="0" g="0" b="0"/>
+      </a:fillRef>
+      <a:effectRef idx="0">
+        <a:scrgbClr r="0" g="0" b="0"/>
+      </a:effectRef>
+      <a:fontRef idx="minor"/>
+    </dgm:style>
+  </dgm:styleLbl>
+  <dgm:styleLbl name="solidBgAcc1">
+    <dgm:scene3d>
+      <a:camera prst="orthographicFront"/>
+      <a:lightRig rig="threePt" dir="t"/>
+    </dgm:scene3d>
+    <dgm:sp3d/>
+    <dgm:txPr/>
+    <dgm:style>
+      <a:lnRef idx="1">
+        <a:scrgbClr r="0" g="0" b="0"/>
+      </a:lnRef>
+      <a:fillRef idx="1">
+        <a:scrgbClr r="0" g="0" b="0"/>
+      </a:fillRef>
+      <a:effectRef idx="0">
+        <a:scrgbClr r="0" g="0" b="0"/>
+      </a:effectRef>
+      <a:fontRef idx="minor"/>
+    </dgm:style>
+  </dgm:styleLbl>
+  <dgm:styleLbl name="fgAccFollowNode1">
+    <dgm:scene3d>
+      <a:camera prst="orthographicFront"/>
+      <a:lightRig rig="threePt" dir="t"/>
+    </dgm:scene3d>
+    <dgm:sp3d/>
+    <dgm:txPr/>
+    <dgm:style>
+      <a:lnRef idx="1">
+        <a:scrgbClr r="0" g="0" b="0"/>
+      </a:lnRef>
+      <a:fillRef idx="1">
+        <a:scrgbClr r="0" g="0" b="0"/>
+      </a:fillRef>
+      <a:effectRef idx="0">
+        <a:scrgbClr r="0" g="0" b="0"/>
+      </a:effectRef>
+      <a:fontRef idx="minor"/>
+    </dgm:style>
+  </dgm:styleLbl>
+  <dgm:styleLbl name="alignAccFollowNode1">
+    <dgm:scene3d>
+      <a:camera prst="orthographicFront"/>
+      <a:lightRig rig="threePt" dir="t"/>
+    </dgm:scene3d>
+    <dgm:sp3d/>
+    <dgm:txPr/>
+    <dgm:style>
+      <a:lnRef idx="1">
+        <a:scrgbClr r="0" g="0" b="0"/>
+      </a:lnRef>
+      <a:fillRef idx="1">
+        <a:scrgbClr r="0" g="0" b="0"/>
+      </a:fillRef>
+      <a:effectRef idx="0">
+        <a:scrgbClr r="0" g="0" b="0"/>
+      </a:effectRef>
+      <a:fontRef idx="minor"/>
+    </dgm:style>
+  </dgm:styleLbl>
+  <dgm:styleLbl name="bgAccFollowNode1">
+    <dgm:scene3d>
+      <a:camera prst="orthographicFront"/>
+      <a:lightRig rig="threePt" dir="t"/>
+    </dgm:scene3d>
+    <dgm:sp3d/>
+    <dgm:txPr/>
+    <dgm:style>
+      <a:lnRef idx="1">
+        <a:scrgbClr r="0" g="0" b="0"/>
+      </a:lnRef>
+      <a:fillRef idx="1">
+        <a:scrgbClr r="0" g="0" b="0"/>
+      </a:fillRef>
+      <a:effectRef idx="0">
+        <a:scrgbClr r="0" g="0" b="0"/>
+      </a:effectRef>
+      <a:fontRef idx="minor"/>
+    </dgm:style>
+  </dgm:styleLbl>
+  <dgm:styleLbl name="fgAcc0">
+    <dgm:scene3d>
+      <a:camera prst="orthographicFront"/>
+      <a:lightRig rig="threePt" dir="t"/>
+    </dgm:scene3d>
+    <dgm:sp3d/>
+    <dgm:txPr/>
+    <dgm:style>
+      <a:lnRef idx="1">
+        <a:scrgbClr r="0" g="0" b="0"/>
+      </a:lnRef>
+      <a:fillRef idx="1">
+        <a:scrgbClr r="0" g="0" b="0"/>
+      </a:fillRef>
+      <a:effectRef idx="0">
+        <a:scrgbClr r="0" g="0" b="0"/>
+      </a:effectRef>
+      <a:fontRef idx="minor"/>
+    </dgm:style>
+  </dgm:styleLbl>
+  <dgm:styleLbl name="fgAcc2">
+    <dgm:scene3d>
+      <a:camera prst="orthographicFront"/>
+      <a:lightRig rig="threePt" dir="t"/>
+    </dgm:scene3d>
+    <dgm:sp3d/>
+    <dgm:txPr/>
+    <dgm:style>
+      <a:lnRef idx="1">
+        <a:scrgbClr r="0" g="0" b="0"/>
+      </a:lnRef>
+      <a:fillRef idx="1">
+        <a:scrgbClr r="0" g="0" b="0"/>
+      </a:fillRef>
+      <a:effectRef idx="0">
+        <a:scrgbClr r="0" g="0" b="0"/>
+      </a:effectRef>
+      <a:fontRef idx="minor"/>
+    </dgm:style>
+  </dgm:styleLbl>
+  <dgm:styleLbl name="fgAcc3">
+    <dgm:scene3d>
+      <a:camera prst="orthographicFront"/>
+      <a:lightRig rig="threePt" dir="t"/>
+    </dgm:scene3d>
+    <dgm:sp3d/>
+    <dgm:txPr/>
+    <dgm:style>
+      <a:lnRef idx="1">
+        <a:scrgbClr r="0" g="0" b="0"/>
+      </a:lnRef>
+      <a:fillRef idx="1">
+        <a:scrgbClr r="0" g="0" b="0"/>
+      </a:fillRef>
+      <a:effectRef idx="0">
+        <a:scrgbClr r="0" g="0" b="0"/>
+      </a:effectRef>
+      <a:fontRef idx="minor"/>
+    </dgm:style>
+  </dgm:styleLbl>
+  <dgm:styleLbl name="fgAcc4">
+    <dgm:scene3d>
+      <a:camera prst="orthographicFront"/>
+      <a:lightRig rig="threePt" dir="t"/>
+    </dgm:scene3d>
+    <dgm:sp3d/>
+    <dgm:txPr/>
+    <dgm:style>
+      <a:lnRef idx="1">
+        <a:scrgbClr r="0" g="0" b="0"/>
+      </a:lnRef>
+      <a:fillRef idx="1">
+        <a:scrgbClr r="0" g="0" b="0"/>
+      </a:fillRef>
+      <a:effectRef idx="0">
+        <a:scrgbClr r="0" g="0" b="0"/>
+      </a:effectRef>
+      <a:fontRef idx="minor"/>
+    </dgm:style>
+  </dgm:styleLbl>
+  <dgm:styleLbl name="bgShp">
+    <dgm:scene3d>
+      <a:camera prst="orthographicFront"/>
+      <a:lightRig rig="threePt" dir="t"/>
+    </dgm:scene3d>
+    <dgm:sp3d/>
+    <dgm:txPr/>
+    <dgm:style>
+      <a:lnRef idx="0">
+        <a:scrgbClr r="0" g="0" b="0"/>
+      </a:lnRef>
+      <a:fillRef idx="1">
+        <a:scrgbClr r="0" g="0" b="0"/>
+      </a:fillRef>
+      <a:effectRef idx="1">
+        <a:scrgbClr r="0" g="0" b="0"/>
+      </a:effectRef>
+      <a:fontRef idx="minor"/>
+    </dgm:style>
+  </dgm:styleLbl>
+  <dgm:styleLbl name="dkBgShp">
+    <dgm:scene3d>
+      <a:camera prst="orthographicFront"/>
+      <a:lightRig rig="threePt" dir="t"/>
+    </dgm:scene3d>
+    <dgm:sp3d/>
+    <dgm:txPr/>
+    <dgm:style>
+      <a:lnRef idx="0">
+        <a:scrgbClr r="0" g="0" b="0"/>
+      </a:lnRef>
+      <a:fillRef idx="1">
+        <a:scrgbClr r="0" g="0" b="0"/>
+      </a:fillRef>
+      <a:effectRef idx="1">
+        <a:scrgbClr r="0" g="0" b="0"/>
+      </a:effectRef>
+      <a:fontRef idx="minor"/>
+    </dgm:style>
+  </dgm:styleLbl>
+  <dgm:styleLbl name="trBgShp">
+    <dgm:scene3d>
+      <a:camera prst="orthographicFront"/>
+      <a:lightRig rig="threePt" dir="t"/>
+    </dgm:scene3d>
+    <dgm:sp3d/>
+    <dgm:txPr/>
+    <dgm:style>
+      <a:lnRef idx="0">
+        <a:scrgbClr r="0" g="0" b="0"/>
+      </a:lnRef>
+      <a:fillRef idx="1">
+        <a:scrgbClr r="0" g="0" b="0"/>
+      </a:fillRef>
+      <a:effectRef idx="0">
+        <a:scrgbClr r="0" g="0" b="0"/>
+      </a:effectRef>
+      <a:fontRef idx="minor"/>
+    </dgm:style>
+  </dgm:styleLbl>
+  <dgm:styleLbl name="fgShp">
+    <dgm:scene3d>
+      <a:camera prst="orthographicFront"/>
+      <a:lightRig rig="flat" dir="t"/>
+    </dgm:scene3d>
+    <dgm:sp3d prstMaterial="dkEdge">
+      <a:bevelT w="8200" h="38100"/>
+    </dgm:sp3d>
+    <dgm:txPr/>
+    <dgm:style>
+      <a:lnRef idx="1">
+        <a:scrgbClr r="0" g="0" b="0"/>
+      </a:lnRef>
+      <a:fillRef idx="2">
+        <a:scrgbClr r="0" g="0" b="0"/>
+      </a:fillRef>
+      <a:effectRef idx="1">
+        <a:scrgbClr r="0" g="0" b="0"/>
+      </a:effectRef>
+      <a:fontRef idx="minor"/>
+    </dgm:style>
+  </dgm:styleLbl>
+  <dgm:styleLbl name="revTx">
+    <dgm:scene3d>
+      <a:camera prst="orthographicFront"/>
+      <a:lightRig rig="threePt" dir="t"/>
+    </dgm:scene3d>
+    <dgm:sp3d/>
+    <dgm:txPr/>
+    <dgm:style>
+      <a:lnRef idx="0">
+        <a:scrgbClr r="0" g="0" b="0"/>
+      </a:lnRef>
+      <a:fillRef idx="0">
+        <a:scrgbClr r="0" g="0" b="0"/>
+      </a:fillRef>
+      <a:effectRef idx="0">
+        <a:scrgbClr r="0" g="0" b="0"/>
+      </a:effectRef>
+      <a:fontRef idx="minor"/>
+    </dgm:style>
+  </dgm:styleLbl>
+</dgm:styleDef>
+</file>
+
 <file path=ppt/notesMasters/notesMaster1.xml><?xml version="1.0" encoding="utf-8"?>
 <p:notesMaster xmlns:a="http://schemas.openxmlformats.org/drawingml/2006/main" xmlns:r="http://schemas.openxmlformats.org/officeDocument/2006/relationships" xmlns:p="http://schemas.openxmlformats.org/presentationml/2006/main">
   <p:cSld>
@@ -604,7 +4032,7 @@
         <p:cNvPr id="1" name="">
           <a:extLst>
             <a:ext uri="{FF2B5EF4-FFF2-40B4-BE49-F238E27FC236}">
-              <a16:creationId xmlns:a16="http://schemas.microsoft.com/office/drawing/2014/main" id="{47080E2A-C18A-1DFE-19A4-D835E61783E1}"/>
+              <a16:creationId xmlns:a16="http://schemas.microsoft.com/office/drawing/2014/main" id="{AEECAD5B-D07D-A185-3F9E-E0F758550253}"/>
             </a:ext>
           </a:extLst>
         </p:cNvPr>
@@ -624,7 +4052,7 @@
           <p:cNvPr id="2" name="Slide Image Placeholder 1">
             <a:extLst>
               <a:ext uri="{FF2B5EF4-FFF2-40B4-BE49-F238E27FC236}">
-                <a16:creationId xmlns:a16="http://schemas.microsoft.com/office/drawing/2014/main" id="{03E92620-7328-3A30-D014-4A6274824E05}"/>
+                <a16:creationId xmlns:a16="http://schemas.microsoft.com/office/drawing/2014/main" id="{17F9D972-618C-EF3F-CFBD-4B4F8883E647}"/>
               </a:ext>
             </a:extLst>
           </p:cNvPr>
@@ -642,7 +4070,7 @@
           <p:cNvPr id="3" name="Notes Placeholder 2">
             <a:extLst>
               <a:ext uri="{FF2B5EF4-FFF2-40B4-BE49-F238E27FC236}">
-                <a16:creationId xmlns:a16="http://schemas.microsoft.com/office/drawing/2014/main" id="{CD3A74C0-A681-A8AB-557A-48878A16975D}"/>
+                <a16:creationId xmlns:a16="http://schemas.microsoft.com/office/drawing/2014/main" id="{AAA8E503-CA3A-564E-2E05-25E6501ECDCA}"/>
               </a:ext>
             </a:extLst>
           </p:cNvPr>
@@ -667,7 +4095,7 @@
           <p:cNvPr id="4" name="Slide Number Placeholder 3">
             <a:extLst>
               <a:ext uri="{FF2B5EF4-FFF2-40B4-BE49-F238E27FC236}">
-                <a16:creationId xmlns:a16="http://schemas.microsoft.com/office/drawing/2014/main" id="{1AB7ACEB-F788-1FD7-7D87-0ABF652D5B47}"/>
+                <a16:creationId xmlns:a16="http://schemas.microsoft.com/office/drawing/2014/main" id="{331D97EB-54EF-433B-64A6-E0648FB55D86}"/>
               </a:ext>
             </a:extLst>
           </p:cNvPr>
@@ -694,7 +4122,7 @@
     </p:spTree>
     <p:extLst>
       <p:ext uri="{BB962C8B-B14F-4D97-AF65-F5344CB8AC3E}">
-        <p14:creationId xmlns:p14="http://schemas.microsoft.com/office/powerpoint/2010/main" val="1408950799"/>
+        <p14:creationId xmlns:p14="http://schemas.microsoft.com/office/powerpoint/2010/main" val="2675058594"/>
       </p:ext>
     </p:extLst>
   </p:cSld>
@@ -1120,7 +4548,7 @@
         <p:cNvPr id="1" name="">
           <a:extLst>
             <a:ext uri="{FF2B5EF4-FFF2-40B4-BE49-F238E27FC236}">
-              <a16:creationId xmlns:a16="http://schemas.microsoft.com/office/drawing/2014/main" id="{441CAAC2-D3DA-BE80-4CF9-F95C5B47B2DE}"/>
+              <a16:creationId xmlns:a16="http://schemas.microsoft.com/office/drawing/2014/main" id="{BAD1B495-1A70-6935-FA98-C965834E8624}"/>
             </a:ext>
           </a:extLst>
         </p:cNvPr>
@@ -1140,7 +4568,7 @@
           <p:cNvPr id="2" name="Slide Image Placeholder 1">
             <a:extLst>
               <a:ext uri="{FF2B5EF4-FFF2-40B4-BE49-F238E27FC236}">
-                <a16:creationId xmlns:a16="http://schemas.microsoft.com/office/drawing/2014/main" id="{3293B651-89E5-31D8-B66A-E61A8D9D877F}"/>
+                <a16:creationId xmlns:a16="http://schemas.microsoft.com/office/drawing/2014/main" id="{57D77225-73D0-9034-E1C3-2E3693DE6428}"/>
               </a:ext>
             </a:extLst>
           </p:cNvPr>
@@ -1158,7 +4586,7 @@
           <p:cNvPr id="3" name="Notes Placeholder 2">
             <a:extLst>
               <a:ext uri="{FF2B5EF4-FFF2-40B4-BE49-F238E27FC236}">
-                <a16:creationId xmlns:a16="http://schemas.microsoft.com/office/drawing/2014/main" id="{D099AC0B-16E9-5A2D-EE8C-76FA2D12E545}"/>
+                <a16:creationId xmlns:a16="http://schemas.microsoft.com/office/drawing/2014/main" id="{8D0C1E5F-9B91-EA26-C73F-484CC4981228}"/>
               </a:ext>
             </a:extLst>
           </p:cNvPr>
@@ -1183,7 +4611,7 @@
           <p:cNvPr id="4" name="Slide Number Placeholder 3">
             <a:extLst>
               <a:ext uri="{FF2B5EF4-FFF2-40B4-BE49-F238E27FC236}">
-                <a16:creationId xmlns:a16="http://schemas.microsoft.com/office/drawing/2014/main" id="{812716E9-6943-7F00-A865-2513A05FEE3A}"/>
+                <a16:creationId xmlns:a16="http://schemas.microsoft.com/office/drawing/2014/main" id="{FBFB4BD8-668F-C164-CA9F-C4D0FFD7F9BE}"/>
               </a:ext>
             </a:extLst>
           </p:cNvPr>
@@ -1210,7 +4638,7 @@
     </p:spTree>
     <p:extLst>
       <p:ext uri="{BB962C8B-B14F-4D97-AF65-F5344CB8AC3E}">
-        <p14:creationId xmlns:p14="http://schemas.microsoft.com/office/powerpoint/2010/main" val="3787070752"/>
+        <p14:creationId xmlns:p14="http://schemas.microsoft.com/office/powerpoint/2010/main" val="2403487358"/>
       </p:ext>
     </p:extLst>
   </p:cSld>
@@ -1228,7 +4656,7 @@
         <p:cNvPr id="1" name="">
           <a:extLst>
             <a:ext uri="{FF2B5EF4-FFF2-40B4-BE49-F238E27FC236}">
-              <a16:creationId xmlns:a16="http://schemas.microsoft.com/office/drawing/2014/main" id="{4CD1B4F8-E9F6-8373-ACAF-DD6AB1E4B338}"/>
+              <a16:creationId xmlns:a16="http://schemas.microsoft.com/office/drawing/2014/main" id="{599036FE-8CF5-F56B-67AB-CC60B7E4B87C}"/>
             </a:ext>
           </a:extLst>
         </p:cNvPr>
@@ -1248,7 +4676,7 @@
           <p:cNvPr id="2" name="Slide Image Placeholder 1">
             <a:extLst>
               <a:ext uri="{FF2B5EF4-FFF2-40B4-BE49-F238E27FC236}">
-                <a16:creationId xmlns:a16="http://schemas.microsoft.com/office/drawing/2014/main" id="{21639E8C-16F5-5413-426E-FF83F01E2532}"/>
+                <a16:creationId xmlns:a16="http://schemas.microsoft.com/office/drawing/2014/main" id="{1D9460EF-9377-93BD-AD3D-18EDD0CFE721}"/>
               </a:ext>
             </a:extLst>
           </p:cNvPr>
@@ -1266,7 +4694,7 @@
           <p:cNvPr id="3" name="Notes Placeholder 2">
             <a:extLst>
               <a:ext uri="{FF2B5EF4-FFF2-40B4-BE49-F238E27FC236}">
-                <a16:creationId xmlns:a16="http://schemas.microsoft.com/office/drawing/2014/main" id="{06A2029B-C677-1184-080A-31FDDE07BA6F}"/>
+                <a16:creationId xmlns:a16="http://schemas.microsoft.com/office/drawing/2014/main" id="{B6F17FB9-BBCE-B683-E5D1-EAE19AE6FD86}"/>
               </a:ext>
             </a:extLst>
           </p:cNvPr>
@@ -1291,7 +4719,7 @@
           <p:cNvPr id="4" name="Slide Number Placeholder 3">
             <a:extLst>
               <a:ext uri="{FF2B5EF4-FFF2-40B4-BE49-F238E27FC236}">
-                <a16:creationId xmlns:a16="http://schemas.microsoft.com/office/drawing/2014/main" id="{A1A5242A-8674-9AF3-5087-D4C118E810B7}"/>
+                <a16:creationId xmlns:a16="http://schemas.microsoft.com/office/drawing/2014/main" id="{98C5BEE6-8C9A-22DA-8600-CD3A368DF60A}"/>
               </a:ext>
             </a:extLst>
           </p:cNvPr>
@@ -1318,7 +4746,7 @@
     </p:spTree>
     <p:extLst>
       <p:ext uri="{BB962C8B-B14F-4D97-AF65-F5344CB8AC3E}">
-        <p14:creationId xmlns:p14="http://schemas.microsoft.com/office/powerpoint/2010/main" val="404062274"/>
+        <p14:creationId xmlns:p14="http://schemas.microsoft.com/office/powerpoint/2010/main" val="1838867718"/>
       </p:ext>
     </p:extLst>
   </p:cSld>
@@ -5302,7 +8730,7 @@
         <p:cNvPr id="1" name="">
           <a:extLst>
             <a:ext uri="{FF2B5EF4-FFF2-40B4-BE49-F238E27FC236}">
-              <a16:creationId xmlns:a16="http://schemas.microsoft.com/office/drawing/2014/main" id="{1527488E-9E10-13E3-3F69-CF75D2D689FD}"/>
+              <a16:creationId xmlns:a16="http://schemas.microsoft.com/office/drawing/2014/main" id="{F2F9A191-6682-B6B3-51EB-8E82D0068E37}"/>
             </a:ext>
           </a:extLst>
         </p:cNvPr>
@@ -5322,7 +8750,7 @@
           <p:cNvPr id="4" name="Rectangle 3">
             <a:extLst>
               <a:ext uri="{FF2B5EF4-FFF2-40B4-BE49-F238E27FC236}">
-                <a16:creationId xmlns:a16="http://schemas.microsoft.com/office/drawing/2014/main" id="{31F334BC-7ACF-0AE2-3328-7D63147836C1}"/>
+                <a16:creationId xmlns:a16="http://schemas.microsoft.com/office/drawing/2014/main" id="{A93AD5A0-8934-B6B6-E3B1-8FAC50A0C6C7}"/>
               </a:ext>
             </a:extLst>
           </p:cNvPr>
@@ -5368,7 +8796,7 @@
           <p:cNvPr id="5" name="Picture 10" descr="The University of Chicago Library - The University of Chicago Library">
             <a:extLst>
               <a:ext uri="{FF2B5EF4-FFF2-40B4-BE49-F238E27FC236}">
-                <a16:creationId xmlns:a16="http://schemas.microsoft.com/office/drawing/2014/main" id="{86CC528F-221C-F0F1-6793-748D0FECB3A8}"/>
+                <a16:creationId xmlns:a16="http://schemas.microsoft.com/office/drawing/2014/main" id="{50648FA8-DEC7-87D2-27B7-77F6E910AEDC}"/>
               </a:ext>
             </a:extLst>
           </p:cNvPr>
@@ -5415,7 +8843,7 @@
           <p:cNvPr id="2" name="TextBox 1">
             <a:extLst>
               <a:ext uri="{FF2B5EF4-FFF2-40B4-BE49-F238E27FC236}">
-                <a16:creationId xmlns:a16="http://schemas.microsoft.com/office/drawing/2014/main" id="{10F3F96A-E43B-651F-CAD1-54FF18AF24FF}"/>
+                <a16:creationId xmlns:a16="http://schemas.microsoft.com/office/drawing/2014/main" id="{5E30D622-A0A5-AEFE-198A-2F600E92FCD1}"/>
               </a:ext>
             </a:extLst>
           </p:cNvPr>
@@ -5424,7 +8852,7 @@
         </p:nvSpPr>
         <p:spPr>
           <a:xfrm>
-            <a:off x="391886" y="185755"/>
+            <a:off x="377818" y="326432"/>
             <a:ext cx="10010898" cy="461665"/>
           </a:xfrm>
           <a:prstGeom prst="rect">
@@ -5459,7 +8887,7 @@
     </p:spTree>
     <p:extLst>
       <p:ext uri="{BB962C8B-B14F-4D97-AF65-F5344CB8AC3E}">
-        <p14:creationId xmlns:p14="http://schemas.microsoft.com/office/powerpoint/2010/main" val="3413745921"/>
+        <p14:creationId xmlns:p14="http://schemas.microsoft.com/office/powerpoint/2010/main" val="2400666007"/>
       </p:ext>
     </p:extLst>
   </p:cSld>
@@ -5599,7 +9027,7 @@
         </p:nvSpPr>
         <p:spPr>
           <a:xfrm>
-            <a:off x="391886" y="185755"/>
+            <a:off x="377818" y="340499"/>
             <a:ext cx="10010898" cy="461665"/>
           </a:xfrm>
           <a:prstGeom prst="rect">
@@ -5783,7 +9211,7 @@
         </p:nvSpPr>
         <p:spPr>
           <a:xfrm>
-            <a:off x="391886" y="185755"/>
+            <a:off x="490361" y="340500"/>
             <a:ext cx="10010898" cy="461665"/>
           </a:xfrm>
           <a:prstGeom prst="rect">
@@ -5958,7 +9386,7 @@
         </p:nvSpPr>
         <p:spPr>
           <a:xfrm>
-            <a:off x="391886" y="185755"/>
+            <a:off x="391886" y="340499"/>
             <a:ext cx="10010898" cy="461665"/>
           </a:xfrm>
           <a:prstGeom prst="rect">
@@ -6127,7 +9555,7 @@
         </p:nvSpPr>
         <p:spPr>
           <a:xfrm>
-            <a:off x="391886" y="185755"/>
+            <a:off x="391886" y="575024"/>
             <a:ext cx="10010898" cy="461665"/>
           </a:xfrm>
           <a:prstGeom prst="rect">
@@ -6161,10 +9589,10 @@
       </p:sp>
       <p:sp>
         <p:nvSpPr>
-          <p:cNvPr id="3" name="TextBox 2">
-            <a:extLst>
-              <a:ext uri="{FF2B5EF4-FFF2-40B4-BE49-F238E27FC236}">
-                <a16:creationId xmlns:a16="http://schemas.microsoft.com/office/drawing/2014/main" id="{573DD35A-7BF5-C76C-B132-57818D6ECF8D}"/>
+          <p:cNvPr id="6" name="TextBox 5">
+            <a:extLst>
+              <a:ext uri="{FF2B5EF4-FFF2-40B4-BE49-F238E27FC236}">
+                <a16:creationId xmlns:a16="http://schemas.microsoft.com/office/drawing/2014/main" id="{B829BCB4-22BB-FC4E-1A32-E8B63FB5C2ED}"/>
               </a:ext>
             </a:extLst>
           </p:cNvPr>
@@ -6173,8 +9601,8 @@
         </p:nvSpPr>
         <p:spPr>
           <a:xfrm>
-            <a:off x="440288" y="840645"/>
-            <a:ext cx="8573984" cy="369332"/>
+            <a:off x="391886" y="2143604"/>
+            <a:ext cx="10648084" cy="3539430"/>
           </a:xfrm>
           <a:prstGeom prst="rect">
             <a:avLst/>
@@ -6188,29 +9616,231 @@
           <a:lstStyle/>
           <a:p>
             <a:r>
-              <a:rPr lang="en-US" b="1" u="none" strike="noStrike" dirty="0">
+              <a:rPr lang="en-US" sz="1600" b="1" dirty="0">
+                <a:latin typeface="Tahoma" panose="020B0604030504040204" pitchFamily="34" charset="0"/>
+                <a:ea typeface="Tahoma" panose="020B0604030504040204" pitchFamily="34" charset="0"/>
+                <a:cs typeface="Tahoma" panose="020B0604030504040204" pitchFamily="34" charset="0"/>
+              </a:rPr>
+              <a:t>Introduction</a:t>
+            </a:r>
+          </a:p>
+          <a:p>
+            <a:endParaRPr lang="en-US" sz="1600" b="1" dirty="0">
+              <a:latin typeface="Tahoma" panose="020B0604030504040204" pitchFamily="34" charset="0"/>
+              <a:ea typeface="Tahoma" panose="020B0604030504040204" pitchFamily="34" charset="0"/>
+              <a:cs typeface="Tahoma" panose="020B0604030504040204" pitchFamily="34" charset="0"/>
+            </a:endParaRPr>
+          </a:p>
+          <a:p>
+            <a:pPr marL="285750" indent="-285750" algn="just">
+              <a:buFont typeface="Arial" panose="020B0604020202020204" pitchFamily="34" charset="0"/>
+              <a:buChar char="•"/>
+            </a:pPr>
+            <a:r>
+              <a:rPr lang="en-US" sz="1600" b="0" i="0" u="none" strike="noStrike" dirty="0" err="1">
+                <a:solidFill>
+                  <a:srgbClr val="000000"/>
+                </a:solidFill>
                 <a:effectLst/>
                 <a:latin typeface="Tahoma" panose="020B0604030504040204" pitchFamily="34" charset="0"/>
                 <a:ea typeface="Tahoma" panose="020B0604030504040204" pitchFamily="34" charset="0"/>
                 <a:cs typeface="Tahoma" panose="020B0604030504040204" pitchFamily="34" charset="0"/>
               </a:rPr>
-              <a:t>XXXXXX</a:t>
-            </a:r>
-            <a:endParaRPr lang="en-US" b="0" u="none" strike="noStrike" dirty="0">
-              <a:effectLst/>
+              <a:t>AlphaPoint</a:t>
+            </a:r>
+            <a:r>
+              <a:rPr lang="en-US" sz="1600" b="0" i="0" u="none" strike="noStrike" dirty="0">
+                <a:solidFill>
+                  <a:srgbClr val="000000"/>
+                </a:solidFill>
+                <a:effectLst/>
+                <a:latin typeface="Tahoma" panose="020B0604030504040204" pitchFamily="34" charset="0"/>
+                <a:ea typeface="Tahoma" panose="020B0604030504040204" pitchFamily="34" charset="0"/>
+                <a:cs typeface="Tahoma" panose="020B0604030504040204" pitchFamily="34" charset="0"/>
+              </a:rPr>
+              <a:t> Capital LP (“</a:t>
+            </a:r>
+            <a:r>
+              <a:rPr lang="en-US" sz="1600" b="0" i="0" u="none" strike="noStrike" dirty="0" err="1">
+                <a:solidFill>
+                  <a:srgbClr val="000000"/>
+                </a:solidFill>
+                <a:effectLst/>
+                <a:latin typeface="Tahoma" panose="020B0604030504040204" pitchFamily="34" charset="0"/>
+                <a:ea typeface="Tahoma" panose="020B0604030504040204" pitchFamily="34" charset="0"/>
+                <a:cs typeface="Tahoma" panose="020B0604030504040204" pitchFamily="34" charset="0"/>
+              </a:rPr>
+              <a:t>AlphaPoint</a:t>
+            </a:r>
+            <a:r>
+              <a:rPr lang="en-US" sz="1600" b="0" i="0" u="none" strike="noStrike" dirty="0">
+                <a:solidFill>
+                  <a:srgbClr val="000000"/>
+                </a:solidFill>
+                <a:effectLst/>
+                <a:latin typeface="Tahoma" panose="020B0604030504040204" pitchFamily="34" charset="0"/>
+                <a:ea typeface="Tahoma" panose="020B0604030504040204" pitchFamily="34" charset="0"/>
+                <a:cs typeface="Tahoma" panose="020B0604030504040204" pitchFamily="34" charset="0"/>
+              </a:rPr>
+              <a:t>”) is a market-neutral investment firm specializing in statistical arbitrage within the U.S. </a:t>
+            </a:r>
+            <a:r>
+              <a:rPr lang="en-US" sz="1600" dirty="0">
+                <a:solidFill>
+                  <a:srgbClr val="000000"/>
+                </a:solidFill>
+                <a:latin typeface="Tahoma" panose="020B0604030504040204" pitchFamily="34" charset="0"/>
+                <a:ea typeface="Tahoma" panose="020B0604030504040204" pitchFamily="34" charset="0"/>
+                <a:cs typeface="Tahoma" panose="020B0604030504040204" pitchFamily="34" charset="0"/>
+              </a:rPr>
+              <a:t>Energy</a:t>
+            </a:r>
+            <a:r>
+              <a:rPr lang="en-US" sz="1600" b="0" i="0" u="none" strike="noStrike" dirty="0">
+                <a:solidFill>
+                  <a:srgbClr val="000000"/>
+                </a:solidFill>
+                <a:effectLst/>
+                <a:latin typeface="Tahoma" panose="020B0604030504040204" pitchFamily="34" charset="0"/>
+                <a:ea typeface="Tahoma" panose="020B0604030504040204" pitchFamily="34" charset="0"/>
+                <a:cs typeface="Tahoma" panose="020B0604030504040204" pitchFamily="34" charset="0"/>
+              </a:rPr>
+              <a:t> sector. Our proprietary models identify inefficiencies in cointegrated stock pairs, executing precise mean-reversion opportunities. By leveraging advanced quantitative research and sector-specific expertise, </a:t>
+            </a:r>
+            <a:r>
+              <a:rPr lang="en-US" sz="1600" b="0" i="0" u="none" strike="noStrike" dirty="0" err="1">
+                <a:solidFill>
+                  <a:srgbClr val="000000"/>
+                </a:solidFill>
+                <a:effectLst/>
+                <a:latin typeface="Tahoma" panose="020B0604030504040204" pitchFamily="34" charset="0"/>
+                <a:ea typeface="Tahoma" panose="020B0604030504040204" pitchFamily="34" charset="0"/>
+                <a:cs typeface="Tahoma" panose="020B0604030504040204" pitchFamily="34" charset="0"/>
+              </a:rPr>
+              <a:t>AlphaPoint</a:t>
+            </a:r>
+            <a:r>
+              <a:rPr lang="en-US" sz="1600" b="0" i="0" u="none" strike="noStrike" dirty="0">
+                <a:solidFill>
+                  <a:srgbClr val="000000"/>
+                </a:solidFill>
+                <a:effectLst/>
+                <a:latin typeface="Tahoma" panose="020B0604030504040204" pitchFamily="34" charset="0"/>
+                <a:ea typeface="Tahoma" panose="020B0604030504040204" pitchFamily="34" charset="0"/>
+                <a:cs typeface="Tahoma" panose="020B0604030504040204" pitchFamily="34" charset="0"/>
+              </a:rPr>
+              <a:t> delivers consistent alpha for investors seeking uncorrelated, risk-adjusted returns. Through disciplined execution and rigorous attention to risk management, </a:t>
+            </a:r>
+            <a:r>
+              <a:rPr lang="en-US" sz="1600" b="0" i="0" u="none" strike="noStrike" dirty="0" err="1">
+                <a:solidFill>
+                  <a:srgbClr val="000000"/>
+                </a:solidFill>
+                <a:effectLst/>
+                <a:latin typeface="Tahoma" panose="020B0604030504040204" pitchFamily="34" charset="0"/>
+                <a:ea typeface="Tahoma" panose="020B0604030504040204" pitchFamily="34" charset="0"/>
+                <a:cs typeface="Tahoma" panose="020B0604030504040204" pitchFamily="34" charset="0"/>
+              </a:rPr>
+              <a:t>AlphaPoint</a:t>
+            </a:r>
+            <a:r>
+              <a:rPr lang="en-US" sz="1600" b="0" i="0" u="none" strike="noStrike" dirty="0">
+                <a:solidFill>
+                  <a:srgbClr val="000000"/>
+                </a:solidFill>
+                <a:effectLst/>
+                <a:latin typeface="Tahoma" panose="020B0604030504040204" pitchFamily="34" charset="0"/>
+                <a:ea typeface="Tahoma" panose="020B0604030504040204" pitchFamily="34" charset="0"/>
+                <a:cs typeface="Tahoma" panose="020B0604030504040204" pitchFamily="34" charset="0"/>
+              </a:rPr>
+              <a:t> is positioned to deliver consistent results across varying market environments.</a:t>
+            </a:r>
+          </a:p>
+          <a:p>
+            <a:pPr algn="just"/>
+            <a:endParaRPr lang="en-US" sz="1600" dirty="0">
+              <a:solidFill>
+                <a:srgbClr val="000000"/>
+              </a:solidFill>
               <a:latin typeface="Tahoma" panose="020B0604030504040204" pitchFamily="34" charset="0"/>
               <a:ea typeface="Tahoma" panose="020B0604030504040204" pitchFamily="34" charset="0"/>
               <a:cs typeface="Tahoma" panose="020B0604030504040204" pitchFamily="34" charset="0"/>
             </a:endParaRPr>
           </a:p>
-        </p:txBody>
-      </p:sp>
-      <p:sp>
-        <p:nvSpPr>
-          <p:cNvPr id="6" name="TextBox 5">
-            <a:extLst>
-              <a:ext uri="{FF2B5EF4-FFF2-40B4-BE49-F238E27FC236}">
-                <a16:creationId xmlns:a16="http://schemas.microsoft.com/office/drawing/2014/main" id="{B829BCB4-22BB-FC4E-1A32-E8B63FB5C2ED}"/>
+          <a:p>
+            <a:pPr algn="just"/>
+            <a:r>
+              <a:rPr lang="en-US" sz="1600" b="1" dirty="0">
+                <a:latin typeface="Tahoma" panose="020B0604030504040204" pitchFamily="34" charset="0"/>
+                <a:ea typeface="Tahoma" panose="020B0604030504040204" pitchFamily="34" charset="0"/>
+                <a:cs typeface="Tahoma" panose="020B0604030504040204" pitchFamily="34" charset="0"/>
+              </a:rPr>
+              <a:t>Mission Statement</a:t>
+            </a:r>
+          </a:p>
+          <a:p>
+            <a:pPr algn="just"/>
+            <a:endParaRPr lang="en-US" sz="1600" b="1" dirty="0">
+              <a:latin typeface="Tahoma" panose="020B0604030504040204" pitchFamily="34" charset="0"/>
+              <a:ea typeface="Tahoma" panose="020B0604030504040204" pitchFamily="34" charset="0"/>
+              <a:cs typeface="Tahoma" panose="020B0604030504040204" pitchFamily="34" charset="0"/>
+            </a:endParaRPr>
+          </a:p>
+          <a:p>
+            <a:pPr marL="285750" indent="-285750" algn="just">
+              <a:buFont typeface="Arial" panose="020B0604020202020204" pitchFamily="34" charset="0"/>
+              <a:buChar char="•"/>
+            </a:pPr>
+            <a:r>
+              <a:rPr lang="en-US" sz="1600" b="0" i="0" u="none" strike="noStrike" dirty="0">
+                <a:solidFill>
+                  <a:srgbClr val="000000"/>
+                </a:solidFill>
+                <a:effectLst/>
+                <a:latin typeface="Tahoma" panose="020B0604030504040204" pitchFamily="34" charset="0"/>
+                <a:ea typeface="Tahoma" panose="020B0604030504040204" pitchFamily="34" charset="0"/>
+                <a:cs typeface="Tahoma" panose="020B0604030504040204" pitchFamily="34" charset="0"/>
+              </a:rPr>
+              <a:t>To set a new standard for alpha generation by combining advanced statistical methods, disciplined risk frameworks, and a commitment to innovation. </a:t>
+            </a:r>
+            <a:r>
+              <a:rPr lang="en-US" sz="1600" b="0" i="0" u="none" strike="noStrike" dirty="0" err="1">
+                <a:solidFill>
+                  <a:srgbClr val="000000"/>
+                </a:solidFill>
+                <a:effectLst/>
+                <a:latin typeface="Tahoma" panose="020B0604030504040204" pitchFamily="34" charset="0"/>
+                <a:ea typeface="Tahoma" panose="020B0604030504040204" pitchFamily="34" charset="0"/>
+                <a:cs typeface="Tahoma" panose="020B0604030504040204" pitchFamily="34" charset="0"/>
+              </a:rPr>
+              <a:t>AlphaPoint</a:t>
+            </a:r>
+            <a:r>
+              <a:rPr lang="en-US" sz="1600" b="0" i="0" u="none" strike="noStrike" dirty="0">
+                <a:solidFill>
+                  <a:srgbClr val="000000"/>
+                </a:solidFill>
+                <a:effectLst/>
+                <a:latin typeface="Tahoma" panose="020B0604030504040204" pitchFamily="34" charset="0"/>
+                <a:ea typeface="Tahoma" panose="020B0604030504040204" pitchFamily="34" charset="0"/>
+                <a:cs typeface="Tahoma" panose="020B0604030504040204" pitchFamily="34" charset="0"/>
+              </a:rPr>
+              <a:t> is built to deliver superior, uncorrelated returns while safeguarding capital and continuously evolving through innovation to meet the changing needs of investors.</a:t>
+            </a:r>
+            <a:endParaRPr lang="en-US" sz="1600" b="1" dirty="0">
+              <a:latin typeface="Tahoma" panose="020B0604030504040204" pitchFamily="34" charset="0"/>
+              <a:ea typeface="Tahoma" panose="020B0604030504040204" pitchFamily="34" charset="0"/>
+              <a:cs typeface="Tahoma" panose="020B0604030504040204" pitchFamily="34" charset="0"/>
+            </a:endParaRPr>
+          </a:p>
+        </p:txBody>
+      </p:sp>
+      <p:sp>
+        <p:nvSpPr>
+          <p:cNvPr id="7" name="TextBox 6">
+            <a:extLst>
+              <a:ext uri="{FF2B5EF4-FFF2-40B4-BE49-F238E27FC236}">
+                <a16:creationId xmlns:a16="http://schemas.microsoft.com/office/drawing/2014/main" id="{54C201BF-5CE5-C26D-E6AF-F5B6C681A520}"/>
               </a:ext>
             </a:extLst>
           </p:cNvPr>
@@ -6219,8 +9849,8 @@
         </p:nvSpPr>
         <p:spPr>
           <a:xfrm>
-            <a:off x="581891" y="1353787"/>
-            <a:ext cx="10648084" cy="800219"/>
+            <a:off x="391886" y="1436438"/>
+            <a:ext cx="4389343" cy="369332"/>
           </a:xfrm>
           <a:prstGeom prst="rect">
             <a:avLst/>
@@ -6228,47 +9858,18 @@
           <a:noFill/>
         </p:spPr>
         <p:txBody>
-          <a:bodyPr wrap="square" rtlCol="0">
+          <a:bodyPr wrap="none" rtlCol="0">
             <a:spAutoFit/>
           </a:bodyPr>
           <a:lstStyle/>
           <a:p>
             <a:r>
-              <a:rPr lang="en-US" sz="1600" b="1" dirty="0">
+              <a:rPr lang="en-US" b="1" dirty="0">
                 <a:latin typeface="Tahoma" panose="020B0604030504040204" pitchFamily="34" charset="0"/>
                 <a:ea typeface="Tahoma" panose="020B0604030504040204" pitchFamily="34" charset="0"/>
                 <a:cs typeface="Tahoma" panose="020B0604030504040204" pitchFamily="34" charset="0"/>
               </a:rPr>
-              <a:t>XXXXX</a:t>
-            </a:r>
-          </a:p>
-          <a:p>
-            <a:endParaRPr lang="en-US" sz="1600" b="1" dirty="0">
-              <a:latin typeface="Tahoma" panose="020B0604030504040204" pitchFamily="34" charset="0"/>
-              <a:ea typeface="Tahoma" panose="020B0604030504040204" pitchFamily="34" charset="0"/>
-              <a:cs typeface="Tahoma" panose="020B0604030504040204" pitchFamily="34" charset="0"/>
-            </a:endParaRPr>
-          </a:p>
-          <a:p>
-            <a:pPr marL="285750" indent="-285750">
-              <a:buFont typeface="Arial" panose="020B0604020202020204" pitchFamily="34" charset="0"/>
-              <a:buChar char="•"/>
-            </a:pPr>
-            <a:r>
-              <a:rPr lang="en-US" sz="1400" b="1" dirty="0">
-                <a:latin typeface="Tahoma" panose="020B0604030504040204" pitchFamily="34" charset="0"/>
-                <a:ea typeface="Tahoma" panose="020B0604030504040204" pitchFamily="34" charset="0"/>
-                <a:cs typeface="Tahoma" panose="020B0604030504040204" pitchFamily="34" charset="0"/>
-              </a:rPr>
-              <a:t>XXXX: </a:t>
-            </a:r>
-            <a:r>
-              <a:rPr lang="en-US" sz="1400" dirty="0">
-                <a:latin typeface="Tahoma" panose="020B0604030504040204" pitchFamily="34" charset="0"/>
-                <a:ea typeface="Tahoma" panose="020B0604030504040204" pitchFamily="34" charset="0"/>
-                <a:cs typeface="Tahoma" panose="020B0604030504040204" pitchFamily="34" charset="0"/>
-              </a:rPr>
-              <a:t>XXX</a:t>
+              <a:t>Delivering Alpha Beyond Correlation</a:t>
             </a:r>
           </a:p>
         </p:txBody>
@@ -6294,7 +9895,7 @@
         <p:cNvPr id="1" name="">
           <a:extLst>
             <a:ext uri="{FF2B5EF4-FFF2-40B4-BE49-F238E27FC236}">
-              <a16:creationId xmlns:a16="http://schemas.microsoft.com/office/drawing/2014/main" id="{DEF2A6AF-E48A-8363-F63D-46B60A64C723}"/>
+              <a16:creationId xmlns:a16="http://schemas.microsoft.com/office/drawing/2014/main" id="{DCABB46C-C5B8-CF73-081A-932EFD2D6E1C}"/>
             </a:ext>
           </a:extLst>
         </p:cNvPr>
@@ -6314,7 +9915,7 @@
           <p:cNvPr id="4" name="Rectangle 3">
             <a:extLst>
               <a:ext uri="{FF2B5EF4-FFF2-40B4-BE49-F238E27FC236}">
-                <a16:creationId xmlns:a16="http://schemas.microsoft.com/office/drawing/2014/main" id="{573FDD2F-D4E5-6A84-16B6-A03C24D48D11}"/>
+                <a16:creationId xmlns:a16="http://schemas.microsoft.com/office/drawing/2014/main" id="{D73B1174-B4D4-CEF9-1012-8C4EB50D11A0}"/>
               </a:ext>
             </a:extLst>
           </p:cNvPr>
@@ -6360,7 +9961,7 @@
           <p:cNvPr id="5" name="Picture 10" descr="The University of Chicago Library - The University of Chicago Library">
             <a:extLst>
               <a:ext uri="{FF2B5EF4-FFF2-40B4-BE49-F238E27FC236}">
-                <a16:creationId xmlns:a16="http://schemas.microsoft.com/office/drawing/2014/main" id="{F03B8E5B-E9A6-DD97-6AB5-B9972552C799}"/>
+                <a16:creationId xmlns:a16="http://schemas.microsoft.com/office/drawing/2014/main" id="{464F6C0F-AB0B-D075-7509-E648AA738493}"/>
               </a:ext>
             </a:extLst>
           </p:cNvPr>
@@ -6407,7 +10008,7 @@
           <p:cNvPr id="2" name="TextBox 1">
             <a:extLst>
               <a:ext uri="{FF2B5EF4-FFF2-40B4-BE49-F238E27FC236}">
-                <a16:creationId xmlns:a16="http://schemas.microsoft.com/office/drawing/2014/main" id="{1F18C469-E457-8D81-E60B-3AD9D098927C}"/>
+                <a16:creationId xmlns:a16="http://schemas.microsoft.com/office/drawing/2014/main" id="{18F73F0C-042A-6C37-DBB8-E89C8BF12E1B}"/>
               </a:ext>
             </a:extLst>
           </p:cNvPr>
@@ -6416,7 +10017,7 @@
         </p:nvSpPr>
         <p:spPr>
           <a:xfrm>
-            <a:off x="391886" y="185755"/>
+            <a:off x="391886" y="575024"/>
             <a:ext cx="10010898" cy="461665"/>
           </a:xfrm>
           <a:prstGeom prst="rect">
@@ -6448,10 +10049,703 @@
           </a:p>
         </p:txBody>
       </p:sp>
+      <p:sp>
+        <p:nvSpPr>
+          <p:cNvPr id="6" name="TextBox 5">
+            <a:extLst>
+              <a:ext uri="{FF2B5EF4-FFF2-40B4-BE49-F238E27FC236}">
+                <a16:creationId xmlns:a16="http://schemas.microsoft.com/office/drawing/2014/main" id="{20F30E39-CA14-8721-52FA-C9359E80F9B1}"/>
+              </a:ext>
+            </a:extLst>
+          </p:cNvPr>
+          <p:cNvSpPr txBox="1"/>
+          <p:nvPr/>
+        </p:nvSpPr>
+        <p:spPr>
+          <a:xfrm>
+            <a:off x="391885" y="1120676"/>
+            <a:ext cx="6687788" cy="5632311"/>
+          </a:xfrm>
+          <a:prstGeom prst="rect">
+            <a:avLst/>
+          </a:prstGeom>
+          <a:noFill/>
+        </p:spPr>
+        <p:txBody>
+          <a:bodyPr wrap="square" rtlCol="0">
+            <a:spAutoFit/>
+          </a:bodyPr>
+          <a:lstStyle/>
+          <a:p>
+            <a:pPr algn="just"/>
+            <a:r>
+              <a:rPr lang="en-US" b="1" i="0" u="none" strike="noStrike" dirty="0">
+                <a:solidFill>
+                  <a:srgbClr val="000000"/>
+                </a:solidFill>
+                <a:effectLst/>
+                <a:latin typeface="Tahoma" panose="020B0604030504040204" pitchFamily="34" charset="0"/>
+                <a:ea typeface="Tahoma" panose="020B0604030504040204" pitchFamily="34" charset="0"/>
+                <a:cs typeface="Tahoma" panose="020B0604030504040204" pitchFamily="34" charset="0"/>
+              </a:rPr>
+              <a:t>Why the Energy Sector?</a:t>
+            </a:r>
+          </a:p>
+          <a:p>
+            <a:pPr algn="just"/>
+            <a:endParaRPr lang="en-US" b="1" i="0" u="none" strike="noStrike" dirty="0">
+              <a:solidFill>
+                <a:srgbClr val="000000"/>
+              </a:solidFill>
+              <a:effectLst/>
+              <a:latin typeface="Tahoma" panose="020B0604030504040204" pitchFamily="34" charset="0"/>
+              <a:ea typeface="Tahoma" panose="020B0604030504040204" pitchFamily="34" charset="0"/>
+              <a:cs typeface="Tahoma" panose="020B0604030504040204" pitchFamily="34" charset="0"/>
+            </a:endParaRPr>
+          </a:p>
+          <a:p>
+            <a:pPr marL="285750" indent="-285750" algn="just">
+              <a:buFont typeface="Arial" panose="020B0604020202020204" pitchFamily="34" charset="0"/>
+              <a:buChar char="•"/>
+            </a:pPr>
+            <a:r>
+              <a:rPr lang="en-US" sz="1600" b="1" i="0" u="none" strike="noStrike" dirty="0">
+                <a:solidFill>
+                  <a:srgbClr val="000000"/>
+                </a:solidFill>
+                <a:effectLst/>
+                <a:latin typeface="Tahoma" panose="020B0604030504040204" pitchFamily="34" charset="0"/>
+                <a:ea typeface="Tahoma" panose="020B0604030504040204" pitchFamily="34" charset="0"/>
+                <a:cs typeface="Tahoma" panose="020B0604030504040204" pitchFamily="34" charset="0"/>
+              </a:rPr>
+              <a:t>Strong Fundamentals:</a:t>
+            </a:r>
+            <a:r>
+              <a:rPr lang="en-US" sz="1600" dirty="0">
+                <a:solidFill>
+                  <a:srgbClr val="000000"/>
+                </a:solidFill>
+                <a:latin typeface="Tahoma" panose="020B0604030504040204" pitchFamily="34" charset="0"/>
+                <a:ea typeface="Tahoma" panose="020B0604030504040204" pitchFamily="34" charset="0"/>
+                <a:cs typeface="Tahoma" panose="020B0604030504040204" pitchFamily="34" charset="0"/>
+              </a:rPr>
+              <a:t> </a:t>
+            </a:r>
+            <a:r>
+              <a:rPr lang="en-US" sz="1600" b="0" i="0" u="none" strike="noStrike" dirty="0">
+                <a:solidFill>
+                  <a:srgbClr val="000000"/>
+                </a:solidFill>
+                <a:effectLst/>
+                <a:latin typeface="Tahoma" panose="020B0604030504040204" pitchFamily="34" charset="0"/>
+                <a:ea typeface="Tahoma" panose="020B0604030504040204" pitchFamily="34" charset="0"/>
+                <a:cs typeface="Tahoma" panose="020B0604030504040204" pitchFamily="34" charset="0"/>
+              </a:rPr>
+              <a:t>A cornerstone of global economic activity, backed by stable demand and advancements in clean and traditional energy.</a:t>
+            </a:r>
+          </a:p>
+          <a:p>
+            <a:pPr marL="285750" indent="-285750" algn="just">
+              <a:buFont typeface="Arial" panose="020B0604020202020204" pitchFamily="34" charset="0"/>
+              <a:buChar char="•"/>
+            </a:pPr>
+            <a:r>
+              <a:rPr lang="en-US" sz="1600" b="1" dirty="0">
+                <a:solidFill>
+                  <a:srgbClr val="000000"/>
+                </a:solidFill>
+                <a:latin typeface="Tahoma" panose="020B0604030504040204" pitchFamily="34" charset="0"/>
+                <a:ea typeface="Tahoma" panose="020B0604030504040204" pitchFamily="34" charset="0"/>
+                <a:cs typeface="Tahoma" panose="020B0604030504040204" pitchFamily="34" charset="0"/>
+              </a:rPr>
+              <a:t>Dispersion &amp; Correlation: </a:t>
+            </a:r>
+            <a:r>
+              <a:rPr lang="en-US" sz="1600" b="0" i="0" u="none" strike="noStrike" dirty="0">
+                <a:solidFill>
+                  <a:srgbClr val="000000"/>
+                </a:solidFill>
+                <a:effectLst/>
+                <a:latin typeface="Tahoma" panose="020B0604030504040204" pitchFamily="34" charset="0"/>
+                <a:ea typeface="Tahoma" panose="020B0604030504040204" pitchFamily="34" charset="0"/>
+                <a:cs typeface="Tahoma" panose="020B0604030504040204" pitchFamily="34" charset="0"/>
+              </a:rPr>
+              <a:t>High dispersion and moderate correlation create ideal conditions for mean-reversion strategies.</a:t>
+            </a:r>
+          </a:p>
+          <a:p>
+            <a:pPr marL="285750" indent="-285750" algn="just">
+              <a:buFont typeface="Arial" panose="020B0604020202020204" pitchFamily="34" charset="0"/>
+              <a:buChar char="•"/>
+            </a:pPr>
+            <a:r>
+              <a:rPr lang="en-US" sz="1600" b="1" i="0" u="none" strike="noStrike" dirty="0">
+                <a:solidFill>
+                  <a:srgbClr val="000000"/>
+                </a:solidFill>
+                <a:effectLst/>
+                <a:latin typeface="Tahoma" panose="020B0604030504040204" pitchFamily="34" charset="0"/>
+                <a:ea typeface="Tahoma" panose="020B0604030504040204" pitchFamily="34" charset="0"/>
+                <a:cs typeface="Tahoma" panose="020B0604030504040204" pitchFamily="34" charset="0"/>
+              </a:rPr>
+              <a:t>Volatility Creates Alpha:</a:t>
+            </a:r>
+            <a:r>
+              <a:rPr lang="en-US" sz="1600" dirty="0">
+                <a:solidFill>
+                  <a:srgbClr val="000000"/>
+                </a:solidFill>
+                <a:latin typeface="Tahoma" panose="020B0604030504040204" pitchFamily="34" charset="0"/>
+                <a:ea typeface="Tahoma" panose="020B0604030504040204" pitchFamily="34" charset="0"/>
+                <a:cs typeface="Tahoma" panose="020B0604030504040204" pitchFamily="34" charset="0"/>
+              </a:rPr>
+              <a:t> </a:t>
+            </a:r>
+            <a:r>
+              <a:rPr lang="en-US" sz="1600" b="0" i="0" u="none" strike="noStrike" dirty="0">
+                <a:solidFill>
+                  <a:srgbClr val="000000"/>
+                </a:solidFill>
+                <a:effectLst/>
+                <a:latin typeface="Tahoma" panose="020B0604030504040204" pitchFamily="34" charset="0"/>
+                <a:ea typeface="Tahoma" panose="020B0604030504040204" pitchFamily="34" charset="0"/>
+                <a:cs typeface="Tahoma" panose="020B0604030504040204" pitchFamily="34" charset="0"/>
+              </a:rPr>
+              <a:t>Elevated sector volatility provides consistent alpha-generation potential, outperforming other sectors.</a:t>
+            </a:r>
+          </a:p>
+          <a:p>
+            <a:pPr marL="285750" indent="-285750" algn="just">
+              <a:buFont typeface="Arial" panose="020B0604020202020204" pitchFamily="34" charset="0"/>
+              <a:buChar char="•"/>
+            </a:pPr>
+            <a:r>
+              <a:rPr lang="en-US" sz="1600" b="1" i="0" u="none" strike="noStrike" dirty="0">
+                <a:solidFill>
+                  <a:srgbClr val="000000"/>
+                </a:solidFill>
+                <a:effectLst/>
+                <a:latin typeface="Tahoma" panose="020B0604030504040204" pitchFamily="34" charset="0"/>
+                <a:ea typeface="Tahoma" panose="020B0604030504040204" pitchFamily="34" charset="0"/>
+                <a:cs typeface="Tahoma" panose="020B0604030504040204" pitchFamily="34" charset="0"/>
+              </a:rPr>
+              <a:t>Statistical Stability:</a:t>
+            </a:r>
+            <a:r>
+              <a:rPr lang="en-US" sz="1600" b="0" i="0" u="none" strike="noStrike" dirty="0">
+                <a:solidFill>
+                  <a:srgbClr val="000000"/>
+                </a:solidFill>
+                <a:effectLst/>
+                <a:latin typeface="Tahoma" panose="020B0604030504040204" pitchFamily="34" charset="0"/>
+                <a:ea typeface="Tahoma" panose="020B0604030504040204" pitchFamily="34" charset="0"/>
+                <a:cs typeface="Tahoma" panose="020B0604030504040204" pitchFamily="34" charset="0"/>
+              </a:rPr>
+              <a:t> </a:t>
+            </a:r>
+            <a:r>
+              <a:rPr lang="en-US" sz="1600" dirty="0">
+                <a:solidFill>
+                  <a:srgbClr val="000000"/>
+                </a:solidFill>
+                <a:latin typeface="Tahoma" panose="020B0604030504040204" pitchFamily="34" charset="0"/>
+                <a:ea typeface="Tahoma" panose="020B0604030504040204" pitchFamily="34" charset="0"/>
+                <a:cs typeface="Tahoma" panose="020B0604030504040204" pitchFamily="34" charset="0"/>
+              </a:rPr>
+              <a:t>Low </a:t>
+            </a:r>
+            <a:r>
+              <a:rPr lang="en-US" sz="1600" b="0" i="0" u="none" strike="noStrike" dirty="0">
+                <a:solidFill>
+                  <a:srgbClr val="000000"/>
+                </a:solidFill>
+                <a:effectLst/>
+                <a:latin typeface="Tahoma" panose="020B0604030504040204" pitchFamily="34" charset="0"/>
+                <a:ea typeface="Tahoma" panose="020B0604030504040204" pitchFamily="34" charset="0"/>
+                <a:cs typeface="Tahoma" panose="020B0604030504040204" pitchFamily="34" charset="0"/>
+              </a:rPr>
+              <a:t>Hurst Exponent confirms strong mean-reversion tendencies, perfectly aligning with our approach.</a:t>
+            </a:r>
+            <a:endParaRPr lang="en-US" sz="1600" dirty="0">
+              <a:solidFill>
+                <a:srgbClr val="000000"/>
+              </a:solidFill>
+              <a:latin typeface="Tahoma" panose="020B0604030504040204" pitchFamily="34" charset="0"/>
+              <a:ea typeface="Tahoma" panose="020B0604030504040204" pitchFamily="34" charset="0"/>
+              <a:cs typeface="Tahoma" panose="020B0604030504040204" pitchFamily="34" charset="0"/>
+            </a:endParaRPr>
+          </a:p>
+          <a:p>
+            <a:pPr algn="just"/>
+            <a:endParaRPr lang="en-US" sz="1600" b="1" i="0" u="none" strike="noStrike" dirty="0">
+              <a:solidFill>
+                <a:srgbClr val="000000"/>
+              </a:solidFill>
+              <a:effectLst/>
+              <a:latin typeface="Tahoma" panose="020B0604030504040204" pitchFamily="34" charset="0"/>
+              <a:ea typeface="Tahoma" panose="020B0604030504040204" pitchFamily="34" charset="0"/>
+              <a:cs typeface="Tahoma" panose="020B0604030504040204" pitchFamily="34" charset="0"/>
+            </a:endParaRPr>
+          </a:p>
+          <a:p>
+            <a:pPr algn="just"/>
+            <a:r>
+              <a:rPr lang="en-US" b="1" i="0" u="none" strike="noStrike" dirty="0">
+                <a:solidFill>
+                  <a:srgbClr val="000000"/>
+                </a:solidFill>
+                <a:effectLst/>
+                <a:latin typeface="Tahoma" panose="020B0604030504040204" pitchFamily="34" charset="0"/>
+                <a:ea typeface="Tahoma" panose="020B0604030504040204" pitchFamily="34" charset="0"/>
+                <a:cs typeface="Tahoma" panose="020B0604030504040204" pitchFamily="34" charset="0"/>
+              </a:rPr>
+              <a:t>Opportunities for Investors</a:t>
+            </a:r>
+          </a:p>
+          <a:p>
+            <a:pPr algn="just"/>
+            <a:endParaRPr lang="en-US" b="1" dirty="0">
+              <a:solidFill>
+                <a:srgbClr val="000000"/>
+              </a:solidFill>
+              <a:latin typeface="Tahoma" panose="020B0604030504040204" pitchFamily="34" charset="0"/>
+              <a:ea typeface="Tahoma" panose="020B0604030504040204" pitchFamily="34" charset="0"/>
+              <a:cs typeface="Tahoma" panose="020B0604030504040204" pitchFamily="34" charset="0"/>
+            </a:endParaRPr>
+          </a:p>
+          <a:p>
+            <a:pPr marL="285750" indent="-285750" algn="just">
+              <a:buFont typeface="Arial" panose="020B0604020202020204" pitchFamily="34" charset="0"/>
+              <a:buChar char="•"/>
+            </a:pPr>
+            <a:r>
+              <a:rPr lang="en-US" sz="1600" b="1" i="0" u="none" strike="noStrike" dirty="0">
+                <a:solidFill>
+                  <a:srgbClr val="000000"/>
+                </a:solidFill>
+                <a:effectLst/>
+                <a:latin typeface="Tahoma" panose="020B0604030504040204" pitchFamily="34" charset="0"/>
+                <a:ea typeface="Tahoma" panose="020B0604030504040204" pitchFamily="34" charset="0"/>
+                <a:cs typeface="Tahoma" panose="020B0604030504040204" pitchFamily="34" charset="0"/>
+              </a:rPr>
+              <a:t>Precision in Pair Selection:</a:t>
+            </a:r>
+            <a:r>
+              <a:rPr lang="en-US" sz="1600" dirty="0">
+                <a:solidFill>
+                  <a:srgbClr val="000000"/>
+                </a:solidFill>
+                <a:latin typeface="Tahoma" panose="020B0604030504040204" pitchFamily="34" charset="0"/>
+                <a:ea typeface="Tahoma" panose="020B0604030504040204" pitchFamily="34" charset="0"/>
+                <a:cs typeface="Tahoma" panose="020B0604030504040204" pitchFamily="34" charset="0"/>
+              </a:rPr>
+              <a:t> </a:t>
+            </a:r>
+            <a:r>
+              <a:rPr lang="en-US" sz="1600" b="0" i="0" u="none" strike="noStrike" dirty="0">
+                <a:solidFill>
+                  <a:srgbClr val="000000"/>
+                </a:solidFill>
+                <a:effectLst/>
+                <a:latin typeface="Tahoma" panose="020B0604030504040204" pitchFamily="34" charset="0"/>
+                <a:ea typeface="Tahoma" panose="020B0604030504040204" pitchFamily="34" charset="0"/>
+                <a:cs typeface="Tahoma" panose="020B0604030504040204" pitchFamily="34" charset="0"/>
+              </a:rPr>
+              <a:t>Generate alpha through statistical misalignments in cointegrated stock pairs with a disciplined approach.</a:t>
+            </a:r>
+          </a:p>
+          <a:p>
+            <a:pPr marL="285750" indent="-285750" algn="just">
+              <a:buFont typeface="Arial" panose="020B0604020202020204" pitchFamily="34" charset="0"/>
+              <a:buChar char="•"/>
+            </a:pPr>
+            <a:r>
+              <a:rPr lang="en-US" sz="1600" b="1" i="0" u="none" strike="noStrike" dirty="0">
+                <a:solidFill>
+                  <a:srgbClr val="000000"/>
+                </a:solidFill>
+                <a:effectLst/>
+                <a:latin typeface="Tahoma" panose="020B0604030504040204" pitchFamily="34" charset="0"/>
+                <a:ea typeface="Tahoma" panose="020B0604030504040204" pitchFamily="34" charset="0"/>
+                <a:cs typeface="Tahoma" panose="020B0604030504040204" pitchFamily="34" charset="0"/>
+              </a:rPr>
+              <a:t>Uncorrelated Returns:</a:t>
+            </a:r>
+            <a:r>
+              <a:rPr lang="en-US" sz="1600" dirty="0">
+                <a:solidFill>
+                  <a:srgbClr val="000000"/>
+                </a:solidFill>
+                <a:latin typeface="Tahoma" panose="020B0604030504040204" pitchFamily="34" charset="0"/>
+                <a:ea typeface="Tahoma" panose="020B0604030504040204" pitchFamily="34" charset="0"/>
+                <a:cs typeface="Tahoma" panose="020B0604030504040204" pitchFamily="34" charset="0"/>
+              </a:rPr>
+              <a:t> </a:t>
+            </a:r>
+            <a:r>
+              <a:rPr lang="en-US" sz="1600" b="0" i="0" u="none" strike="noStrike" dirty="0">
+                <a:solidFill>
+                  <a:srgbClr val="000000"/>
+                </a:solidFill>
+                <a:effectLst/>
+                <a:latin typeface="Tahoma" panose="020B0604030504040204" pitchFamily="34" charset="0"/>
+                <a:ea typeface="Tahoma" panose="020B0604030504040204" pitchFamily="34" charset="0"/>
+                <a:cs typeface="Tahoma" panose="020B0604030504040204" pitchFamily="34" charset="0"/>
+              </a:rPr>
+              <a:t>Achieve risk-adjusted, market-neutral performance independent of broader market trends.</a:t>
+            </a:r>
+          </a:p>
+          <a:p>
+            <a:pPr marL="285750" indent="-285750" algn="just">
+              <a:buFont typeface="Arial" panose="020B0604020202020204" pitchFamily="34" charset="0"/>
+              <a:buChar char="•"/>
+            </a:pPr>
+            <a:r>
+              <a:rPr lang="en-US" sz="1600" b="1" i="0" u="none" strike="noStrike" dirty="0">
+                <a:solidFill>
+                  <a:srgbClr val="000000"/>
+                </a:solidFill>
+                <a:effectLst/>
+                <a:latin typeface="Tahoma" panose="020B0604030504040204" pitchFamily="34" charset="0"/>
+                <a:ea typeface="Tahoma" panose="020B0604030504040204" pitchFamily="34" charset="0"/>
+                <a:cs typeface="Tahoma" panose="020B0604030504040204" pitchFamily="34" charset="0"/>
+              </a:rPr>
+              <a:t>Capital Efficiency:</a:t>
+            </a:r>
+            <a:r>
+              <a:rPr lang="en-US" sz="1600" dirty="0">
+                <a:solidFill>
+                  <a:srgbClr val="000000"/>
+                </a:solidFill>
+                <a:latin typeface="Tahoma" panose="020B0604030504040204" pitchFamily="34" charset="0"/>
+                <a:ea typeface="Tahoma" panose="020B0604030504040204" pitchFamily="34" charset="0"/>
+                <a:cs typeface="Tahoma" panose="020B0604030504040204" pitchFamily="34" charset="0"/>
+              </a:rPr>
+              <a:t> </a:t>
+            </a:r>
+            <a:r>
+              <a:rPr lang="en-US" sz="1600" b="0" i="0" u="none" strike="noStrike" dirty="0">
+                <a:solidFill>
+                  <a:srgbClr val="000000"/>
+                </a:solidFill>
+                <a:effectLst/>
+                <a:latin typeface="Tahoma" panose="020B0604030504040204" pitchFamily="34" charset="0"/>
+                <a:ea typeface="Tahoma" panose="020B0604030504040204" pitchFamily="34" charset="0"/>
+                <a:cs typeface="Tahoma" panose="020B0604030504040204" pitchFamily="34" charset="0"/>
+              </a:rPr>
+              <a:t>Optimize returns through dynamic rebalancing and robust risk management.</a:t>
+            </a:r>
+          </a:p>
+          <a:p>
+            <a:endParaRPr lang="en-US" sz="1600" dirty="0">
+              <a:solidFill>
+                <a:srgbClr val="000000"/>
+              </a:solidFill>
+              <a:latin typeface="Tahoma" panose="020B0604030504040204" pitchFamily="34" charset="0"/>
+              <a:ea typeface="Tahoma" panose="020B0604030504040204" pitchFamily="34" charset="0"/>
+              <a:cs typeface="Tahoma" panose="020B0604030504040204" pitchFamily="34" charset="0"/>
+            </a:endParaRPr>
+          </a:p>
+        </p:txBody>
+      </p:sp>
+      <p:pic>
+        <p:nvPicPr>
+          <p:cNvPr id="3" name="Picture 2">
+            <a:extLst>
+              <a:ext uri="{FF2B5EF4-FFF2-40B4-BE49-F238E27FC236}">
+                <a16:creationId xmlns:a16="http://schemas.microsoft.com/office/drawing/2014/main" id="{D08A6D04-DD7A-4E3C-28BA-60D04FEDE202}"/>
+              </a:ext>
+            </a:extLst>
+          </p:cNvPr>
+          <p:cNvPicPr>
+            <a:picLocks noChangeAspect="1"/>
+          </p:cNvPicPr>
+          <p:nvPr/>
+        </p:nvPicPr>
+        <p:blipFill>
+          <a:blip r:embed="rId4"/>
+          <a:stretch>
+            <a:fillRect/>
+          </a:stretch>
+        </p:blipFill>
+        <p:spPr>
+          <a:xfrm>
+            <a:off x="8045896" y="3851014"/>
+            <a:ext cx="3553954" cy="1946564"/>
+          </a:xfrm>
+          <a:prstGeom prst="rect">
+            <a:avLst/>
+          </a:prstGeom>
+        </p:spPr>
+      </p:pic>
+      <p:sp>
+        <p:nvSpPr>
+          <p:cNvPr id="7" name="TextBox 6">
+            <a:extLst>
+              <a:ext uri="{FF2B5EF4-FFF2-40B4-BE49-F238E27FC236}">
+                <a16:creationId xmlns:a16="http://schemas.microsoft.com/office/drawing/2014/main" id="{9BA18299-0482-0122-E873-BAB6AD5A3D3D}"/>
+              </a:ext>
+            </a:extLst>
+          </p:cNvPr>
+          <p:cNvSpPr txBox="1"/>
+          <p:nvPr/>
+        </p:nvSpPr>
+        <p:spPr>
+          <a:xfrm>
+            <a:off x="7659585" y="5830248"/>
+            <a:ext cx="4532415" cy="461665"/>
+          </a:xfrm>
+          <a:prstGeom prst="rect">
+            <a:avLst/>
+          </a:prstGeom>
+          <a:noFill/>
+        </p:spPr>
+        <p:txBody>
+          <a:bodyPr wrap="square" rtlCol="0">
+            <a:spAutoFit/>
+          </a:bodyPr>
+          <a:lstStyle/>
+          <a:p>
+            <a:r>
+              <a:rPr lang="en-US" sz="1200" b="0" i="1" u="none" strike="noStrike" dirty="0">
+                <a:solidFill>
+                  <a:srgbClr val="000000"/>
+                </a:solidFill>
+                <a:effectLst/>
+                <a:latin typeface="Tahoma" panose="020B0604030504040204" pitchFamily="34" charset="0"/>
+                <a:ea typeface="Tahoma" panose="020B0604030504040204" pitchFamily="34" charset="0"/>
+                <a:cs typeface="Tahoma" panose="020B0604030504040204" pitchFamily="34" charset="0"/>
+              </a:rPr>
+              <a:t>S&amp;P 500 Sector Analysis (2024): Key Metrics for Statistical Arbitrage</a:t>
+            </a:r>
+            <a:endParaRPr lang="en-US" sz="1200" i="1" dirty="0">
+              <a:latin typeface="Tahoma" panose="020B0604030504040204" pitchFamily="34" charset="0"/>
+              <a:ea typeface="Tahoma" panose="020B0604030504040204" pitchFamily="34" charset="0"/>
+              <a:cs typeface="Tahoma" panose="020B0604030504040204" pitchFamily="34" charset="0"/>
+            </a:endParaRPr>
+          </a:p>
+        </p:txBody>
+      </p:sp>
+      <p:pic>
+        <p:nvPicPr>
+          <p:cNvPr id="8" name="Picture 7">
+            <a:extLst>
+              <a:ext uri="{FF2B5EF4-FFF2-40B4-BE49-F238E27FC236}">
+                <a16:creationId xmlns:a16="http://schemas.microsoft.com/office/drawing/2014/main" id="{C7C372C6-D803-DC79-7291-C3ECA62E43D2}"/>
+              </a:ext>
+            </a:extLst>
+          </p:cNvPr>
+          <p:cNvPicPr>
+            <a:picLocks noChangeAspect="1"/>
+          </p:cNvPicPr>
+          <p:nvPr/>
+        </p:nvPicPr>
+        <p:blipFill>
+          <a:blip r:embed="rId5"/>
+          <a:srcRect t="4479"/>
+          <a:stretch/>
+        </p:blipFill>
+        <p:spPr>
+          <a:xfrm>
+            <a:off x="7079673" y="837578"/>
+            <a:ext cx="5082569" cy="2614939"/>
+          </a:xfrm>
+          <a:prstGeom prst="rect">
+            <a:avLst/>
+          </a:prstGeom>
+        </p:spPr>
+      </p:pic>
+      <p:sp>
+        <p:nvSpPr>
+          <p:cNvPr id="9" name="TextBox 8">
+            <a:extLst>
+              <a:ext uri="{FF2B5EF4-FFF2-40B4-BE49-F238E27FC236}">
+                <a16:creationId xmlns:a16="http://schemas.microsoft.com/office/drawing/2014/main" id="{A43BEE78-C037-20C9-35FF-C84E92B089D2}"/>
+              </a:ext>
+            </a:extLst>
+          </p:cNvPr>
+          <p:cNvSpPr txBox="1"/>
+          <p:nvPr/>
+        </p:nvSpPr>
+        <p:spPr>
+          <a:xfrm>
+            <a:off x="7556666" y="3352172"/>
+            <a:ext cx="4532415" cy="461665"/>
+          </a:xfrm>
+          <a:prstGeom prst="rect">
+            <a:avLst/>
+          </a:prstGeom>
+          <a:noFill/>
+        </p:spPr>
+        <p:txBody>
+          <a:bodyPr wrap="square" rtlCol="0">
+            <a:spAutoFit/>
+          </a:bodyPr>
+          <a:lstStyle/>
+          <a:p>
+            <a:r>
+              <a:rPr lang="en-US" sz="1200" i="1" dirty="0">
+                <a:solidFill>
+                  <a:srgbClr val="000000"/>
+                </a:solidFill>
+                <a:latin typeface="Tahoma" panose="020B0604030504040204" pitchFamily="34" charset="0"/>
+                <a:ea typeface="Tahoma" panose="020B0604030504040204" pitchFamily="34" charset="0"/>
+                <a:cs typeface="Tahoma" panose="020B0604030504040204" pitchFamily="34" charset="0"/>
+              </a:rPr>
+              <a:t>4</a:t>
+            </a:r>
+            <a:r>
+              <a:rPr lang="en-US" sz="1200" b="0" i="1" u="none" strike="noStrike" dirty="0">
+                <a:solidFill>
+                  <a:srgbClr val="000000"/>
+                </a:solidFill>
+                <a:effectLst/>
+                <a:latin typeface="Tahoma" panose="020B0604030504040204" pitchFamily="34" charset="0"/>
+                <a:ea typeface="Tahoma" panose="020B0604030504040204" pitchFamily="34" charset="0"/>
+                <a:cs typeface="Tahoma" panose="020B0604030504040204" pitchFamily="34" charset="0"/>
+              </a:rPr>
+              <a:t>-Month </a:t>
+            </a:r>
+            <a:r>
+              <a:rPr lang="en-US" sz="1200" i="1" dirty="0">
+                <a:solidFill>
+                  <a:srgbClr val="000000"/>
+                </a:solidFill>
+                <a:latin typeface="Tahoma" panose="020B0604030504040204" pitchFamily="34" charset="0"/>
+                <a:ea typeface="Tahoma" panose="020B0604030504040204" pitchFamily="34" charset="0"/>
+                <a:cs typeface="Tahoma" panose="020B0604030504040204" pitchFamily="34" charset="0"/>
+              </a:rPr>
+              <a:t>R</a:t>
+            </a:r>
+            <a:r>
+              <a:rPr lang="en-US" sz="1200" b="0" i="1" u="none" strike="noStrike" dirty="0">
+                <a:solidFill>
+                  <a:srgbClr val="000000"/>
+                </a:solidFill>
+                <a:effectLst/>
+                <a:latin typeface="Tahoma" panose="020B0604030504040204" pitchFamily="34" charset="0"/>
+                <a:ea typeface="Tahoma" panose="020B0604030504040204" pitchFamily="34" charset="0"/>
+                <a:cs typeface="Tahoma" panose="020B0604030504040204" pitchFamily="34" charset="0"/>
+              </a:rPr>
+              <a:t>olling </a:t>
+            </a:r>
+            <a:r>
+              <a:rPr lang="en-US" sz="1200" i="1" dirty="0">
+                <a:solidFill>
+                  <a:srgbClr val="000000"/>
+                </a:solidFill>
+                <a:latin typeface="Tahoma" panose="020B0604030504040204" pitchFamily="34" charset="0"/>
+                <a:ea typeface="Tahoma" panose="020B0604030504040204" pitchFamily="34" charset="0"/>
+                <a:cs typeface="Tahoma" panose="020B0604030504040204" pitchFamily="34" charset="0"/>
+              </a:rPr>
+              <a:t>S</a:t>
+            </a:r>
+            <a:r>
+              <a:rPr lang="en-US" sz="1200" b="0" i="1" u="none" strike="noStrike" dirty="0">
+                <a:solidFill>
+                  <a:srgbClr val="000000"/>
+                </a:solidFill>
+                <a:effectLst/>
+                <a:latin typeface="Tahoma" panose="020B0604030504040204" pitchFamily="34" charset="0"/>
+                <a:ea typeface="Tahoma" panose="020B0604030504040204" pitchFamily="34" charset="0"/>
+                <a:cs typeface="Tahoma" panose="020B0604030504040204" pitchFamily="34" charset="0"/>
+              </a:rPr>
+              <a:t>tandard </a:t>
+            </a:r>
+            <a:r>
+              <a:rPr lang="en-US" sz="1200" i="1" dirty="0">
+                <a:solidFill>
+                  <a:srgbClr val="000000"/>
+                </a:solidFill>
+                <a:latin typeface="Tahoma" panose="020B0604030504040204" pitchFamily="34" charset="0"/>
+                <a:ea typeface="Tahoma" panose="020B0604030504040204" pitchFamily="34" charset="0"/>
+                <a:cs typeface="Tahoma" panose="020B0604030504040204" pitchFamily="34" charset="0"/>
+              </a:rPr>
+              <a:t>D</a:t>
+            </a:r>
+            <a:r>
+              <a:rPr lang="en-US" sz="1200" b="0" i="1" u="none" strike="noStrike" dirty="0">
+                <a:solidFill>
+                  <a:srgbClr val="000000"/>
+                </a:solidFill>
+                <a:effectLst/>
+                <a:latin typeface="Tahoma" panose="020B0604030504040204" pitchFamily="34" charset="0"/>
+                <a:ea typeface="Tahoma" panose="020B0604030504040204" pitchFamily="34" charset="0"/>
+                <a:cs typeface="Tahoma" panose="020B0604030504040204" pitchFamily="34" charset="0"/>
+              </a:rPr>
+              <a:t>eviation of Returns by Sector</a:t>
+            </a:r>
+            <a:endParaRPr lang="en-US" sz="1200" b="0" dirty="0">
+              <a:solidFill>
+                <a:srgbClr val="CCCCCC"/>
+              </a:solidFill>
+              <a:effectLst/>
+              <a:latin typeface="Menlo" panose="020B0609030804020204" pitchFamily="49" charset="0"/>
+            </a:endParaRPr>
+          </a:p>
+          <a:p>
+            <a:endParaRPr lang="en-US" sz="1200" i="1" dirty="0">
+              <a:latin typeface="Tahoma" panose="020B0604030504040204" pitchFamily="34" charset="0"/>
+              <a:ea typeface="Tahoma" panose="020B0604030504040204" pitchFamily="34" charset="0"/>
+              <a:cs typeface="Tahoma" panose="020B0604030504040204" pitchFamily="34" charset="0"/>
+            </a:endParaRPr>
+          </a:p>
+        </p:txBody>
+      </p:sp>
+      <p:sp>
+        <p:nvSpPr>
+          <p:cNvPr id="10" name="Rectangle 9">
+            <a:extLst>
+              <a:ext uri="{FF2B5EF4-FFF2-40B4-BE49-F238E27FC236}">
+                <a16:creationId xmlns:a16="http://schemas.microsoft.com/office/drawing/2014/main" id="{009E4ADF-E6D3-321B-AD3C-11B7A8E21169}"/>
+              </a:ext>
+            </a:extLst>
+          </p:cNvPr>
+          <p:cNvSpPr/>
+          <p:nvPr/>
+        </p:nvSpPr>
+        <p:spPr>
+          <a:xfrm>
+            <a:off x="7897091" y="4489533"/>
+            <a:ext cx="3903024" cy="151849"/>
+          </a:xfrm>
+          <a:prstGeom prst="rect">
+            <a:avLst/>
+          </a:prstGeom>
+          <a:noFill/>
+          <a:ln>
+            <a:solidFill>
+              <a:srgbClr val="FF0000"/>
+            </a:solidFill>
+          </a:ln>
+        </p:spPr>
+        <p:style>
+          <a:lnRef idx="2">
+            <a:schemeClr val="accent6"/>
+          </a:lnRef>
+          <a:fillRef idx="1">
+            <a:schemeClr val="lt1"/>
+          </a:fillRef>
+          <a:effectRef idx="0">
+            <a:schemeClr val="accent6"/>
+          </a:effectRef>
+          <a:fontRef idx="minor">
+            <a:schemeClr val="dk1"/>
+          </a:fontRef>
+        </p:style>
+        <p:txBody>
+          <a:bodyPr rtlCol="0" anchor="ctr"/>
+          <a:lstStyle/>
+          <a:p>
+            <a:pPr algn="ctr"/>
+            <a:endParaRPr lang="en-US"/>
+          </a:p>
+        </p:txBody>
+      </p:sp>
     </p:spTree>
     <p:extLst>
       <p:ext uri="{BB962C8B-B14F-4D97-AF65-F5344CB8AC3E}">
-        <p14:creationId xmlns:p14="http://schemas.microsoft.com/office/powerpoint/2010/main" val="3686156949"/>
+        <p14:creationId xmlns:p14="http://schemas.microsoft.com/office/powerpoint/2010/main" val="1607200063"/>
       </p:ext>
     </p:extLst>
   </p:cSld>
@@ -6469,7 +10763,7 @@
         <p:cNvPr id="1" name="">
           <a:extLst>
             <a:ext uri="{FF2B5EF4-FFF2-40B4-BE49-F238E27FC236}">
-              <a16:creationId xmlns:a16="http://schemas.microsoft.com/office/drawing/2014/main" id="{1256CD39-A065-B783-D4D0-CF5D30ACAE5D}"/>
+              <a16:creationId xmlns:a16="http://schemas.microsoft.com/office/drawing/2014/main" id="{7DA6B72E-BA1F-D866-15BD-CB757D84C35C}"/>
             </a:ext>
           </a:extLst>
         </p:cNvPr>
@@ -6489,7 +10783,7 @@
           <p:cNvPr id="4" name="Rectangle 3">
             <a:extLst>
               <a:ext uri="{FF2B5EF4-FFF2-40B4-BE49-F238E27FC236}">
-                <a16:creationId xmlns:a16="http://schemas.microsoft.com/office/drawing/2014/main" id="{27B0CE79-2861-E6FF-1E3A-1009C496C483}"/>
+                <a16:creationId xmlns:a16="http://schemas.microsoft.com/office/drawing/2014/main" id="{07E88801-C8AE-9046-EF67-827363AF1BDC}"/>
               </a:ext>
             </a:extLst>
           </p:cNvPr>
@@ -6535,7 +10829,7 @@
           <p:cNvPr id="5" name="Picture 10" descr="The University of Chicago Library - The University of Chicago Library">
             <a:extLst>
               <a:ext uri="{FF2B5EF4-FFF2-40B4-BE49-F238E27FC236}">
-                <a16:creationId xmlns:a16="http://schemas.microsoft.com/office/drawing/2014/main" id="{133E1181-F447-3007-F36F-99168E572B6D}"/>
+                <a16:creationId xmlns:a16="http://schemas.microsoft.com/office/drawing/2014/main" id="{3C98F6AB-84ED-615B-A2F1-89C0BA8D1467}"/>
               </a:ext>
             </a:extLst>
           </p:cNvPr>
@@ -6582,7 +10876,7 @@
           <p:cNvPr id="2" name="TextBox 1">
             <a:extLst>
               <a:ext uri="{FF2B5EF4-FFF2-40B4-BE49-F238E27FC236}">
-                <a16:creationId xmlns:a16="http://schemas.microsoft.com/office/drawing/2014/main" id="{715C372F-2D1B-2FA9-BC07-D1172A2E380D}"/>
+                <a16:creationId xmlns:a16="http://schemas.microsoft.com/office/drawing/2014/main" id="{5DE54376-0F28-7D98-93A0-ACAC9684C988}"/>
               </a:ext>
             </a:extLst>
           </p:cNvPr>
@@ -6591,7 +10885,7 @@
         </p:nvSpPr>
         <p:spPr>
           <a:xfrm>
-            <a:off x="391886" y="185755"/>
+            <a:off x="391886" y="575024"/>
             <a:ext cx="10010898" cy="461665"/>
           </a:xfrm>
           <a:prstGeom prst="rect">
@@ -6623,10 +10917,592 @@
           </a:p>
         </p:txBody>
       </p:sp>
+      <p:sp>
+        <p:nvSpPr>
+          <p:cNvPr id="6" name="TextBox 5">
+            <a:extLst>
+              <a:ext uri="{FF2B5EF4-FFF2-40B4-BE49-F238E27FC236}">
+                <a16:creationId xmlns:a16="http://schemas.microsoft.com/office/drawing/2014/main" id="{A27CD339-A5F9-146E-E3CD-60DE78E0375D}"/>
+              </a:ext>
+            </a:extLst>
+          </p:cNvPr>
+          <p:cNvSpPr txBox="1"/>
+          <p:nvPr/>
+        </p:nvSpPr>
+        <p:spPr>
+          <a:xfrm>
+            <a:off x="391886" y="1120676"/>
+            <a:ext cx="6267337" cy="5162300"/>
+          </a:xfrm>
+          <a:prstGeom prst="rect">
+            <a:avLst/>
+          </a:prstGeom>
+          <a:noFill/>
+        </p:spPr>
+        <p:txBody>
+          <a:bodyPr wrap="square" rtlCol="0">
+            <a:spAutoFit/>
+          </a:bodyPr>
+          <a:lstStyle/>
+          <a:p>
+            <a:pPr algn="l"/>
+            <a:r>
+              <a:rPr lang="en-US" b="1" i="0" u="none" strike="noStrike" dirty="0">
+                <a:solidFill>
+                  <a:srgbClr val="000000"/>
+                </a:solidFill>
+                <a:effectLst/>
+                <a:latin typeface="Tahoma" panose="020B0604030504040204" pitchFamily="34" charset="0"/>
+                <a:ea typeface="Tahoma" panose="020B0604030504040204" pitchFamily="34" charset="0"/>
+                <a:cs typeface="Tahoma" panose="020B0604030504040204" pitchFamily="34" charset="0"/>
+              </a:rPr>
+              <a:t>Methodology</a:t>
+            </a:r>
+          </a:p>
+          <a:p>
+            <a:pPr algn="l"/>
+            <a:endParaRPr lang="en-US" sz="1600" b="1" i="0" u="none" strike="noStrike" dirty="0">
+              <a:solidFill>
+                <a:srgbClr val="000000"/>
+              </a:solidFill>
+              <a:effectLst/>
+              <a:latin typeface="Tahoma" panose="020B0604030504040204" pitchFamily="34" charset="0"/>
+              <a:ea typeface="Tahoma" panose="020B0604030504040204" pitchFamily="34" charset="0"/>
+              <a:cs typeface="Tahoma" panose="020B0604030504040204" pitchFamily="34" charset="0"/>
+            </a:endParaRPr>
+          </a:p>
+          <a:p>
+            <a:pPr marL="342900" indent="-342900" algn="just">
+              <a:buAutoNum type="arabicPeriod"/>
+            </a:pPr>
+            <a:r>
+              <a:rPr lang="en-US" sz="1600" b="1" i="0" u="none" strike="noStrike" dirty="0">
+                <a:solidFill>
+                  <a:srgbClr val="000000"/>
+                </a:solidFill>
+                <a:effectLst/>
+                <a:latin typeface="Tahoma" panose="020B0604030504040204" pitchFamily="34" charset="0"/>
+                <a:ea typeface="Tahoma" panose="020B0604030504040204" pitchFamily="34" charset="0"/>
+                <a:cs typeface="Tahoma" panose="020B0604030504040204" pitchFamily="34" charset="0"/>
+              </a:rPr>
+              <a:t>Identifying Pairs</a:t>
+            </a:r>
+            <a:endParaRPr lang="en-US" sz="1600" b="0" i="0" u="none" strike="noStrike" dirty="0">
+              <a:solidFill>
+                <a:srgbClr val="000000"/>
+              </a:solidFill>
+              <a:effectLst/>
+              <a:latin typeface="Tahoma" panose="020B0604030504040204" pitchFamily="34" charset="0"/>
+              <a:ea typeface="Tahoma" panose="020B0604030504040204" pitchFamily="34" charset="0"/>
+              <a:cs typeface="Tahoma" panose="020B0604030504040204" pitchFamily="34" charset="0"/>
+            </a:endParaRPr>
+          </a:p>
+          <a:p>
+            <a:pPr marL="285750" indent="-285750" algn="just">
+              <a:buFont typeface="Arial" panose="020B0604020202020204" pitchFamily="34" charset="0"/>
+              <a:buChar char="•"/>
+            </a:pPr>
+            <a:r>
+              <a:rPr lang="en-US" sz="1600" b="0" i="0" u="none" strike="noStrike" dirty="0">
+                <a:solidFill>
+                  <a:srgbClr val="000000"/>
+                </a:solidFill>
+                <a:effectLst/>
+                <a:latin typeface="Tahoma" panose="020B0604030504040204" pitchFamily="34" charset="0"/>
+                <a:ea typeface="Tahoma" panose="020B0604030504040204" pitchFamily="34" charset="0"/>
+                <a:cs typeface="Tahoma" panose="020B0604030504040204" pitchFamily="34" charset="0"/>
+              </a:rPr>
+              <a:t>Analyze historical price data to compute correlations and identify relationships within the Energy sector.</a:t>
+            </a:r>
+          </a:p>
+          <a:p>
+            <a:pPr marL="285750" indent="-285750" algn="just">
+              <a:buFont typeface="Arial" panose="020B0604020202020204" pitchFamily="34" charset="0"/>
+              <a:buChar char="•"/>
+            </a:pPr>
+            <a:r>
+              <a:rPr lang="en-US" sz="1600" b="0" i="0" u="none" strike="noStrike" dirty="0">
+                <a:solidFill>
+                  <a:srgbClr val="000000"/>
+                </a:solidFill>
+                <a:effectLst/>
+                <a:latin typeface="Tahoma" panose="020B0604030504040204" pitchFamily="34" charset="0"/>
+                <a:ea typeface="Tahoma" panose="020B0604030504040204" pitchFamily="34" charset="0"/>
+                <a:cs typeface="Tahoma" panose="020B0604030504040204" pitchFamily="34" charset="0"/>
+              </a:rPr>
+              <a:t>Conduct cointegration testing to select statistically stable, mean-reverting pairs.</a:t>
+            </a:r>
+          </a:p>
+          <a:p>
+            <a:pPr algn="just"/>
+            <a:endParaRPr lang="en-US" sz="1600" b="0" i="0" u="none" strike="noStrike" dirty="0">
+              <a:solidFill>
+                <a:srgbClr val="000000"/>
+              </a:solidFill>
+              <a:effectLst/>
+              <a:latin typeface="Tahoma" panose="020B0604030504040204" pitchFamily="34" charset="0"/>
+              <a:ea typeface="Tahoma" panose="020B0604030504040204" pitchFamily="34" charset="0"/>
+              <a:cs typeface="Tahoma" panose="020B0604030504040204" pitchFamily="34" charset="0"/>
+            </a:endParaRPr>
+          </a:p>
+          <a:p>
+            <a:pPr marL="342900" indent="-342900" algn="just">
+              <a:buAutoNum type="arabicPeriod" startAt="2"/>
+            </a:pPr>
+            <a:r>
+              <a:rPr lang="en-US" sz="1600" b="1" i="0" u="none" strike="noStrike" dirty="0">
+                <a:solidFill>
+                  <a:srgbClr val="000000"/>
+                </a:solidFill>
+                <a:effectLst/>
+                <a:latin typeface="Tahoma" panose="020B0604030504040204" pitchFamily="34" charset="0"/>
+                <a:ea typeface="Tahoma" panose="020B0604030504040204" pitchFamily="34" charset="0"/>
+                <a:cs typeface="Tahoma" panose="020B0604030504040204" pitchFamily="34" charset="0"/>
+              </a:rPr>
+              <a:t>Parameter Optimization</a:t>
+            </a:r>
+            <a:endParaRPr lang="en-US" sz="1600" b="0" i="0" u="none" strike="noStrike" dirty="0">
+              <a:solidFill>
+                <a:srgbClr val="000000"/>
+              </a:solidFill>
+              <a:effectLst/>
+              <a:latin typeface="Tahoma" panose="020B0604030504040204" pitchFamily="34" charset="0"/>
+              <a:ea typeface="Tahoma" panose="020B0604030504040204" pitchFamily="34" charset="0"/>
+              <a:cs typeface="Tahoma" panose="020B0604030504040204" pitchFamily="34" charset="0"/>
+            </a:endParaRPr>
+          </a:p>
+          <a:p>
+            <a:pPr marL="285750" indent="-285750" algn="just">
+              <a:buFont typeface="Arial" panose="020B0604020202020204" pitchFamily="34" charset="0"/>
+              <a:buChar char="•"/>
+            </a:pPr>
+            <a:r>
+              <a:rPr lang="en-US" sz="1600" b="0" i="0" u="none" strike="noStrike" dirty="0">
+                <a:solidFill>
+                  <a:srgbClr val="000000"/>
+                </a:solidFill>
+                <a:effectLst/>
+                <a:latin typeface="Tahoma" panose="020B0604030504040204" pitchFamily="34" charset="0"/>
+                <a:ea typeface="Tahoma" panose="020B0604030504040204" pitchFamily="34" charset="0"/>
+                <a:cs typeface="Tahoma" panose="020B0604030504040204" pitchFamily="34" charset="0"/>
+              </a:rPr>
+              <a:t>Optimize entry/exit thresholds and rolling window sizes to enhance signal accuracy and adapt to market dynamics.</a:t>
+            </a:r>
+          </a:p>
+          <a:p>
+            <a:pPr marL="285750" indent="-285750" algn="just">
+              <a:buFont typeface="Arial" panose="020B0604020202020204" pitchFamily="34" charset="0"/>
+              <a:buChar char="•"/>
+            </a:pPr>
+            <a:r>
+              <a:rPr lang="en-US" sz="1600" b="0" i="0" u="none" strike="noStrike" dirty="0">
+                <a:solidFill>
+                  <a:srgbClr val="000000"/>
+                </a:solidFill>
+                <a:effectLst/>
+                <a:latin typeface="Tahoma" panose="020B0604030504040204" pitchFamily="34" charset="0"/>
+                <a:ea typeface="Tahoma" panose="020B0604030504040204" pitchFamily="34" charset="0"/>
+                <a:cs typeface="Tahoma" panose="020B0604030504040204" pitchFamily="34" charset="0"/>
+              </a:rPr>
+              <a:t>Apply dollar-value weighting to ensure consistent exposure across pairs.</a:t>
+            </a:r>
+          </a:p>
+          <a:p>
+            <a:pPr marL="285750" indent="-285750" algn="just">
+              <a:buFont typeface="Arial" panose="020B0604020202020204" pitchFamily="34" charset="0"/>
+              <a:buChar char="•"/>
+            </a:pPr>
+            <a:endParaRPr lang="en-US" sz="1600" b="0" i="0" u="none" strike="noStrike" dirty="0">
+              <a:solidFill>
+                <a:srgbClr val="000000"/>
+              </a:solidFill>
+              <a:effectLst/>
+              <a:latin typeface="Tahoma" panose="020B0604030504040204" pitchFamily="34" charset="0"/>
+              <a:ea typeface="Tahoma" panose="020B0604030504040204" pitchFamily="34" charset="0"/>
+              <a:cs typeface="Tahoma" panose="020B0604030504040204" pitchFamily="34" charset="0"/>
+            </a:endParaRPr>
+          </a:p>
+          <a:p>
+            <a:pPr marL="342900" indent="-342900" algn="just">
+              <a:buAutoNum type="arabicPeriod" startAt="3"/>
+            </a:pPr>
+            <a:r>
+              <a:rPr lang="en-US" sz="1600" b="1" i="0" u="none" strike="noStrike" dirty="0">
+                <a:solidFill>
+                  <a:srgbClr val="000000"/>
+                </a:solidFill>
+                <a:effectLst/>
+                <a:latin typeface="Tahoma" panose="020B0604030504040204" pitchFamily="34" charset="0"/>
+                <a:ea typeface="Tahoma" panose="020B0604030504040204" pitchFamily="34" charset="0"/>
+                <a:cs typeface="Tahoma" panose="020B0604030504040204" pitchFamily="34" charset="0"/>
+              </a:rPr>
+              <a:t>Execution Rules</a:t>
+            </a:r>
+            <a:endParaRPr lang="en-US" sz="1600" b="0" i="0" u="none" strike="noStrike" dirty="0">
+              <a:solidFill>
+                <a:srgbClr val="000000"/>
+              </a:solidFill>
+              <a:effectLst/>
+              <a:latin typeface="Tahoma" panose="020B0604030504040204" pitchFamily="34" charset="0"/>
+              <a:ea typeface="Tahoma" panose="020B0604030504040204" pitchFamily="34" charset="0"/>
+              <a:cs typeface="Tahoma" panose="020B0604030504040204" pitchFamily="34" charset="0"/>
+            </a:endParaRPr>
+          </a:p>
+          <a:p>
+            <a:pPr marL="285750" indent="-285750" algn="just">
+              <a:buFont typeface="Arial" panose="020B0604020202020204" pitchFamily="34" charset="0"/>
+              <a:buChar char="•"/>
+            </a:pPr>
+            <a:r>
+              <a:rPr lang="en-US" sz="1600" b="0" i="0" u="none" strike="noStrike" dirty="0">
+                <a:solidFill>
+                  <a:srgbClr val="000000"/>
+                </a:solidFill>
+                <a:effectLst/>
+                <a:latin typeface="Tahoma" panose="020B0604030504040204" pitchFamily="34" charset="0"/>
+                <a:ea typeface="Tahoma" panose="020B0604030504040204" pitchFamily="34" charset="0"/>
+                <a:cs typeface="Tahoma" panose="020B0604030504040204" pitchFamily="34" charset="0"/>
+              </a:rPr>
+              <a:t>Set stop-loss thresholds to limit risk and preserve capital during extreme spread divergence.</a:t>
+            </a:r>
+          </a:p>
+          <a:p>
+            <a:pPr marL="285750" indent="-285750" algn="just">
+              <a:buFont typeface="Arial" panose="020B0604020202020204" pitchFamily="34" charset="0"/>
+              <a:buChar char="•"/>
+            </a:pPr>
+            <a:r>
+              <a:rPr lang="en-US" sz="1600" b="0" i="0" u="none" strike="noStrike" dirty="0">
+                <a:solidFill>
+                  <a:srgbClr val="000000"/>
+                </a:solidFill>
+                <a:effectLst/>
+                <a:latin typeface="Tahoma" panose="020B0604030504040204" pitchFamily="34" charset="0"/>
+                <a:ea typeface="Tahoma" panose="020B0604030504040204" pitchFamily="34" charset="0"/>
+                <a:cs typeface="Tahoma" panose="020B0604030504040204" pitchFamily="34" charset="0"/>
+              </a:rPr>
+              <a:t>Define rebalancing intervals to minimize costs and maintain portfolio alignment.</a:t>
+            </a:r>
+          </a:p>
+          <a:p>
+            <a:pPr algn="l"/>
+            <a:endParaRPr lang="en-US" sz="1600" b="1" i="0" u="none" strike="noStrike" dirty="0">
+              <a:solidFill>
+                <a:srgbClr val="000000"/>
+              </a:solidFill>
+              <a:effectLst/>
+              <a:latin typeface="Tahoma" panose="020B0604030504040204" pitchFamily="34" charset="0"/>
+              <a:ea typeface="Tahoma" panose="020B0604030504040204" pitchFamily="34" charset="0"/>
+              <a:cs typeface="Tahoma" panose="020B0604030504040204" pitchFamily="34" charset="0"/>
+            </a:endParaRPr>
+          </a:p>
+        </p:txBody>
+      </p:sp>
+      <p:sp>
+        <p:nvSpPr>
+          <p:cNvPr id="7" name="TextBox 6">
+            <a:extLst>
+              <a:ext uri="{FF2B5EF4-FFF2-40B4-BE49-F238E27FC236}">
+                <a16:creationId xmlns:a16="http://schemas.microsoft.com/office/drawing/2014/main" id="{F5D8F7BD-A58C-D5DD-8D7A-EADBBDB4E8CA}"/>
+              </a:ext>
+            </a:extLst>
+          </p:cNvPr>
+          <p:cNvSpPr txBox="1"/>
+          <p:nvPr/>
+        </p:nvSpPr>
+        <p:spPr>
+          <a:xfrm>
+            <a:off x="8385426" y="5494361"/>
+            <a:ext cx="1628844" cy="276999"/>
+          </a:xfrm>
+          <a:prstGeom prst="rect">
+            <a:avLst/>
+          </a:prstGeom>
+          <a:noFill/>
+        </p:spPr>
+        <p:txBody>
+          <a:bodyPr wrap="none" rtlCol="0">
+            <a:spAutoFit/>
+          </a:bodyPr>
+          <a:lstStyle/>
+          <a:p>
+            <a:r>
+              <a:rPr lang="en-US" sz="1200" i="1" dirty="0">
+                <a:latin typeface="Tahoma" panose="020B0604030504040204" pitchFamily="34" charset="0"/>
+                <a:ea typeface="Tahoma" panose="020B0604030504040204" pitchFamily="34" charset="0"/>
+                <a:cs typeface="Tahoma" panose="020B0604030504040204" pitchFamily="34" charset="0"/>
+              </a:rPr>
+              <a:t>Investment flowchart</a:t>
+            </a:r>
+          </a:p>
+        </p:txBody>
+      </p:sp>
+      <p:graphicFrame>
+        <p:nvGraphicFramePr>
+          <p:cNvPr id="8" name="Diagram 7">
+            <a:extLst>
+              <a:ext uri="{FF2B5EF4-FFF2-40B4-BE49-F238E27FC236}">
+                <a16:creationId xmlns:a16="http://schemas.microsoft.com/office/drawing/2014/main" id="{2D3DB720-2447-D246-6E8D-528C436BE79E}"/>
+              </a:ext>
+            </a:extLst>
+          </p:cNvPr>
+          <p:cNvGraphicFramePr/>
+          <p:nvPr>
+            <p:extLst>
+              <p:ext uri="{D42A27DB-BD31-4B8C-83A1-F6EECF244321}">
+                <p14:modId xmlns:p14="http://schemas.microsoft.com/office/powerpoint/2010/main" val="3197062433"/>
+              </p:ext>
+            </p:extLst>
+          </p:nvPr>
+        </p:nvGraphicFramePr>
+        <p:xfrm>
+          <a:off x="7043538" y="1404194"/>
+          <a:ext cx="4406340" cy="4024825"/>
+        </p:xfrm>
+        <a:graphic>
+          <a:graphicData uri="http://schemas.openxmlformats.org/drawingml/2006/diagram">
+            <dgm:relIds xmlns:dgm="http://schemas.openxmlformats.org/drawingml/2006/diagram" xmlns:r="http://schemas.openxmlformats.org/officeDocument/2006/relationships" r:dm="rId4" r:lo="rId5" r:qs="rId6" r:cs="rId7"/>
+          </a:graphicData>
+        </a:graphic>
+      </p:graphicFrame>
+      <p:sp>
+        <p:nvSpPr>
+          <p:cNvPr id="9" name="TextBox 8">
+            <a:extLst>
+              <a:ext uri="{FF2B5EF4-FFF2-40B4-BE49-F238E27FC236}">
+                <a16:creationId xmlns:a16="http://schemas.microsoft.com/office/drawing/2014/main" id="{E1E8C0A5-DC30-22B4-D8AA-50F7D65AE785}"/>
+              </a:ext>
+            </a:extLst>
+          </p:cNvPr>
+          <p:cNvSpPr txBox="1"/>
+          <p:nvPr/>
+        </p:nvSpPr>
+        <p:spPr>
+          <a:xfrm>
+            <a:off x="7792278" y="1497496"/>
+            <a:ext cx="3273287" cy="307777"/>
+          </a:xfrm>
+          <a:prstGeom prst="rect">
+            <a:avLst/>
+          </a:prstGeom>
+          <a:noFill/>
+        </p:spPr>
+        <p:txBody>
+          <a:bodyPr wrap="square" rtlCol="0">
+            <a:spAutoFit/>
+          </a:bodyPr>
+          <a:lstStyle/>
+          <a:p>
+            <a:r>
+              <a:rPr lang="en-US" sz="1400" b="1" dirty="0">
+                <a:latin typeface="Tahoma" panose="020B0604030504040204" pitchFamily="34" charset="0"/>
+                <a:ea typeface="Tahoma" panose="020B0604030504040204" pitchFamily="34" charset="0"/>
+                <a:cs typeface="Tahoma" panose="020B0604030504040204" pitchFamily="34" charset="0"/>
+              </a:rPr>
+              <a:t>Data Input</a:t>
+            </a:r>
+          </a:p>
+        </p:txBody>
+      </p:sp>
+      <p:sp>
+        <p:nvSpPr>
+          <p:cNvPr id="10" name="TextBox 9">
+            <a:extLst>
+              <a:ext uri="{FF2B5EF4-FFF2-40B4-BE49-F238E27FC236}">
+                <a16:creationId xmlns:a16="http://schemas.microsoft.com/office/drawing/2014/main" id="{0B670B7E-E422-1218-34FE-B52C7999AC5A}"/>
+              </a:ext>
+            </a:extLst>
+          </p:cNvPr>
+          <p:cNvSpPr txBox="1"/>
+          <p:nvPr/>
+        </p:nvSpPr>
+        <p:spPr>
+          <a:xfrm>
+            <a:off x="7792277" y="2172778"/>
+            <a:ext cx="3273287" cy="307777"/>
+          </a:xfrm>
+          <a:prstGeom prst="rect">
+            <a:avLst/>
+          </a:prstGeom>
+          <a:noFill/>
+        </p:spPr>
+        <p:txBody>
+          <a:bodyPr wrap="square" rtlCol="0">
+            <a:spAutoFit/>
+          </a:bodyPr>
+          <a:lstStyle/>
+          <a:p>
+            <a:r>
+              <a:rPr lang="en-US" sz="1400" b="1" dirty="0">
+                <a:latin typeface="Tahoma" panose="020B0604030504040204" pitchFamily="34" charset="0"/>
+                <a:ea typeface="Tahoma" panose="020B0604030504040204" pitchFamily="34" charset="0"/>
+                <a:cs typeface="Tahoma" panose="020B0604030504040204" pitchFamily="34" charset="0"/>
+              </a:rPr>
+              <a:t>Correlation Analysis</a:t>
+            </a:r>
+          </a:p>
+        </p:txBody>
+      </p:sp>
+      <p:sp>
+        <p:nvSpPr>
+          <p:cNvPr id="11" name="TextBox 10">
+            <a:extLst>
+              <a:ext uri="{FF2B5EF4-FFF2-40B4-BE49-F238E27FC236}">
+                <a16:creationId xmlns:a16="http://schemas.microsoft.com/office/drawing/2014/main" id="{B5F9AE34-C615-906F-980D-78013AAB696D}"/>
+              </a:ext>
+            </a:extLst>
+          </p:cNvPr>
+          <p:cNvSpPr txBox="1"/>
+          <p:nvPr/>
+        </p:nvSpPr>
+        <p:spPr>
+          <a:xfrm>
+            <a:off x="7792277" y="2817839"/>
+            <a:ext cx="3273287" cy="307777"/>
+          </a:xfrm>
+          <a:prstGeom prst="rect">
+            <a:avLst/>
+          </a:prstGeom>
+          <a:noFill/>
+        </p:spPr>
+        <p:txBody>
+          <a:bodyPr wrap="square" rtlCol="0">
+            <a:spAutoFit/>
+          </a:bodyPr>
+          <a:lstStyle/>
+          <a:p>
+            <a:r>
+              <a:rPr lang="en-US" sz="1400" b="1" dirty="0">
+                <a:latin typeface="Tahoma" panose="020B0604030504040204" pitchFamily="34" charset="0"/>
+                <a:ea typeface="Tahoma" panose="020B0604030504040204" pitchFamily="34" charset="0"/>
+                <a:cs typeface="Tahoma" panose="020B0604030504040204" pitchFamily="34" charset="0"/>
+              </a:rPr>
+              <a:t>Cointegration Testing</a:t>
+            </a:r>
+          </a:p>
+        </p:txBody>
+      </p:sp>
+      <p:sp>
+        <p:nvSpPr>
+          <p:cNvPr id="12" name="TextBox 11">
+            <a:extLst>
+              <a:ext uri="{FF2B5EF4-FFF2-40B4-BE49-F238E27FC236}">
+                <a16:creationId xmlns:a16="http://schemas.microsoft.com/office/drawing/2014/main" id="{87AF220F-2087-6E0A-651E-CF735B978C07}"/>
+              </a:ext>
+            </a:extLst>
+          </p:cNvPr>
+          <p:cNvSpPr txBox="1"/>
+          <p:nvPr/>
+        </p:nvSpPr>
+        <p:spPr>
+          <a:xfrm>
+            <a:off x="7792276" y="3478368"/>
+            <a:ext cx="3273287" cy="307777"/>
+          </a:xfrm>
+          <a:prstGeom prst="rect">
+            <a:avLst/>
+          </a:prstGeom>
+          <a:noFill/>
+        </p:spPr>
+        <p:txBody>
+          <a:bodyPr wrap="square" rtlCol="0">
+            <a:spAutoFit/>
+          </a:bodyPr>
+          <a:lstStyle/>
+          <a:p>
+            <a:r>
+              <a:rPr lang="en-US" sz="1400" b="1" dirty="0">
+                <a:latin typeface="Tahoma" panose="020B0604030504040204" pitchFamily="34" charset="0"/>
+                <a:ea typeface="Tahoma" panose="020B0604030504040204" pitchFamily="34" charset="0"/>
+                <a:cs typeface="Tahoma" panose="020B0604030504040204" pitchFamily="34" charset="0"/>
+              </a:rPr>
+              <a:t>Parameter Optimization</a:t>
+            </a:r>
+          </a:p>
+        </p:txBody>
+      </p:sp>
+      <p:sp>
+        <p:nvSpPr>
+          <p:cNvPr id="13" name="TextBox 12">
+            <a:extLst>
+              <a:ext uri="{FF2B5EF4-FFF2-40B4-BE49-F238E27FC236}">
+                <a16:creationId xmlns:a16="http://schemas.microsoft.com/office/drawing/2014/main" id="{971C2ABD-6AFC-C8CE-AB2C-048065C106CB}"/>
+              </a:ext>
+            </a:extLst>
+          </p:cNvPr>
+          <p:cNvSpPr txBox="1"/>
+          <p:nvPr/>
+        </p:nvSpPr>
+        <p:spPr>
+          <a:xfrm>
+            <a:off x="7792276" y="4120276"/>
+            <a:ext cx="3273287" cy="307777"/>
+          </a:xfrm>
+          <a:prstGeom prst="rect">
+            <a:avLst/>
+          </a:prstGeom>
+          <a:noFill/>
+        </p:spPr>
+        <p:txBody>
+          <a:bodyPr wrap="square" rtlCol="0">
+            <a:spAutoFit/>
+          </a:bodyPr>
+          <a:lstStyle/>
+          <a:p>
+            <a:r>
+              <a:rPr lang="en-US" sz="1400" b="1" dirty="0">
+                <a:latin typeface="Tahoma" panose="020B0604030504040204" pitchFamily="34" charset="0"/>
+                <a:ea typeface="Tahoma" panose="020B0604030504040204" pitchFamily="34" charset="0"/>
+                <a:cs typeface="Tahoma" panose="020B0604030504040204" pitchFamily="34" charset="0"/>
+              </a:rPr>
+              <a:t>Execution Rules</a:t>
+            </a:r>
+          </a:p>
+        </p:txBody>
+      </p:sp>
+      <p:sp>
+        <p:nvSpPr>
+          <p:cNvPr id="14" name="TextBox 13">
+            <a:extLst>
+              <a:ext uri="{FF2B5EF4-FFF2-40B4-BE49-F238E27FC236}">
+                <a16:creationId xmlns:a16="http://schemas.microsoft.com/office/drawing/2014/main" id="{7D0AD25B-005D-C37D-27CE-BA29A5D399ED}"/>
+              </a:ext>
+            </a:extLst>
+          </p:cNvPr>
+          <p:cNvSpPr txBox="1"/>
+          <p:nvPr/>
+        </p:nvSpPr>
+        <p:spPr>
+          <a:xfrm>
+            <a:off x="7792276" y="4744951"/>
+            <a:ext cx="3273287" cy="307777"/>
+          </a:xfrm>
+          <a:prstGeom prst="rect">
+            <a:avLst/>
+          </a:prstGeom>
+          <a:noFill/>
+        </p:spPr>
+        <p:txBody>
+          <a:bodyPr wrap="square" rtlCol="0">
+            <a:spAutoFit/>
+          </a:bodyPr>
+          <a:lstStyle/>
+          <a:p>
+            <a:r>
+              <a:rPr lang="en-US" sz="1400" b="1" dirty="0">
+                <a:latin typeface="Tahoma" panose="020B0604030504040204" pitchFamily="34" charset="0"/>
+                <a:ea typeface="Tahoma" panose="020B0604030504040204" pitchFamily="34" charset="0"/>
+                <a:cs typeface="Tahoma" panose="020B0604030504040204" pitchFamily="34" charset="0"/>
+              </a:rPr>
+              <a:t>Portfolio Construction</a:t>
+            </a:r>
+          </a:p>
+        </p:txBody>
+      </p:sp>
     </p:spTree>
     <p:extLst>
       <p:ext uri="{BB962C8B-B14F-4D97-AF65-F5344CB8AC3E}">
-        <p14:creationId xmlns:p14="http://schemas.microsoft.com/office/powerpoint/2010/main" val="4246801836"/>
+        <p14:creationId xmlns:p14="http://schemas.microsoft.com/office/powerpoint/2010/main" val="1486374749"/>
       </p:ext>
     </p:extLst>
   </p:cSld>
@@ -6766,7 +11642,7 @@
         </p:nvSpPr>
         <p:spPr>
           <a:xfrm>
-            <a:off x="391886" y="185755"/>
+            <a:off x="391886" y="438973"/>
             <a:ext cx="10010898" cy="461665"/>
           </a:xfrm>
           <a:prstGeom prst="rect">
@@ -6795,6 +11671,41 @@
               <a:ea typeface="Tahoma" panose="020B0604030504040204" pitchFamily="34" charset="0"/>
               <a:cs typeface="Tahoma" panose="020B0604030504040204" pitchFamily="34" charset="0"/>
             </a:endParaRPr>
+          </a:p>
+        </p:txBody>
+      </p:sp>
+      <p:sp>
+        <p:nvSpPr>
+          <p:cNvPr id="3" name="TextBox 2">
+            <a:extLst>
+              <a:ext uri="{FF2B5EF4-FFF2-40B4-BE49-F238E27FC236}">
+                <a16:creationId xmlns:a16="http://schemas.microsoft.com/office/drawing/2014/main" id="{6A361F13-97FA-9BF0-4237-043932049933}"/>
+              </a:ext>
+            </a:extLst>
+          </p:cNvPr>
+          <p:cNvSpPr txBox="1"/>
+          <p:nvPr/>
+        </p:nvSpPr>
+        <p:spPr>
+          <a:xfrm>
+            <a:off x="759655" y="1181686"/>
+            <a:ext cx="1578445" cy="369332"/>
+          </a:xfrm>
+          <a:prstGeom prst="rect">
+            <a:avLst/>
+          </a:prstGeom>
+          <a:noFill/>
+        </p:spPr>
+        <p:txBody>
+          <a:bodyPr wrap="none" rtlCol="0">
+            <a:spAutoFit/>
+          </a:bodyPr>
+          <a:lstStyle/>
+          <a:p>
+            <a:r>
+              <a:rPr lang="en-US" i="1" dirty="0"/>
+              <a:t>To be updated</a:t>
+            </a:r>
           </a:p>
         </p:txBody>
       </p:sp>
@@ -6941,7 +11852,7 @@
         </p:nvSpPr>
         <p:spPr>
           <a:xfrm>
-            <a:off x="391886" y="185755"/>
+            <a:off x="391886" y="416586"/>
             <a:ext cx="10010898" cy="461665"/>
           </a:xfrm>
           <a:prstGeom prst="rect">
@@ -6966,6 +11877,267 @@
             </a:r>
             <a:endParaRPr lang="en-US" sz="2400" b="0" i="0" u="none" strike="noStrike" dirty="0">
               <a:effectLst/>
+              <a:latin typeface="Tahoma" panose="020B0604030504040204" pitchFamily="34" charset="0"/>
+              <a:ea typeface="Tahoma" panose="020B0604030504040204" pitchFamily="34" charset="0"/>
+              <a:cs typeface="Tahoma" panose="020B0604030504040204" pitchFamily="34" charset="0"/>
+            </a:endParaRPr>
+          </a:p>
+        </p:txBody>
+      </p:sp>
+      <p:sp>
+        <p:nvSpPr>
+          <p:cNvPr id="3" name="TextBox 2">
+            <a:extLst>
+              <a:ext uri="{FF2B5EF4-FFF2-40B4-BE49-F238E27FC236}">
+                <a16:creationId xmlns:a16="http://schemas.microsoft.com/office/drawing/2014/main" id="{5B833B50-D339-4F87-3456-A7D2B4B72DB4}"/>
+              </a:ext>
+            </a:extLst>
+          </p:cNvPr>
+          <p:cNvSpPr txBox="1"/>
+          <p:nvPr/>
+        </p:nvSpPr>
+        <p:spPr>
+          <a:xfrm>
+            <a:off x="391886" y="1666305"/>
+            <a:ext cx="11119735" cy="3539430"/>
+          </a:xfrm>
+          <a:prstGeom prst="rect">
+            <a:avLst/>
+          </a:prstGeom>
+          <a:noFill/>
+        </p:spPr>
+        <p:txBody>
+          <a:bodyPr wrap="square" rtlCol="0">
+            <a:spAutoFit/>
+          </a:bodyPr>
+          <a:lstStyle/>
+          <a:p>
+            <a:r>
+              <a:rPr lang="en-US" sz="1600" b="1" dirty="0">
+                <a:latin typeface="Tahoma" panose="020B0604030504040204" pitchFamily="34" charset="0"/>
+                <a:ea typeface="Tahoma" panose="020B0604030504040204" pitchFamily="34" charset="0"/>
+                <a:cs typeface="Tahoma" panose="020B0604030504040204" pitchFamily="34" charset="0"/>
+              </a:rPr>
+              <a:t>Active Monitoring and Rebalancing</a:t>
+            </a:r>
+            <a:endParaRPr lang="en-US" sz="1600" dirty="0">
+              <a:latin typeface="Tahoma" panose="020B0604030504040204" pitchFamily="34" charset="0"/>
+              <a:ea typeface="Tahoma" panose="020B0604030504040204" pitchFamily="34" charset="0"/>
+              <a:cs typeface="Tahoma" panose="020B0604030504040204" pitchFamily="34" charset="0"/>
+            </a:endParaRPr>
+          </a:p>
+          <a:p>
+            <a:endParaRPr lang="en-US" sz="1600" dirty="0">
+              <a:latin typeface="Tahoma" panose="020B0604030504040204" pitchFamily="34" charset="0"/>
+              <a:ea typeface="Tahoma" panose="020B0604030504040204" pitchFamily="34" charset="0"/>
+              <a:cs typeface="Tahoma" panose="020B0604030504040204" pitchFamily="34" charset="0"/>
+            </a:endParaRPr>
+          </a:p>
+          <a:p>
+            <a:pPr marL="285750" indent="-285750">
+              <a:buFont typeface="Arial" panose="020B0604020202020204" pitchFamily="34" charset="0"/>
+              <a:buChar char="•"/>
+            </a:pPr>
+            <a:r>
+              <a:rPr lang="en-US" sz="1600" dirty="0">
+                <a:latin typeface="Tahoma" panose="020B0604030504040204" pitchFamily="34" charset="0"/>
+                <a:ea typeface="Tahoma" panose="020B0604030504040204" pitchFamily="34" charset="0"/>
+                <a:cs typeface="Tahoma" panose="020B0604030504040204" pitchFamily="34" charset="0"/>
+              </a:rPr>
+              <a:t>Daily monitoring of all trade signals ensures precision in capturing market inefficiencies.</a:t>
+            </a:r>
+          </a:p>
+          <a:p>
+            <a:pPr marL="285750" indent="-285750">
+              <a:buFont typeface="Arial" panose="020B0604020202020204" pitchFamily="34" charset="0"/>
+              <a:buChar char="•"/>
+            </a:pPr>
+            <a:r>
+              <a:rPr lang="en-US" sz="1600" dirty="0">
+                <a:latin typeface="Tahoma" panose="020B0604030504040204" pitchFamily="34" charset="0"/>
+                <a:ea typeface="Tahoma" panose="020B0604030504040204" pitchFamily="34" charset="0"/>
+                <a:cs typeface="Tahoma" panose="020B0604030504040204" pitchFamily="34" charset="0"/>
+              </a:rPr>
+              <a:t>Monthly rebalancing adjusts portfolio weights and updates cointegrated pairs to reflect changing dynamics.</a:t>
+            </a:r>
+          </a:p>
+          <a:p>
+            <a:endParaRPr lang="en-US" sz="1600" b="1" dirty="0">
+              <a:latin typeface="Tahoma" panose="020B0604030504040204" pitchFamily="34" charset="0"/>
+              <a:ea typeface="Tahoma" panose="020B0604030504040204" pitchFamily="34" charset="0"/>
+              <a:cs typeface="Tahoma" panose="020B0604030504040204" pitchFamily="34" charset="0"/>
+            </a:endParaRPr>
+          </a:p>
+          <a:p>
+            <a:r>
+              <a:rPr lang="en-US" sz="1600" b="1" dirty="0">
+                <a:latin typeface="Tahoma" panose="020B0604030504040204" pitchFamily="34" charset="0"/>
+                <a:ea typeface="Tahoma" panose="020B0604030504040204" pitchFamily="34" charset="0"/>
+                <a:cs typeface="Tahoma" panose="020B0604030504040204" pitchFamily="34" charset="0"/>
+              </a:rPr>
+              <a:t>Efficient Execution Framework</a:t>
+            </a:r>
+            <a:endParaRPr lang="en-US" sz="1600" dirty="0">
+              <a:latin typeface="Tahoma" panose="020B0604030504040204" pitchFamily="34" charset="0"/>
+              <a:ea typeface="Tahoma" panose="020B0604030504040204" pitchFamily="34" charset="0"/>
+              <a:cs typeface="Tahoma" panose="020B0604030504040204" pitchFamily="34" charset="0"/>
+            </a:endParaRPr>
+          </a:p>
+          <a:p>
+            <a:endParaRPr lang="en-US" sz="1600" dirty="0">
+              <a:latin typeface="Tahoma" panose="020B0604030504040204" pitchFamily="34" charset="0"/>
+              <a:ea typeface="Tahoma" panose="020B0604030504040204" pitchFamily="34" charset="0"/>
+              <a:cs typeface="Tahoma" panose="020B0604030504040204" pitchFamily="34" charset="0"/>
+            </a:endParaRPr>
+          </a:p>
+          <a:p>
+            <a:pPr marL="285750" indent="-285750">
+              <a:buFont typeface="Arial" panose="020B0604020202020204" pitchFamily="34" charset="0"/>
+              <a:buChar char="•"/>
+            </a:pPr>
+            <a:r>
+              <a:rPr lang="en-US" sz="1600" dirty="0">
+                <a:latin typeface="Tahoma" panose="020B0604030504040204" pitchFamily="34" charset="0"/>
+                <a:ea typeface="Tahoma" panose="020B0604030504040204" pitchFamily="34" charset="0"/>
+                <a:cs typeface="Tahoma" panose="020B0604030504040204" pitchFamily="34" charset="0"/>
+              </a:rPr>
+              <a:t>Trades executed exclusively in high-volume Energy sector stocks to minimize slippage and transaction costs.</a:t>
+            </a:r>
+          </a:p>
+          <a:p>
+            <a:pPr marL="285750" indent="-285750">
+              <a:buFont typeface="Arial" panose="020B0604020202020204" pitchFamily="34" charset="0"/>
+              <a:buChar char="•"/>
+            </a:pPr>
+            <a:r>
+              <a:rPr lang="en-US" sz="1600" dirty="0">
+                <a:latin typeface="Tahoma" panose="020B0604030504040204" pitchFamily="34" charset="0"/>
+                <a:ea typeface="Tahoma" panose="020B0604030504040204" pitchFamily="34" charset="0"/>
+                <a:cs typeface="Tahoma" panose="020B0604030504040204" pitchFamily="34" charset="0"/>
+              </a:rPr>
+              <a:t>Average transaction cost of </a:t>
+            </a:r>
+            <a:r>
+              <a:rPr lang="en-US" sz="1600" b="1" dirty="0">
+                <a:latin typeface="Tahoma" panose="020B0604030504040204" pitchFamily="34" charset="0"/>
+                <a:ea typeface="Tahoma" panose="020B0604030504040204" pitchFamily="34" charset="0"/>
+                <a:cs typeface="Tahoma" panose="020B0604030504040204" pitchFamily="34" charset="0"/>
+              </a:rPr>
+              <a:t>0.065% per stock/transaction</a:t>
+            </a:r>
+            <a:r>
+              <a:rPr lang="en-US" sz="1600" dirty="0">
+                <a:latin typeface="Tahoma" panose="020B0604030504040204" pitchFamily="34" charset="0"/>
+                <a:ea typeface="Tahoma" panose="020B0604030504040204" pitchFamily="34" charset="0"/>
+                <a:cs typeface="Tahoma" panose="020B0604030504040204" pitchFamily="34" charset="0"/>
+              </a:rPr>
+              <a:t>, based on NYSE benchmarks for cost efficiency.</a:t>
+            </a:r>
+          </a:p>
+          <a:p>
+            <a:endParaRPr lang="en-US" sz="1600" b="1" dirty="0">
+              <a:latin typeface="Tahoma" panose="020B0604030504040204" pitchFamily="34" charset="0"/>
+              <a:ea typeface="Tahoma" panose="020B0604030504040204" pitchFamily="34" charset="0"/>
+              <a:cs typeface="Tahoma" panose="020B0604030504040204" pitchFamily="34" charset="0"/>
+            </a:endParaRPr>
+          </a:p>
+          <a:p>
+            <a:r>
+              <a:rPr lang="en-US" sz="1600" b="1" dirty="0">
+                <a:latin typeface="Tahoma" panose="020B0604030504040204" pitchFamily="34" charset="0"/>
+                <a:ea typeface="Tahoma" panose="020B0604030504040204" pitchFamily="34" charset="0"/>
+                <a:cs typeface="Tahoma" panose="020B0604030504040204" pitchFamily="34" charset="0"/>
+              </a:rPr>
+              <a:t>Portfolio Scope and Scale</a:t>
+            </a:r>
+          </a:p>
+          <a:p>
+            <a:endParaRPr lang="en-US" sz="1600" b="1" dirty="0">
+              <a:latin typeface="Tahoma" panose="020B0604030504040204" pitchFamily="34" charset="0"/>
+              <a:ea typeface="Tahoma" panose="020B0604030504040204" pitchFamily="34" charset="0"/>
+              <a:cs typeface="Tahoma" panose="020B0604030504040204" pitchFamily="34" charset="0"/>
+            </a:endParaRPr>
+          </a:p>
+          <a:p>
+            <a:pPr marL="285750" indent="-285750">
+              <a:buFont typeface="Arial" panose="020B0604020202020204" pitchFamily="34" charset="0"/>
+              <a:buChar char="•"/>
+            </a:pPr>
+            <a:r>
+              <a:rPr lang="en-US" sz="1600" dirty="0">
+                <a:latin typeface="Tahoma" panose="020B0604030504040204" pitchFamily="34" charset="0"/>
+                <a:ea typeface="Tahoma" panose="020B0604030504040204" pitchFamily="34" charset="0"/>
+                <a:cs typeface="Tahoma" panose="020B0604030504040204" pitchFamily="34" charset="0"/>
+              </a:rPr>
+              <a:t>Tracking and trading </a:t>
+            </a:r>
+            <a:r>
+              <a:rPr lang="en-US" sz="1600" b="1" dirty="0">
+                <a:latin typeface="Tahoma" panose="020B0604030504040204" pitchFamily="34" charset="0"/>
+                <a:ea typeface="Tahoma" panose="020B0604030504040204" pitchFamily="34" charset="0"/>
+                <a:cs typeface="Tahoma" panose="020B0604030504040204" pitchFamily="34" charset="0"/>
+              </a:rPr>
+              <a:t>20+ carefully selected tickers</a:t>
+            </a:r>
+            <a:r>
+              <a:rPr lang="en-US" sz="1600" dirty="0">
+                <a:latin typeface="Tahoma" panose="020B0604030504040204" pitchFamily="34" charset="0"/>
+                <a:ea typeface="Tahoma" panose="020B0604030504040204" pitchFamily="34" charset="0"/>
+                <a:cs typeface="Tahoma" panose="020B0604030504040204" pitchFamily="34" charset="0"/>
+              </a:rPr>
+              <a:t>, ensuring statistical stability and market liquidity.</a:t>
+            </a:r>
+          </a:p>
+          <a:p>
+            <a:endParaRPr lang="en-US" sz="1600" dirty="0">
+              <a:latin typeface="Tahoma" panose="020B0604030504040204" pitchFamily="34" charset="0"/>
+              <a:ea typeface="Tahoma" panose="020B0604030504040204" pitchFamily="34" charset="0"/>
+              <a:cs typeface="Tahoma" panose="020B0604030504040204" pitchFamily="34" charset="0"/>
+            </a:endParaRPr>
+          </a:p>
+        </p:txBody>
+      </p:sp>
+      <p:sp>
+        <p:nvSpPr>
+          <p:cNvPr id="6" name="TextBox 5">
+            <a:extLst>
+              <a:ext uri="{FF2B5EF4-FFF2-40B4-BE49-F238E27FC236}">
+                <a16:creationId xmlns:a16="http://schemas.microsoft.com/office/drawing/2014/main" id="{D9A12BF7-3C7B-B0FC-44B9-A2B74516E57E}"/>
+              </a:ext>
+            </a:extLst>
+          </p:cNvPr>
+          <p:cNvSpPr txBox="1"/>
+          <p:nvPr/>
+        </p:nvSpPr>
+        <p:spPr>
+          <a:xfrm>
+            <a:off x="391886" y="1032471"/>
+            <a:ext cx="6798656" cy="369332"/>
+          </a:xfrm>
+          <a:prstGeom prst="rect">
+            <a:avLst/>
+          </a:prstGeom>
+          <a:noFill/>
+        </p:spPr>
+        <p:txBody>
+          <a:bodyPr wrap="none" rtlCol="0">
+            <a:spAutoFit/>
+          </a:bodyPr>
+          <a:lstStyle/>
+          <a:p>
+            <a:r>
+              <a:rPr lang="en-US" b="1" i="0" u="none" strike="noStrike" dirty="0">
+                <a:solidFill>
+                  <a:srgbClr val="000000"/>
+                </a:solidFill>
+                <a:effectLst/>
+                <a:latin typeface="Tahoma" panose="020B0604030504040204" pitchFamily="34" charset="0"/>
+                <a:ea typeface="Tahoma" panose="020B0604030504040204" pitchFamily="34" charset="0"/>
+                <a:cs typeface="Tahoma" panose="020B0604030504040204" pitchFamily="34" charset="0"/>
+              </a:rPr>
+              <a:t>Precision-driven execution for market-neutral excellence</a:t>
+            </a:r>
+            <a:endParaRPr lang="en-US" b="1" dirty="0">
               <a:latin typeface="Tahoma" panose="020B0604030504040204" pitchFamily="34" charset="0"/>
               <a:ea typeface="Tahoma" panose="020B0604030504040204" pitchFamily="34" charset="0"/>
               <a:cs typeface="Tahoma" panose="020B0604030504040204" pitchFamily="34" charset="0"/>
@@ -7116,7 +12288,7 @@
         </p:nvSpPr>
         <p:spPr>
           <a:xfrm>
-            <a:off x="391886" y="185755"/>
+            <a:off x="420022" y="298296"/>
             <a:ext cx="10010898" cy="461665"/>
           </a:xfrm>
           <a:prstGeom prst="rect">
@@ -7291,7 +12463,7 @@
         </p:nvSpPr>
         <p:spPr>
           <a:xfrm>
-            <a:off x="391886" y="185755"/>
+            <a:off x="405954" y="382703"/>
             <a:ext cx="10010898" cy="461665"/>
           </a:xfrm>
           <a:prstGeom prst="rect">
@@ -7466,7 +12638,7 @@
         </p:nvSpPr>
         <p:spPr>
           <a:xfrm>
-            <a:off x="391886" y="185755"/>
+            <a:off x="377818" y="326432"/>
             <a:ext cx="10010898" cy="461665"/>
           </a:xfrm>
           <a:prstGeom prst="rect">

--- a/project_presentation.pptx
+++ b/project_presentation.pptx
@@ -5,7 +5,7 @@
     <p:sldMasterId id="2147483648" r:id="rId1"/>
   </p:sldMasterIdLst>
   <p:notesMasterIdLst>
-    <p:notesMasterId r:id="rId15"/>
+    <p:notesMasterId r:id="rId14"/>
   </p:notesMasterIdLst>
   <p:sldIdLst>
     <p:sldId id="256" r:id="rId2"/>
@@ -14,13 +14,12 @@
     <p:sldId id="286" r:id="rId5"/>
     <p:sldId id="275" r:id="rId6"/>
     <p:sldId id="276" r:id="rId7"/>
-    <p:sldId id="277" r:id="rId8"/>
-    <p:sldId id="278" r:id="rId9"/>
-    <p:sldId id="279" r:id="rId10"/>
-    <p:sldId id="287" r:id="rId11"/>
-    <p:sldId id="280" r:id="rId12"/>
-    <p:sldId id="281" r:id="rId13"/>
-    <p:sldId id="282" r:id="rId14"/>
+    <p:sldId id="278" r:id="rId8"/>
+    <p:sldId id="279" r:id="rId9"/>
+    <p:sldId id="287" r:id="rId10"/>
+    <p:sldId id="280" r:id="rId11"/>
+    <p:sldId id="281" r:id="rId12"/>
+    <p:sldId id="282" r:id="rId13"/>
   </p:sldIdLst>
   <p:sldSz cx="12192000" cy="6858000"/>
   <p:notesSz cx="6858000" cy="9144000"/>
@@ -3673,7 +3672,7 @@
           <a:p>
             <a:fld id="{7BB07668-3684-0247-BB64-7A66617D6687}" type="datetimeFigureOut">
               <a:rPr lang="en-US" smtClean="0"/>
-              <a:t>12/9/24</a:t>
+              <a:t>12/10/24</a:t>
             </a:fld>
             <a:endParaRPr lang="en-US"/>
           </a:p>
@@ -4032,114 +4031,6 @@
         <p:cNvPr id="1" name="">
           <a:extLst>
             <a:ext uri="{FF2B5EF4-FFF2-40B4-BE49-F238E27FC236}">
-              <a16:creationId xmlns:a16="http://schemas.microsoft.com/office/drawing/2014/main" id="{AEECAD5B-D07D-A185-3F9E-E0F758550253}"/>
-            </a:ext>
-          </a:extLst>
-        </p:cNvPr>
-        <p:cNvGrpSpPr/>
-        <p:nvPr/>
-      </p:nvGrpSpPr>
-      <p:grpSpPr>
-        <a:xfrm>
-          <a:off x="0" y="0"/>
-          <a:ext cx="0" cy="0"/>
-          <a:chOff x="0" y="0"/>
-          <a:chExt cx="0" cy="0"/>
-        </a:xfrm>
-      </p:grpSpPr>
-      <p:sp>
-        <p:nvSpPr>
-          <p:cNvPr id="2" name="Slide Image Placeholder 1">
-            <a:extLst>
-              <a:ext uri="{FF2B5EF4-FFF2-40B4-BE49-F238E27FC236}">
-                <a16:creationId xmlns:a16="http://schemas.microsoft.com/office/drawing/2014/main" id="{17F9D972-618C-EF3F-CFBD-4B4F8883E647}"/>
-              </a:ext>
-            </a:extLst>
-          </p:cNvPr>
-          <p:cNvSpPr>
-            <a:spLocks noGrp="1" noRot="1" noChangeAspect="1"/>
-          </p:cNvSpPr>
-          <p:nvPr>
-            <p:ph type="sldImg"/>
-          </p:nvPr>
-        </p:nvSpPr>
-        <p:spPr/>
-      </p:sp>
-      <p:sp>
-        <p:nvSpPr>
-          <p:cNvPr id="3" name="Notes Placeholder 2">
-            <a:extLst>
-              <a:ext uri="{FF2B5EF4-FFF2-40B4-BE49-F238E27FC236}">
-                <a16:creationId xmlns:a16="http://schemas.microsoft.com/office/drawing/2014/main" id="{AAA8E503-CA3A-564E-2E05-25E6501ECDCA}"/>
-              </a:ext>
-            </a:extLst>
-          </p:cNvPr>
-          <p:cNvSpPr>
-            <a:spLocks noGrp="1"/>
-          </p:cNvSpPr>
-          <p:nvPr>
-            <p:ph type="body" idx="1"/>
-          </p:nvPr>
-        </p:nvSpPr>
-        <p:spPr/>
-        <p:txBody>
-          <a:bodyPr/>
-          <a:lstStyle/>
-          <a:p>
-            <a:endParaRPr lang="en-US" dirty="0"/>
-          </a:p>
-        </p:txBody>
-      </p:sp>
-      <p:sp>
-        <p:nvSpPr>
-          <p:cNvPr id="4" name="Slide Number Placeholder 3">
-            <a:extLst>
-              <a:ext uri="{FF2B5EF4-FFF2-40B4-BE49-F238E27FC236}">
-                <a16:creationId xmlns:a16="http://schemas.microsoft.com/office/drawing/2014/main" id="{331D97EB-54EF-433B-64A6-E0648FB55D86}"/>
-              </a:ext>
-            </a:extLst>
-          </p:cNvPr>
-          <p:cNvSpPr>
-            <a:spLocks noGrp="1"/>
-          </p:cNvSpPr>
-          <p:nvPr>
-            <p:ph type="sldNum" sz="quarter" idx="5"/>
-          </p:nvPr>
-        </p:nvSpPr>
-        <p:spPr/>
-        <p:txBody>
-          <a:bodyPr/>
-          <a:lstStyle/>
-          <a:p>
-            <a:fld id="{B879A8BA-5FAF-324F-B292-B5BFDBF64679}" type="slidenum">
-              <a:rPr lang="en-US" smtClean="0"/>
-              <a:t>10</a:t>
-            </a:fld>
-            <a:endParaRPr lang="en-US"/>
-          </a:p>
-        </p:txBody>
-      </p:sp>
-    </p:spTree>
-    <p:extLst>
-      <p:ext uri="{BB962C8B-B14F-4D97-AF65-F5344CB8AC3E}">
-        <p14:creationId xmlns:p14="http://schemas.microsoft.com/office/powerpoint/2010/main" val="2675058594"/>
-      </p:ext>
-    </p:extLst>
-  </p:cSld>
-  <p:clrMapOvr>
-    <a:masterClrMapping/>
-  </p:clrMapOvr>
-</p:notes>
-</file>
-
-<file path=ppt/notesSlides/notesSlide11.xml><?xml version="1.0" encoding="utf-8"?>
-<p:notes xmlns:a="http://schemas.openxmlformats.org/drawingml/2006/main" xmlns:r="http://schemas.openxmlformats.org/officeDocument/2006/relationships" xmlns:p="http://schemas.openxmlformats.org/presentationml/2006/main">
-  <p:cSld>
-    <p:spTree>
-      <p:nvGrpSpPr>
-        <p:cNvPr id="1" name="">
-          <a:extLst>
-            <a:ext uri="{FF2B5EF4-FFF2-40B4-BE49-F238E27FC236}">
               <a16:creationId xmlns:a16="http://schemas.microsoft.com/office/drawing/2014/main" id="{06F74E9B-20C7-46DC-1561-6B1FE047DC38}"/>
             </a:ext>
           </a:extLst>
@@ -4221,7 +4112,7 @@
           <a:p>
             <a:fld id="{B879A8BA-5FAF-324F-B292-B5BFDBF64679}" type="slidenum">
               <a:rPr lang="en-US" smtClean="0"/>
-              <a:t>11</a:t>
+              <a:t>10</a:t>
             </a:fld>
             <a:endParaRPr lang="en-US"/>
           </a:p>
@@ -4240,7 +4131,7 @@
 </p:notes>
 </file>
 
-<file path=ppt/notesSlides/notesSlide12.xml><?xml version="1.0" encoding="utf-8"?>
+<file path=ppt/notesSlides/notesSlide11.xml><?xml version="1.0" encoding="utf-8"?>
 <p:notes xmlns:a="http://schemas.openxmlformats.org/drawingml/2006/main" xmlns:r="http://schemas.openxmlformats.org/officeDocument/2006/relationships" xmlns:p="http://schemas.openxmlformats.org/presentationml/2006/main">
   <p:cSld>
     <p:spTree>
@@ -4329,7 +4220,7 @@
           <a:p>
             <a:fld id="{B879A8BA-5FAF-324F-B292-B5BFDBF64679}" type="slidenum">
               <a:rPr lang="en-US" smtClean="0"/>
-              <a:t>12</a:t>
+              <a:t>11</a:t>
             </a:fld>
             <a:endParaRPr lang="en-US"/>
           </a:p>
@@ -4348,7 +4239,7 @@
 </p:notes>
 </file>
 
-<file path=ppt/notesSlides/notesSlide13.xml><?xml version="1.0" encoding="utf-8"?>
+<file path=ppt/notesSlides/notesSlide12.xml><?xml version="1.0" encoding="utf-8"?>
 <p:notes xmlns:a="http://schemas.openxmlformats.org/drawingml/2006/main" xmlns:r="http://schemas.openxmlformats.org/officeDocument/2006/relationships" xmlns:p="http://schemas.openxmlformats.org/presentationml/2006/main">
   <p:cSld>
     <p:spTree>
@@ -4437,7 +4328,7 @@
           <a:p>
             <a:fld id="{B879A8BA-5FAF-324F-B292-B5BFDBF64679}" type="slidenum">
               <a:rPr lang="en-US" smtClean="0"/>
-              <a:t>13</a:t>
+              <a:t>12</a:t>
             </a:fld>
             <a:endParaRPr lang="en-US"/>
           </a:p>
@@ -4980,114 +4871,6 @@
         <p:cNvPr id="1" name="">
           <a:extLst>
             <a:ext uri="{FF2B5EF4-FFF2-40B4-BE49-F238E27FC236}">
-              <a16:creationId xmlns:a16="http://schemas.microsoft.com/office/drawing/2014/main" id="{8E6C782A-7E39-7228-2755-95A0F48D7004}"/>
-            </a:ext>
-          </a:extLst>
-        </p:cNvPr>
-        <p:cNvGrpSpPr/>
-        <p:nvPr/>
-      </p:nvGrpSpPr>
-      <p:grpSpPr>
-        <a:xfrm>
-          <a:off x="0" y="0"/>
-          <a:ext cx="0" cy="0"/>
-          <a:chOff x="0" y="0"/>
-          <a:chExt cx="0" cy="0"/>
-        </a:xfrm>
-      </p:grpSpPr>
-      <p:sp>
-        <p:nvSpPr>
-          <p:cNvPr id="2" name="Slide Image Placeholder 1">
-            <a:extLst>
-              <a:ext uri="{FF2B5EF4-FFF2-40B4-BE49-F238E27FC236}">
-                <a16:creationId xmlns:a16="http://schemas.microsoft.com/office/drawing/2014/main" id="{C1D8C58F-8C50-62D8-D6AB-425220F3F97E}"/>
-              </a:ext>
-            </a:extLst>
-          </p:cNvPr>
-          <p:cNvSpPr>
-            <a:spLocks noGrp="1" noRot="1" noChangeAspect="1"/>
-          </p:cNvSpPr>
-          <p:nvPr>
-            <p:ph type="sldImg"/>
-          </p:nvPr>
-        </p:nvSpPr>
-        <p:spPr/>
-      </p:sp>
-      <p:sp>
-        <p:nvSpPr>
-          <p:cNvPr id="3" name="Notes Placeholder 2">
-            <a:extLst>
-              <a:ext uri="{FF2B5EF4-FFF2-40B4-BE49-F238E27FC236}">
-                <a16:creationId xmlns:a16="http://schemas.microsoft.com/office/drawing/2014/main" id="{E9888C7F-DD0B-FDED-7752-A5AEF61FB4C3}"/>
-              </a:ext>
-            </a:extLst>
-          </p:cNvPr>
-          <p:cNvSpPr>
-            <a:spLocks noGrp="1"/>
-          </p:cNvSpPr>
-          <p:nvPr>
-            <p:ph type="body" idx="1"/>
-          </p:nvPr>
-        </p:nvSpPr>
-        <p:spPr/>
-        <p:txBody>
-          <a:bodyPr/>
-          <a:lstStyle/>
-          <a:p>
-            <a:endParaRPr lang="en-US" dirty="0"/>
-          </a:p>
-        </p:txBody>
-      </p:sp>
-      <p:sp>
-        <p:nvSpPr>
-          <p:cNvPr id="4" name="Slide Number Placeholder 3">
-            <a:extLst>
-              <a:ext uri="{FF2B5EF4-FFF2-40B4-BE49-F238E27FC236}">
-                <a16:creationId xmlns:a16="http://schemas.microsoft.com/office/drawing/2014/main" id="{7A406B64-82A7-9188-1368-3DD7E2487780}"/>
-              </a:ext>
-            </a:extLst>
-          </p:cNvPr>
-          <p:cNvSpPr>
-            <a:spLocks noGrp="1"/>
-          </p:cNvSpPr>
-          <p:nvPr>
-            <p:ph type="sldNum" sz="quarter" idx="5"/>
-          </p:nvPr>
-        </p:nvSpPr>
-        <p:spPr/>
-        <p:txBody>
-          <a:bodyPr/>
-          <a:lstStyle/>
-          <a:p>
-            <a:fld id="{B879A8BA-5FAF-324F-B292-B5BFDBF64679}" type="slidenum">
-              <a:rPr lang="en-US" smtClean="0"/>
-              <a:t>7</a:t>
-            </a:fld>
-            <a:endParaRPr lang="en-US"/>
-          </a:p>
-        </p:txBody>
-      </p:sp>
-    </p:spTree>
-    <p:extLst>
-      <p:ext uri="{BB962C8B-B14F-4D97-AF65-F5344CB8AC3E}">
-        <p14:creationId xmlns:p14="http://schemas.microsoft.com/office/powerpoint/2010/main" val="1130694790"/>
-      </p:ext>
-    </p:extLst>
-  </p:cSld>
-  <p:clrMapOvr>
-    <a:masterClrMapping/>
-  </p:clrMapOvr>
-</p:notes>
-</file>
-
-<file path=ppt/notesSlides/notesSlide8.xml><?xml version="1.0" encoding="utf-8"?>
-<p:notes xmlns:a="http://schemas.openxmlformats.org/drawingml/2006/main" xmlns:r="http://schemas.openxmlformats.org/officeDocument/2006/relationships" xmlns:p="http://schemas.openxmlformats.org/presentationml/2006/main">
-  <p:cSld>
-    <p:spTree>
-      <p:nvGrpSpPr>
-        <p:cNvPr id="1" name="">
-          <a:extLst>
-            <a:ext uri="{FF2B5EF4-FFF2-40B4-BE49-F238E27FC236}">
               <a16:creationId xmlns:a16="http://schemas.microsoft.com/office/drawing/2014/main" id="{D8F10E22-5E09-D4B5-4BC4-F6CBFE7A4870}"/>
             </a:ext>
           </a:extLst>
@@ -5169,7 +4952,7 @@
           <a:p>
             <a:fld id="{B879A8BA-5FAF-324F-B292-B5BFDBF64679}" type="slidenum">
               <a:rPr lang="en-US" smtClean="0"/>
-              <a:t>8</a:t>
+              <a:t>7</a:t>
             </a:fld>
             <a:endParaRPr lang="en-US"/>
           </a:p>
@@ -5188,7 +4971,7 @@
 </p:notes>
 </file>
 
-<file path=ppt/notesSlides/notesSlide9.xml><?xml version="1.0" encoding="utf-8"?>
+<file path=ppt/notesSlides/notesSlide8.xml><?xml version="1.0" encoding="utf-8"?>
 <p:notes xmlns:a="http://schemas.openxmlformats.org/drawingml/2006/main" xmlns:r="http://schemas.openxmlformats.org/officeDocument/2006/relationships" xmlns:p="http://schemas.openxmlformats.org/presentationml/2006/main">
   <p:cSld>
     <p:spTree>
@@ -5277,7 +5060,7 @@
           <a:p>
             <a:fld id="{B879A8BA-5FAF-324F-B292-B5BFDBF64679}" type="slidenum">
               <a:rPr lang="en-US" smtClean="0"/>
-              <a:t>9</a:t>
+              <a:t>8</a:t>
             </a:fld>
             <a:endParaRPr lang="en-US"/>
           </a:p>
@@ -5287,6 +5070,114 @@
     <p:extLst>
       <p:ext uri="{BB962C8B-B14F-4D97-AF65-F5344CB8AC3E}">
         <p14:creationId xmlns:p14="http://schemas.microsoft.com/office/powerpoint/2010/main" val="148921894"/>
+      </p:ext>
+    </p:extLst>
+  </p:cSld>
+  <p:clrMapOvr>
+    <a:masterClrMapping/>
+  </p:clrMapOvr>
+</p:notes>
+</file>
+
+<file path=ppt/notesSlides/notesSlide9.xml><?xml version="1.0" encoding="utf-8"?>
+<p:notes xmlns:a="http://schemas.openxmlformats.org/drawingml/2006/main" xmlns:r="http://schemas.openxmlformats.org/officeDocument/2006/relationships" xmlns:p="http://schemas.openxmlformats.org/presentationml/2006/main">
+  <p:cSld>
+    <p:spTree>
+      <p:nvGrpSpPr>
+        <p:cNvPr id="1" name="">
+          <a:extLst>
+            <a:ext uri="{FF2B5EF4-FFF2-40B4-BE49-F238E27FC236}">
+              <a16:creationId xmlns:a16="http://schemas.microsoft.com/office/drawing/2014/main" id="{AEECAD5B-D07D-A185-3F9E-E0F758550253}"/>
+            </a:ext>
+          </a:extLst>
+        </p:cNvPr>
+        <p:cNvGrpSpPr/>
+        <p:nvPr/>
+      </p:nvGrpSpPr>
+      <p:grpSpPr>
+        <a:xfrm>
+          <a:off x="0" y="0"/>
+          <a:ext cx="0" cy="0"/>
+          <a:chOff x="0" y="0"/>
+          <a:chExt cx="0" cy="0"/>
+        </a:xfrm>
+      </p:grpSpPr>
+      <p:sp>
+        <p:nvSpPr>
+          <p:cNvPr id="2" name="Slide Image Placeholder 1">
+            <a:extLst>
+              <a:ext uri="{FF2B5EF4-FFF2-40B4-BE49-F238E27FC236}">
+                <a16:creationId xmlns:a16="http://schemas.microsoft.com/office/drawing/2014/main" id="{17F9D972-618C-EF3F-CFBD-4B4F8883E647}"/>
+              </a:ext>
+            </a:extLst>
+          </p:cNvPr>
+          <p:cNvSpPr>
+            <a:spLocks noGrp="1" noRot="1" noChangeAspect="1"/>
+          </p:cNvSpPr>
+          <p:nvPr>
+            <p:ph type="sldImg"/>
+          </p:nvPr>
+        </p:nvSpPr>
+        <p:spPr/>
+      </p:sp>
+      <p:sp>
+        <p:nvSpPr>
+          <p:cNvPr id="3" name="Notes Placeholder 2">
+            <a:extLst>
+              <a:ext uri="{FF2B5EF4-FFF2-40B4-BE49-F238E27FC236}">
+                <a16:creationId xmlns:a16="http://schemas.microsoft.com/office/drawing/2014/main" id="{AAA8E503-CA3A-564E-2E05-25E6501ECDCA}"/>
+              </a:ext>
+            </a:extLst>
+          </p:cNvPr>
+          <p:cNvSpPr>
+            <a:spLocks noGrp="1"/>
+          </p:cNvSpPr>
+          <p:nvPr>
+            <p:ph type="body" idx="1"/>
+          </p:nvPr>
+        </p:nvSpPr>
+        <p:spPr/>
+        <p:txBody>
+          <a:bodyPr/>
+          <a:lstStyle/>
+          <a:p>
+            <a:endParaRPr lang="en-US" dirty="0"/>
+          </a:p>
+        </p:txBody>
+      </p:sp>
+      <p:sp>
+        <p:nvSpPr>
+          <p:cNvPr id="4" name="Slide Number Placeholder 3">
+            <a:extLst>
+              <a:ext uri="{FF2B5EF4-FFF2-40B4-BE49-F238E27FC236}">
+                <a16:creationId xmlns:a16="http://schemas.microsoft.com/office/drawing/2014/main" id="{331D97EB-54EF-433B-64A6-E0648FB55D86}"/>
+              </a:ext>
+            </a:extLst>
+          </p:cNvPr>
+          <p:cNvSpPr>
+            <a:spLocks noGrp="1"/>
+          </p:cNvSpPr>
+          <p:nvPr>
+            <p:ph type="sldNum" sz="quarter" idx="5"/>
+          </p:nvPr>
+        </p:nvSpPr>
+        <p:spPr/>
+        <p:txBody>
+          <a:bodyPr/>
+          <a:lstStyle/>
+          <a:p>
+            <a:fld id="{B879A8BA-5FAF-324F-B292-B5BFDBF64679}" type="slidenum">
+              <a:rPr lang="en-US" smtClean="0"/>
+              <a:t>9</a:t>
+            </a:fld>
+            <a:endParaRPr lang="en-US"/>
+          </a:p>
+        </p:txBody>
+      </p:sp>
+    </p:spTree>
+    <p:extLst>
+      <p:ext uri="{BB962C8B-B14F-4D97-AF65-F5344CB8AC3E}">
+        <p14:creationId xmlns:p14="http://schemas.microsoft.com/office/powerpoint/2010/main" val="2675058594"/>
       </p:ext>
     </p:extLst>
   </p:cSld>
@@ -5443,7 +5334,7 @@
           <a:p>
             <a:fld id="{FB229DA2-7121-BE47-A7DD-16E166B9E61F}" type="datetimeFigureOut">
               <a:rPr lang="en-US" smtClean="0"/>
-              <a:t>12/9/24</a:t>
+              <a:t>12/10/24</a:t>
             </a:fld>
             <a:endParaRPr lang="en-US"/>
           </a:p>
@@ -5641,7 +5532,7 @@
           <a:p>
             <a:fld id="{FB229DA2-7121-BE47-A7DD-16E166B9E61F}" type="datetimeFigureOut">
               <a:rPr lang="en-US" smtClean="0"/>
-              <a:t>12/9/24</a:t>
+              <a:t>12/10/24</a:t>
             </a:fld>
             <a:endParaRPr lang="en-US"/>
           </a:p>
@@ -5849,7 +5740,7 @@
           <a:p>
             <a:fld id="{FB229DA2-7121-BE47-A7DD-16E166B9E61F}" type="datetimeFigureOut">
               <a:rPr lang="en-US" smtClean="0"/>
-              <a:t>12/9/24</a:t>
+              <a:t>12/10/24</a:t>
             </a:fld>
             <a:endParaRPr lang="en-US"/>
           </a:p>
@@ -6047,7 +5938,7 @@
           <a:p>
             <a:fld id="{FB229DA2-7121-BE47-A7DD-16E166B9E61F}" type="datetimeFigureOut">
               <a:rPr lang="en-US" smtClean="0"/>
-              <a:t>12/9/24</a:t>
+              <a:t>12/10/24</a:t>
             </a:fld>
             <a:endParaRPr lang="en-US"/>
           </a:p>
@@ -6322,7 +6213,7 @@
           <a:p>
             <a:fld id="{FB229DA2-7121-BE47-A7DD-16E166B9E61F}" type="datetimeFigureOut">
               <a:rPr lang="en-US" smtClean="0"/>
-              <a:t>12/9/24</a:t>
+              <a:t>12/10/24</a:t>
             </a:fld>
             <a:endParaRPr lang="en-US"/>
           </a:p>
@@ -6587,7 +6478,7 @@
           <a:p>
             <a:fld id="{FB229DA2-7121-BE47-A7DD-16E166B9E61F}" type="datetimeFigureOut">
               <a:rPr lang="en-US" smtClean="0"/>
-              <a:t>12/9/24</a:t>
+              <a:t>12/10/24</a:t>
             </a:fld>
             <a:endParaRPr lang="en-US"/>
           </a:p>
@@ -6999,7 +6890,7 @@
           <a:p>
             <a:fld id="{FB229DA2-7121-BE47-A7DD-16E166B9E61F}" type="datetimeFigureOut">
               <a:rPr lang="en-US" smtClean="0"/>
-              <a:t>12/9/24</a:t>
+              <a:t>12/10/24</a:t>
             </a:fld>
             <a:endParaRPr lang="en-US"/>
           </a:p>
@@ -7140,7 +7031,7 @@
           <a:p>
             <a:fld id="{FB229DA2-7121-BE47-A7DD-16E166B9E61F}" type="datetimeFigureOut">
               <a:rPr lang="en-US" smtClean="0"/>
-              <a:t>12/9/24</a:t>
+              <a:t>12/10/24</a:t>
             </a:fld>
             <a:endParaRPr lang="en-US"/>
           </a:p>
@@ -7253,7 +7144,7 @@
           <a:p>
             <a:fld id="{FB229DA2-7121-BE47-A7DD-16E166B9E61F}" type="datetimeFigureOut">
               <a:rPr lang="en-US" smtClean="0"/>
-              <a:t>12/9/24</a:t>
+              <a:t>12/10/24</a:t>
             </a:fld>
             <a:endParaRPr lang="en-US"/>
           </a:p>
@@ -7564,7 +7455,7 @@
           <a:p>
             <a:fld id="{FB229DA2-7121-BE47-A7DD-16E166B9E61F}" type="datetimeFigureOut">
               <a:rPr lang="en-US" smtClean="0"/>
-              <a:t>12/9/24</a:t>
+              <a:t>12/10/24</a:t>
             </a:fld>
             <a:endParaRPr lang="en-US"/>
           </a:p>
@@ -7852,7 +7743,7 @@
           <a:p>
             <a:fld id="{FB229DA2-7121-BE47-A7DD-16E166B9E61F}" type="datetimeFigureOut">
               <a:rPr lang="en-US" smtClean="0"/>
-              <a:t>12/9/24</a:t>
+              <a:t>12/10/24</a:t>
             </a:fld>
             <a:endParaRPr lang="en-US"/>
           </a:p>
@@ -8093,7 +7984,7 @@
           <a:p>
             <a:fld id="{FB229DA2-7121-BE47-A7DD-16E166B9E61F}" type="datetimeFigureOut">
               <a:rPr lang="en-US" smtClean="0"/>
-              <a:t>12/9/24</a:t>
+              <a:t>12/10/24</a:t>
             </a:fld>
             <a:endParaRPr lang="en-US"/>
           </a:p>
@@ -8730,7 +8621,7 @@
         <p:cNvPr id="1" name="">
           <a:extLst>
             <a:ext uri="{FF2B5EF4-FFF2-40B4-BE49-F238E27FC236}">
-              <a16:creationId xmlns:a16="http://schemas.microsoft.com/office/drawing/2014/main" id="{F2F9A191-6682-B6B3-51EB-8E82D0068E37}"/>
+              <a16:creationId xmlns:a16="http://schemas.microsoft.com/office/drawing/2014/main" id="{1B3D0F48-D195-2C8A-933A-6CFE91D46ABD}"/>
             </a:ext>
           </a:extLst>
         </p:cNvPr>
@@ -8750,7 +8641,7 @@
           <p:cNvPr id="4" name="Rectangle 3">
             <a:extLst>
               <a:ext uri="{FF2B5EF4-FFF2-40B4-BE49-F238E27FC236}">
-                <a16:creationId xmlns:a16="http://schemas.microsoft.com/office/drawing/2014/main" id="{A93AD5A0-8934-B6B6-E3B1-8FAC50A0C6C7}"/>
+                <a16:creationId xmlns:a16="http://schemas.microsoft.com/office/drawing/2014/main" id="{F0A64647-4134-C4F4-1009-B85876CE858B}"/>
               </a:ext>
             </a:extLst>
           </p:cNvPr>
@@ -8796,7 +8687,7 @@
           <p:cNvPr id="5" name="Picture 10" descr="The University of Chicago Library - The University of Chicago Library">
             <a:extLst>
               <a:ext uri="{FF2B5EF4-FFF2-40B4-BE49-F238E27FC236}">
-                <a16:creationId xmlns:a16="http://schemas.microsoft.com/office/drawing/2014/main" id="{50648FA8-DEC7-87D2-27B7-77F6E910AEDC}"/>
+                <a16:creationId xmlns:a16="http://schemas.microsoft.com/office/drawing/2014/main" id="{422CAB07-104A-0E20-3447-525F2FA4E667}"/>
               </a:ext>
             </a:extLst>
           </p:cNvPr>
@@ -8843,7 +8734,7 @@
           <p:cNvPr id="2" name="TextBox 1">
             <a:extLst>
               <a:ext uri="{FF2B5EF4-FFF2-40B4-BE49-F238E27FC236}">
-                <a16:creationId xmlns:a16="http://schemas.microsoft.com/office/drawing/2014/main" id="{5E30D622-A0A5-AEFE-198A-2F600E92FCD1}"/>
+                <a16:creationId xmlns:a16="http://schemas.microsoft.com/office/drawing/2014/main" id="{00AB9E4A-8D8D-9F00-CF81-3B8F8F3EBBA6}"/>
               </a:ext>
             </a:extLst>
           </p:cNvPr>
@@ -8852,7 +8743,7 @@
         </p:nvSpPr>
         <p:spPr>
           <a:xfrm>
-            <a:off x="377818" y="326432"/>
+            <a:off x="377818" y="340499"/>
             <a:ext cx="10010898" cy="461665"/>
           </a:xfrm>
           <a:prstGeom prst="rect">
@@ -8867,13 +8758,22 @@
           <a:lstStyle/>
           <a:p>
             <a:r>
+              <a:rPr lang="en-US" sz="2400" b="1" i="0" u="none" strike="noStrike" dirty="0" err="1">
+                <a:effectLst/>
+                <a:latin typeface="Tahoma" panose="020B0604030504040204" pitchFamily="34" charset="0"/>
+                <a:ea typeface="Tahoma" panose="020B0604030504040204" pitchFamily="34" charset="0"/>
+                <a:cs typeface="Tahoma" panose="020B0604030504040204" pitchFamily="34" charset="0"/>
+              </a:rPr>
+              <a:t>Backtesting</a:t>
+            </a:r>
+            <a:r>
               <a:rPr lang="en-US" sz="2400" b="1" i="0" u="none" strike="noStrike" dirty="0">
                 <a:effectLst/>
                 <a:latin typeface="Tahoma" panose="020B0604030504040204" pitchFamily="34" charset="0"/>
                 <a:ea typeface="Tahoma" panose="020B0604030504040204" pitchFamily="34" charset="0"/>
                 <a:cs typeface="Tahoma" panose="020B0604030504040204" pitchFamily="34" charset="0"/>
               </a:rPr>
-              <a:t>Strategy Performance</a:t>
+              <a:t> Results</a:t>
             </a:r>
             <a:endParaRPr lang="en-US" sz="2400" b="0" i="0" u="none" strike="noStrike" dirty="0">
               <a:effectLst/>
@@ -8884,10 +8784,219 @@
           </a:p>
         </p:txBody>
       </p:sp>
+      <p:sp>
+        <p:nvSpPr>
+          <p:cNvPr id="7" name="TextBox 6">
+            <a:extLst>
+              <a:ext uri="{FF2B5EF4-FFF2-40B4-BE49-F238E27FC236}">
+                <a16:creationId xmlns:a16="http://schemas.microsoft.com/office/drawing/2014/main" id="{21669983-8BD8-B43D-476E-92DDA190420B}"/>
+              </a:ext>
+            </a:extLst>
+          </p:cNvPr>
+          <p:cNvSpPr txBox="1"/>
+          <p:nvPr/>
+        </p:nvSpPr>
+        <p:spPr>
+          <a:xfrm>
+            <a:off x="480868" y="1120676"/>
+            <a:ext cx="11323205" cy="1661993"/>
+          </a:xfrm>
+          <a:prstGeom prst="rect">
+            <a:avLst/>
+          </a:prstGeom>
+          <a:noFill/>
+        </p:spPr>
+        <p:txBody>
+          <a:bodyPr wrap="square" rtlCol="0">
+            <a:spAutoFit/>
+          </a:bodyPr>
+          <a:lstStyle/>
+          <a:p>
+            <a:pPr algn="l"/>
+            <a:r>
+              <a:rPr lang="en-US" sz="1600" b="1" i="0" u="none" strike="noStrike" dirty="0">
+                <a:solidFill>
+                  <a:srgbClr val="000000"/>
+                </a:solidFill>
+                <a:effectLst/>
+                <a:latin typeface="Tahoma" panose="020B0604030504040204" pitchFamily="34" charset="0"/>
+                <a:ea typeface="Tahoma" panose="020B0604030504040204" pitchFamily="34" charset="0"/>
+                <a:cs typeface="Tahoma" panose="020B0604030504040204" pitchFamily="34" charset="0"/>
+              </a:rPr>
+              <a:t>Methodology</a:t>
+            </a:r>
+          </a:p>
+          <a:p>
+            <a:pPr algn="l"/>
+            <a:endParaRPr lang="en-US" b="0" i="0" u="none" strike="noStrike" dirty="0">
+              <a:solidFill>
+                <a:srgbClr val="000000"/>
+              </a:solidFill>
+              <a:effectLst/>
+              <a:latin typeface="Tahoma" panose="020B0604030504040204" pitchFamily="34" charset="0"/>
+              <a:ea typeface="Tahoma" panose="020B0604030504040204" pitchFamily="34" charset="0"/>
+              <a:cs typeface="Tahoma" panose="020B0604030504040204" pitchFamily="34" charset="0"/>
+            </a:endParaRPr>
+          </a:p>
+          <a:p>
+            <a:pPr algn="l">
+              <a:buFont typeface="Arial" panose="020B0604020202020204" pitchFamily="34" charset="0"/>
+              <a:buChar char="•"/>
+            </a:pPr>
+            <a:r>
+              <a:rPr lang="en-US" sz="1600" b="1" i="0" u="none" strike="noStrike" dirty="0">
+                <a:solidFill>
+                  <a:srgbClr val="000000"/>
+                </a:solidFill>
+                <a:effectLst/>
+                <a:latin typeface="Tahoma" panose="020B0604030504040204" pitchFamily="34" charset="0"/>
+                <a:ea typeface="Tahoma" panose="020B0604030504040204" pitchFamily="34" charset="0"/>
+                <a:cs typeface="Tahoma" panose="020B0604030504040204" pitchFamily="34" charset="0"/>
+              </a:rPr>
+              <a:t>Training Period:</a:t>
+            </a:r>
+            <a:r>
+              <a:rPr lang="en-US" sz="1600" b="0" i="0" u="none" strike="noStrike" dirty="0">
+                <a:solidFill>
+                  <a:srgbClr val="000000"/>
+                </a:solidFill>
+                <a:effectLst/>
+                <a:latin typeface="Tahoma" panose="020B0604030504040204" pitchFamily="34" charset="0"/>
+                <a:ea typeface="Tahoma" panose="020B0604030504040204" pitchFamily="34" charset="0"/>
+                <a:cs typeface="Tahoma" panose="020B0604030504040204" pitchFamily="34" charset="0"/>
+              </a:rPr>
+              <a:t> 4 years (2019–2022) used to calibrate pair selection, entry/exit thresholds, and stop-loss optimization.</a:t>
+            </a:r>
+          </a:p>
+          <a:p>
+            <a:pPr algn="l"/>
+            <a:endParaRPr lang="en-US" sz="1600" b="0" i="0" u="none" strike="noStrike" dirty="0">
+              <a:solidFill>
+                <a:srgbClr val="000000"/>
+              </a:solidFill>
+              <a:effectLst/>
+              <a:latin typeface="Tahoma" panose="020B0604030504040204" pitchFamily="34" charset="0"/>
+              <a:ea typeface="Tahoma" panose="020B0604030504040204" pitchFamily="34" charset="0"/>
+              <a:cs typeface="Tahoma" panose="020B0604030504040204" pitchFamily="34" charset="0"/>
+            </a:endParaRPr>
+          </a:p>
+          <a:p>
+            <a:pPr algn="l">
+              <a:buFont typeface="Arial" panose="020B0604020202020204" pitchFamily="34" charset="0"/>
+              <a:buChar char="•"/>
+            </a:pPr>
+            <a:r>
+              <a:rPr lang="en-US" sz="1600" b="1" i="0" u="none" strike="noStrike" dirty="0">
+                <a:solidFill>
+                  <a:srgbClr val="000000"/>
+                </a:solidFill>
+                <a:effectLst/>
+                <a:latin typeface="Tahoma" panose="020B0604030504040204" pitchFamily="34" charset="0"/>
+                <a:ea typeface="Tahoma" panose="020B0604030504040204" pitchFamily="34" charset="0"/>
+                <a:cs typeface="Tahoma" panose="020B0604030504040204" pitchFamily="34" charset="0"/>
+              </a:rPr>
+              <a:t>Testing Period:</a:t>
+            </a:r>
+            <a:r>
+              <a:rPr lang="en-US" sz="1600" b="0" i="0" u="none" strike="noStrike" dirty="0">
+                <a:solidFill>
+                  <a:srgbClr val="000000"/>
+                </a:solidFill>
+                <a:effectLst/>
+                <a:latin typeface="Tahoma" panose="020B0604030504040204" pitchFamily="34" charset="0"/>
+                <a:ea typeface="Tahoma" panose="020B0604030504040204" pitchFamily="34" charset="0"/>
+                <a:cs typeface="Tahoma" panose="020B0604030504040204" pitchFamily="34" charset="0"/>
+              </a:rPr>
+              <a:t> 1 year (2023) used to validate the strategy’s performance on data outside the training set.</a:t>
+            </a:r>
+          </a:p>
+          <a:p>
+            <a:endParaRPr lang="en-US" dirty="0"/>
+          </a:p>
+        </p:txBody>
+      </p:sp>
+      <p:pic>
+        <p:nvPicPr>
+          <p:cNvPr id="8" name="Picture 7">
+            <a:extLst>
+              <a:ext uri="{FF2B5EF4-FFF2-40B4-BE49-F238E27FC236}">
+                <a16:creationId xmlns:a16="http://schemas.microsoft.com/office/drawing/2014/main" id="{1184FDD4-28DA-FABB-F7F8-DB978F8C73C4}"/>
+              </a:ext>
+            </a:extLst>
+          </p:cNvPr>
+          <p:cNvPicPr>
+            <a:picLocks noChangeAspect="1"/>
+          </p:cNvPicPr>
+          <p:nvPr/>
+        </p:nvPicPr>
+        <p:blipFill>
+          <a:blip r:embed="rId4"/>
+          <a:stretch>
+            <a:fillRect/>
+          </a:stretch>
+        </p:blipFill>
+        <p:spPr>
+          <a:xfrm>
+            <a:off x="630382" y="2996821"/>
+            <a:ext cx="7772400" cy="1679944"/>
+          </a:xfrm>
+          <a:prstGeom prst="rect">
+            <a:avLst/>
+          </a:prstGeom>
+        </p:spPr>
+      </p:pic>
+      <p:sp>
+        <p:nvSpPr>
+          <p:cNvPr id="9" name="TextBox 8">
+            <a:extLst>
+              <a:ext uri="{FF2B5EF4-FFF2-40B4-BE49-F238E27FC236}">
+                <a16:creationId xmlns:a16="http://schemas.microsoft.com/office/drawing/2014/main" id="{448DAF2D-8157-2437-DCA2-9E1A863498D6}"/>
+              </a:ext>
+            </a:extLst>
+          </p:cNvPr>
+          <p:cNvSpPr txBox="1"/>
+          <p:nvPr/>
+        </p:nvSpPr>
+        <p:spPr>
+          <a:xfrm>
+            <a:off x="630382" y="4977326"/>
+            <a:ext cx="3713452" cy="276999"/>
+          </a:xfrm>
+          <a:prstGeom prst="rect">
+            <a:avLst/>
+          </a:prstGeom>
+          <a:noFill/>
+        </p:spPr>
+        <p:txBody>
+          <a:bodyPr wrap="none" rtlCol="0">
+            <a:spAutoFit/>
+          </a:bodyPr>
+          <a:lstStyle/>
+          <a:p>
+            <a:r>
+              <a:rPr lang="en-US" sz="1200" b="0" i="1" u="none" strike="noStrike" dirty="0">
+                <a:solidFill>
+                  <a:srgbClr val="000000"/>
+                </a:solidFill>
+                <a:effectLst/>
+                <a:latin typeface="Tahoma" panose="020B0604030504040204" pitchFamily="34" charset="0"/>
+                <a:ea typeface="Tahoma" panose="020B0604030504040204" pitchFamily="34" charset="0"/>
+                <a:cs typeface="Tahoma" panose="020B0604030504040204" pitchFamily="34" charset="0"/>
+              </a:rPr>
+              <a:t>Optimized Pair Parameters and Performance Metrics</a:t>
+            </a:r>
+            <a:endParaRPr lang="en-US" sz="1200" i="1" dirty="0">
+              <a:latin typeface="Tahoma" panose="020B0604030504040204" pitchFamily="34" charset="0"/>
+              <a:ea typeface="Tahoma" panose="020B0604030504040204" pitchFamily="34" charset="0"/>
+              <a:cs typeface="Tahoma" panose="020B0604030504040204" pitchFamily="34" charset="0"/>
+            </a:endParaRPr>
+          </a:p>
+        </p:txBody>
+      </p:sp>
     </p:spTree>
     <p:extLst>
       <p:ext uri="{BB962C8B-B14F-4D97-AF65-F5344CB8AC3E}">
-        <p14:creationId xmlns:p14="http://schemas.microsoft.com/office/powerpoint/2010/main" val="2400666007"/>
+        <p14:creationId xmlns:p14="http://schemas.microsoft.com/office/powerpoint/2010/main" val="1733827992"/>
       </p:ext>
     </p:extLst>
   </p:cSld>
@@ -8905,7 +9014,7 @@
         <p:cNvPr id="1" name="">
           <a:extLst>
             <a:ext uri="{FF2B5EF4-FFF2-40B4-BE49-F238E27FC236}">
-              <a16:creationId xmlns:a16="http://schemas.microsoft.com/office/drawing/2014/main" id="{1B3D0F48-D195-2C8A-933A-6CFE91D46ABD}"/>
+              <a16:creationId xmlns:a16="http://schemas.microsoft.com/office/drawing/2014/main" id="{598D6358-4105-D1EC-1ACF-426DC896B4B9}"/>
             </a:ext>
           </a:extLst>
         </p:cNvPr>
@@ -8925,7 +9034,7 @@
           <p:cNvPr id="4" name="Rectangle 3">
             <a:extLst>
               <a:ext uri="{FF2B5EF4-FFF2-40B4-BE49-F238E27FC236}">
-                <a16:creationId xmlns:a16="http://schemas.microsoft.com/office/drawing/2014/main" id="{F0A64647-4134-C4F4-1009-B85876CE858B}"/>
+                <a16:creationId xmlns:a16="http://schemas.microsoft.com/office/drawing/2014/main" id="{BAB20725-E93E-55B0-5678-702B07C7023F}"/>
               </a:ext>
             </a:extLst>
           </p:cNvPr>
@@ -8971,7 +9080,7 @@
           <p:cNvPr id="5" name="Picture 10" descr="The University of Chicago Library - The University of Chicago Library">
             <a:extLst>
               <a:ext uri="{FF2B5EF4-FFF2-40B4-BE49-F238E27FC236}">
-                <a16:creationId xmlns:a16="http://schemas.microsoft.com/office/drawing/2014/main" id="{422CAB07-104A-0E20-3447-525F2FA4E667}"/>
+                <a16:creationId xmlns:a16="http://schemas.microsoft.com/office/drawing/2014/main" id="{ACA4B140-D4A8-F8B4-20EC-E8C7E6193CCD}"/>
               </a:ext>
             </a:extLst>
           </p:cNvPr>
@@ -9018,190 +9127,6 @@
           <p:cNvPr id="2" name="TextBox 1">
             <a:extLst>
               <a:ext uri="{FF2B5EF4-FFF2-40B4-BE49-F238E27FC236}">
-                <a16:creationId xmlns:a16="http://schemas.microsoft.com/office/drawing/2014/main" id="{00AB9E4A-8D8D-9F00-CF81-3B8F8F3EBBA6}"/>
-              </a:ext>
-            </a:extLst>
-          </p:cNvPr>
-          <p:cNvSpPr txBox="1"/>
-          <p:nvPr/>
-        </p:nvSpPr>
-        <p:spPr>
-          <a:xfrm>
-            <a:off x="377818" y="340499"/>
-            <a:ext cx="10010898" cy="461665"/>
-          </a:xfrm>
-          <a:prstGeom prst="rect">
-            <a:avLst/>
-          </a:prstGeom>
-          <a:noFill/>
-        </p:spPr>
-        <p:txBody>
-          <a:bodyPr wrap="square" rtlCol="0">
-            <a:spAutoFit/>
-          </a:bodyPr>
-          <a:lstStyle/>
-          <a:p>
-            <a:r>
-              <a:rPr lang="en-US" sz="2400" b="1" i="0" u="none" strike="noStrike" dirty="0" err="1">
-                <a:effectLst/>
-                <a:latin typeface="Tahoma" panose="020B0604030504040204" pitchFamily="34" charset="0"/>
-                <a:ea typeface="Tahoma" panose="020B0604030504040204" pitchFamily="34" charset="0"/>
-                <a:cs typeface="Tahoma" panose="020B0604030504040204" pitchFamily="34" charset="0"/>
-              </a:rPr>
-              <a:t>Backtesting</a:t>
-            </a:r>
-            <a:r>
-              <a:rPr lang="en-US" sz="2400" b="1" i="0" u="none" strike="noStrike" dirty="0">
-                <a:effectLst/>
-                <a:latin typeface="Tahoma" panose="020B0604030504040204" pitchFamily="34" charset="0"/>
-                <a:ea typeface="Tahoma" panose="020B0604030504040204" pitchFamily="34" charset="0"/>
-                <a:cs typeface="Tahoma" panose="020B0604030504040204" pitchFamily="34" charset="0"/>
-              </a:rPr>
-              <a:t> Results</a:t>
-            </a:r>
-            <a:endParaRPr lang="en-US" sz="2400" b="0" i="0" u="none" strike="noStrike" dirty="0">
-              <a:effectLst/>
-              <a:latin typeface="Tahoma" panose="020B0604030504040204" pitchFamily="34" charset="0"/>
-              <a:ea typeface="Tahoma" panose="020B0604030504040204" pitchFamily="34" charset="0"/>
-              <a:cs typeface="Tahoma" panose="020B0604030504040204" pitchFamily="34" charset="0"/>
-            </a:endParaRPr>
-          </a:p>
-        </p:txBody>
-      </p:sp>
-    </p:spTree>
-    <p:extLst>
-      <p:ext uri="{BB962C8B-B14F-4D97-AF65-F5344CB8AC3E}">
-        <p14:creationId xmlns:p14="http://schemas.microsoft.com/office/powerpoint/2010/main" val="1733827992"/>
-      </p:ext>
-    </p:extLst>
-  </p:cSld>
-  <p:clrMapOvr>
-    <a:masterClrMapping/>
-  </p:clrMapOvr>
-</p:sld>
-</file>
-
-<file path=ppt/slides/slide12.xml><?xml version="1.0" encoding="utf-8"?>
-<p:sld xmlns:a="http://schemas.openxmlformats.org/drawingml/2006/main" xmlns:r="http://schemas.openxmlformats.org/officeDocument/2006/relationships" xmlns:p="http://schemas.openxmlformats.org/presentationml/2006/main">
-  <p:cSld>
-    <p:spTree>
-      <p:nvGrpSpPr>
-        <p:cNvPr id="1" name="">
-          <a:extLst>
-            <a:ext uri="{FF2B5EF4-FFF2-40B4-BE49-F238E27FC236}">
-              <a16:creationId xmlns:a16="http://schemas.microsoft.com/office/drawing/2014/main" id="{598D6358-4105-D1EC-1ACF-426DC896B4B9}"/>
-            </a:ext>
-          </a:extLst>
-        </p:cNvPr>
-        <p:cNvGrpSpPr/>
-        <p:nvPr/>
-      </p:nvGrpSpPr>
-      <p:grpSpPr>
-        <a:xfrm>
-          <a:off x="0" y="0"/>
-          <a:ext cx="0" cy="0"/>
-          <a:chOff x="0" y="0"/>
-          <a:chExt cx="0" cy="0"/>
-        </a:xfrm>
-      </p:grpSpPr>
-      <p:sp>
-        <p:nvSpPr>
-          <p:cNvPr id="4" name="Rectangle 3">
-            <a:extLst>
-              <a:ext uri="{FF2B5EF4-FFF2-40B4-BE49-F238E27FC236}">
-                <a16:creationId xmlns:a16="http://schemas.microsoft.com/office/drawing/2014/main" id="{BAB20725-E93E-55B0-5678-702B07C7023F}"/>
-              </a:ext>
-            </a:extLst>
-          </p:cNvPr>
-          <p:cNvSpPr/>
-          <p:nvPr/>
-        </p:nvSpPr>
-        <p:spPr>
-          <a:xfrm>
-            <a:off x="1" y="6472052"/>
-            <a:ext cx="12192000" cy="385948"/>
-          </a:xfrm>
-          <a:prstGeom prst="rect">
-            <a:avLst/>
-          </a:prstGeom>
-        </p:spPr>
-        <p:style>
-          <a:lnRef idx="2">
-            <a:schemeClr val="dk1">
-              <a:shade val="15000"/>
-            </a:schemeClr>
-          </a:lnRef>
-          <a:fillRef idx="1">
-            <a:schemeClr val="dk1"/>
-          </a:fillRef>
-          <a:effectRef idx="0">
-            <a:schemeClr val="dk1"/>
-          </a:effectRef>
-          <a:fontRef idx="minor">
-            <a:schemeClr val="lt1"/>
-          </a:fontRef>
-        </p:style>
-        <p:txBody>
-          <a:bodyPr rtlCol="0" anchor="ctr"/>
-          <a:lstStyle/>
-          <a:p>
-            <a:pPr algn="ctr"/>
-            <a:endParaRPr lang="en-US"/>
-          </a:p>
-        </p:txBody>
-      </p:sp>
-      <p:pic>
-        <p:nvPicPr>
-          <p:cNvPr id="5" name="Picture 10" descr="The University of Chicago Library - The University of Chicago Library">
-            <a:extLst>
-              <a:ext uri="{FF2B5EF4-FFF2-40B4-BE49-F238E27FC236}">
-                <a16:creationId xmlns:a16="http://schemas.microsoft.com/office/drawing/2014/main" id="{ACA4B140-D4A8-F8B4-20EC-E8C7E6193CCD}"/>
-              </a:ext>
-            </a:extLst>
-          </p:cNvPr>
-          <p:cNvPicPr>
-            <a:picLocks noChangeAspect="1" noChangeArrowheads="1"/>
-          </p:cNvPicPr>
-          <p:nvPr/>
-        </p:nvPicPr>
-        <p:blipFill>
-          <a:blip r:embed="rId3">
-            <a:extLst>
-              <a:ext uri="{28A0092B-C50C-407E-A947-70E740481C1C}">
-                <a14:useLocalDpi xmlns:a14="http://schemas.microsoft.com/office/drawing/2010/main" val="0"/>
-              </a:ext>
-            </a:extLst>
-          </a:blip>
-          <a:srcRect/>
-          <a:stretch>
-            <a:fillRect/>
-          </a:stretch>
-        </p:blipFill>
-        <p:spPr bwMode="auto">
-          <a:xfrm>
-            <a:off x="10771860" y="6537393"/>
-            <a:ext cx="1269720" cy="255266"/>
-          </a:xfrm>
-          <a:prstGeom prst="rect">
-            <a:avLst/>
-          </a:prstGeom>
-          <a:noFill/>
-          <a:extLst>
-            <a:ext uri="{909E8E84-426E-40DD-AFC4-6F175D3DCCD1}">
-              <a14:hiddenFill xmlns:a14="http://schemas.microsoft.com/office/drawing/2010/main">
-                <a:solidFill>
-                  <a:srgbClr val="FFFFFF"/>
-                </a:solidFill>
-              </a14:hiddenFill>
-            </a:ext>
-          </a:extLst>
-        </p:spPr>
-      </p:pic>
-      <p:sp>
-        <p:nvSpPr>
-          <p:cNvPr id="2" name="TextBox 1">
-            <a:extLst>
-              <a:ext uri="{FF2B5EF4-FFF2-40B4-BE49-F238E27FC236}">
                 <a16:creationId xmlns:a16="http://schemas.microsoft.com/office/drawing/2014/main" id="{AD7D2833-2B00-0F35-C53B-50DB5E66CB18}"/>
               </a:ext>
             </a:extLst>
@@ -9243,6 +9168,189 @@
           </a:p>
         </p:txBody>
       </p:sp>
+      <p:sp>
+        <p:nvSpPr>
+          <p:cNvPr id="3" name="TextBox 2">
+            <a:extLst>
+              <a:ext uri="{FF2B5EF4-FFF2-40B4-BE49-F238E27FC236}">
+                <a16:creationId xmlns:a16="http://schemas.microsoft.com/office/drawing/2014/main" id="{D8BBF468-9A1D-470F-029B-95D9B2F9FF68}"/>
+              </a:ext>
+            </a:extLst>
+          </p:cNvPr>
+          <p:cNvSpPr txBox="1"/>
+          <p:nvPr/>
+        </p:nvSpPr>
+        <p:spPr>
+          <a:xfrm>
+            <a:off x="185560" y="4063751"/>
+            <a:ext cx="11551219" cy="2308324"/>
+          </a:xfrm>
+          <a:prstGeom prst="rect">
+            <a:avLst/>
+          </a:prstGeom>
+          <a:noFill/>
+        </p:spPr>
+        <p:txBody>
+          <a:bodyPr wrap="square" rtlCol="0">
+            <a:spAutoFit/>
+          </a:bodyPr>
+          <a:lstStyle/>
+          <a:p>
+            <a:pPr marL="285750" indent="-285750" algn="just">
+              <a:buFont typeface="Arial" panose="020B0604020202020204" pitchFamily="34" charset="0"/>
+              <a:buChar char="•"/>
+            </a:pPr>
+            <a:r>
+              <a:rPr lang="en-US" b="1" dirty="0"/>
+              <a:t>Market-Neutral Allocation</a:t>
+            </a:r>
+            <a:r>
+              <a:rPr lang="en-US" dirty="0"/>
+              <a:t>: Negligible allocation effect confirms the strategy's independence from sector or market-wide movements.  </a:t>
+            </a:r>
+          </a:p>
+          <a:p>
+            <a:pPr marL="285750" indent="-285750" algn="just">
+              <a:buFont typeface="Arial" panose="020B0604020202020204" pitchFamily="34" charset="0"/>
+              <a:buChar char="•"/>
+            </a:pPr>
+            <a:r>
+              <a:rPr lang="en-US" b="1" dirty="0"/>
+              <a:t>Selection-Driven Returns</a:t>
+            </a:r>
+            <a:r>
+              <a:rPr lang="en-US" dirty="0"/>
+              <a:t>: Strategy performance overwhelmingly driven by selection effects, showcasing the success of pair selection and entry/exit timing.  </a:t>
+            </a:r>
+          </a:p>
+          <a:p>
+            <a:pPr marL="285750" indent="-285750" algn="just">
+              <a:buFont typeface="Arial" panose="020B0604020202020204" pitchFamily="34" charset="0"/>
+              <a:buChar char="•"/>
+            </a:pPr>
+            <a:r>
+              <a:rPr lang="en-US" b="1" dirty="0"/>
+              <a:t>Alpha Generation</a:t>
+            </a:r>
+            <a:r>
+              <a:rPr lang="en-US" dirty="0"/>
+              <a:t>: Idiosyncratic stock-pair trades and mean-reversion profits dominate returns, with residuals capturing reversion dynamics beyond benchmark explanations.  </a:t>
+            </a:r>
+          </a:p>
+          <a:p>
+            <a:pPr marL="285750" indent="-285750" algn="just">
+              <a:buFont typeface="Arial" panose="020B0604020202020204" pitchFamily="34" charset="0"/>
+              <a:buChar char="•"/>
+            </a:pPr>
+            <a:r>
+              <a:rPr lang="en-US" b="1" dirty="0"/>
+              <a:t>Low Benchmark Dependency</a:t>
+            </a:r>
+            <a:r>
+              <a:rPr lang="en-US" dirty="0"/>
+              <a:t>: Extremely small R-squared values at the pair level highlight minimal reliance on benchmark-driven returns.  </a:t>
+            </a:r>
+          </a:p>
+        </p:txBody>
+      </p:sp>
+      <p:pic>
+        <p:nvPicPr>
+          <p:cNvPr id="7" name="Picture 6" descr="A graph showing a number of numbers and a line&#10;&#10;Description automatically generated with medium confidence">
+            <a:extLst>
+              <a:ext uri="{FF2B5EF4-FFF2-40B4-BE49-F238E27FC236}">
+                <a16:creationId xmlns:a16="http://schemas.microsoft.com/office/drawing/2014/main" id="{E0F7B775-16D4-BE56-EEAC-78DE8D0CCF45}"/>
+              </a:ext>
+            </a:extLst>
+          </p:cNvPr>
+          <p:cNvPicPr>
+            <a:picLocks noChangeAspect="1"/>
+          </p:cNvPicPr>
+          <p:nvPr/>
+        </p:nvPicPr>
+        <p:blipFill>
+          <a:blip r:embed="rId4"/>
+          <a:stretch>
+            <a:fillRect/>
+          </a:stretch>
+        </p:blipFill>
+        <p:spPr>
+          <a:xfrm>
+            <a:off x="490361" y="896362"/>
+            <a:ext cx="5730330" cy="3067412"/>
+          </a:xfrm>
+          <a:prstGeom prst="rect">
+            <a:avLst/>
+          </a:prstGeom>
+        </p:spPr>
+      </p:pic>
+      <p:pic>
+        <p:nvPicPr>
+          <p:cNvPr id="9" name="Picture 8" descr="A screenshot of a computer&#10;&#10;Description automatically generated">
+            <a:extLst>
+              <a:ext uri="{FF2B5EF4-FFF2-40B4-BE49-F238E27FC236}">
+                <a16:creationId xmlns:a16="http://schemas.microsoft.com/office/drawing/2014/main" id="{DE3AD080-1970-6C70-8BBD-AD72110A9C1E}"/>
+              </a:ext>
+            </a:extLst>
+          </p:cNvPr>
+          <p:cNvPicPr>
+            <a:picLocks noChangeAspect="1"/>
+          </p:cNvPicPr>
+          <p:nvPr/>
+        </p:nvPicPr>
+        <p:blipFill>
+          <a:blip r:embed="rId5"/>
+          <a:srcRect l="5992" t="25131" b="41014"/>
+          <a:stretch/>
+        </p:blipFill>
+        <p:spPr>
+          <a:xfrm>
+            <a:off x="6846123" y="1702952"/>
+            <a:ext cx="4890656" cy="1305968"/>
+          </a:xfrm>
+          <a:prstGeom prst="rect">
+            <a:avLst/>
+          </a:prstGeom>
+        </p:spPr>
+      </p:pic>
+      <p:sp>
+        <p:nvSpPr>
+          <p:cNvPr id="10" name="TextBox 9">
+            <a:extLst>
+              <a:ext uri="{FF2B5EF4-FFF2-40B4-BE49-F238E27FC236}">
+                <a16:creationId xmlns:a16="http://schemas.microsoft.com/office/drawing/2014/main" id="{74A21FCF-AA4A-5D7B-F461-321FDBB449C1}"/>
+              </a:ext>
+            </a:extLst>
+          </p:cNvPr>
+          <p:cNvSpPr txBox="1"/>
+          <p:nvPr/>
+        </p:nvSpPr>
+        <p:spPr>
+          <a:xfrm>
+            <a:off x="8058389" y="3152001"/>
+            <a:ext cx="2466124" cy="276999"/>
+          </a:xfrm>
+          <a:prstGeom prst="rect">
+            <a:avLst/>
+          </a:prstGeom>
+          <a:noFill/>
+        </p:spPr>
+        <p:txBody>
+          <a:bodyPr wrap="none" rtlCol="0">
+            <a:spAutoFit/>
+          </a:bodyPr>
+          <a:lstStyle/>
+          <a:p>
+            <a:r>
+              <a:rPr lang="en-US" sz="1200" i="1" dirty="0">
+                <a:latin typeface="Tahoma" panose="020B0604030504040204" pitchFamily="34" charset="0"/>
+                <a:ea typeface="Tahoma" panose="020B0604030504040204" pitchFamily="34" charset="0"/>
+                <a:cs typeface="Tahoma" panose="020B0604030504040204" pitchFamily="34" charset="0"/>
+              </a:rPr>
+              <a:t>Pair-level attribution (Top 5 pairs)</a:t>
+            </a:r>
+          </a:p>
+        </p:txBody>
+      </p:sp>
     </p:spTree>
     <p:extLst>
       <p:ext uri="{BB962C8B-B14F-4D97-AF65-F5344CB8AC3E}">
@@ -9256,7 +9364,7 @@
 </p:sld>
 </file>
 
-<file path=ppt/slides/slide13.xml><?xml version="1.0" encoding="utf-8"?>
+<file path=ppt/slides/slide12.xml><?xml version="1.0" encoding="utf-8"?>
 <p:sld xmlns:a="http://schemas.openxmlformats.org/drawingml/2006/main" xmlns:r="http://schemas.openxmlformats.org/officeDocument/2006/relationships" xmlns:p="http://schemas.openxmlformats.org/presentationml/2006/main">
   <p:cSld>
     <p:spTree>
@@ -11852,7 +11960,7 @@
         </p:nvSpPr>
         <p:spPr>
           <a:xfrm>
-            <a:off x="391886" y="416586"/>
+            <a:off x="391886" y="289583"/>
             <a:ext cx="10010898" cy="461665"/>
           </a:xfrm>
           <a:prstGeom prst="rect">
@@ -11898,8 +12006,8 @@
         </p:nvSpPr>
         <p:spPr>
           <a:xfrm>
-            <a:off x="391886" y="1666305"/>
-            <a:ext cx="11119735" cy="3539430"/>
+            <a:off x="391886" y="1255113"/>
+            <a:ext cx="11119735" cy="5509200"/>
           </a:xfrm>
           <a:prstGeom prst="rect">
             <a:avLst/>
@@ -11927,6 +12035,49 @@
             </a:endParaRPr>
           </a:p>
           <a:p>
+            <a:pPr marL="285750" indent="-285750">
+              <a:buFont typeface="Arial" panose="020B0604020202020204" pitchFamily="34" charset="0"/>
+              <a:buChar char="•"/>
+            </a:pPr>
+            <a:r>
+              <a:rPr lang="en-US" sz="1600" dirty="0">
+                <a:latin typeface="Tahoma" panose="020B0604030504040204" pitchFamily="34" charset="0"/>
+                <a:ea typeface="Tahoma" panose="020B0604030504040204" pitchFamily="34" charset="0"/>
+                <a:cs typeface="Tahoma" panose="020B0604030504040204" pitchFamily="34" charset="0"/>
+              </a:rPr>
+              <a:t>Daily monitoring of all trade signals ensures precision in capturing market inefficiencies.</a:t>
+            </a:r>
+          </a:p>
+          <a:p>
+            <a:pPr marL="285750" indent="-285750">
+              <a:buFont typeface="Arial" panose="020B0604020202020204" pitchFamily="34" charset="0"/>
+              <a:buChar char="•"/>
+            </a:pPr>
+            <a:r>
+              <a:rPr lang="en-US" sz="1600" dirty="0">
+                <a:latin typeface="Tahoma" panose="020B0604030504040204" pitchFamily="34" charset="0"/>
+                <a:ea typeface="Tahoma" panose="020B0604030504040204" pitchFamily="34" charset="0"/>
+                <a:cs typeface="Tahoma" panose="020B0604030504040204" pitchFamily="34" charset="0"/>
+              </a:rPr>
+              <a:t>Monthly rebalancing adjusts portfolio weights and updates cointegrated pairs to reflect changing dynamics.</a:t>
+            </a:r>
+          </a:p>
+          <a:p>
+            <a:endParaRPr lang="en-US" sz="1600" b="1" dirty="0">
+              <a:latin typeface="Tahoma" panose="020B0604030504040204" pitchFamily="34" charset="0"/>
+              <a:ea typeface="Tahoma" panose="020B0604030504040204" pitchFamily="34" charset="0"/>
+              <a:cs typeface="Tahoma" panose="020B0604030504040204" pitchFamily="34" charset="0"/>
+            </a:endParaRPr>
+          </a:p>
+          <a:p>
+            <a:r>
+              <a:rPr lang="en-US" sz="1600" b="1" dirty="0">
+                <a:latin typeface="Tahoma" panose="020B0604030504040204" pitchFamily="34" charset="0"/>
+                <a:ea typeface="Tahoma" panose="020B0604030504040204" pitchFamily="34" charset="0"/>
+                <a:cs typeface="Tahoma" panose="020B0604030504040204" pitchFamily="34" charset="0"/>
+              </a:rPr>
+              <a:t>Efficient Execution Framework</a:t>
+            </a:r>
             <a:endParaRPr lang="en-US" sz="1600" dirty="0">
               <a:latin typeface="Tahoma" panose="020B0604030504040204" pitchFamily="34" charset="0"/>
               <a:ea typeface="Tahoma" panose="020B0604030504040204" pitchFamily="34" charset="0"/>
@@ -11944,7 +12095,7 @@
                 <a:ea typeface="Tahoma" panose="020B0604030504040204" pitchFamily="34" charset="0"/>
                 <a:cs typeface="Tahoma" panose="020B0604030504040204" pitchFamily="34" charset="0"/>
               </a:rPr>
-              <a:t>Daily monitoring of all trade signals ensures precision in capturing market inefficiencies.</a:t>
+              <a:t>Trades executed exclusively in high-volume Energy sector stocks to minimize slippage and transaction costs.</a:t>
             </a:r>
           </a:p>
           <a:p>
@@ -11958,7 +12109,23 @@
                 <a:ea typeface="Tahoma" panose="020B0604030504040204" pitchFamily="34" charset="0"/>
                 <a:cs typeface="Tahoma" panose="020B0604030504040204" pitchFamily="34" charset="0"/>
               </a:rPr>
-              <a:t>Monthly rebalancing adjusts portfolio weights and updates cointegrated pairs to reflect changing dynamics.</a:t>
+              <a:t>Average transaction cost of </a:t>
+            </a:r>
+            <a:r>
+              <a:rPr lang="en-US" sz="1600" b="1" dirty="0">
+                <a:latin typeface="Tahoma" panose="020B0604030504040204" pitchFamily="34" charset="0"/>
+                <a:ea typeface="Tahoma" panose="020B0604030504040204" pitchFamily="34" charset="0"/>
+                <a:cs typeface="Tahoma" panose="020B0604030504040204" pitchFamily="34" charset="0"/>
+              </a:rPr>
+              <a:t>0.065% per stock/transaction</a:t>
+            </a:r>
+            <a:r>
+              <a:rPr lang="en-US" sz="1600" dirty="0">
+                <a:latin typeface="Tahoma" panose="020B0604030504040204" pitchFamily="34" charset="0"/>
+                <a:ea typeface="Tahoma" panose="020B0604030504040204" pitchFamily="34" charset="0"/>
+                <a:cs typeface="Tahoma" panose="020B0604030504040204" pitchFamily="34" charset="0"/>
+              </a:rPr>
+              <a:t>, based on NYSE benchmarks for cost efficiency.</a:t>
             </a:r>
           </a:p>
           <a:p>
@@ -11975,8 +12142,44 @@
                 <a:ea typeface="Tahoma" panose="020B0604030504040204" pitchFamily="34" charset="0"/>
                 <a:cs typeface="Tahoma" panose="020B0604030504040204" pitchFamily="34" charset="0"/>
               </a:rPr>
-              <a:t>Efficient Execution Framework</a:t>
-            </a:r>
+              <a:t>Portfolio Scope and Scale</a:t>
+            </a:r>
+          </a:p>
+          <a:p>
+            <a:pPr marL="285750" indent="-285750">
+              <a:buFont typeface="Arial" panose="020B0604020202020204" pitchFamily="34" charset="0"/>
+              <a:buChar char="•"/>
+            </a:pPr>
+            <a:r>
+              <a:rPr lang="en-US" sz="1600" dirty="0">
+                <a:latin typeface="Tahoma" panose="020B0604030504040204" pitchFamily="34" charset="0"/>
+                <a:ea typeface="Tahoma" panose="020B0604030504040204" pitchFamily="34" charset="0"/>
+                <a:cs typeface="Tahoma" panose="020B0604030504040204" pitchFamily="34" charset="0"/>
+              </a:rPr>
+              <a:t>Tracking and trading </a:t>
+            </a:r>
+            <a:r>
+              <a:rPr lang="en-US" sz="1600" b="1" dirty="0">
+                <a:latin typeface="Tahoma" panose="020B0604030504040204" pitchFamily="34" charset="0"/>
+                <a:ea typeface="Tahoma" panose="020B0604030504040204" pitchFamily="34" charset="0"/>
+                <a:cs typeface="Tahoma" panose="020B0604030504040204" pitchFamily="34" charset="0"/>
+              </a:rPr>
+              <a:t>20+ carefully selected tickers</a:t>
+            </a:r>
+            <a:r>
+              <a:rPr lang="en-US" sz="1600" dirty="0">
+                <a:latin typeface="Tahoma" panose="020B0604030504040204" pitchFamily="34" charset="0"/>
+                <a:ea typeface="Tahoma" panose="020B0604030504040204" pitchFamily="34" charset="0"/>
+                <a:cs typeface="Tahoma" panose="020B0604030504040204" pitchFamily="34" charset="0"/>
+              </a:rPr>
+              <a:t>, ensuring statistical stability and market liquidity.</a:t>
+            </a:r>
+          </a:p>
+          <a:p>
+            <a:pPr marL="285750" indent="-285750">
+              <a:buFont typeface="Arial" panose="020B0604020202020204" pitchFamily="34" charset="0"/>
+              <a:buChar char="•"/>
+            </a:pPr>
             <a:endParaRPr lang="en-US" sz="1600" dirty="0">
               <a:latin typeface="Tahoma" panose="020B0604030504040204" pitchFamily="34" charset="0"/>
               <a:ea typeface="Tahoma" panose="020B0604030504040204" pitchFamily="34" charset="0"/>
@@ -11984,117 +12187,242 @@
             </a:endParaRPr>
           </a:p>
           <a:p>
+            <a:r>
+              <a:rPr lang="en-US" sz="1600" b="1" dirty="0">
+                <a:latin typeface="Tahoma" panose="020B0604030504040204" pitchFamily="34" charset="0"/>
+                <a:ea typeface="Tahoma" panose="020B0604030504040204" pitchFamily="34" charset="0"/>
+                <a:cs typeface="Tahoma" panose="020B0604030504040204" pitchFamily="34" charset="0"/>
+              </a:rPr>
+              <a:t>Risk Management Framework</a:t>
+            </a:r>
+          </a:p>
+          <a:p>
+            <a:pPr marL="285750" indent="-285750" algn="just">
+              <a:buFont typeface="Arial" panose="020B0604020202020204" pitchFamily="34" charset="0"/>
+              <a:buChar char="•"/>
+            </a:pPr>
+            <a:r>
+              <a:rPr lang="en-US" sz="1600" b="0" i="0" u="none" strike="noStrike" dirty="0">
+                <a:solidFill>
+                  <a:srgbClr val="000000"/>
+                </a:solidFill>
+                <a:effectLst/>
+                <a:latin typeface="Tahoma" panose="020B0604030504040204" pitchFamily="34" charset="0"/>
+                <a:ea typeface="Tahoma" panose="020B0604030504040204" pitchFamily="34" charset="0"/>
+                <a:cs typeface="Tahoma" panose="020B0604030504040204" pitchFamily="34" charset="0"/>
+              </a:rPr>
+              <a:t>Carefully calibrated </a:t>
+            </a:r>
+            <a:r>
+              <a:rPr lang="en-US" sz="1600" b="1" i="0" u="none" strike="noStrike" dirty="0">
+                <a:solidFill>
+                  <a:srgbClr val="000000"/>
+                </a:solidFill>
+                <a:effectLst/>
+                <a:latin typeface="Tahoma" panose="020B0604030504040204" pitchFamily="34" charset="0"/>
+                <a:ea typeface="Tahoma" panose="020B0604030504040204" pitchFamily="34" charset="0"/>
+                <a:cs typeface="Tahoma" panose="020B0604030504040204" pitchFamily="34" charset="0"/>
+              </a:rPr>
+              <a:t>stop-loss orders</a:t>
+            </a:r>
+            <a:r>
+              <a:rPr lang="en-US" sz="1600" b="0" i="0" u="none" strike="noStrike" dirty="0">
+                <a:solidFill>
+                  <a:srgbClr val="000000"/>
+                </a:solidFill>
+                <a:effectLst/>
+                <a:latin typeface="Tahoma" panose="020B0604030504040204" pitchFamily="34" charset="0"/>
+                <a:ea typeface="Tahoma" panose="020B0604030504040204" pitchFamily="34" charset="0"/>
+                <a:cs typeface="Tahoma" panose="020B0604030504040204" pitchFamily="34" charset="0"/>
+              </a:rPr>
+              <a:t> cap downside risk and safeguard capita</a:t>
+            </a:r>
+            <a:r>
+              <a:rPr lang="en-US" sz="1600" i="0" u="none" strike="noStrike" dirty="0">
+                <a:solidFill>
+                  <a:srgbClr val="000000"/>
+                </a:solidFill>
+                <a:effectLst/>
+                <a:latin typeface="Tahoma" panose="020B0604030504040204" pitchFamily="34" charset="0"/>
+                <a:ea typeface="Tahoma" panose="020B0604030504040204" pitchFamily="34" charset="0"/>
+                <a:cs typeface="Tahoma" panose="020B0604030504040204" pitchFamily="34" charset="0"/>
+              </a:rPr>
+              <a:t>l</a:t>
+            </a:r>
+            <a:endParaRPr lang="en-US" sz="1600" b="1" i="0" u="none" strike="noStrike" dirty="0">
+              <a:solidFill>
+                <a:srgbClr val="000000"/>
+              </a:solidFill>
+              <a:effectLst/>
+              <a:latin typeface="Tahoma" panose="020B0604030504040204" pitchFamily="34" charset="0"/>
+              <a:ea typeface="Tahoma" panose="020B0604030504040204" pitchFamily="34" charset="0"/>
+              <a:cs typeface="Tahoma" panose="020B0604030504040204" pitchFamily="34" charset="0"/>
+            </a:endParaRPr>
+          </a:p>
+          <a:p>
+            <a:pPr marL="285750" indent="-285750" algn="just">
+              <a:buFont typeface="Arial" panose="020B0604020202020204" pitchFamily="34" charset="0"/>
+              <a:buChar char="•"/>
+            </a:pPr>
+            <a:r>
+              <a:rPr lang="en-US" sz="1600" b="1" i="0" u="none" strike="noStrike" dirty="0">
+                <a:solidFill>
+                  <a:srgbClr val="000000"/>
+                </a:solidFill>
+                <a:effectLst/>
+                <a:latin typeface="Tahoma" panose="020B0604030504040204" pitchFamily="34" charset="0"/>
+                <a:ea typeface="Tahoma" panose="020B0604030504040204" pitchFamily="34" charset="0"/>
+                <a:cs typeface="Tahoma" panose="020B0604030504040204" pitchFamily="34" charset="0"/>
+              </a:rPr>
+              <a:t>Dynamic optimization</a:t>
+            </a:r>
+            <a:r>
+              <a:rPr lang="en-US" sz="1600" b="0" i="0" u="none" strike="noStrike" dirty="0">
+                <a:solidFill>
+                  <a:srgbClr val="000000"/>
+                </a:solidFill>
+                <a:effectLst/>
+                <a:latin typeface="Tahoma" panose="020B0604030504040204" pitchFamily="34" charset="0"/>
+                <a:ea typeface="Tahoma" panose="020B0604030504040204" pitchFamily="34" charset="0"/>
+                <a:cs typeface="Tahoma" panose="020B0604030504040204" pitchFamily="34" charset="0"/>
+              </a:rPr>
+              <a:t> of stop-loss thresholds, ranging from </a:t>
+            </a:r>
+            <a:r>
+              <a:rPr lang="en-US" sz="1600" b="1" i="0" u="none" strike="noStrike" dirty="0">
+                <a:solidFill>
+                  <a:srgbClr val="000000"/>
+                </a:solidFill>
+                <a:effectLst/>
+                <a:latin typeface="Tahoma" panose="020B0604030504040204" pitchFamily="34" charset="0"/>
+                <a:ea typeface="Tahoma" panose="020B0604030504040204" pitchFamily="34" charset="0"/>
+                <a:cs typeface="Tahoma" panose="020B0604030504040204" pitchFamily="34" charset="0"/>
+              </a:rPr>
+              <a:t>1.65 to 3.2</a:t>
+            </a:r>
+            <a:r>
+              <a:rPr lang="en-US" sz="1600" b="0" i="0" u="none" strike="noStrike" dirty="0">
+                <a:solidFill>
+                  <a:srgbClr val="000000"/>
+                </a:solidFill>
+                <a:effectLst/>
+                <a:latin typeface="Tahoma" panose="020B0604030504040204" pitchFamily="34" charset="0"/>
+                <a:ea typeface="Tahoma" panose="020B0604030504040204" pitchFamily="34" charset="0"/>
+                <a:cs typeface="Tahoma" panose="020B0604030504040204" pitchFamily="34" charset="0"/>
+              </a:rPr>
+              <a:t> (incremented by </a:t>
+            </a:r>
+            <a:r>
+              <a:rPr lang="en-US" sz="1600" b="1" i="0" u="none" strike="noStrike" dirty="0">
+                <a:solidFill>
+                  <a:srgbClr val="000000"/>
+                </a:solidFill>
+                <a:effectLst/>
+                <a:latin typeface="Tahoma" panose="020B0604030504040204" pitchFamily="34" charset="0"/>
+                <a:ea typeface="Tahoma" panose="020B0604030504040204" pitchFamily="34" charset="0"/>
+                <a:cs typeface="Tahoma" panose="020B0604030504040204" pitchFamily="34" charset="0"/>
+              </a:rPr>
+              <a:t>0.5</a:t>
+            </a:r>
+            <a:r>
+              <a:rPr lang="en-US" sz="1600" b="0" i="0" u="none" strike="noStrike" dirty="0">
+                <a:solidFill>
+                  <a:srgbClr val="000000"/>
+                </a:solidFill>
+                <a:effectLst/>
+                <a:latin typeface="Tahoma" panose="020B0604030504040204" pitchFamily="34" charset="0"/>
+                <a:ea typeface="Tahoma" panose="020B0604030504040204" pitchFamily="34" charset="0"/>
+                <a:cs typeface="Tahoma" panose="020B0604030504040204" pitchFamily="34" charset="0"/>
+              </a:rPr>
+              <a:t>), ensures a strategic balance between risk mitigation and return maximization.</a:t>
+            </a:r>
+          </a:p>
+          <a:p>
+            <a:pPr marL="285750" indent="-285750" algn="just">
+              <a:buFont typeface="Arial" panose="020B0604020202020204" pitchFamily="34" charset="0"/>
+              <a:buChar char="•"/>
+            </a:pPr>
+            <a:endParaRPr lang="en-US" sz="1600" dirty="0">
+              <a:solidFill>
+                <a:srgbClr val="000000"/>
+              </a:solidFill>
+              <a:latin typeface="Tahoma" panose="020B0604030504040204" pitchFamily="34" charset="0"/>
+              <a:ea typeface="Tahoma" panose="020B0604030504040204" pitchFamily="34" charset="0"/>
+              <a:cs typeface="Tahoma" panose="020B0604030504040204" pitchFamily="34" charset="0"/>
+            </a:endParaRPr>
+          </a:p>
+          <a:p>
+            <a:pPr algn="just"/>
+            <a:r>
+              <a:rPr lang="en-US" sz="1600" b="1" i="0" u="none" strike="noStrike" dirty="0">
+                <a:solidFill>
+                  <a:srgbClr val="000000"/>
+                </a:solidFill>
+                <a:effectLst/>
+                <a:latin typeface="Tahoma" panose="020B0604030504040204" pitchFamily="34" charset="0"/>
+                <a:ea typeface="Tahoma" panose="020B0604030504040204" pitchFamily="34" charset="0"/>
+                <a:cs typeface="Tahoma" panose="020B0604030504040204" pitchFamily="34" charset="0"/>
+              </a:rPr>
+              <a:t>Strategic Leverage Utilization</a:t>
+            </a:r>
+          </a:p>
+          <a:p>
+            <a:pPr marL="285750" indent="-285750" algn="just">
+              <a:buFont typeface="Arial" panose="020B0604020202020204" pitchFamily="34" charset="0"/>
+              <a:buChar char="•"/>
+            </a:pPr>
+            <a:r>
+              <a:rPr lang="en-US" sz="1600" b="0" i="0" u="none" strike="noStrike" dirty="0">
+                <a:solidFill>
+                  <a:srgbClr val="000000"/>
+                </a:solidFill>
+                <a:effectLst/>
+                <a:latin typeface="Tahoma" panose="020B0604030504040204" pitchFamily="34" charset="0"/>
+                <a:ea typeface="Tahoma" panose="020B0604030504040204" pitchFamily="34" charset="0"/>
+                <a:cs typeface="Tahoma" panose="020B0604030504040204" pitchFamily="34" charset="0"/>
+              </a:rPr>
+              <a:t>Leveraging our capital at a </a:t>
+            </a:r>
+            <a:r>
+              <a:rPr lang="en-US" sz="1600" b="1" i="0" u="none" strike="noStrike" dirty="0">
+                <a:solidFill>
+                  <a:srgbClr val="000000"/>
+                </a:solidFill>
+                <a:effectLst/>
+                <a:latin typeface="Tahoma" panose="020B0604030504040204" pitchFamily="34" charset="0"/>
+                <a:ea typeface="Tahoma" panose="020B0604030504040204" pitchFamily="34" charset="0"/>
+                <a:cs typeface="Tahoma" panose="020B0604030504040204" pitchFamily="34" charset="0"/>
+              </a:rPr>
+              <a:t>6:1 ratio</a:t>
+            </a:r>
+            <a:r>
+              <a:rPr lang="en-US" sz="1600" b="0" i="0" u="none" strike="noStrike" dirty="0">
+                <a:solidFill>
+                  <a:srgbClr val="000000"/>
+                </a:solidFill>
+                <a:effectLst/>
+                <a:latin typeface="Tahoma" panose="020B0604030504040204" pitchFamily="34" charset="0"/>
+                <a:ea typeface="Tahoma" panose="020B0604030504040204" pitchFamily="34" charset="0"/>
+                <a:cs typeface="Tahoma" panose="020B0604030504040204" pitchFamily="34" charset="0"/>
+              </a:rPr>
+              <a:t>, aligned with FINRA’s 15-20% margin requirements for market-neutral equity portfolios, we amplify return potential while adhering to rigorous risk management protocols. This disciplined approach ensures efficient capital deployment without compromising portfolio integrity.</a:t>
+            </a:r>
+          </a:p>
+          <a:p>
+            <a:pPr algn="just"/>
+            <a:endParaRPr lang="en-US" sz="1600" b="1" dirty="0">
+              <a:latin typeface="Tahoma" panose="020B0604030504040204" pitchFamily="34" charset="0"/>
+              <a:ea typeface="Tahoma" panose="020B0604030504040204" pitchFamily="34" charset="0"/>
+              <a:cs typeface="Tahoma" panose="020B0604030504040204" pitchFamily="34" charset="0"/>
+            </a:endParaRPr>
+          </a:p>
+          <a:p>
             <a:endParaRPr lang="en-US" sz="1600" dirty="0">
               <a:latin typeface="Tahoma" panose="020B0604030504040204" pitchFamily="34" charset="0"/>
               <a:ea typeface="Tahoma" panose="020B0604030504040204" pitchFamily="34" charset="0"/>
               <a:cs typeface="Tahoma" panose="020B0604030504040204" pitchFamily="34" charset="0"/>
             </a:endParaRPr>
           </a:p>
-          <a:p>
-            <a:pPr marL="285750" indent="-285750">
-              <a:buFont typeface="Arial" panose="020B0604020202020204" pitchFamily="34" charset="0"/>
-              <a:buChar char="•"/>
-            </a:pPr>
-            <a:r>
-              <a:rPr lang="en-US" sz="1600" dirty="0">
-                <a:latin typeface="Tahoma" panose="020B0604030504040204" pitchFamily="34" charset="0"/>
-                <a:ea typeface="Tahoma" panose="020B0604030504040204" pitchFamily="34" charset="0"/>
-                <a:cs typeface="Tahoma" panose="020B0604030504040204" pitchFamily="34" charset="0"/>
-              </a:rPr>
-              <a:t>Trades executed exclusively in high-volume Energy sector stocks to minimize slippage and transaction costs.</a:t>
-            </a:r>
-          </a:p>
-          <a:p>
-            <a:pPr marL="285750" indent="-285750">
-              <a:buFont typeface="Arial" panose="020B0604020202020204" pitchFamily="34" charset="0"/>
-              <a:buChar char="•"/>
-            </a:pPr>
-            <a:r>
-              <a:rPr lang="en-US" sz="1600" dirty="0">
-                <a:latin typeface="Tahoma" panose="020B0604030504040204" pitchFamily="34" charset="0"/>
-                <a:ea typeface="Tahoma" panose="020B0604030504040204" pitchFamily="34" charset="0"/>
-                <a:cs typeface="Tahoma" panose="020B0604030504040204" pitchFamily="34" charset="0"/>
-              </a:rPr>
-              <a:t>Average transaction cost of </a:t>
-            </a:r>
-            <a:r>
-              <a:rPr lang="en-US" sz="1600" b="1" dirty="0">
-                <a:latin typeface="Tahoma" panose="020B0604030504040204" pitchFamily="34" charset="0"/>
-                <a:ea typeface="Tahoma" panose="020B0604030504040204" pitchFamily="34" charset="0"/>
-                <a:cs typeface="Tahoma" panose="020B0604030504040204" pitchFamily="34" charset="0"/>
-              </a:rPr>
-              <a:t>0.065% per stock/transaction</a:t>
-            </a:r>
-            <a:r>
-              <a:rPr lang="en-US" sz="1600" dirty="0">
-                <a:latin typeface="Tahoma" panose="020B0604030504040204" pitchFamily="34" charset="0"/>
-                <a:ea typeface="Tahoma" panose="020B0604030504040204" pitchFamily="34" charset="0"/>
-                <a:cs typeface="Tahoma" panose="020B0604030504040204" pitchFamily="34" charset="0"/>
-              </a:rPr>
-              <a:t>, based on NYSE benchmarks for cost efficiency.</a:t>
-            </a:r>
-          </a:p>
-          <a:p>
-            <a:endParaRPr lang="en-US" sz="1600" b="1" dirty="0">
-              <a:latin typeface="Tahoma" panose="020B0604030504040204" pitchFamily="34" charset="0"/>
-              <a:ea typeface="Tahoma" panose="020B0604030504040204" pitchFamily="34" charset="0"/>
-              <a:cs typeface="Tahoma" panose="020B0604030504040204" pitchFamily="34" charset="0"/>
-            </a:endParaRPr>
-          </a:p>
-          <a:p>
-            <a:r>
-              <a:rPr lang="en-US" sz="1600" b="1" dirty="0">
-                <a:latin typeface="Tahoma" panose="020B0604030504040204" pitchFamily="34" charset="0"/>
-                <a:ea typeface="Tahoma" panose="020B0604030504040204" pitchFamily="34" charset="0"/>
-                <a:cs typeface="Tahoma" panose="020B0604030504040204" pitchFamily="34" charset="0"/>
-              </a:rPr>
-              <a:t>Portfolio Scope and Scale</a:t>
-            </a:r>
-          </a:p>
-          <a:p>
-            <a:endParaRPr lang="en-US" sz="1600" b="1" dirty="0">
-              <a:latin typeface="Tahoma" panose="020B0604030504040204" pitchFamily="34" charset="0"/>
-              <a:ea typeface="Tahoma" panose="020B0604030504040204" pitchFamily="34" charset="0"/>
-              <a:cs typeface="Tahoma" panose="020B0604030504040204" pitchFamily="34" charset="0"/>
-            </a:endParaRPr>
-          </a:p>
-          <a:p>
-            <a:pPr marL="285750" indent="-285750">
-              <a:buFont typeface="Arial" panose="020B0604020202020204" pitchFamily="34" charset="0"/>
-              <a:buChar char="•"/>
-            </a:pPr>
-            <a:r>
-              <a:rPr lang="en-US" sz="1600" dirty="0">
-                <a:latin typeface="Tahoma" panose="020B0604030504040204" pitchFamily="34" charset="0"/>
-                <a:ea typeface="Tahoma" panose="020B0604030504040204" pitchFamily="34" charset="0"/>
-                <a:cs typeface="Tahoma" panose="020B0604030504040204" pitchFamily="34" charset="0"/>
-              </a:rPr>
-              <a:t>Tracking and trading </a:t>
-            </a:r>
-            <a:r>
-              <a:rPr lang="en-US" sz="1600" b="1" dirty="0">
-                <a:latin typeface="Tahoma" panose="020B0604030504040204" pitchFamily="34" charset="0"/>
-                <a:ea typeface="Tahoma" panose="020B0604030504040204" pitchFamily="34" charset="0"/>
-                <a:cs typeface="Tahoma" panose="020B0604030504040204" pitchFamily="34" charset="0"/>
-              </a:rPr>
-              <a:t>20+ carefully selected tickers</a:t>
-            </a:r>
-            <a:r>
-              <a:rPr lang="en-US" sz="1600" dirty="0">
-                <a:latin typeface="Tahoma" panose="020B0604030504040204" pitchFamily="34" charset="0"/>
-                <a:ea typeface="Tahoma" panose="020B0604030504040204" pitchFamily="34" charset="0"/>
-                <a:cs typeface="Tahoma" panose="020B0604030504040204" pitchFamily="34" charset="0"/>
-              </a:rPr>
-              <a:t>, ensuring statistical stability and market liquidity.</a:t>
-            </a:r>
-          </a:p>
-          <a:p>
-            <a:endParaRPr lang="en-US" sz="1600" dirty="0">
-              <a:latin typeface="Tahoma" panose="020B0604030504040204" pitchFamily="34" charset="0"/>
-              <a:ea typeface="Tahoma" panose="020B0604030504040204" pitchFamily="34" charset="0"/>
-              <a:cs typeface="Tahoma" panose="020B0604030504040204" pitchFamily="34" charset="0"/>
-            </a:endParaRPr>
-          </a:p>
         </p:txBody>
       </p:sp>
       <p:sp>
@@ -12111,7 +12439,7 @@
         </p:nvSpPr>
         <p:spPr>
           <a:xfrm>
-            <a:off x="391886" y="1032471"/>
+            <a:off x="391886" y="820440"/>
             <a:ext cx="6798656" cy="369332"/>
           </a:xfrm>
           <a:prstGeom prst="rect">
@@ -12166,7 +12494,7 @@
         <p:cNvPr id="1" name="">
           <a:extLst>
             <a:ext uri="{FF2B5EF4-FFF2-40B4-BE49-F238E27FC236}">
-              <a16:creationId xmlns:a16="http://schemas.microsoft.com/office/drawing/2014/main" id="{AA90DC1B-C1A7-9A88-5FFB-EF255F0E7517}"/>
+              <a16:creationId xmlns:a16="http://schemas.microsoft.com/office/drawing/2014/main" id="{AB7CF21C-5E74-3F77-DC5C-8E7396EAE246}"/>
             </a:ext>
           </a:extLst>
         </p:cNvPr>
@@ -12186,7 +12514,7 @@
           <p:cNvPr id="4" name="Rectangle 3">
             <a:extLst>
               <a:ext uri="{FF2B5EF4-FFF2-40B4-BE49-F238E27FC236}">
-                <a16:creationId xmlns:a16="http://schemas.microsoft.com/office/drawing/2014/main" id="{A869BED0-0D44-6FFF-41DD-EAC681E07FCD}"/>
+                <a16:creationId xmlns:a16="http://schemas.microsoft.com/office/drawing/2014/main" id="{D75B5385-3C17-0BC2-C40E-B957FCFE02D8}"/>
               </a:ext>
             </a:extLst>
           </p:cNvPr>
@@ -12232,7 +12560,7 @@
           <p:cNvPr id="5" name="Picture 10" descr="The University of Chicago Library - The University of Chicago Library">
             <a:extLst>
               <a:ext uri="{FF2B5EF4-FFF2-40B4-BE49-F238E27FC236}">
-                <a16:creationId xmlns:a16="http://schemas.microsoft.com/office/drawing/2014/main" id="{04DD7080-84B5-3EBF-B1BB-8F58E1EC413E}"/>
+                <a16:creationId xmlns:a16="http://schemas.microsoft.com/office/drawing/2014/main" id="{0233A8DF-C7B2-2903-45EE-45005A07B04F}"/>
               </a:ext>
             </a:extLst>
           </p:cNvPr>
@@ -12279,7 +12607,7 @@
           <p:cNvPr id="2" name="TextBox 1">
             <a:extLst>
               <a:ext uri="{FF2B5EF4-FFF2-40B4-BE49-F238E27FC236}">
-                <a16:creationId xmlns:a16="http://schemas.microsoft.com/office/drawing/2014/main" id="{C6703BBC-4954-28E0-4B36-DA5301D3C5AB}"/>
+                <a16:creationId xmlns:a16="http://schemas.microsoft.com/office/drawing/2014/main" id="{17DD5186-A0AA-4C1D-C97F-D096ADA1008E}"/>
               </a:ext>
             </a:extLst>
           </p:cNvPr>
@@ -12288,7 +12616,7 @@
         </p:nvSpPr>
         <p:spPr>
           <a:xfrm>
-            <a:off x="420022" y="298296"/>
+            <a:off x="405954" y="382703"/>
             <a:ext cx="10010898" cy="461665"/>
           </a:xfrm>
           <a:prstGeom prst="rect">
@@ -12309,7 +12637,7 @@
                 <a:ea typeface="Tahoma" panose="020B0604030504040204" pitchFamily="34" charset="0"/>
                 <a:cs typeface="Tahoma" panose="020B0604030504040204" pitchFamily="34" charset="0"/>
               </a:rPr>
-              <a:t>Risk Management Framework</a:t>
+              <a:t>Trade Lifecycle Example</a:t>
             </a:r>
             <a:endParaRPr lang="en-US" sz="2400" b="0" i="0" u="none" strike="noStrike" dirty="0">
               <a:effectLst/>
@@ -12320,10 +12648,40 @@
           </a:p>
         </p:txBody>
       </p:sp>
+      <p:pic>
+        <p:nvPicPr>
+          <p:cNvPr id="10" name="Picture 9" descr="A screenshot of a graph&#10;&#10;Description automatically generated">
+            <a:extLst>
+              <a:ext uri="{FF2B5EF4-FFF2-40B4-BE49-F238E27FC236}">
+                <a16:creationId xmlns:a16="http://schemas.microsoft.com/office/drawing/2014/main" id="{75C2276F-F979-490A-9D68-05872CA4273B}"/>
+              </a:ext>
+            </a:extLst>
+          </p:cNvPr>
+          <p:cNvPicPr>
+            <a:picLocks noChangeAspect="1"/>
+          </p:cNvPicPr>
+          <p:nvPr/>
+        </p:nvPicPr>
+        <p:blipFill>
+          <a:blip r:embed="rId4"/>
+          <a:stretch>
+            <a:fillRect/>
+          </a:stretch>
+        </p:blipFill>
+        <p:spPr>
+          <a:xfrm>
+            <a:off x="2162211" y="944616"/>
+            <a:ext cx="7867578" cy="5427188"/>
+          </a:xfrm>
+          <a:prstGeom prst="rect">
+            <a:avLst/>
+          </a:prstGeom>
+        </p:spPr>
+      </p:pic>
     </p:spTree>
     <p:extLst>
       <p:ext uri="{BB962C8B-B14F-4D97-AF65-F5344CB8AC3E}">
-        <p14:creationId xmlns:p14="http://schemas.microsoft.com/office/powerpoint/2010/main" val="3157695077"/>
+        <p14:creationId xmlns:p14="http://schemas.microsoft.com/office/powerpoint/2010/main" val="1211674497"/>
       </p:ext>
     </p:extLst>
   </p:cSld>
@@ -12341,7 +12699,7 @@
         <p:cNvPr id="1" name="">
           <a:extLst>
             <a:ext uri="{FF2B5EF4-FFF2-40B4-BE49-F238E27FC236}">
-              <a16:creationId xmlns:a16="http://schemas.microsoft.com/office/drawing/2014/main" id="{AB7CF21C-5E74-3F77-DC5C-8E7396EAE246}"/>
+              <a16:creationId xmlns:a16="http://schemas.microsoft.com/office/drawing/2014/main" id="{065B6449-66D6-0FAC-9B0D-EA8E968F9E83}"/>
             </a:ext>
           </a:extLst>
         </p:cNvPr>
@@ -12361,7 +12719,7 @@
           <p:cNvPr id="4" name="Rectangle 3">
             <a:extLst>
               <a:ext uri="{FF2B5EF4-FFF2-40B4-BE49-F238E27FC236}">
-                <a16:creationId xmlns:a16="http://schemas.microsoft.com/office/drawing/2014/main" id="{D75B5385-3C17-0BC2-C40E-B957FCFE02D8}"/>
+                <a16:creationId xmlns:a16="http://schemas.microsoft.com/office/drawing/2014/main" id="{83BC903F-D07B-55F7-94CA-3F844B1E4897}"/>
               </a:ext>
             </a:extLst>
           </p:cNvPr>
@@ -12407,7 +12765,7 @@
           <p:cNvPr id="5" name="Picture 10" descr="The University of Chicago Library - The University of Chicago Library">
             <a:extLst>
               <a:ext uri="{FF2B5EF4-FFF2-40B4-BE49-F238E27FC236}">
-                <a16:creationId xmlns:a16="http://schemas.microsoft.com/office/drawing/2014/main" id="{0233A8DF-C7B2-2903-45EE-45005A07B04F}"/>
+                <a16:creationId xmlns:a16="http://schemas.microsoft.com/office/drawing/2014/main" id="{11A47908-C196-AAC2-F2B9-BF36AE40B06E}"/>
               </a:ext>
             </a:extLst>
           </p:cNvPr>
@@ -12454,7 +12812,7 @@
           <p:cNvPr id="2" name="TextBox 1">
             <a:extLst>
               <a:ext uri="{FF2B5EF4-FFF2-40B4-BE49-F238E27FC236}">
-                <a16:creationId xmlns:a16="http://schemas.microsoft.com/office/drawing/2014/main" id="{17DD5186-A0AA-4C1D-C97F-D096ADA1008E}"/>
+                <a16:creationId xmlns:a16="http://schemas.microsoft.com/office/drawing/2014/main" id="{099F4F02-D2CD-AB46-1587-2A49233C877A}"/>
               </a:ext>
             </a:extLst>
           </p:cNvPr>
@@ -12463,7 +12821,7 @@
         </p:nvSpPr>
         <p:spPr>
           <a:xfrm>
-            <a:off x="405954" y="382703"/>
+            <a:off x="377818" y="326432"/>
             <a:ext cx="10010898" cy="461665"/>
           </a:xfrm>
           <a:prstGeom prst="rect">
@@ -12484,7 +12842,7 @@
                 <a:ea typeface="Tahoma" panose="020B0604030504040204" pitchFamily="34" charset="0"/>
                 <a:cs typeface="Tahoma" panose="020B0604030504040204" pitchFamily="34" charset="0"/>
               </a:rPr>
-              <a:t>Trade Lifecycle Example</a:t>
+              <a:t>Strategy Performance</a:t>
             </a:r>
             <a:endParaRPr lang="en-US" sz="2400" b="0" i="0" u="none" strike="noStrike" dirty="0">
               <a:effectLst/>
@@ -12495,10 +12853,40 @@
           </a:p>
         </p:txBody>
       </p:sp>
+      <p:pic>
+        <p:nvPicPr>
+          <p:cNvPr id="6" name="Picture 5" descr="A graph of red and blue lines&#10;&#10;Description automatically generated">
+            <a:extLst>
+              <a:ext uri="{FF2B5EF4-FFF2-40B4-BE49-F238E27FC236}">
+                <a16:creationId xmlns:a16="http://schemas.microsoft.com/office/drawing/2014/main" id="{C4B550EF-D9A0-D83D-C2FC-66D8DD803FF0}"/>
+              </a:ext>
+            </a:extLst>
+          </p:cNvPr>
+          <p:cNvPicPr>
+            <a:picLocks noChangeAspect="1"/>
+          </p:cNvPicPr>
+          <p:nvPr/>
+        </p:nvPicPr>
+        <p:blipFill>
+          <a:blip r:embed="rId4"/>
+          <a:stretch>
+            <a:fillRect/>
+          </a:stretch>
+        </p:blipFill>
+        <p:spPr>
+          <a:xfrm>
+            <a:off x="1214145" y="853438"/>
+            <a:ext cx="9763709" cy="5314865"/>
+          </a:xfrm>
+          <a:prstGeom prst="rect">
+            <a:avLst/>
+          </a:prstGeom>
+        </p:spPr>
+      </p:pic>
     </p:spTree>
     <p:extLst>
       <p:ext uri="{BB962C8B-B14F-4D97-AF65-F5344CB8AC3E}">
-        <p14:creationId xmlns:p14="http://schemas.microsoft.com/office/powerpoint/2010/main" val="1211674497"/>
+        <p14:creationId xmlns:p14="http://schemas.microsoft.com/office/powerpoint/2010/main" val="3816805104"/>
       </p:ext>
     </p:extLst>
   </p:cSld>
@@ -12516,7 +12904,7 @@
         <p:cNvPr id="1" name="">
           <a:extLst>
             <a:ext uri="{FF2B5EF4-FFF2-40B4-BE49-F238E27FC236}">
-              <a16:creationId xmlns:a16="http://schemas.microsoft.com/office/drawing/2014/main" id="{065B6449-66D6-0FAC-9B0D-EA8E968F9E83}"/>
+              <a16:creationId xmlns:a16="http://schemas.microsoft.com/office/drawing/2014/main" id="{F2F9A191-6682-B6B3-51EB-8E82D0068E37}"/>
             </a:ext>
           </a:extLst>
         </p:cNvPr>
@@ -12536,7 +12924,7 @@
           <p:cNvPr id="4" name="Rectangle 3">
             <a:extLst>
               <a:ext uri="{FF2B5EF4-FFF2-40B4-BE49-F238E27FC236}">
-                <a16:creationId xmlns:a16="http://schemas.microsoft.com/office/drawing/2014/main" id="{83BC903F-D07B-55F7-94CA-3F844B1E4897}"/>
+                <a16:creationId xmlns:a16="http://schemas.microsoft.com/office/drawing/2014/main" id="{A93AD5A0-8934-B6B6-E3B1-8FAC50A0C6C7}"/>
               </a:ext>
             </a:extLst>
           </p:cNvPr>
@@ -12582,7 +12970,7 @@
           <p:cNvPr id="5" name="Picture 10" descr="The University of Chicago Library - The University of Chicago Library">
             <a:extLst>
               <a:ext uri="{FF2B5EF4-FFF2-40B4-BE49-F238E27FC236}">
-                <a16:creationId xmlns:a16="http://schemas.microsoft.com/office/drawing/2014/main" id="{11A47908-C196-AAC2-F2B9-BF36AE40B06E}"/>
+                <a16:creationId xmlns:a16="http://schemas.microsoft.com/office/drawing/2014/main" id="{50648FA8-DEC7-87D2-27B7-77F6E910AEDC}"/>
               </a:ext>
             </a:extLst>
           </p:cNvPr>
@@ -12629,7 +13017,7 @@
           <p:cNvPr id="2" name="TextBox 1">
             <a:extLst>
               <a:ext uri="{FF2B5EF4-FFF2-40B4-BE49-F238E27FC236}">
-                <a16:creationId xmlns:a16="http://schemas.microsoft.com/office/drawing/2014/main" id="{099F4F02-D2CD-AB46-1587-2A49233C877A}"/>
+                <a16:creationId xmlns:a16="http://schemas.microsoft.com/office/drawing/2014/main" id="{5E30D622-A0A5-AEFE-198A-2F600E92FCD1}"/>
               </a:ext>
             </a:extLst>
           </p:cNvPr>
@@ -12670,10 +13058,421 @@
           </a:p>
         </p:txBody>
       </p:sp>
+      <p:sp>
+        <p:nvSpPr>
+          <p:cNvPr id="3" name="TextBox 2">
+            <a:extLst>
+              <a:ext uri="{FF2B5EF4-FFF2-40B4-BE49-F238E27FC236}">
+                <a16:creationId xmlns:a16="http://schemas.microsoft.com/office/drawing/2014/main" id="{AF2E5F0B-873E-AC97-3C46-04DA91D7B678}"/>
+              </a:ext>
+            </a:extLst>
+          </p:cNvPr>
+          <p:cNvSpPr txBox="1"/>
+          <p:nvPr/>
+        </p:nvSpPr>
+        <p:spPr>
+          <a:xfrm>
+            <a:off x="377818" y="2341021"/>
+            <a:ext cx="11232291" cy="2800767"/>
+          </a:xfrm>
+          <a:prstGeom prst="rect">
+            <a:avLst/>
+          </a:prstGeom>
+          <a:noFill/>
+        </p:spPr>
+        <p:txBody>
+          <a:bodyPr wrap="square" rtlCol="0">
+            <a:spAutoFit/>
+          </a:bodyPr>
+          <a:lstStyle/>
+          <a:p>
+            <a:pPr marL="285750" indent="-285750" algn="just">
+              <a:buFont typeface="Arial" panose="020B0604020202020204" pitchFamily="34" charset="0"/>
+              <a:buChar char="•"/>
+            </a:pPr>
+            <a:r>
+              <a:rPr lang="en-US" sz="1600" b="1" dirty="0">
+                <a:latin typeface="Tahoma" panose="020B0604030504040204" pitchFamily="34" charset="0"/>
+                <a:ea typeface="Tahoma" panose="020B0604030504040204" pitchFamily="34" charset="0"/>
+                <a:cs typeface="Tahoma" panose="020B0604030504040204" pitchFamily="34" charset="0"/>
+              </a:rPr>
+              <a:t>Resilience in Volatile Markets</a:t>
+            </a:r>
+            <a:r>
+              <a:rPr lang="en-US" sz="1600" dirty="0">
+                <a:latin typeface="Tahoma" panose="020B0604030504040204" pitchFamily="34" charset="0"/>
+                <a:ea typeface="Tahoma" panose="020B0604030504040204" pitchFamily="34" charset="0"/>
+                <a:cs typeface="Tahoma" panose="020B0604030504040204" pitchFamily="34" charset="0"/>
+              </a:rPr>
+              <a:t>: Delivered </a:t>
+            </a:r>
+            <a:r>
+              <a:rPr lang="en-US" sz="1600" b="1" dirty="0">
+                <a:latin typeface="Tahoma" panose="020B0604030504040204" pitchFamily="34" charset="0"/>
+                <a:ea typeface="Tahoma" panose="020B0604030504040204" pitchFamily="34" charset="0"/>
+                <a:cs typeface="Tahoma" panose="020B0604030504040204" pitchFamily="34" charset="0"/>
+              </a:rPr>
+              <a:t>52.6% </a:t>
+            </a:r>
+            <a:r>
+              <a:rPr lang="en-US" sz="1600" dirty="0">
+                <a:latin typeface="Tahoma" panose="020B0604030504040204" pitchFamily="34" charset="0"/>
+                <a:ea typeface="Tahoma" panose="020B0604030504040204" pitchFamily="34" charset="0"/>
+                <a:cs typeface="Tahoma" panose="020B0604030504040204" pitchFamily="34" charset="0"/>
+              </a:rPr>
+              <a:t>return in 2020 vs. benchmark’s -</a:t>
+            </a:r>
+            <a:r>
+              <a:rPr lang="en-US" sz="1600" b="1" dirty="0">
+                <a:latin typeface="Tahoma" panose="020B0604030504040204" pitchFamily="34" charset="0"/>
+                <a:ea typeface="Tahoma" panose="020B0604030504040204" pitchFamily="34" charset="0"/>
+                <a:cs typeface="Tahoma" panose="020B0604030504040204" pitchFamily="34" charset="0"/>
+              </a:rPr>
+              <a:t>20.9%</a:t>
+            </a:r>
+            <a:r>
+              <a:rPr lang="en-US" sz="1600" dirty="0">
+                <a:latin typeface="Tahoma" panose="020B0604030504040204" pitchFamily="34" charset="0"/>
+                <a:ea typeface="Tahoma" panose="020B0604030504040204" pitchFamily="34" charset="0"/>
+                <a:cs typeface="Tahoma" panose="020B0604030504040204" pitchFamily="34" charset="0"/>
+              </a:rPr>
+              <a:t>,</a:t>
+            </a:r>
+            <a:r>
+              <a:rPr lang="en-US" sz="1600" b="1" dirty="0">
+                <a:latin typeface="Tahoma" panose="020B0604030504040204" pitchFamily="34" charset="0"/>
+                <a:ea typeface="Tahoma" panose="020B0604030504040204" pitchFamily="34" charset="0"/>
+                <a:cs typeface="Tahoma" panose="020B0604030504040204" pitchFamily="34" charset="0"/>
+              </a:rPr>
+              <a:t> </a:t>
+            </a:r>
+            <a:r>
+              <a:rPr lang="en-US" sz="1600" dirty="0">
+                <a:latin typeface="Tahoma" panose="020B0604030504040204" pitchFamily="34" charset="0"/>
+                <a:ea typeface="Tahoma" panose="020B0604030504040204" pitchFamily="34" charset="0"/>
+                <a:cs typeface="Tahoma" panose="020B0604030504040204" pitchFamily="34" charset="0"/>
+              </a:rPr>
+              <a:t>capitalizing on market downturns with stability.  </a:t>
+            </a:r>
+          </a:p>
+          <a:p>
+            <a:pPr marL="285750" indent="-285750" algn="just">
+              <a:buFont typeface="Arial" panose="020B0604020202020204" pitchFamily="34" charset="0"/>
+              <a:buChar char="•"/>
+            </a:pPr>
+            <a:endParaRPr lang="en-US" sz="1600" dirty="0">
+              <a:latin typeface="Tahoma" panose="020B0604030504040204" pitchFamily="34" charset="0"/>
+              <a:ea typeface="Tahoma" panose="020B0604030504040204" pitchFamily="34" charset="0"/>
+              <a:cs typeface="Tahoma" panose="020B0604030504040204" pitchFamily="34" charset="0"/>
+            </a:endParaRPr>
+          </a:p>
+          <a:p>
+            <a:pPr marL="285750" indent="-285750" algn="just">
+              <a:buFont typeface="Arial" panose="020B0604020202020204" pitchFamily="34" charset="0"/>
+              <a:buChar char="•"/>
+            </a:pPr>
+            <a:r>
+              <a:rPr lang="en-US" sz="1600" b="1" dirty="0">
+                <a:latin typeface="Tahoma" panose="020B0604030504040204" pitchFamily="34" charset="0"/>
+                <a:ea typeface="Tahoma" panose="020B0604030504040204" pitchFamily="34" charset="0"/>
+                <a:cs typeface="Tahoma" panose="020B0604030504040204" pitchFamily="34" charset="0"/>
+              </a:rPr>
+              <a:t>Superior Risk Efficiency</a:t>
+            </a:r>
+            <a:r>
+              <a:rPr lang="en-US" sz="1600" dirty="0">
+                <a:latin typeface="Tahoma" panose="020B0604030504040204" pitchFamily="34" charset="0"/>
+                <a:ea typeface="Tahoma" panose="020B0604030504040204" pitchFamily="34" charset="0"/>
+                <a:cs typeface="Tahoma" panose="020B0604030504040204" pitchFamily="34" charset="0"/>
+              </a:rPr>
+              <a:t>: Sharpe Ratio of </a:t>
+            </a:r>
+            <a:r>
+              <a:rPr lang="en-US" sz="1600" b="1" dirty="0">
+                <a:latin typeface="Tahoma" panose="020B0604030504040204" pitchFamily="34" charset="0"/>
+                <a:ea typeface="Tahoma" panose="020B0604030504040204" pitchFamily="34" charset="0"/>
+                <a:cs typeface="Tahoma" panose="020B0604030504040204" pitchFamily="34" charset="0"/>
+              </a:rPr>
+              <a:t>0.68</a:t>
+            </a:r>
+            <a:r>
+              <a:rPr lang="en-US" sz="1600" dirty="0">
+                <a:latin typeface="Tahoma" panose="020B0604030504040204" pitchFamily="34" charset="0"/>
+                <a:ea typeface="Tahoma" panose="020B0604030504040204" pitchFamily="34" charset="0"/>
+                <a:cs typeface="Tahoma" panose="020B0604030504040204" pitchFamily="34" charset="0"/>
+              </a:rPr>
+              <a:t> (vs. </a:t>
+            </a:r>
+            <a:r>
+              <a:rPr lang="en-US" sz="1600" b="1" dirty="0">
+                <a:latin typeface="Tahoma" panose="020B0604030504040204" pitchFamily="34" charset="0"/>
+                <a:ea typeface="Tahoma" panose="020B0604030504040204" pitchFamily="34" charset="0"/>
+                <a:cs typeface="Tahoma" panose="020B0604030504040204" pitchFamily="34" charset="0"/>
+              </a:rPr>
+              <a:t>0.53</a:t>
+            </a:r>
+            <a:r>
+              <a:rPr lang="en-US" sz="1600" dirty="0">
+                <a:latin typeface="Tahoma" panose="020B0604030504040204" pitchFamily="34" charset="0"/>
+                <a:ea typeface="Tahoma" panose="020B0604030504040204" pitchFamily="34" charset="0"/>
+                <a:cs typeface="Tahoma" panose="020B0604030504040204" pitchFamily="34" charset="0"/>
+              </a:rPr>
+              <a:t> benchmark) and lower volatility (</a:t>
+            </a:r>
+            <a:r>
+              <a:rPr lang="en-US" sz="1600" b="1" dirty="0">
+                <a:latin typeface="Tahoma" panose="020B0604030504040204" pitchFamily="34" charset="0"/>
+                <a:ea typeface="Tahoma" panose="020B0604030504040204" pitchFamily="34" charset="0"/>
+                <a:cs typeface="Tahoma" panose="020B0604030504040204" pitchFamily="34" charset="0"/>
+              </a:rPr>
+              <a:t>16%</a:t>
+            </a:r>
+            <a:r>
+              <a:rPr lang="en-US" sz="1600" dirty="0">
+                <a:latin typeface="Tahoma" panose="020B0604030504040204" pitchFamily="34" charset="0"/>
+                <a:ea typeface="Tahoma" panose="020B0604030504040204" pitchFamily="34" charset="0"/>
+                <a:cs typeface="Tahoma" panose="020B0604030504040204" pitchFamily="34" charset="0"/>
+              </a:rPr>
+              <a:t> vs. </a:t>
+            </a:r>
+            <a:r>
+              <a:rPr lang="en-US" sz="1600" b="1" dirty="0">
+                <a:latin typeface="Tahoma" panose="020B0604030504040204" pitchFamily="34" charset="0"/>
+                <a:ea typeface="Tahoma" panose="020B0604030504040204" pitchFamily="34" charset="0"/>
+                <a:cs typeface="Tahoma" panose="020B0604030504040204" pitchFamily="34" charset="0"/>
+              </a:rPr>
+              <a:t>37%</a:t>
+            </a:r>
+            <a:r>
+              <a:rPr lang="en-US" sz="1600" dirty="0">
+                <a:latin typeface="Tahoma" panose="020B0604030504040204" pitchFamily="34" charset="0"/>
+                <a:ea typeface="Tahoma" panose="020B0604030504040204" pitchFamily="34" charset="0"/>
+                <a:cs typeface="Tahoma" panose="020B0604030504040204" pitchFamily="34" charset="0"/>
+              </a:rPr>
+              <a:t>) reflect disciplined risk management.  </a:t>
+            </a:r>
+          </a:p>
+          <a:p>
+            <a:pPr marL="285750" indent="-285750" algn="just">
+              <a:buFont typeface="Arial" panose="020B0604020202020204" pitchFamily="34" charset="0"/>
+              <a:buChar char="•"/>
+            </a:pPr>
+            <a:endParaRPr lang="en-US" sz="1600" dirty="0">
+              <a:latin typeface="Tahoma" panose="020B0604030504040204" pitchFamily="34" charset="0"/>
+              <a:ea typeface="Tahoma" panose="020B0604030504040204" pitchFamily="34" charset="0"/>
+              <a:cs typeface="Tahoma" panose="020B0604030504040204" pitchFamily="34" charset="0"/>
+            </a:endParaRPr>
+          </a:p>
+          <a:p>
+            <a:pPr marL="285750" indent="-285750" algn="just">
+              <a:buFont typeface="Arial" panose="020B0604020202020204" pitchFamily="34" charset="0"/>
+              <a:buChar char="•"/>
+            </a:pPr>
+            <a:r>
+              <a:rPr lang="en-US" sz="1600" b="1" dirty="0">
+                <a:latin typeface="Tahoma" panose="020B0604030504040204" pitchFamily="34" charset="0"/>
+                <a:ea typeface="Tahoma" panose="020B0604030504040204" pitchFamily="34" charset="0"/>
+                <a:cs typeface="Tahoma" panose="020B0604030504040204" pitchFamily="34" charset="0"/>
+              </a:rPr>
+              <a:t>Drawdown Control</a:t>
+            </a:r>
+            <a:r>
+              <a:rPr lang="en-US" sz="1600" dirty="0">
+                <a:latin typeface="Tahoma" panose="020B0604030504040204" pitchFamily="34" charset="0"/>
+                <a:ea typeface="Tahoma" panose="020B0604030504040204" pitchFamily="34" charset="0"/>
+                <a:cs typeface="Tahoma" panose="020B0604030504040204" pitchFamily="34" charset="0"/>
+              </a:rPr>
+              <a:t>: Maximum drawdown of </a:t>
+            </a:r>
+            <a:r>
+              <a:rPr lang="en-US" sz="1600" b="1" dirty="0">
+                <a:latin typeface="Tahoma" panose="020B0604030504040204" pitchFamily="34" charset="0"/>
+                <a:ea typeface="Tahoma" panose="020B0604030504040204" pitchFamily="34" charset="0"/>
+                <a:cs typeface="Tahoma" panose="020B0604030504040204" pitchFamily="34" charset="0"/>
+              </a:rPr>
+              <a:t>-19.3% </a:t>
+            </a:r>
+            <a:r>
+              <a:rPr lang="en-US" sz="1600" dirty="0">
+                <a:latin typeface="Tahoma" panose="020B0604030504040204" pitchFamily="34" charset="0"/>
+                <a:ea typeface="Tahoma" panose="020B0604030504040204" pitchFamily="34" charset="0"/>
+                <a:cs typeface="Tahoma" panose="020B0604030504040204" pitchFamily="34" charset="0"/>
+              </a:rPr>
+              <a:t>vs. benchmark’s </a:t>
+            </a:r>
+            <a:r>
+              <a:rPr lang="en-US" sz="1600" b="1" dirty="0">
+                <a:latin typeface="Tahoma" panose="020B0604030504040204" pitchFamily="34" charset="0"/>
+                <a:ea typeface="Tahoma" panose="020B0604030504040204" pitchFamily="34" charset="0"/>
+                <a:cs typeface="Tahoma" panose="020B0604030504040204" pitchFamily="34" charset="0"/>
+              </a:rPr>
+              <a:t>-63%</a:t>
+            </a:r>
+            <a:r>
+              <a:rPr lang="en-US" sz="1600" dirty="0">
+                <a:latin typeface="Tahoma" panose="020B0604030504040204" pitchFamily="34" charset="0"/>
+                <a:ea typeface="Tahoma" panose="020B0604030504040204" pitchFamily="34" charset="0"/>
+                <a:cs typeface="Tahoma" panose="020B0604030504040204" pitchFamily="34" charset="0"/>
+              </a:rPr>
+              <a:t>,</a:t>
+            </a:r>
+            <a:r>
+              <a:rPr lang="en-US" sz="1600" b="1" dirty="0">
+                <a:latin typeface="Tahoma" panose="020B0604030504040204" pitchFamily="34" charset="0"/>
+                <a:ea typeface="Tahoma" panose="020B0604030504040204" pitchFamily="34" charset="0"/>
+                <a:cs typeface="Tahoma" panose="020B0604030504040204" pitchFamily="34" charset="0"/>
+              </a:rPr>
+              <a:t> </a:t>
+            </a:r>
+            <a:r>
+              <a:rPr lang="en-US" sz="1600" dirty="0">
+                <a:latin typeface="Tahoma" panose="020B0604030504040204" pitchFamily="34" charset="0"/>
+                <a:ea typeface="Tahoma" panose="020B0604030504040204" pitchFamily="34" charset="0"/>
+                <a:cs typeface="Tahoma" panose="020B0604030504040204" pitchFamily="34" charset="0"/>
+              </a:rPr>
+              <a:t>prioritizing capital preservation for risk-averse investors.  </a:t>
+            </a:r>
+          </a:p>
+          <a:p>
+            <a:pPr marL="285750" indent="-285750" algn="just">
+              <a:buFont typeface="Arial" panose="020B0604020202020204" pitchFamily="34" charset="0"/>
+              <a:buChar char="•"/>
+            </a:pPr>
+            <a:endParaRPr lang="en-US" sz="1600" dirty="0">
+              <a:latin typeface="Tahoma" panose="020B0604030504040204" pitchFamily="34" charset="0"/>
+              <a:ea typeface="Tahoma" panose="020B0604030504040204" pitchFamily="34" charset="0"/>
+              <a:cs typeface="Tahoma" panose="020B0604030504040204" pitchFamily="34" charset="0"/>
+            </a:endParaRPr>
+          </a:p>
+          <a:p>
+            <a:pPr marL="285750" indent="-285750" algn="just">
+              <a:buFont typeface="Arial" panose="020B0604020202020204" pitchFamily="34" charset="0"/>
+              <a:buChar char="•"/>
+            </a:pPr>
+            <a:r>
+              <a:rPr lang="en-US" sz="1600" b="1" dirty="0">
+                <a:latin typeface="Tahoma" panose="020B0604030504040204" pitchFamily="34" charset="0"/>
+                <a:ea typeface="Tahoma" panose="020B0604030504040204" pitchFamily="34" charset="0"/>
+                <a:cs typeface="Tahoma" panose="020B0604030504040204" pitchFamily="34" charset="0"/>
+              </a:rPr>
+              <a:t>Limited Upside in Bull Markets</a:t>
+            </a:r>
+            <a:r>
+              <a:rPr lang="en-US" sz="1600" dirty="0">
+                <a:latin typeface="Tahoma" panose="020B0604030504040204" pitchFamily="34" charset="0"/>
+                <a:ea typeface="Tahoma" panose="020B0604030504040204" pitchFamily="34" charset="0"/>
+                <a:cs typeface="Tahoma" panose="020B0604030504040204" pitchFamily="34" charset="0"/>
+              </a:rPr>
+              <a:t>: Underperformed during rallies, with a </a:t>
+            </a:r>
+            <a:r>
+              <a:rPr lang="en-US" sz="1600" b="1" dirty="0">
+                <a:latin typeface="Tahoma" panose="020B0604030504040204" pitchFamily="34" charset="0"/>
+                <a:ea typeface="Tahoma" panose="020B0604030504040204" pitchFamily="34" charset="0"/>
+                <a:cs typeface="Tahoma" panose="020B0604030504040204" pitchFamily="34" charset="0"/>
+              </a:rPr>
+              <a:t>-0.8% </a:t>
+            </a:r>
+            <a:r>
+              <a:rPr lang="en-US" sz="1600" dirty="0">
+                <a:latin typeface="Tahoma" panose="020B0604030504040204" pitchFamily="34" charset="0"/>
+                <a:ea typeface="Tahoma" panose="020B0604030504040204" pitchFamily="34" charset="0"/>
+                <a:cs typeface="Tahoma" panose="020B0604030504040204" pitchFamily="34" charset="0"/>
+              </a:rPr>
+              <a:t>return in 2022 vs. benchmark’s </a:t>
+            </a:r>
+            <a:r>
+              <a:rPr lang="en-US" sz="1600" b="1" dirty="0">
+                <a:latin typeface="Tahoma" panose="020B0604030504040204" pitchFamily="34" charset="0"/>
+                <a:ea typeface="Tahoma" panose="020B0604030504040204" pitchFamily="34" charset="0"/>
+                <a:cs typeface="Tahoma" panose="020B0604030504040204" pitchFamily="34" charset="0"/>
+              </a:rPr>
+              <a:t>56.1%</a:t>
+            </a:r>
+            <a:r>
+              <a:rPr lang="en-US" sz="1600" dirty="0">
+                <a:latin typeface="Tahoma" panose="020B0604030504040204" pitchFamily="34" charset="0"/>
+                <a:ea typeface="Tahoma" panose="020B0604030504040204" pitchFamily="34" charset="0"/>
+                <a:cs typeface="Tahoma" panose="020B0604030504040204" pitchFamily="34" charset="0"/>
+              </a:rPr>
+              <a:t>, signaling refinement opportunities for capturing momentum. </a:t>
+            </a:r>
+          </a:p>
+        </p:txBody>
+      </p:sp>
+      <p:pic>
+        <p:nvPicPr>
+          <p:cNvPr id="7" name="Picture 6">
+            <a:extLst>
+              <a:ext uri="{FF2B5EF4-FFF2-40B4-BE49-F238E27FC236}">
+                <a16:creationId xmlns:a16="http://schemas.microsoft.com/office/drawing/2014/main" id="{A03CE27F-14AE-984E-28FD-22944130EE1C}"/>
+              </a:ext>
+            </a:extLst>
+          </p:cNvPr>
+          <p:cNvPicPr>
+            <a:picLocks noChangeAspect="1"/>
+          </p:cNvPicPr>
+          <p:nvPr/>
+        </p:nvPicPr>
+        <p:blipFill>
+          <a:blip r:embed="rId4"/>
+          <a:stretch>
+            <a:fillRect/>
+          </a:stretch>
+        </p:blipFill>
+        <p:spPr>
+          <a:xfrm>
+            <a:off x="695613" y="1224708"/>
+            <a:ext cx="5552787" cy="569803"/>
+          </a:xfrm>
+          <a:prstGeom prst="rect">
+            <a:avLst/>
+          </a:prstGeom>
+        </p:spPr>
+      </p:pic>
+      <p:sp>
+        <p:nvSpPr>
+          <p:cNvPr id="8" name="TextBox 7">
+            <a:extLst>
+              <a:ext uri="{FF2B5EF4-FFF2-40B4-BE49-F238E27FC236}">
+                <a16:creationId xmlns:a16="http://schemas.microsoft.com/office/drawing/2014/main" id="{5C7BBEAB-2469-F1DA-9378-2D73ACD91139}"/>
+              </a:ext>
+            </a:extLst>
+          </p:cNvPr>
+          <p:cNvSpPr txBox="1"/>
+          <p:nvPr/>
+        </p:nvSpPr>
+        <p:spPr>
+          <a:xfrm>
+            <a:off x="6456219" y="1509609"/>
+            <a:ext cx="2144370" cy="276999"/>
+          </a:xfrm>
+          <a:prstGeom prst="rect">
+            <a:avLst/>
+          </a:prstGeom>
+          <a:noFill/>
+        </p:spPr>
+        <p:txBody>
+          <a:bodyPr wrap="none" rtlCol="0">
+            <a:spAutoFit/>
+          </a:bodyPr>
+          <a:lstStyle/>
+          <a:p>
+            <a:r>
+              <a:rPr lang="en-US" sz="1200" i="1" dirty="0">
+                <a:latin typeface="Tahoma" panose="020B0604030504040204" pitchFamily="34" charset="0"/>
+                <a:ea typeface="Tahoma" panose="020B0604030504040204" pitchFamily="34" charset="0"/>
+                <a:cs typeface="Tahoma" panose="020B0604030504040204" pitchFamily="34" charset="0"/>
+              </a:rPr>
+              <a:t>Trade performance summary</a:t>
+            </a:r>
+          </a:p>
+        </p:txBody>
+      </p:sp>
     </p:spTree>
     <p:extLst>
       <p:ext uri="{BB962C8B-B14F-4D97-AF65-F5344CB8AC3E}">
-        <p14:creationId xmlns:p14="http://schemas.microsoft.com/office/powerpoint/2010/main" val="3816805104"/>
+        <p14:creationId xmlns:p14="http://schemas.microsoft.com/office/powerpoint/2010/main" val="2400666007"/>
       </p:ext>
     </p:extLst>
   </p:cSld>

--- a/project_presentation.pptx
+++ b/project_presentation.pptx
@@ -12,7 +12,7 @@
     <p:sldId id="284" r:id="rId3"/>
     <p:sldId id="285" r:id="rId4"/>
     <p:sldId id="286" r:id="rId5"/>
-    <p:sldId id="275" r:id="rId6"/>
+    <p:sldId id="288" r:id="rId6"/>
     <p:sldId id="276" r:id="rId7"/>
     <p:sldId id="278" r:id="rId8"/>
     <p:sldId id="279" r:id="rId9"/>
@@ -1287,9 +1287,9 @@
   <dgm:cxnLst>
     <dgm:cxn modelId="{C0A76400-94BB-0F45-B65C-B5472CB631D8}" srcId="{67C907BF-4D7B-5A4B-A6D2-B0123FB5CCD1}" destId="{B32F5168-C7AD-5042-9C2A-DC929AE67FFA}" srcOrd="5" destOrd="0" parTransId="{F7BA0190-B1DB-8446-9919-3ABA7857C63E}" sibTransId="{8BB1B9C7-8B93-3C40-A0DE-E5F066DE0B03}"/>
     <dgm:cxn modelId="{278C242F-39A1-434D-B382-9893C573A76B}" type="presOf" srcId="{B32F5168-C7AD-5042-9C2A-DC929AE67FFA}" destId="{15D494E3-2A0F-904A-8B1A-813A3FD12DAF}" srcOrd="0" destOrd="0" presId="urn:microsoft.com/office/officeart/2005/8/layout/chevron2"/>
+    <dgm:cxn modelId="{96C2EC71-E320-1E47-9F7C-582D578EF579}" type="presOf" srcId="{593FEBA3-D17C-4647-9F21-7931379AFF8F}" destId="{7EA6254D-C245-D841-9868-4873F732D348}" srcOrd="0" destOrd="0" presId="urn:microsoft.com/office/officeart/2005/8/layout/chevron2"/>
     <dgm:cxn modelId="{56061554-5EA1-E04A-971A-C58C52735A27}" type="presOf" srcId="{B83226CD-9BCE-FB4E-9DA9-1080B2729E3E}" destId="{C7C5AB77-82B4-B648-BD11-209A4AE0B6E4}" srcOrd="0" destOrd="0" presId="urn:microsoft.com/office/officeart/2005/8/layout/chevron2"/>
     <dgm:cxn modelId="{F6383655-6503-A049-A45F-87058F656346}" srcId="{67C907BF-4D7B-5A4B-A6D2-B0123FB5CCD1}" destId="{593FEBA3-D17C-4647-9F21-7931379AFF8F}" srcOrd="1" destOrd="0" parTransId="{397F6FDF-B336-F440-9C17-36D3CA13B00B}" sibTransId="{E02D9CCD-F34C-AD45-AC4D-0B376E44B969}"/>
-    <dgm:cxn modelId="{96C2EC71-E320-1E47-9F7C-582D578EF579}" type="presOf" srcId="{593FEBA3-D17C-4647-9F21-7931379AFF8F}" destId="{7EA6254D-C245-D841-9868-4873F732D348}" srcOrd="0" destOrd="0" presId="urn:microsoft.com/office/officeart/2005/8/layout/chevron2"/>
     <dgm:cxn modelId="{9C64EA89-BBB5-0641-9116-2E21C8D65C89}" srcId="{67C907BF-4D7B-5A4B-A6D2-B0123FB5CCD1}" destId="{E8DE1C56-8079-8C49-BF68-539592316DCC}" srcOrd="4" destOrd="0" parTransId="{1EF2797A-21BE-844C-8488-38359DC51642}" sibTransId="{5E759286-31BC-6B49-8A22-5879E25A5ADB}"/>
     <dgm:cxn modelId="{4C9F7793-7616-FF4E-ACC0-F858B0F9DECF}" srcId="{67C907BF-4D7B-5A4B-A6D2-B0123FB5CCD1}" destId="{9DD20EE7-EEDA-3149-87C3-5EA5C36F04EF}" srcOrd="2" destOrd="0" parTransId="{F44BCD8D-7586-7845-AC7E-99E1FD6BBE1C}" sibTransId="{14A31638-9F11-4546-85B7-70353E7F474A}"/>
     <dgm:cxn modelId="{0286F2AC-5611-4E4B-8F32-8D8A0A25D0F1}" type="presOf" srcId="{0D97F71C-81AE-D14B-949D-98CBAD0D8D96}" destId="{9DE523B7-1797-3C42-8BF6-17E97D73779D}" srcOrd="0" destOrd="0" presId="urn:microsoft.com/office/officeart/2005/8/layout/chevron2"/>
@@ -3672,7 +3672,7 @@
           <a:p>
             <a:fld id="{7BB07668-3684-0247-BB64-7A66617D6687}" type="datetimeFigureOut">
               <a:rPr lang="en-US" smtClean="0"/>
-              <a:t>12/10/24</a:t>
+              <a:t>12/10/2024</a:t>
             </a:fld>
             <a:endParaRPr lang="en-US"/>
           </a:p>
@@ -5334,7 +5334,7 @@
           <a:p>
             <a:fld id="{FB229DA2-7121-BE47-A7DD-16E166B9E61F}" type="datetimeFigureOut">
               <a:rPr lang="en-US" smtClean="0"/>
-              <a:t>12/10/24</a:t>
+              <a:t>12/10/2024</a:t>
             </a:fld>
             <a:endParaRPr lang="en-US"/>
           </a:p>
@@ -5532,7 +5532,7 @@
           <a:p>
             <a:fld id="{FB229DA2-7121-BE47-A7DD-16E166B9E61F}" type="datetimeFigureOut">
               <a:rPr lang="en-US" smtClean="0"/>
-              <a:t>12/10/24</a:t>
+              <a:t>12/10/2024</a:t>
             </a:fld>
             <a:endParaRPr lang="en-US"/>
           </a:p>
@@ -5740,7 +5740,7 @@
           <a:p>
             <a:fld id="{FB229DA2-7121-BE47-A7DD-16E166B9E61F}" type="datetimeFigureOut">
               <a:rPr lang="en-US" smtClean="0"/>
-              <a:t>12/10/24</a:t>
+              <a:t>12/10/2024</a:t>
             </a:fld>
             <a:endParaRPr lang="en-US"/>
           </a:p>
@@ -5938,7 +5938,7 @@
           <a:p>
             <a:fld id="{FB229DA2-7121-BE47-A7DD-16E166B9E61F}" type="datetimeFigureOut">
               <a:rPr lang="en-US" smtClean="0"/>
-              <a:t>12/10/24</a:t>
+              <a:t>12/10/2024</a:t>
             </a:fld>
             <a:endParaRPr lang="en-US"/>
           </a:p>
@@ -6213,7 +6213,7 @@
           <a:p>
             <a:fld id="{FB229DA2-7121-BE47-A7DD-16E166B9E61F}" type="datetimeFigureOut">
               <a:rPr lang="en-US" smtClean="0"/>
-              <a:t>12/10/24</a:t>
+              <a:t>12/10/2024</a:t>
             </a:fld>
             <a:endParaRPr lang="en-US"/>
           </a:p>
@@ -6478,7 +6478,7 @@
           <a:p>
             <a:fld id="{FB229DA2-7121-BE47-A7DD-16E166B9E61F}" type="datetimeFigureOut">
               <a:rPr lang="en-US" smtClean="0"/>
-              <a:t>12/10/24</a:t>
+              <a:t>12/10/2024</a:t>
             </a:fld>
             <a:endParaRPr lang="en-US"/>
           </a:p>
@@ -6890,7 +6890,7 @@
           <a:p>
             <a:fld id="{FB229DA2-7121-BE47-A7DD-16E166B9E61F}" type="datetimeFigureOut">
               <a:rPr lang="en-US" smtClean="0"/>
-              <a:t>12/10/24</a:t>
+              <a:t>12/10/2024</a:t>
             </a:fld>
             <a:endParaRPr lang="en-US"/>
           </a:p>
@@ -7031,7 +7031,7 @@
           <a:p>
             <a:fld id="{FB229DA2-7121-BE47-A7DD-16E166B9E61F}" type="datetimeFigureOut">
               <a:rPr lang="en-US" smtClean="0"/>
-              <a:t>12/10/24</a:t>
+              <a:t>12/10/2024</a:t>
             </a:fld>
             <a:endParaRPr lang="en-US"/>
           </a:p>
@@ -7144,7 +7144,7 @@
           <a:p>
             <a:fld id="{FB229DA2-7121-BE47-A7DD-16E166B9E61F}" type="datetimeFigureOut">
               <a:rPr lang="en-US" smtClean="0"/>
-              <a:t>12/10/24</a:t>
+              <a:t>12/10/2024</a:t>
             </a:fld>
             <a:endParaRPr lang="en-US"/>
           </a:p>
@@ -7455,7 +7455,7 @@
           <a:p>
             <a:fld id="{FB229DA2-7121-BE47-A7DD-16E166B9E61F}" type="datetimeFigureOut">
               <a:rPr lang="en-US" smtClean="0"/>
-              <a:t>12/10/24</a:t>
+              <a:t>12/10/2024</a:t>
             </a:fld>
             <a:endParaRPr lang="en-US"/>
           </a:p>
@@ -7743,7 +7743,7 @@
           <a:p>
             <a:fld id="{FB229DA2-7121-BE47-A7DD-16E166B9E61F}" type="datetimeFigureOut">
               <a:rPr lang="en-US" smtClean="0"/>
-              <a:t>12/10/24</a:t>
+              <a:t>12/10/2024</a:t>
             </a:fld>
             <a:endParaRPr lang="en-US"/>
           </a:p>
@@ -7984,7 +7984,7 @@
           <a:p>
             <a:fld id="{FB229DA2-7121-BE47-A7DD-16E166B9E61F}" type="datetimeFigureOut">
               <a:rPr lang="en-US" smtClean="0"/>
-              <a:t>12/10/24</a:t>
+              <a:t>12/10/2024</a:t>
             </a:fld>
             <a:endParaRPr lang="en-US"/>
           </a:p>
@@ -11643,6 +11643,314 @@
           <a:chExt cx="0" cy="0"/>
         </a:xfrm>
       </p:grpSpPr>
+      <p:pic>
+        <p:nvPicPr>
+          <p:cNvPr id="7" name="Picture 6">
+            <a:extLst>
+              <a:ext uri="{FF2B5EF4-FFF2-40B4-BE49-F238E27FC236}">
+                <a16:creationId xmlns:a16="http://schemas.microsoft.com/office/drawing/2014/main" id="{489029D4-4E4C-03F5-DC4E-F258271856EC}"/>
+              </a:ext>
+            </a:extLst>
+          </p:cNvPr>
+          <p:cNvPicPr>
+            <a:picLocks noChangeAspect="1"/>
+          </p:cNvPicPr>
+          <p:nvPr/>
+        </p:nvPicPr>
+        <p:blipFill>
+          <a:blip r:embed="rId3"/>
+          <a:srcRect r="2" b="19991"/>
+          <a:stretch/>
+        </p:blipFill>
+        <p:spPr>
+          <a:xfrm>
+            <a:off x="279143" y="299509"/>
+            <a:ext cx="5221625" cy="6258983"/>
+          </a:xfrm>
+          <a:prstGeom prst="rect">
+            <a:avLst/>
+          </a:prstGeom>
+        </p:spPr>
+      </p:pic>
+      <p:sp>
+        <p:nvSpPr>
+          <p:cNvPr id="6" name="TextBox 5">
+            <a:extLst>
+              <a:ext uri="{FF2B5EF4-FFF2-40B4-BE49-F238E27FC236}">
+                <a16:creationId xmlns:a16="http://schemas.microsoft.com/office/drawing/2014/main" id="{B63D0E79-F223-C2FD-B7DD-C3974A8FD7A7}"/>
+              </a:ext>
+            </a:extLst>
+          </p:cNvPr>
+          <p:cNvSpPr txBox="1"/>
+          <p:nvPr/>
+        </p:nvSpPr>
+        <p:spPr>
+          <a:xfrm>
+            <a:off x="6132283" y="1177542"/>
+            <a:ext cx="5193578" cy="5105434"/>
+          </a:xfrm>
+          <a:prstGeom prst="rect">
+            <a:avLst/>
+          </a:prstGeom>
+        </p:spPr>
+        <p:txBody>
+          <a:bodyPr vert="horz" lIns="91440" tIns="45720" rIns="91440" bIns="45720" rtlCol="0" anchor="t">
+            <a:noAutofit/>
+          </a:bodyPr>
+          <a:lstStyle/>
+          <a:p>
+            <a:pPr marL="285750" indent="-228600">
+              <a:lnSpc>
+                <a:spcPct val="90000"/>
+              </a:lnSpc>
+              <a:spcAft>
+                <a:spcPts val="600"/>
+              </a:spcAft>
+              <a:buFont typeface="Arial" panose="020B0604020202020204" pitchFamily="34" charset="0"/>
+              <a:buChar char="•"/>
+            </a:pPr>
+            <a:r>
+              <a:rPr lang="en-US" sz="1600" b="1" i="0" u="none" strike="noStrike" dirty="0">
+                <a:solidFill>
+                  <a:schemeClr val="tx1">
+                    <a:alpha val="80000"/>
+                  </a:schemeClr>
+                </a:solidFill>
+                <a:effectLst/>
+                <a:latin typeface="Tahoma" panose="020B0604030504040204" pitchFamily="34" charset="0"/>
+                <a:ea typeface="Tahoma" panose="020B0604030504040204" pitchFamily="34" charset="0"/>
+                <a:cs typeface="Tahoma" panose="020B0604030504040204" pitchFamily="34" charset="0"/>
+              </a:rPr>
+              <a:t>Liquidity:</a:t>
+            </a:r>
+            <a:r>
+              <a:rPr lang="en-US" sz="1600" dirty="0">
+                <a:solidFill>
+                  <a:schemeClr val="tx1">
+                    <a:alpha val="80000"/>
+                  </a:schemeClr>
+                </a:solidFill>
+                <a:latin typeface="Tahoma" panose="020B0604030504040204" pitchFamily="34" charset="0"/>
+                <a:ea typeface="Tahoma" panose="020B0604030504040204" pitchFamily="34" charset="0"/>
+                <a:cs typeface="Tahoma" panose="020B0604030504040204" pitchFamily="34" charset="0"/>
+              </a:rPr>
+              <a:t> </a:t>
+            </a:r>
+            <a:r>
+              <a:rPr lang="en-US" sz="1600" b="0" i="0" u="none" strike="noStrike" dirty="0">
+                <a:solidFill>
+                  <a:schemeClr val="tx1">
+                    <a:alpha val="80000"/>
+                  </a:schemeClr>
+                </a:solidFill>
+                <a:effectLst/>
+                <a:latin typeface="Tahoma" panose="020B0604030504040204" pitchFamily="34" charset="0"/>
+                <a:ea typeface="Tahoma" panose="020B0604030504040204" pitchFamily="34" charset="0"/>
+                <a:cs typeface="Tahoma" panose="020B0604030504040204" pitchFamily="34" charset="0"/>
+              </a:rPr>
+              <a:t>Portfolio consists of the most highly-traded U.S. energy in the SP500, allowing us to greatly expand our trading capacity.</a:t>
+            </a:r>
+          </a:p>
+          <a:p>
+            <a:pPr marL="285750" indent="-228600">
+              <a:lnSpc>
+                <a:spcPct val="90000"/>
+              </a:lnSpc>
+              <a:spcAft>
+                <a:spcPts val="600"/>
+              </a:spcAft>
+              <a:buFont typeface="Arial" panose="020B0604020202020204" pitchFamily="34" charset="0"/>
+              <a:buChar char="•"/>
+            </a:pPr>
+            <a:r>
+              <a:rPr lang="en-US" sz="1600" b="1" i="0" u="none" strike="noStrike" dirty="0">
+                <a:solidFill>
+                  <a:schemeClr val="tx1">
+                    <a:alpha val="80000"/>
+                  </a:schemeClr>
+                </a:solidFill>
+                <a:effectLst/>
+                <a:latin typeface="Tahoma" panose="020B0604030504040204" pitchFamily="34" charset="0"/>
+                <a:ea typeface="Tahoma" panose="020B0604030504040204" pitchFamily="34" charset="0"/>
+                <a:cs typeface="Tahoma" panose="020B0604030504040204" pitchFamily="34" charset="0"/>
+              </a:rPr>
+              <a:t>Flexibility: </a:t>
+            </a:r>
+            <a:r>
+              <a:rPr lang="en-US" sz="1600" i="0" u="none" strike="noStrike" dirty="0">
+                <a:solidFill>
+                  <a:schemeClr val="tx1">
+                    <a:alpha val="80000"/>
+                  </a:schemeClr>
+                </a:solidFill>
+                <a:effectLst/>
+                <a:latin typeface="Tahoma" panose="020B0604030504040204" pitchFamily="34" charset="0"/>
+                <a:ea typeface="Tahoma" panose="020B0604030504040204" pitchFamily="34" charset="0"/>
+                <a:cs typeface="Tahoma" panose="020B0604030504040204" pitchFamily="34" charset="0"/>
+              </a:rPr>
+              <a:t>Due to our high liquidity, our withdrawal lock-ups are much more flexible, especially compared to peers.</a:t>
+            </a:r>
+            <a:endParaRPr lang="en-US" sz="1600" b="1" i="0" u="none" strike="noStrike" dirty="0">
+              <a:solidFill>
+                <a:schemeClr val="tx1">
+                  <a:alpha val="80000"/>
+                </a:schemeClr>
+              </a:solidFill>
+              <a:effectLst/>
+              <a:latin typeface="Tahoma" panose="020B0604030504040204" pitchFamily="34" charset="0"/>
+              <a:ea typeface="Tahoma" panose="020B0604030504040204" pitchFamily="34" charset="0"/>
+              <a:cs typeface="Tahoma" panose="020B0604030504040204" pitchFamily="34" charset="0"/>
+            </a:endParaRPr>
+          </a:p>
+          <a:p>
+            <a:pPr marL="285750" indent="-228600">
+              <a:lnSpc>
+                <a:spcPct val="90000"/>
+              </a:lnSpc>
+              <a:spcAft>
+                <a:spcPts val="600"/>
+              </a:spcAft>
+              <a:buFont typeface="Arial" panose="020B0604020202020204" pitchFamily="34" charset="0"/>
+              <a:buChar char="•"/>
+            </a:pPr>
+            <a:r>
+              <a:rPr lang="en-US" sz="1600" b="1" dirty="0">
+                <a:solidFill>
+                  <a:schemeClr val="tx1">
+                    <a:alpha val="80000"/>
+                  </a:schemeClr>
+                </a:solidFill>
+                <a:latin typeface="Tahoma" panose="020B0604030504040204" pitchFamily="34" charset="0"/>
+                <a:ea typeface="Tahoma" panose="020B0604030504040204" pitchFamily="34" charset="0"/>
+                <a:cs typeface="Tahoma" panose="020B0604030504040204" pitchFamily="34" charset="0"/>
+              </a:rPr>
+              <a:t>Agility: </a:t>
+            </a:r>
+            <a:r>
+              <a:rPr lang="en-US" sz="1600" dirty="0">
+                <a:solidFill>
+                  <a:schemeClr val="tx1">
+                    <a:alpha val="80000"/>
+                  </a:schemeClr>
+                </a:solidFill>
+                <a:latin typeface="Tahoma" panose="020B0604030504040204" pitchFamily="34" charset="0"/>
+                <a:ea typeface="Tahoma" panose="020B0604030504040204" pitchFamily="34" charset="0"/>
+                <a:cs typeface="Tahoma" panose="020B0604030504040204" pitchFamily="34" charset="0"/>
+              </a:rPr>
+              <a:t>As a small team, we are nimble and able to adapt quickly to changing market conditions, seizing opportunities as they arise. We prioritize creative investment approaches and concentrate on high-conviction ideas to deliver value.</a:t>
+            </a:r>
+          </a:p>
+          <a:p>
+            <a:pPr marL="285750" indent="-228600">
+              <a:lnSpc>
+                <a:spcPct val="90000"/>
+              </a:lnSpc>
+              <a:spcAft>
+                <a:spcPts val="600"/>
+              </a:spcAft>
+              <a:buFont typeface="Arial" panose="020B0604020202020204" pitchFamily="34" charset="0"/>
+              <a:buChar char="•"/>
+            </a:pPr>
+            <a:r>
+              <a:rPr lang="en-US" sz="1600" b="1" dirty="0">
+                <a:solidFill>
+                  <a:schemeClr val="tx1">
+                    <a:alpha val="80000"/>
+                  </a:schemeClr>
+                </a:solidFill>
+                <a:latin typeface="Tahoma" panose="020B0604030504040204" pitchFamily="34" charset="0"/>
+                <a:ea typeface="Tahoma" panose="020B0604030504040204" pitchFamily="34" charset="0"/>
+                <a:cs typeface="Tahoma" panose="020B0604030504040204" pitchFamily="34" charset="0"/>
+              </a:rPr>
+              <a:t>High-Touch Approach: </a:t>
+            </a:r>
+            <a:r>
+              <a:rPr lang="en-US" sz="1600" dirty="0">
+                <a:solidFill>
+                  <a:schemeClr val="tx1">
+                    <a:alpha val="80000"/>
+                  </a:schemeClr>
+                </a:solidFill>
+                <a:latin typeface="Tahoma" panose="020B0604030504040204" pitchFamily="34" charset="0"/>
+                <a:ea typeface="Tahoma" panose="020B0604030504040204" pitchFamily="34" charset="0"/>
+                <a:cs typeface="Tahoma" panose="020B0604030504040204" pitchFamily="34" charset="0"/>
+              </a:rPr>
+              <a:t>Our compact size allows for a more personalized relationship with investors, ensuring direct communication and tailored attention to client needs. Each investor is a priority, and we are deeply committed to building long-term, trusted partnerships.</a:t>
+            </a:r>
+          </a:p>
+          <a:p>
+            <a:pPr marL="285750" indent="-228600">
+              <a:lnSpc>
+                <a:spcPct val="90000"/>
+              </a:lnSpc>
+              <a:spcAft>
+                <a:spcPts val="600"/>
+              </a:spcAft>
+              <a:buFont typeface="Arial" panose="020B0604020202020204" pitchFamily="34" charset="0"/>
+              <a:buChar char="•"/>
+            </a:pPr>
+            <a:r>
+              <a:rPr lang="en-US" sz="1600" b="1" dirty="0">
+                <a:solidFill>
+                  <a:schemeClr val="tx1">
+                    <a:alpha val="80000"/>
+                  </a:schemeClr>
+                </a:solidFill>
+                <a:latin typeface="Tahoma" panose="020B0604030504040204" pitchFamily="34" charset="0"/>
+                <a:ea typeface="Tahoma" panose="020B0604030504040204" pitchFamily="34" charset="0"/>
+                <a:cs typeface="Tahoma" panose="020B0604030504040204" pitchFamily="34" charset="0"/>
+              </a:rPr>
+              <a:t>Talent-Driven: </a:t>
+            </a:r>
+            <a:r>
+              <a:rPr lang="en-US" sz="1600" dirty="0">
+                <a:solidFill>
+                  <a:schemeClr val="tx1">
+                    <a:alpha val="80000"/>
+                  </a:schemeClr>
+                </a:solidFill>
+                <a:latin typeface="Tahoma" panose="020B0604030504040204" pitchFamily="34" charset="0"/>
+                <a:ea typeface="Tahoma" panose="020B0604030504040204" pitchFamily="34" charset="0"/>
+                <a:cs typeface="Tahoma" panose="020B0604030504040204" pitchFamily="34" charset="0"/>
+              </a:rPr>
+              <a:t>Our team comprises of highly ambitious professionals with exceptional backgrounds in finance and mathematics.</a:t>
+            </a:r>
+            <a:endParaRPr lang="en-US" sz="1600" b="1" dirty="0">
+              <a:solidFill>
+                <a:schemeClr val="tx1">
+                  <a:alpha val="80000"/>
+                </a:schemeClr>
+              </a:solidFill>
+              <a:latin typeface="Tahoma" panose="020B0604030504040204" pitchFamily="34" charset="0"/>
+              <a:ea typeface="Tahoma" panose="020B0604030504040204" pitchFamily="34" charset="0"/>
+              <a:cs typeface="Tahoma" panose="020B0604030504040204" pitchFamily="34" charset="0"/>
+            </a:endParaRPr>
+          </a:p>
+          <a:p>
+            <a:pPr indent="-228600">
+              <a:lnSpc>
+                <a:spcPct val="90000"/>
+              </a:lnSpc>
+              <a:spcAft>
+                <a:spcPts val="600"/>
+              </a:spcAft>
+              <a:buFont typeface="Arial" panose="020B0604020202020204" pitchFamily="34" charset="0"/>
+              <a:buChar char="•"/>
+            </a:pPr>
+            <a:endParaRPr lang="en-US" sz="1600" b="1" i="0" u="none" strike="noStrike" dirty="0">
+              <a:solidFill>
+                <a:schemeClr val="tx1">
+                  <a:alpha val="80000"/>
+                </a:schemeClr>
+              </a:solidFill>
+              <a:effectLst/>
+              <a:latin typeface="Tahoma" panose="020B0604030504040204" pitchFamily="34" charset="0"/>
+              <a:ea typeface="Tahoma" panose="020B0604030504040204" pitchFamily="34" charset="0"/>
+              <a:cs typeface="Tahoma" panose="020B0604030504040204" pitchFamily="34" charset="0"/>
+            </a:endParaRPr>
+          </a:p>
+        </p:txBody>
+      </p:sp>
       <p:sp>
         <p:nvSpPr>
           <p:cNvPr id="4" name="Rectangle 3">
@@ -11704,7 +12012,7 @@
           <p:nvPr/>
         </p:nvPicPr>
         <p:blipFill>
-          <a:blip r:embed="rId3">
+          <a:blip r:embed="rId4">
             <a:extLst>
               <a:ext uri="{28A0092B-C50C-407E-A947-70E740481C1C}">
                 <a14:useLocalDpi xmlns:a14="http://schemas.microsoft.com/office/drawing/2010/main" val="0"/>
@@ -11738,10 +12046,10 @@
       </p:pic>
       <p:sp>
         <p:nvSpPr>
-          <p:cNvPr id="2" name="TextBox 1">
-            <a:extLst>
-              <a:ext uri="{FF2B5EF4-FFF2-40B4-BE49-F238E27FC236}">
-                <a16:creationId xmlns:a16="http://schemas.microsoft.com/office/drawing/2014/main" id="{9C4C1348-51FA-9544-2962-1FBDB551C170}"/>
+          <p:cNvPr id="9" name="TextBox 8">
+            <a:extLst>
+              <a:ext uri="{FF2B5EF4-FFF2-40B4-BE49-F238E27FC236}">
+                <a16:creationId xmlns:a16="http://schemas.microsoft.com/office/drawing/2014/main" id="{4DB12D36-EFB8-7495-BD60-682B9242AAED}"/>
               </a:ext>
             </a:extLst>
           </p:cNvPr>
@@ -11750,8 +12058,8 @@
         </p:nvSpPr>
         <p:spPr>
           <a:xfrm>
-            <a:off x="391886" y="438973"/>
-            <a:ext cx="10010898" cy="461665"/>
+            <a:off x="6723971" y="575024"/>
+            <a:ext cx="4010201" cy="461665"/>
           </a:xfrm>
           <a:prstGeom prst="rect">
             <a:avLst/>
@@ -11764,6 +12072,7 @@
           </a:bodyPr>
           <a:lstStyle/>
           <a:p>
+            <a:pPr algn="ctr"/>
             <a:r>
               <a:rPr lang="en-US" sz="2400" b="1" i="0" u="none" strike="noStrike" dirty="0">
                 <a:effectLst/>
@@ -11782,45 +12091,10 @@
           </a:p>
         </p:txBody>
       </p:sp>
-      <p:sp>
-        <p:nvSpPr>
-          <p:cNvPr id="3" name="TextBox 2">
-            <a:extLst>
-              <a:ext uri="{FF2B5EF4-FFF2-40B4-BE49-F238E27FC236}">
-                <a16:creationId xmlns:a16="http://schemas.microsoft.com/office/drawing/2014/main" id="{6A361F13-97FA-9BF0-4237-043932049933}"/>
-              </a:ext>
-            </a:extLst>
-          </p:cNvPr>
-          <p:cNvSpPr txBox="1"/>
-          <p:nvPr/>
-        </p:nvSpPr>
-        <p:spPr>
-          <a:xfrm>
-            <a:off x="759655" y="1181686"/>
-            <a:ext cx="1578445" cy="369332"/>
-          </a:xfrm>
-          <a:prstGeom prst="rect">
-            <a:avLst/>
-          </a:prstGeom>
-          <a:noFill/>
-        </p:spPr>
-        <p:txBody>
-          <a:bodyPr wrap="none" rtlCol="0">
-            <a:spAutoFit/>
-          </a:bodyPr>
-          <a:lstStyle/>
-          <a:p>
-            <a:r>
-              <a:rPr lang="en-US" i="1" dirty="0"/>
-              <a:t>To be updated</a:t>
-            </a:r>
-          </a:p>
-        </p:txBody>
-      </p:sp>
     </p:spTree>
     <p:extLst>
       <p:ext uri="{BB962C8B-B14F-4D97-AF65-F5344CB8AC3E}">
-        <p14:creationId xmlns:p14="http://schemas.microsoft.com/office/powerpoint/2010/main" val="1959764496"/>
+        <p14:creationId xmlns:p14="http://schemas.microsoft.com/office/powerpoint/2010/main" val="370066060"/>
       </p:ext>
     </p:extLst>
   </p:cSld>
